--- a/gOGOGAGA.pptx
+++ b/gOGOGAGA.pptx
@@ -4,14 +4,18 @@
   <p:sldMasterIdLst>
     <p:sldMasterId id="2147483673" r:id="rId4"/>
   </p:sldMasterIdLst>
+  <p:notesMasterIdLst>
+    <p:notesMasterId r:id="rId13"/>
+  </p:notesMasterIdLst>
   <p:sldIdLst>
     <p:sldId id="257" r:id="rId5"/>
     <p:sldId id="262" r:id="rId6"/>
     <p:sldId id="261" r:id="rId7"/>
-    <p:sldId id="263" r:id="rId8"/>
+    <p:sldId id="268" r:id="rId8"/>
     <p:sldId id="264" r:id="rId9"/>
     <p:sldId id="265" r:id="rId10"/>
-    <p:sldId id="266" r:id="rId11"/>
+    <p:sldId id="267" r:id="rId11"/>
+    <p:sldId id="266" r:id="rId12"/>
   </p:sldIdLst>
   <p:sldSz cx="12192000" cy="6858000"/>
   <p:notesSz cx="6858000" cy="9144000"/>
@@ -116,6 +120,468 @@
     </p:ext>
   </p:extLst>
 </p:presentation>
+</file>
+
+<file path=ppt/revisionInfo.xml><?xml version="1.0" encoding="utf-8"?>
+<p1510:revInfo xmlns:a="http://schemas.openxmlformats.org/drawingml/2006/main" xmlns:r="http://schemas.openxmlformats.org/officeDocument/2006/relationships" xmlns:p1510="http://schemas.microsoft.com/office/powerpoint/2015/10/main">
+  <p1510:revLst>
+    <p1510:client id="{4CA6EE96-F28A-424A-9353-249280B29811}" v="135" dt="2021-01-20T01:39:28.396"/>
+  </p1510:revLst>
+</p1510:revInfo>
+</file>
+
+<file path=ppt/changesInfos/changesInfo1.xml><?xml version="1.0" encoding="utf-8"?>
+<pc:chgInfo xmlns:a="http://schemas.openxmlformats.org/drawingml/2006/main" xmlns:r="http://schemas.openxmlformats.org/officeDocument/2006/relationships" xmlns:ac="http://schemas.microsoft.com/office/drawing/2013/main/command" xmlns:pc="http://schemas.microsoft.com/office/powerpoint/2013/main/command">
+  <pc:docChgLst>
+    <pc:chgData name="Jennifer Lamoureux" userId="df8978671778c259" providerId="LiveId" clId="{4CA6EE96-F28A-424A-9353-249280B29811}"/>
+    <pc:docChg chg="undo redo custSel mod addSld delSld modSld sldOrd">
+      <pc:chgData name="Jennifer Lamoureux" userId="df8978671778c259" providerId="LiveId" clId="{4CA6EE96-F28A-424A-9353-249280B29811}" dt="2021-01-20T01:51:44.945" v="2062" actId="20577"/>
+      <pc:docMkLst>
+        <pc:docMk/>
+      </pc:docMkLst>
+      <pc:sldChg chg="modSp mod">
+        <pc:chgData name="Jennifer Lamoureux" userId="df8978671778c259" providerId="LiveId" clId="{4CA6EE96-F28A-424A-9353-249280B29811}" dt="2021-01-20T01:23:58.330" v="947" actId="27636"/>
+        <pc:sldMkLst>
+          <pc:docMk/>
+          <pc:sldMk cId="2584280759" sldId="257"/>
+        </pc:sldMkLst>
+        <pc:spChg chg="mod">
+          <ac:chgData name="Jennifer Lamoureux" userId="df8978671778c259" providerId="LiveId" clId="{4CA6EE96-F28A-424A-9353-249280B29811}" dt="2021-01-20T01:23:58.330" v="947" actId="27636"/>
+          <ac:spMkLst>
+            <pc:docMk/>
+            <pc:sldMk cId="2584280759" sldId="257"/>
+            <ac:spMk id="2" creationId="{18C3B467-088C-4F3D-A9A7-105C4E1E20CD}"/>
+          </ac:spMkLst>
+        </pc:spChg>
+      </pc:sldChg>
+      <pc:sldChg chg="modSp">
+        <pc:chgData name="Jennifer Lamoureux" userId="df8978671778c259" providerId="LiveId" clId="{4CA6EE96-F28A-424A-9353-249280B29811}" dt="2021-01-20T01:08:35.456" v="122" actId="20577"/>
+        <pc:sldMkLst>
+          <pc:docMk/>
+          <pc:sldMk cId="183243182" sldId="261"/>
+        </pc:sldMkLst>
+        <pc:graphicFrameChg chg="mod">
+          <ac:chgData name="Jennifer Lamoureux" userId="df8978671778c259" providerId="LiveId" clId="{4CA6EE96-F28A-424A-9353-249280B29811}" dt="2021-01-20T01:08:35.456" v="122" actId="20577"/>
+          <ac:graphicFrameMkLst>
+            <pc:docMk/>
+            <pc:sldMk cId="183243182" sldId="261"/>
+            <ac:graphicFrameMk id="5" creationId="{91DB1382-7276-49FA-9632-38D558F457E3}"/>
+          </ac:graphicFrameMkLst>
+        </pc:graphicFrameChg>
+      </pc:sldChg>
+      <pc:sldChg chg="addSp delSp modSp del mod modClrScheme chgLayout">
+        <pc:chgData name="Jennifer Lamoureux" userId="df8978671778c259" providerId="LiveId" clId="{4CA6EE96-F28A-424A-9353-249280B29811}" dt="2021-01-20T01:35:11.963" v="1333" actId="2696"/>
+        <pc:sldMkLst>
+          <pc:docMk/>
+          <pc:sldMk cId="3141047123" sldId="263"/>
+        </pc:sldMkLst>
+        <pc:spChg chg="mod">
+          <ac:chgData name="Jennifer Lamoureux" userId="df8978671778c259" providerId="LiveId" clId="{4CA6EE96-F28A-424A-9353-249280B29811}" dt="2021-01-20T01:34:29.369" v="1300" actId="26606"/>
+          <ac:spMkLst>
+            <pc:docMk/>
+            <pc:sldMk cId="3141047123" sldId="263"/>
+            <ac:spMk id="2" creationId="{3C9A4B96-B8E5-4B43-AE48-290C1948FE7C}"/>
+          </ac:spMkLst>
+        </pc:spChg>
+        <pc:spChg chg="mod">
+          <ac:chgData name="Jennifer Lamoureux" userId="df8978671778c259" providerId="LiveId" clId="{4CA6EE96-F28A-424A-9353-249280B29811}" dt="2021-01-20T01:35:05.650" v="1331" actId="21"/>
+          <ac:spMkLst>
+            <pc:docMk/>
+            <pc:sldMk cId="3141047123" sldId="263"/>
+            <ac:spMk id="3" creationId="{E5CAED68-9FA0-4081-A23F-AD55A8F35D17}"/>
+          </ac:spMkLst>
+        </pc:spChg>
+        <pc:spChg chg="add del mod">
+          <ac:chgData name="Jennifer Lamoureux" userId="df8978671778c259" providerId="LiveId" clId="{4CA6EE96-F28A-424A-9353-249280B29811}" dt="2021-01-20T01:33:19.594" v="1260" actId="21"/>
+          <ac:spMkLst>
+            <pc:docMk/>
+            <pc:sldMk cId="3141047123" sldId="263"/>
+            <ac:spMk id="4" creationId="{066C8A80-3D6D-4EA4-BA32-67C749F893C6}"/>
+          </ac:spMkLst>
+        </pc:spChg>
+        <pc:spChg chg="add del mod">
+          <ac:chgData name="Jennifer Lamoureux" userId="df8978671778c259" providerId="LiveId" clId="{4CA6EE96-F28A-424A-9353-249280B29811}" dt="2021-01-20T01:33:34.008" v="1267" actId="478"/>
+          <ac:spMkLst>
+            <pc:docMk/>
+            <pc:sldMk cId="3141047123" sldId="263"/>
+            <ac:spMk id="5" creationId="{4C50E843-7C50-4738-9B09-95A53BC1B079}"/>
+          </ac:spMkLst>
+        </pc:spChg>
+        <pc:spChg chg="add del mod">
+          <ac:chgData name="Jennifer Lamoureux" userId="df8978671778c259" providerId="LiveId" clId="{4CA6EE96-F28A-424A-9353-249280B29811}" dt="2021-01-20T01:34:07.577" v="1285" actId="26606"/>
+          <ac:spMkLst>
+            <pc:docMk/>
+            <pc:sldMk cId="3141047123" sldId="263"/>
+            <ac:spMk id="8" creationId="{CB06E3B7-A750-4BDD-8C3A-E0B9814CA7AF}"/>
+          </ac:spMkLst>
+        </pc:spChg>
+        <pc:spChg chg="add del mod">
+          <ac:chgData name="Jennifer Lamoureux" userId="df8978671778c259" providerId="LiveId" clId="{4CA6EE96-F28A-424A-9353-249280B29811}" dt="2021-01-20T01:34:07.577" v="1285" actId="26606"/>
+          <ac:spMkLst>
+            <pc:docMk/>
+            <pc:sldMk cId="3141047123" sldId="263"/>
+            <ac:spMk id="10" creationId="{04E4D641-8423-4AD7-83E5-9D765BB5DB6F}"/>
+          </ac:spMkLst>
+        </pc:spChg>
+        <pc:spChg chg="add del mod">
+          <ac:chgData name="Jennifer Lamoureux" userId="df8978671778c259" providerId="LiveId" clId="{4CA6EE96-F28A-424A-9353-249280B29811}" dt="2021-01-20T01:34:07.577" v="1285" actId="26606"/>
+          <ac:spMkLst>
+            <pc:docMk/>
+            <pc:sldMk cId="3141047123" sldId="263"/>
+            <ac:spMk id="12" creationId="{2F0E4A57-0F84-4AD8-8049-BD690F9CAAB7}"/>
+          </ac:spMkLst>
+        </pc:spChg>
+        <pc:spChg chg="add del mod">
+          <ac:chgData name="Jennifer Lamoureux" userId="df8978671778c259" providerId="LiveId" clId="{4CA6EE96-F28A-424A-9353-249280B29811}" dt="2021-01-20T01:34:09.855" v="1287" actId="26606"/>
+          <ac:spMkLst>
+            <pc:docMk/>
+            <pc:sldMk cId="3141047123" sldId="263"/>
+            <ac:spMk id="14" creationId="{8F59EAEB-9717-46AC-B77A-2517C8C5DDB1}"/>
+          </ac:spMkLst>
+        </pc:spChg>
+        <pc:spChg chg="add del mod">
+          <ac:chgData name="Jennifer Lamoureux" userId="df8978671778c259" providerId="LiveId" clId="{4CA6EE96-F28A-424A-9353-249280B29811}" dt="2021-01-20T01:34:17.834" v="1289" actId="26606"/>
+          <ac:spMkLst>
+            <pc:docMk/>
+            <pc:sldMk cId="3141047123" sldId="263"/>
+            <ac:spMk id="16" creationId="{7D354348-D16E-4865-9B48-41379004AB80}"/>
+          </ac:spMkLst>
+        </pc:spChg>
+        <pc:spChg chg="add del mod">
+          <ac:chgData name="Jennifer Lamoureux" userId="df8978671778c259" providerId="LiveId" clId="{4CA6EE96-F28A-424A-9353-249280B29811}" dt="2021-01-20T01:34:19.133" v="1291" actId="26606"/>
+          <ac:spMkLst>
+            <pc:docMk/>
+            <pc:sldMk cId="3141047123" sldId="263"/>
+            <ac:spMk id="18" creationId="{8F59EAEB-9717-46AC-B77A-2517C8C5DDB1}"/>
+          </ac:spMkLst>
+        </pc:spChg>
+        <pc:spChg chg="add del mod">
+          <ac:chgData name="Jennifer Lamoureux" userId="df8978671778c259" providerId="LiveId" clId="{4CA6EE96-F28A-424A-9353-249280B29811}" dt="2021-01-20T01:34:20.663" v="1293" actId="26606"/>
+          <ac:spMkLst>
+            <pc:docMk/>
+            <pc:sldMk cId="3141047123" sldId="263"/>
+            <ac:spMk id="20" creationId="{CB06E3B7-A750-4BDD-8C3A-E0B9814CA7AF}"/>
+          </ac:spMkLst>
+        </pc:spChg>
+        <pc:spChg chg="add del mod">
+          <ac:chgData name="Jennifer Lamoureux" userId="df8978671778c259" providerId="LiveId" clId="{4CA6EE96-F28A-424A-9353-249280B29811}" dt="2021-01-20T01:34:20.663" v="1293" actId="26606"/>
+          <ac:spMkLst>
+            <pc:docMk/>
+            <pc:sldMk cId="3141047123" sldId="263"/>
+            <ac:spMk id="21" creationId="{04E4D641-8423-4AD7-83E5-9D765BB5DB6F}"/>
+          </ac:spMkLst>
+        </pc:spChg>
+        <pc:spChg chg="add del mod">
+          <ac:chgData name="Jennifer Lamoureux" userId="df8978671778c259" providerId="LiveId" clId="{4CA6EE96-F28A-424A-9353-249280B29811}" dt="2021-01-20T01:34:20.663" v="1293" actId="26606"/>
+          <ac:spMkLst>
+            <pc:docMk/>
+            <pc:sldMk cId="3141047123" sldId="263"/>
+            <ac:spMk id="22" creationId="{2F0E4A57-0F84-4AD8-8049-BD690F9CAAB7}"/>
+          </ac:spMkLst>
+        </pc:spChg>
+        <pc:spChg chg="add del mod">
+          <ac:chgData name="Jennifer Lamoureux" userId="df8978671778c259" providerId="LiveId" clId="{4CA6EE96-F28A-424A-9353-249280B29811}" dt="2021-01-20T01:34:21.115" v="1295" actId="26606"/>
+          <ac:spMkLst>
+            <pc:docMk/>
+            <pc:sldMk cId="3141047123" sldId="263"/>
+            <ac:spMk id="24" creationId="{8F59EAEB-9717-46AC-B77A-2517C8C5DDB1}"/>
+          </ac:spMkLst>
+        </pc:spChg>
+        <pc:spChg chg="add del mod">
+          <ac:chgData name="Jennifer Lamoureux" userId="df8978671778c259" providerId="LiveId" clId="{4CA6EE96-F28A-424A-9353-249280B29811}" dt="2021-01-20T01:34:28.506" v="1297" actId="26606"/>
+          <ac:spMkLst>
+            <pc:docMk/>
+            <pc:sldMk cId="3141047123" sldId="263"/>
+            <ac:spMk id="26" creationId="{7D354348-D16E-4865-9B48-41379004AB80}"/>
+          </ac:spMkLst>
+        </pc:spChg>
+        <pc:spChg chg="add del mod">
+          <ac:chgData name="Jennifer Lamoureux" userId="df8978671778c259" providerId="LiveId" clId="{4CA6EE96-F28A-424A-9353-249280B29811}" dt="2021-01-20T01:34:29.355" v="1299" actId="26606"/>
+          <ac:spMkLst>
+            <pc:docMk/>
+            <pc:sldMk cId="3141047123" sldId="263"/>
+            <ac:spMk id="28" creationId="{8F59EAEB-9717-46AC-B77A-2517C8C5DDB1}"/>
+          </ac:spMkLst>
+        </pc:spChg>
+        <pc:spChg chg="add mod">
+          <ac:chgData name="Jennifer Lamoureux" userId="df8978671778c259" providerId="LiveId" clId="{4CA6EE96-F28A-424A-9353-249280B29811}" dt="2021-01-20T01:34:29.369" v="1300" actId="26606"/>
+          <ac:spMkLst>
+            <pc:docMk/>
+            <pc:sldMk cId="3141047123" sldId="263"/>
+            <ac:spMk id="30" creationId="{CB06E3B7-A750-4BDD-8C3A-E0B9814CA7AF}"/>
+          </ac:spMkLst>
+        </pc:spChg>
+        <pc:spChg chg="add mod">
+          <ac:chgData name="Jennifer Lamoureux" userId="df8978671778c259" providerId="LiveId" clId="{4CA6EE96-F28A-424A-9353-249280B29811}" dt="2021-01-20T01:34:29.369" v="1300" actId="26606"/>
+          <ac:spMkLst>
+            <pc:docMk/>
+            <pc:sldMk cId="3141047123" sldId="263"/>
+            <ac:spMk id="31" creationId="{04E4D641-8423-4AD7-83E5-9D765BB5DB6F}"/>
+          </ac:spMkLst>
+        </pc:spChg>
+        <pc:spChg chg="add mod">
+          <ac:chgData name="Jennifer Lamoureux" userId="df8978671778c259" providerId="LiveId" clId="{4CA6EE96-F28A-424A-9353-249280B29811}" dt="2021-01-20T01:34:29.369" v="1300" actId="26606"/>
+          <ac:spMkLst>
+            <pc:docMk/>
+            <pc:sldMk cId="3141047123" sldId="263"/>
+            <ac:spMk id="32" creationId="{2F0E4A57-0F84-4AD8-8049-BD690F9CAAB7}"/>
+          </ac:spMkLst>
+        </pc:spChg>
+      </pc:sldChg>
+      <pc:sldChg chg="addSp modSp mod">
+        <pc:chgData name="Jennifer Lamoureux" userId="df8978671778c259" providerId="LiveId" clId="{4CA6EE96-F28A-424A-9353-249280B29811}" dt="2021-01-20T01:37:10.552" v="1548" actId="20577"/>
+        <pc:sldMkLst>
+          <pc:docMk/>
+          <pc:sldMk cId="2919240769" sldId="264"/>
+        </pc:sldMkLst>
+        <pc:spChg chg="mod">
+          <ac:chgData name="Jennifer Lamoureux" userId="df8978671778c259" providerId="LiveId" clId="{4CA6EE96-F28A-424A-9353-249280B29811}" dt="2021-01-20T01:37:10.552" v="1548" actId="20577"/>
+          <ac:spMkLst>
+            <pc:docMk/>
+            <pc:sldMk cId="2919240769" sldId="264"/>
+            <ac:spMk id="3" creationId="{FBDAC0CB-370F-4931-8483-DDA8916CF95B}"/>
+          </ac:spMkLst>
+        </pc:spChg>
+        <pc:picChg chg="add mod">
+          <ac:chgData name="Jennifer Lamoureux" userId="df8978671778c259" providerId="LiveId" clId="{4CA6EE96-F28A-424A-9353-249280B29811}" dt="2021-01-20T01:36:38.517" v="1458" actId="1076"/>
+          <ac:picMkLst>
+            <pc:docMk/>
+            <pc:sldMk cId="2919240769" sldId="264"/>
+            <ac:picMk id="1026" creationId="{C9E949B0-15FA-40D7-B479-895D56618AD1}"/>
+          </ac:picMkLst>
+        </pc:picChg>
+      </pc:sldChg>
+      <pc:sldChg chg="addSp delSp modSp mod modClrScheme chgLayout modNotesTx">
+        <pc:chgData name="Jennifer Lamoureux" userId="df8978671778c259" providerId="LiveId" clId="{4CA6EE96-F28A-424A-9353-249280B29811}" dt="2021-01-20T01:46:42.672" v="1948" actId="20577"/>
+        <pc:sldMkLst>
+          <pc:docMk/>
+          <pc:sldMk cId="433095225" sldId="265"/>
+        </pc:sldMkLst>
+        <pc:spChg chg="mod">
+          <ac:chgData name="Jennifer Lamoureux" userId="df8978671778c259" providerId="LiveId" clId="{4CA6EE96-F28A-424A-9353-249280B29811}" dt="2021-01-20T01:17:12.609" v="410" actId="26606"/>
+          <ac:spMkLst>
+            <pc:docMk/>
+            <pc:sldMk cId="433095225" sldId="265"/>
+            <ac:spMk id="2" creationId="{5F484F91-D050-4B1E-BC62-3AD56D875FB7}"/>
+          </ac:spMkLst>
+        </pc:spChg>
+        <pc:spChg chg="del">
+          <ac:chgData name="Jennifer Lamoureux" userId="df8978671778c259" providerId="LiveId" clId="{4CA6EE96-F28A-424A-9353-249280B29811}" dt="2021-01-20T01:16:17.623" v="402" actId="26606"/>
+          <ac:spMkLst>
+            <pc:docMk/>
+            <pc:sldMk cId="433095225" sldId="265"/>
+            <ac:spMk id="3" creationId="{6EFCB0A1-DBEB-4F76-B65A-CAE912F0D8F2}"/>
+          </ac:spMkLst>
+        </pc:spChg>
+        <pc:spChg chg="add del mod">
+          <ac:chgData name="Jennifer Lamoureux" userId="df8978671778c259" providerId="LiveId" clId="{4CA6EE96-F28A-424A-9353-249280B29811}" dt="2021-01-20T01:16:45.334" v="405" actId="26606"/>
+          <ac:spMkLst>
+            <pc:docMk/>
+            <pc:sldMk cId="433095225" sldId="265"/>
+            <ac:spMk id="5" creationId="{0A74130A-646D-47F1-8F06-B363A1A367FB}"/>
+          </ac:spMkLst>
+        </pc:spChg>
+        <pc:spChg chg="add del mod">
+          <ac:chgData name="Jennifer Lamoureux" userId="df8978671778c259" providerId="LiveId" clId="{4CA6EE96-F28A-424A-9353-249280B29811}" dt="2021-01-20T01:16:34.608" v="403" actId="478"/>
+          <ac:spMkLst>
+            <pc:docMk/>
+            <pc:sldMk cId="433095225" sldId="265"/>
+            <ac:spMk id="8" creationId="{4D114619-CB96-4A8B-9337-A145F5D8748A}"/>
+          </ac:spMkLst>
+        </pc:spChg>
+        <pc:spChg chg="add del mod">
+          <ac:chgData name="Jennifer Lamoureux" userId="df8978671778c259" providerId="LiveId" clId="{4CA6EE96-F28A-424A-9353-249280B29811}" dt="2021-01-20T01:16:53.465" v="407" actId="26606"/>
+          <ac:spMkLst>
+            <pc:docMk/>
+            <pc:sldMk cId="433095225" sldId="265"/>
+            <ac:spMk id="9" creationId="{C98F5643-A160-43AA-BB09-A0D22941BAD7}"/>
+          </ac:spMkLst>
+        </pc:spChg>
+        <pc:spChg chg="add del mod">
+          <ac:chgData name="Jennifer Lamoureux" userId="df8978671778c259" providerId="LiveId" clId="{4CA6EE96-F28A-424A-9353-249280B29811}" dt="2021-01-20T01:17:12.601" v="409" actId="26606"/>
+          <ac:spMkLst>
+            <pc:docMk/>
+            <pc:sldMk cId="433095225" sldId="265"/>
+            <ac:spMk id="12" creationId="{0A74130A-646D-47F1-8F06-B363A1A367FB}"/>
+          </ac:spMkLst>
+        </pc:spChg>
+        <pc:spChg chg="add del mod">
+          <ac:chgData name="Jennifer Lamoureux" userId="df8978671778c259" providerId="LiveId" clId="{4CA6EE96-F28A-424A-9353-249280B29811}" dt="2021-01-20T01:17:16.681" v="411" actId="478"/>
+          <ac:spMkLst>
+            <pc:docMk/>
+            <pc:sldMk cId="433095225" sldId="265"/>
+            <ac:spMk id="14" creationId="{A3020511-7E06-4346-8717-25530D820306}"/>
+          </ac:spMkLst>
+        </pc:spChg>
+        <pc:picChg chg="add del">
+          <ac:chgData name="Jennifer Lamoureux" userId="df8978671778c259" providerId="LiveId" clId="{4CA6EE96-F28A-424A-9353-249280B29811}" dt="2021-01-20T01:16:45.334" v="405" actId="26606"/>
+          <ac:picMkLst>
+            <pc:docMk/>
+            <pc:sldMk cId="433095225" sldId="265"/>
+            <ac:picMk id="4" creationId="{372CACDE-CD07-455F-A143-BE5C1322CF9B}"/>
+          </ac:picMkLst>
+        </pc:picChg>
+        <pc:picChg chg="add del">
+          <ac:chgData name="Jennifer Lamoureux" userId="df8978671778c259" providerId="LiveId" clId="{4CA6EE96-F28A-424A-9353-249280B29811}" dt="2021-01-20T01:16:53.465" v="407" actId="26606"/>
+          <ac:picMkLst>
+            <pc:docMk/>
+            <pc:sldMk cId="433095225" sldId="265"/>
+            <ac:picMk id="7" creationId="{9AB3ED27-6DD6-4A27-8997-66C144188A67}"/>
+          </ac:picMkLst>
+        </pc:picChg>
+        <pc:picChg chg="add del">
+          <ac:chgData name="Jennifer Lamoureux" userId="df8978671778c259" providerId="LiveId" clId="{4CA6EE96-F28A-424A-9353-249280B29811}" dt="2021-01-20T01:17:12.601" v="409" actId="26606"/>
+          <ac:picMkLst>
+            <pc:docMk/>
+            <pc:sldMk cId="433095225" sldId="265"/>
+            <ac:picMk id="11" creationId="{372CACDE-CD07-455F-A143-BE5C1322CF9B}"/>
+          </ac:picMkLst>
+        </pc:picChg>
+      </pc:sldChg>
+      <pc:sldChg chg="addSp modSp mod">
+        <pc:chgData name="Jennifer Lamoureux" userId="df8978671778c259" providerId="LiveId" clId="{4CA6EE96-F28A-424A-9353-249280B29811}" dt="2021-01-20T01:39:34.484" v="1562" actId="26606"/>
+        <pc:sldMkLst>
+          <pc:docMk/>
+          <pc:sldMk cId="2104656030" sldId="266"/>
+        </pc:sldMkLst>
+        <pc:spChg chg="mod">
+          <ac:chgData name="Jennifer Lamoureux" userId="df8978671778c259" providerId="LiveId" clId="{4CA6EE96-F28A-424A-9353-249280B29811}" dt="2021-01-20T01:39:34.484" v="1562" actId="26606"/>
+          <ac:spMkLst>
+            <pc:docMk/>
+            <pc:sldMk cId="2104656030" sldId="266"/>
+            <ac:spMk id="3" creationId="{BDD8104A-71DC-4F1F-AD4A-24A7547F0421}"/>
+          </ac:spMkLst>
+        </pc:spChg>
+        <pc:picChg chg="add mod">
+          <ac:chgData name="Jennifer Lamoureux" userId="df8978671778c259" providerId="LiveId" clId="{4CA6EE96-F28A-424A-9353-249280B29811}" dt="2021-01-20T01:39:34.484" v="1562" actId="26606"/>
+          <ac:picMkLst>
+            <pc:docMk/>
+            <pc:sldMk cId="2104656030" sldId="266"/>
+            <ac:picMk id="4" creationId="{189975E6-B1B4-4FDA-BCAD-76DDFD4680BD}"/>
+          </ac:picMkLst>
+        </pc:picChg>
+      </pc:sldChg>
+      <pc:sldChg chg="delSp modSp add mod ord">
+        <pc:chgData name="Jennifer Lamoureux" userId="df8978671778c259" providerId="LiveId" clId="{4CA6EE96-F28A-424A-9353-249280B29811}" dt="2021-01-20T01:51:44.945" v="2062" actId="20577"/>
+        <pc:sldMkLst>
+          <pc:docMk/>
+          <pc:sldMk cId="3169973273" sldId="267"/>
+        </pc:sldMkLst>
+        <pc:spChg chg="mod">
+          <ac:chgData name="Jennifer Lamoureux" userId="df8978671778c259" providerId="LiveId" clId="{4CA6EE96-F28A-424A-9353-249280B29811}" dt="2021-01-20T01:17:57.388" v="434" actId="20577"/>
+          <ac:spMkLst>
+            <pc:docMk/>
+            <pc:sldMk cId="3169973273" sldId="267"/>
+            <ac:spMk id="2" creationId="{FF542261-D78D-4175-A189-3975CF514FA9}"/>
+          </ac:spMkLst>
+        </pc:spChg>
+        <pc:spChg chg="mod">
+          <ac:chgData name="Jennifer Lamoureux" userId="df8978671778c259" providerId="LiveId" clId="{4CA6EE96-F28A-424A-9353-249280B29811}" dt="2021-01-20T01:51:44.945" v="2062" actId="20577"/>
+          <ac:spMkLst>
+            <pc:docMk/>
+            <pc:sldMk cId="3169973273" sldId="267"/>
+            <ac:spMk id="3" creationId="{FBDAC0CB-370F-4931-8483-DDA8916CF95B}"/>
+          </ac:spMkLst>
+        </pc:spChg>
+        <pc:picChg chg="del">
+          <ac:chgData name="Jennifer Lamoureux" userId="df8978671778c259" providerId="LiveId" clId="{4CA6EE96-F28A-424A-9353-249280B29811}" dt="2021-01-20T01:17:43.008" v="415" actId="478"/>
+          <ac:picMkLst>
+            <pc:docMk/>
+            <pc:sldMk cId="3169973273" sldId="267"/>
+            <ac:picMk id="1026" creationId="{C9E949B0-15FA-40D7-B479-895D56618AD1}"/>
+          </ac:picMkLst>
+        </pc:picChg>
+      </pc:sldChg>
+      <pc:sldChg chg="addSp delSp modSp new mod modClrScheme chgLayout">
+        <pc:chgData name="Jennifer Lamoureux" userId="df8978671778c259" providerId="LiveId" clId="{4CA6EE96-F28A-424A-9353-249280B29811}" dt="2021-01-20T01:41:24.859" v="1566" actId="20577"/>
+        <pc:sldMkLst>
+          <pc:docMk/>
+          <pc:sldMk cId="2357490765" sldId="268"/>
+        </pc:sldMkLst>
+        <pc:spChg chg="add del">
+          <ac:chgData name="Jennifer Lamoureux" userId="df8978671778c259" providerId="LiveId" clId="{4CA6EE96-F28A-424A-9353-249280B29811}" dt="2021-01-20T01:34:40.276" v="1304" actId="26606"/>
+          <ac:spMkLst>
+            <pc:docMk/>
+            <pc:sldMk cId="2357490765" sldId="268"/>
+            <ac:spMk id="2" creationId="{968F4C46-B91F-4FB9-B13A-3B5550198249}"/>
+          </ac:spMkLst>
+        </pc:spChg>
+        <pc:spChg chg="add del">
+          <ac:chgData name="Jennifer Lamoureux" userId="df8978671778c259" providerId="LiveId" clId="{4CA6EE96-F28A-424A-9353-249280B29811}" dt="2021-01-20T01:34:40.276" v="1304" actId="26606"/>
+          <ac:spMkLst>
+            <pc:docMk/>
+            <pc:sldMk cId="2357490765" sldId="268"/>
+            <ac:spMk id="3" creationId="{2BA5FE50-B433-47B5-B546-A7C104B5F15C}"/>
+          </ac:spMkLst>
+        </pc:spChg>
+        <pc:spChg chg="add del">
+          <ac:chgData name="Jennifer Lamoureux" userId="df8978671778c259" providerId="LiveId" clId="{4CA6EE96-F28A-424A-9353-249280B29811}" dt="2021-01-20T01:34:40.276" v="1304" actId="26606"/>
+          <ac:spMkLst>
+            <pc:docMk/>
+            <pc:sldMk cId="2357490765" sldId="268"/>
+            <ac:spMk id="4" creationId="{334B3D58-2B89-4663-B110-10CB64F6C918}"/>
+          </ac:spMkLst>
+        </pc:spChg>
+        <pc:spChg chg="add del">
+          <ac:chgData name="Jennifer Lamoureux" userId="df8978671778c259" providerId="LiveId" clId="{4CA6EE96-F28A-424A-9353-249280B29811}" dt="2021-01-20T01:34:40.276" v="1304" actId="26606"/>
+          <ac:spMkLst>
+            <pc:docMk/>
+            <pc:sldMk cId="2357490765" sldId="268"/>
+            <ac:spMk id="5" creationId="{22E0E57B-EF3B-4093-8FC4-56D05A216E8B}"/>
+          </ac:spMkLst>
+        </pc:spChg>
+        <pc:spChg chg="add del">
+          <ac:chgData name="Jennifer Lamoureux" userId="df8978671778c259" providerId="LiveId" clId="{4CA6EE96-F28A-424A-9353-249280B29811}" dt="2021-01-20T01:34:40.276" v="1304" actId="26606"/>
+          <ac:spMkLst>
+            <pc:docMk/>
+            <pc:sldMk cId="2357490765" sldId="268"/>
+            <ac:spMk id="6" creationId="{3BDCB6C6-2B94-4D82-9F56-D6C31CA20829}"/>
+          </ac:spMkLst>
+        </pc:spChg>
+        <pc:spChg chg="add del mod">
+          <ac:chgData name="Jennifer Lamoureux" userId="df8978671778c259" providerId="LiveId" clId="{4CA6EE96-F28A-424A-9353-249280B29811}" dt="2021-01-20T01:34:40.269" v="1303" actId="26606"/>
+          <ac:spMkLst>
+            <pc:docMk/>
+            <pc:sldMk cId="2357490765" sldId="268"/>
+            <ac:spMk id="11" creationId="{4E90C60C-B4C4-4244-A9A7-4ABD141BF68B}"/>
+          </ac:spMkLst>
+        </pc:spChg>
+        <pc:spChg chg="add del mod">
+          <ac:chgData name="Jennifer Lamoureux" userId="df8978671778c259" providerId="LiveId" clId="{4CA6EE96-F28A-424A-9353-249280B29811}" dt="2021-01-20T01:34:40.269" v="1303" actId="26606"/>
+          <ac:spMkLst>
+            <pc:docMk/>
+            <pc:sldMk cId="2357490765" sldId="268"/>
+            <ac:spMk id="13" creationId="{A0C8CBF5-419B-47AD-9C38-AC2AB6075222}"/>
+          </ac:spMkLst>
+        </pc:spChg>
+        <pc:spChg chg="add mod">
+          <ac:chgData name="Jennifer Lamoureux" userId="df8978671778c259" providerId="LiveId" clId="{4CA6EE96-F28A-424A-9353-249280B29811}" dt="2021-01-20T01:35:08.813" v="1332"/>
+          <ac:spMkLst>
+            <pc:docMk/>
+            <pc:sldMk cId="2357490765" sldId="268"/>
+            <ac:spMk id="15" creationId="{C7E8F2D0-8A8B-4CBD-930E-6F650C7B13D6}"/>
+          </ac:spMkLst>
+        </pc:spChg>
+        <pc:spChg chg="add mod">
+          <ac:chgData name="Jennifer Lamoureux" userId="df8978671778c259" providerId="LiveId" clId="{4CA6EE96-F28A-424A-9353-249280B29811}" dt="2021-01-20T01:34:51.840" v="1328" actId="20577"/>
+          <ac:spMkLst>
+            <pc:docMk/>
+            <pc:sldMk cId="2357490765" sldId="268"/>
+            <ac:spMk id="16" creationId="{153C6905-8C50-4B2F-BAFC-B39170C1347C}"/>
+          </ac:spMkLst>
+        </pc:spChg>
+        <pc:spChg chg="add mod">
+          <ac:chgData name="Jennifer Lamoureux" userId="df8978671778c259" providerId="LiveId" clId="{4CA6EE96-F28A-424A-9353-249280B29811}" dt="2021-01-20T01:41:24.859" v="1566" actId="20577"/>
+          <ac:spMkLst>
+            <pc:docMk/>
+            <pc:sldMk cId="2357490765" sldId="268"/>
+            <ac:spMk id="17" creationId="{AAFD940F-400A-4980-81DB-A55005E9B8D1}"/>
+          </ac:spMkLst>
+        </pc:spChg>
+      </pc:sldChg>
+    </pc:docChg>
+  </pc:docChgLst>
+</pc:chgInfo>
 </file>
 
 <file path=ppt/diagrams/colors1.xml><?xml version="1.0" encoding="utf-8"?>
@@ -1068,7 +1534,7 @@
           </a:pPr>
           <a:r>
             <a:rPr lang="en-US" dirty="0"/>
-            <a:t>Lorem ipsum dolor sit amet, consectetuer adipiscing elit. </a:t>
+            <a:t>What we were trying to accomplish	</a:t>
           </a:r>
         </a:p>
       </dgm:t>
@@ -1110,7 +1576,7 @@
           </a:pPr>
           <a:r>
             <a:rPr lang="en-US" dirty="0"/>
-            <a:t>Nunc viverra imperdiet enim. Fusce est. Vivamus a tellus.</a:t>
+            <a:t>App/Visualization review &amp; learning</a:t>
           </a:r>
         </a:p>
       </dgm:t>
@@ -1152,7 +1618,7 @@
           </a:pPr>
           <a:r>
             <a:rPr lang="en-US" dirty="0"/>
-            <a:t>Pellentesque habitant morbi tristique senectus et netus.</a:t>
+            <a:t>If timed allowed and Questions</a:t>
           </a:r>
         </a:p>
       </dgm:t>
@@ -1377,7 +1843,7 @@
   <dgm:whole/>
   <dgm:extLst>
     <a:ext uri="http://schemas.microsoft.com/office/drawing/2008/diagram">
-      <dsp:dataModelExt xmlns:dsp="http://schemas.microsoft.com/office/drawing/2008/diagram" relId="rId6" minVer="http://schemas.openxmlformats.org/drawingml/2006/diagram"/>
+      <dsp:dataModelExt xmlns:dsp="http://schemas.microsoft.com/office/drawing/2008/diagram" relId="rId7" minVer="http://schemas.openxmlformats.org/drawingml/2006/diagram"/>
     </a:ext>
   </dgm:extLst>
 </dgm:dataModel>
@@ -1517,7 +1983,7 @@
         </a:bodyPr>
         <a:lstStyle/>
         <a:p>
-          <a:pPr marL="0" lvl="0" indent="0" algn="ctr" defTabSz="666750">
+          <a:pPr marL="0" lvl="0" indent="0" algn="ctr" defTabSz="889000">
             <a:lnSpc>
               <a:spcPct val="100000"/>
             </a:lnSpc>
@@ -1531,8 +1997,8 @@
             <a:defRPr cap="all"/>
           </a:pPr>
           <a:r>
-            <a:rPr lang="en-US" sz="1500" kern="1200" dirty="0"/>
-            <a:t>Lorem ipsum dolor sit amet, consectetuer adipiscing elit. </a:t>
+            <a:rPr lang="en-US" sz="2000" kern="1200" dirty="0"/>
+            <a:t>What we were trying to accomplish	</a:t>
           </a:r>
         </a:p>
       </dsp:txBody>
@@ -1667,7 +2133,7 @@
         </a:bodyPr>
         <a:lstStyle/>
         <a:p>
-          <a:pPr marL="0" lvl="0" indent="0" algn="ctr" defTabSz="666750">
+          <a:pPr marL="0" lvl="0" indent="0" algn="ctr" defTabSz="889000">
             <a:lnSpc>
               <a:spcPct val="100000"/>
             </a:lnSpc>
@@ -1681,8 +2147,8 @@
             <a:defRPr cap="all"/>
           </a:pPr>
           <a:r>
-            <a:rPr lang="en-US" sz="1500" kern="1200" dirty="0"/>
-            <a:t>Nunc viverra imperdiet enim. Fusce est. Vivamus a tellus.</a:t>
+            <a:rPr lang="en-US" sz="2000" kern="1200" dirty="0"/>
+            <a:t>App/Visualization review &amp; learning</a:t>
           </a:r>
         </a:p>
       </dsp:txBody>
@@ -1817,7 +2283,7 @@
         </a:bodyPr>
         <a:lstStyle/>
         <a:p>
-          <a:pPr marL="0" lvl="0" indent="0" algn="ctr" defTabSz="666750">
+          <a:pPr marL="0" lvl="0" indent="0" algn="ctr" defTabSz="889000">
             <a:lnSpc>
               <a:spcPct val="100000"/>
             </a:lnSpc>
@@ -1831,8 +2297,8 @@
             <a:defRPr cap="all"/>
           </a:pPr>
           <a:r>
-            <a:rPr lang="en-US" sz="1500" kern="1200" dirty="0"/>
-            <a:t>Pellentesque habitant morbi tristique senectus et netus.</a:t>
+            <a:rPr lang="en-US" sz="2000" kern="1200" dirty="0"/>
+            <a:t>If timed allowed and Questions</a:t>
           </a:r>
         </a:p>
       </dsp:txBody>
@@ -3092,6 +3558,706 @@
     </dgm:style>
   </dgm:styleLbl>
 </dgm:styleDef>
+</file>
+
+<file path=ppt/notesMasters/notesMaster1.xml><?xml version="1.0" encoding="utf-8"?>
+<p:notesMaster xmlns:a="http://schemas.openxmlformats.org/drawingml/2006/main" xmlns:r="http://schemas.openxmlformats.org/officeDocument/2006/relationships" xmlns:p="http://schemas.openxmlformats.org/presentationml/2006/main">
+  <p:cSld>
+    <p:bg>
+      <p:bgRef idx="1001">
+        <a:schemeClr val="bg1"/>
+      </p:bgRef>
+    </p:bg>
+    <p:spTree>
+      <p:nvGrpSpPr>
+        <p:cNvPr id="1" name=""/>
+        <p:cNvGrpSpPr/>
+        <p:nvPr/>
+      </p:nvGrpSpPr>
+      <p:grpSpPr>
+        <a:xfrm>
+          <a:off x="0" y="0"/>
+          <a:ext cx="0" cy="0"/>
+          <a:chOff x="0" y="0"/>
+          <a:chExt cx="0" cy="0"/>
+        </a:xfrm>
+      </p:grpSpPr>
+      <p:sp>
+        <p:nvSpPr>
+          <p:cNvPr id="2" name="Header Placeholder 1"/>
+          <p:cNvSpPr>
+            <a:spLocks noGrp="1"/>
+          </p:cNvSpPr>
+          <p:nvPr>
+            <p:ph type="hdr" sz="quarter"/>
+          </p:nvPr>
+        </p:nvSpPr>
+        <p:spPr>
+          <a:xfrm>
+            <a:off x="0" y="0"/>
+            <a:ext cx="2971800" cy="458788"/>
+          </a:xfrm>
+          <a:prstGeom prst="rect">
+            <a:avLst/>
+          </a:prstGeom>
+        </p:spPr>
+        <p:txBody>
+          <a:bodyPr vert="horz" lIns="91440" tIns="45720" rIns="91440" bIns="45720" rtlCol="0"/>
+          <a:lstStyle>
+            <a:lvl1pPr algn="l">
+              <a:defRPr sz="1200"/>
+            </a:lvl1pPr>
+          </a:lstStyle>
+          <a:p>
+            <a:endParaRPr lang="en-US"/>
+          </a:p>
+        </p:txBody>
+      </p:sp>
+      <p:sp>
+        <p:nvSpPr>
+          <p:cNvPr id="3" name="Date Placeholder 2"/>
+          <p:cNvSpPr>
+            <a:spLocks noGrp="1"/>
+          </p:cNvSpPr>
+          <p:nvPr>
+            <p:ph type="dt" idx="1"/>
+          </p:nvPr>
+        </p:nvSpPr>
+        <p:spPr>
+          <a:xfrm>
+            <a:off x="3884613" y="0"/>
+            <a:ext cx="2971800" cy="458788"/>
+          </a:xfrm>
+          <a:prstGeom prst="rect">
+            <a:avLst/>
+          </a:prstGeom>
+        </p:spPr>
+        <p:txBody>
+          <a:bodyPr vert="horz" lIns="91440" tIns="45720" rIns="91440" bIns="45720" rtlCol="0"/>
+          <a:lstStyle>
+            <a:lvl1pPr algn="r">
+              <a:defRPr sz="1200"/>
+            </a:lvl1pPr>
+          </a:lstStyle>
+          <a:p>
+            <a:fld id="{8E26B2CC-4245-441B-9806-08F934990F76}" type="datetimeFigureOut">
+              <a:rPr lang="en-US" smtClean="0"/>
+              <a:t>1/19/2021</a:t>
+            </a:fld>
+            <a:endParaRPr lang="en-US"/>
+          </a:p>
+        </p:txBody>
+      </p:sp>
+      <p:sp>
+        <p:nvSpPr>
+          <p:cNvPr id="4" name="Slide Image Placeholder 3"/>
+          <p:cNvSpPr>
+            <a:spLocks noGrp="1" noRot="1" noChangeAspect="1"/>
+          </p:cNvSpPr>
+          <p:nvPr>
+            <p:ph type="sldImg" idx="2"/>
+          </p:nvPr>
+        </p:nvSpPr>
+        <p:spPr>
+          <a:xfrm>
+            <a:off x="685800" y="1143000"/>
+            <a:ext cx="5486400" cy="3086100"/>
+          </a:xfrm>
+          <a:prstGeom prst="rect">
+            <a:avLst/>
+          </a:prstGeom>
+          <a:noFill/>
+          <a:ln w="12700">
+            <a:solidFill>
+              <a:prstClr val="black"/>
+            </a:solidFill>
+          </a:ln>
+        </p:spPr>
+        <p:txBody>
+          <a:bodyPr vert="horz" lIns="91440" tIns="45720" rIns="91440" bIns="45720" rtlCol="0" anchor="ctr"/>
+          <a:lstStyle/>
+          <a:p>
+            <a:endParaRPr lang="en-US"/>
+          </a:p>
+        </p:txBody>
+      </p:sp>
+      <p:sp>
+        <p:nvSpPr>
+          <p:cNvPr id="5" name="Notes Placeholder 4"/>
+          <p:cNvSpPr>
+            <a:spLocks noGrp="1"/>
+          </p:cNvSpPr>
+          <p:nvPr>
+            <p:ph type="body" sz="quarter" idx="3"/>
+          </p:nvPr>
+        </p:nvSpPr>
+        <p:spPr>
+          <a:xfrm>
+            <a:off x="685800" y="4400550"/>
+            <a:ext cx="5486400" cy="3600450"/>
+          </a:xfrm>
+          <a:prstGeom prst="rect">
+            <a:avLst/>
+          </a:prstGeom>
+        </p:spPr>
+        <p:txBody>
+          <a:bodyPr vert="horz" lIns="91440" tIns="45720" rIns="91440" bIns="45720" rtlCol="0"/>
+          <a:lstStyle/>
+          <a:p>
+            <a:pPr lvl="0"/>
+            <a:r>
+              <a:rPr lang="en-US"/>
+              <a:t>Click to edit Master text styles</a:t>
+            </a:r>
+          </a:p>
+          <a:p>
+            <a:pPr lvl="1"/>
+            <a:r>
+              <a:rPr lang="en-US"/>
+              <a:t>Second level</a:t>
+            </a:r>
+          </a:p>
+          <a:p>
+            <a:pPr lvl="2"/>
+            <a:r>
+              <a:rPr lang="en-US"/>
+              <a:t>Third level</a:t>
+            </a:r>
+          </a:p>
+          <a:p>
+            <a:pPr lvl="3"/>
+            <a:r>
+              <a:rPr lang="en-US"/>
+              <a:t>Fourth level</a:t>
+            </a:r>
+          </a:p>
+          <a:p>
+            <a:pPr lvl="4"/>
+            <a:r>
+              <a:rPr lang="en-US"/>
+              <a:t>Fifth level</a:t>
+            </a:r>
+          </a:p>
+        </p:txBody>
+      </p:sp>
+      <p:sp>
+        <p:nvSpPr>
+          <p:cNvPr id="6" name="Footer Placeholder 5"/>
+          <p:cNvSpPr>
+            <a:spLocks noGrp="1"/>
+          </p:cNvSpPr>
+          <p:nvPr>
+            <p:ph type="ftr" sz="quarter" idx="4"/>
+          </p:nvPr>
+        </p:nvSpPr>
+        <p:spPr>
+          <a:xfrm>
+            <a:off x="0" y="8685213"/>
+            <a:ext cx="2971800" cy="458787"/>
+          </a:xfrm>
+          <a:prstGeom prst="rect">
+            <a:avLst/>
+          </a:prstGeom>
+        </p:spPr>
+        <p:txBody>
+          <a:bodyPr vert="horz" lIns="91440" tIns="45720" rIns="91440" bIns="45720" rtlCol="0" anchor="b"/>
+          <a:lstStyle>
+            <a:lvl1pPr algn="l">
+              <a:defRPr sz="1200"/>
+            </a:lvl1pPr>
+          </a:lstStyle>
+          <a:p>
+            <a:endParaRPr lang="en-US"/>
+          </a:p>
+        </p:txBody>
+      </p:sp>
+      <p:sp>
+        <p:nvSpPr>
+          <p:cNvPr id="7" name="Slide Number Placeholder 6"/>
+          <p:cNvSpPr>
+            <a:spLocks noGrp="1"/>
+          </p:cNvSpPr>
+          <p:nvPr>
+            <p:ph type="sldNum" sz="quarter" idx="5"/>
+          </p:nvPr>
+        </p:nvSpPr>
+        <p:spPr>
+          <a:xfrm>
+            <a:off x="3884613" y="8685213"/>
+            <a:ext cx="2971800" cy="458787"/>
+          </a:xfrm>
+          <a:prstGeom prst="rect">
+            <a:avLst/>
+          </a:prstGeom>
+        </p:spPr>
+        <p:txBody>
+          <a:bodyPr vert="horz" lIns="91440" tIns="45720" rIns="91440" bIns="45720" rtlCol="0" anchor="b"/>
+          <a:lstStyle>
+            <a:lvl1pPr algn="r">
+              <a:defRPr sz="1200"/>
+            </a:lvl1pPr>
+          </a:lstStyle>
+          <a:p>
+            <a:fld id="{ACF3BCFD-7B6C-4801-A9A9-4E2203FAF5A7}" type="slidenum">
+              <a:rPr lang="en-US" smtClean="0"/>
+              <a:t>‹#›</a:t>
+            </a:fld>
+            <a:endParaRPr lang="en-US"/>
+          </a:p>
+        </p:txBody>
+      </p:sp>
+    </p:spTree>
+    <p:extLst>
+      <p:ext uri="{BB962C8B-B14F-4D97-AF65-F5344CB8AC3E}">
+        <p14:creationId xmlns:p14="http://schemas.microsoft.com/office/powerpoint/2010/main" val="2281117696"/>
+      </p:ext>
+    </p:extLst>
+  </p:cSld>
+  <p:clrMap bg1="lt1" tx1="dk1" bg2="lt2" tx2="dk2" accent1="accent1" accent2="accent2" accent3="accent3" accent4="accent4" accent5="accent5" accent6="accent6" hlink="hlink" folHlink="folHlink"/>
+  <p:notesStyle>
+    <a:lvl1pPr marL="0" algn="l" defTabSz="914400" rtl="0" eaLnBrk="1" latinLnBrk="0" hangingPunct="1">
+      <a:defRPr sz="1200" kern="1200">
+        <a:solidFill>
+          <a:schemeClr val="tx1"/>
+        </a:solidFill>
+        <a:latin typeface="+mn-lt"/>
+        <a:ea typeface="+mn-ea"/>
+        <a:cs typeface="+mn-cs"/>
+      </a:defRPr>
+    </a:lvl1pPr>
+    <a:lvl2pPr marL="457200" algn="l" defTabSz="914400" rtl="0" eaLnBrk="1" latinLnBrk="0" hangingPunct="1">
+      <a:defRPr sz="1200" kern="1200">
+        <a:solidFill>
+          <a:schemeClr val="tx1"/>
+        </a:solidFill>
+        <a:latin typeface="+mn-lt"/>
+        <a:ea typeface="+mn-ea"/>
+        <a:cs typeface="+mn-cs"/>
+      </a:defRPr>
+    </a:lvl2pPr>
+    <a:lvl3pPr marL="914400" algn="l" defTabSz="914400" rtl="0" eaLnBrk="1" latinLnBrk="0" hangingPunct="1">
+      <a:defRPr sz="1200" kern="1200">
+        <a:solidFill>
+          <a:schemeClr val="tx1"/>
+        </a:solidFill>
+        <a:latin typeface="+mn-lt"/>
+        <a:ea typeface="+mn-ea"/>
+        <a:cs typeface="+mn-cs"/>
+      </a:defRPr>
+    </a:lvl3pPr>
+    <a:lvl4pPr marL="1371600" algn="l" defTabSz="914400" rtl="0" eaLnBrk="1" latinLnBrk="0" hangingPunct="1">
+      <a:defRPr sz="1200" kern="1200">
+        <a:solidFill>
+          <a:schemeClr val="tx1"/>
+        </a:solidFill>
+        <a:latin typeface="+mn-lt"/>
+        <a:ea typeface="+mn-ea"/>
+        <a:cs typeface="+mn-cs"/>
+      </a:defRPr>
+    </a:lvl4pPr>
+    <a:lvl5pPr marL="1828800" algn="l" defTabSz="914400" rtl="0" eaLnBrk="1" latinLnBrk="0" hangingPunct="1">
+      <a:defRPr sz="1200" kern="1200">
+        <a:solidFill>
+          <a:schemeClr val="tx1"/>
+        </a:solidFill>
+        <a:latin typeface="+mn-lt"/>
+        <a:ea typeface="+mn-ea"/>
+        <a:cs typeface="+mn-cs"/>
+      </a:defRPr>
+    </a:lvl5pPr>
+    <a:lvl6pPr marL="2286000" algn="l" defTabSz="914400" rtl="0" eaLnBrk="1" latinLnBrk="0" hangingPunct="1">
+      <a:defRPr sz="1200" kern="1200">
+        <a:solidFill>
+          <a:schemeClr val="tx1"/>
+        </a:solidFill>
+        <a:latin typeface="+mn-lt"/>
+        <a:ea typeface="+mn-ea"/>
+        <a:cs typeface="+mn-cs"/>
+      </a:defRPr>
+    </a:lvl6pPr>
+    <a:lvl7pPr marL="2743200" algn="l" defTabSz="914400" rtl="0" eaLnBrk="1" latinLnBrk="0" hangingPunct="1">
+      <a:defRPr sz="1200" kern="1200">
+        <a:solidFill>
+          <a:schemeClr val="tx1"/>
+        </a:solidFill>
+        <a:latin typeface="+mn-lt"/>
+        <a:ea typeface="+mn-ea"/>
+        <a:cs typeface="+mn-cs"/>
+      </a:defRPr>
+    </a:lvl7pPr>
+    <a:lvl8pPr marL="3200400" algn="l" defTabSz="914400" rtl="0" eaLnBrk="1" latinLnBrk="0" hangingPunct="1">
+      <a:defRPr sz="1200" kern="1200">
+        <a:solidFill>
+          <a:schemeClr val="tx1"/>
+        </a:solidFill>
+        <a:latin typeface="+mn-lt"/>
+        <a:ea typeface="+mn-ea"/>
+        <a:cs typeface="+mn-cs"/>
+      </a:defRPr>
+    </a:lvl8pPr>
+    <a:lvl9pPr marL="3657600" algn="l" defTabSz="914400" rtl="0" eaLnBrk="1" latinLnBrk="0" hangingPunct="1">
+      <a:defRPr sz="1200" kern="1200">
+        <a:solidFill>
+          <a:schemeClr val="tx1"/>
+        </a:solidFill>
+        <a:latin typeface="+mn-lt"/>
+        <a:ea typeface="+mn-ea"/>
+        <a:cs typeface="+mn-cs"/>
+      </a:defRPr>
+    </a:lvl9pPr>
+  </p:notesStyle>
+</p:notesMaster>
+</file>
+
+<file path=ppt/notesSlides/notesSlide1.xml><?xml version="1.0" encoding="utf-8"?>
+<p:notes xmlns:a="http://schemas.openxmlformats.org/drawingml/2006/main" xmlns:r="http://schemas.openxmlformats.org/officeDocument/2006/relationships" xmlns:p="http://schemas.openxmlformats.org/presentationml/2006/main">
+  <p:cSld>
+    <p:spTree>
+      <p:nvGrpSpPr>
+        <p:cNvPr id="1" name=""/>
+        <p:cNvGrpSpPr/>
+        <p:nvPr/>
+      </p:nvGrpSpPr>
+      <p:grpSpPr>
+        <a:xfrm>
+          <a:off x="0" y="0"/>
+          <a:ext cx="0" cy="0"/>
+          <a:chOff x="0" y="0"/>
+          <a:chExt cx="0" cy="0"/>
+        </a:xfrm>
+      </p:grpSpPr>
+      <p:sp>
+        <p:nvSpPr>
+          <p:cNvPr id="2" name="Slide Image Placeholder 1"/>
+          <p:cNvSpPr>
+            <a:spLocks noGrp="1" noRot="1" noChangeAspect="1"/>
+          </p:cNvSpPr>
+          <p:nvPr>
+            <p:ph type="sldImg"/>
+          </p:nvPr>
+        </p:nvSpPr>
+        <p:spPr/>
+      </p:sp>
+      <p:sp>
+        <p:nvSpPr>
+          <p:cNvPr id="3" name="Notes Placeholder 2"/>
+          <p:cNvSpPr>
+            <a:spLocks noGrp="1"/>
+          </p:cNvSpPr>
+          <p:nvPr>
+            <p:ph type="body" idx="1"/>
+          </p:nvPr>
+        </p:nvSpPr>
+        <p:spPr/>
+        <p:txBody>
+          <a:bodyPr/>
+          <a:lstStyle/>
+          <a:p>
+            <a:endParaRPr lang="en-US" dirty="0"/>
+          </a:p>
+        </p:txBody>
+      </p:sp>
+      <p:sp>
+        <p:nvSpPr>
+          <p:cNvPr id="4" name="Slide Number Placeholder 3"/>
+          <p:cNvSpPr>
+            <a:spLocks noGrp="1"/>
+          </p:cNvSpPr>
+          <p:nvPr>
+            <p:ph type="sldNum" sz="quarter" idx="5"/>
+          </p:nvPr>
+        </p:nvSpPr>
+        <p:spPr/>
+        <p:txBody>
+          <a:bodyPr/>
+          <a:lstStyle/>
+          <a:p>
+            <a:fld id="{ACF3BCFD-7B6C-4801-A9A9-4E2203FAF5A7}" type="slidenum">
+              <a:rPr lang="en-US" smtClean="0"/>
+              <a:t>3</a:t>
+            </a:fld>
+            <a:endParaRPr lang="en-US"/>
+          </a:p>
+        </p:txBody>
+      </p:sp>
+    </p:spTree>
+    <p:extLst>
+      <p:ext uri="{BB962C8B-B14F-4D97-AF65-F5344CB8AC3E}">
+        <p14:creationId xmlns:p14="http://schemas.microsoft.com/office/powerpoint/2010/main" val="2937765379"/>
+      </p:ext>
+    </p:extLst>
+  </p:cSld>
+  <p:clrMapOvr>
+    <a:masterClrMapping/>
+  </p:clrMapOvr>
+</p:notes>
+</file>
+
+<file path=ppt/notesSlides/notesSlide2.xml><?xml version="1.0" encoding="utf-8"?>
+<p:notes xmlns:a="http://schemas.openxmlformats.org/drawingml/2006/main" xmlns:r="http://schemas.openxmlformats.org/officeDocument/2006/relationships" xmlns:p="http://schemas.openxmlformats.org/presentationml/2006/main">
+  <p:cSld>
+    <p:spTree>
+      <p:nvGrpSpPr>
+        <p:cNvPr id="1" name=""/>
+        <p:cNvGrpSpPr/>
+        <p:nvPr/>
+      </p:nvGrpSpPr>
+      <p:grpSpPr>
+        <a:xfrm>
+          <a:off x="0" y="0"/>
+          <a:ext cx="0" cy="0"/>
+          <a:chOff x="0" y="0"/>
+          <a:chExt cx="0" cy="0"/>
+        </a:xfrm>
+      </p:grpSpPr>
+      <p:sp>
+        <p:nvSpPr>
+          <p:cNvPr id="2" name="Slide Image Placeholder 1"/>
+          <p:cNvSpPr>
+            <a:spLocks noGrp="1" noRot="1" noChangeAspect="1"/>
+          </p:cNvSpPr>
+          <p:nvPr>
+            <p:ph type="sldImg"/>
+          </p:nvPr>
+        </p:nvSpPr>
+        <p:spPr/>
+      </p:sp>
+      <p:sp>
+        <p:nvSpPr>
+          <p:cNvPr id="3" name="Notes Placeholder 2"/>
+          <p:cNvSpPr>
+            <a:spLocks noGrp="1"/>
+          </p:cNvSpPr>
+          <p:nvPr>
+            <p:ph type="body" idx="1"/>
+          </p:nvPr>
+        </p:nvSpPr>
+        <p:spPr/>
+        <p:txBody>
+          <a:bodyPr/>
+          <a:lstStyle/>
+          <a:p>
+            <a:r>
+              <a:rPr lang="en-US" dirty="0" err="1"/>
+              <a:t>Lenn</a:t>
+            </a:r>
+            <a:r>
+              <a:rPr lang="en-US" dirty="0"/>
+              <a:t> –</a:t>
+            </a:r>
+          </a:p>
+          <a:p>
+            <a:endParaRPr lang="en-US" dirty="0"/>
+          </a:p>
+          <a:p>
+            <a:r>
+              <a:rPr lang="en-US" dirty="0"/>
+              <a:t>Review home page</a:t>
+            </a:r>
+          </a:p>
+          <a:p>
+            <a:r>
+              <a:rPr lang="en-US" dirty="0"/>
+              <a:t>Talk about the second </a:t>
+            </a:r>
+            <a:r>
+              <a:rPr lang="en-US" dirty="0" err="1"/>
+              <a:t>javascript</a:t>
+            </a:r>
+            <a:r>
+              <a:rPr lang="en-US" dirty="0"/>
+              <a:t> library we used</a:t>
+            </a:r>
+          </a:p>
+          <a:p>
+            <a:r>
+              <a:rPr lang="en-US" dirty="0"/>
+              <a:t>Walk through “app” pages</a:t>
+            </a:r>
+          </a:p>
+          <a:p>
+            <a:endParaRPr lang="en-US" dirty="0"/>
+          </a:p>
+          <a:p>
+            <a:r>
+              <a:rPr lang="en-US" dirty="0"/>
+              <a:t>Jeni </a:t>
+            </a:r>
+          </a:p>
+          <a:p>
+            <a:endParaRPr lang="en-US" dirty="0"/>
+          </a:p>
+          <a:p>
+            <a:r>
+              <a:rPr lang="en-US" dirty="0"/>
+              <a:t>Speak to charts</a:t>
+            </a:r>
+          </a:p>
+          <a:p>
+            <a:r>
+              <a:rPr lang="en-US" dirty="0"/>
+              <a:t>What conclusions were drawn</a:t>
+            </a:r>
+          </a:p>
+          <a:p>
+            <a:r>
+              <a:rPr lang="en-US" dirty="0"/>
+              <a:t>What questions do we still have</a:t>
+            </a:r>
+          </a:p>
+          <a:p>
+            <a:endParaRPr lang="en-US" dirty="0"/>
+          </a:p>
+          <a:p>
+            <a:r>
+              <a:rPr lang="en-US" dirty="0"/>
+              <a:t>Allison </a:t>
+            </a:r>
+          </a:p>
+          <a:p>
+            <a:endParaRPr lang="en-US" dirty="0"/>
+          </a:p>
+          <a:p>
+            <a:r>
+              <a:rPr lang="en-US" dirty="0"/>
+              <a:t>Walk through what user can do with table</a:t>
+            </a:r>
+          </a:p>
+          <a:p>
+            <a:r>
+              <a:rPr lang="en-US" dirty="0"/>
+              <a:t>Meaning of different columns</a:t>
+            </a:r>
+          </a:p>
+          <a:p>
+            <a:r>
+              <a:rPr lang="en-US" dirty="0"/>
+              <a:t>If we had more time – getting comparison to similar playlists?</a:t>
+            </a:r>
+          </a:p>
+          <a:p>
+            <a:endParaRPr lang="en-US" dirty="0"/>
+          </a:p>
+        </p:txBody>
+      </p:sp>
+      <p:sp>
+        <p:nvSpPr>
+          <p:cNvPr id="4" name="Slide Number Placeholder 3"/>
+          <p:cNvSpPr>
+            <a:spLocks noGrp="1"/>
+          </p:cNvSpPr>
+          <p:nvPr>
+            <p:ph type="sldNum" sz="quarter" idx="5"/>
+          </p:nvPr>
+        </p:nvSpPr>
+        <p:spPr/>
+        <p:txBody>
+          <a:bodyPr/>
+          <a:lstStyle/>
+          <a:p>
+            <a:fld id="{ACF3BCFD-7B6C-4801-A9A9-4E2203FAF5A7}" type="slidenum">
+              <a:rPr lang="en-US" smtClean="0"/>
+              <a:t>6</a:t>
+            </a:fld>
+            <a:endParaRPr lang="en-US"/>
+          </a:p>
+        </p:txBody>
+      </p:sp>
+    </p:spTree>
+    <p:extLst>
+      <p:ext uri="{BB962C8B-B14F-4D97-AF65-F5344CB8AC3E}">
+        <p14:creationId xmlns:p14="http://schemas.microsoft.com/office/powerpoint/2010/main" val="1668896002"/>
+      </p:ext>
+    </p:extLst>
+  </p:cSld>
+  <p:clrMapOvr>
+    <a:masterClrMapping/>
+  </p:clrMapOvr>
+</p:notes>
+</file>
+
+<file path=ppt/notesSlides/notesSlide3.xml><?xml version="1.0" encoding="utf-8"?>
+<p:notes xmlns:a="http://schemas.openxmlformats.org/drawingml/2006/main" xmlns:r="http://schemas.openxmlformats.org/officeDocument/2006/relationships" xmlns:p="http://schemas.openxmlformats.org/presentationml/2006/main">
+  <p:cSld>
+    <p:spTree>
+      <p:nvGrpSpPr>
+        <p:cNvPr id="1" name=""/>
+        <p:cNvGrpSpPr/>
+        <p:nvPr/>
+      </p:nvGrpSpPr>
+      <p:grpSpPr>
+        <a:xfrm>
+          <a:off x="0" y="0"/>
+          <a:ext cx="0" cy="0"/>
+          <a:chOff x="0" y="0"/>
+          <a:chExt cx="0" cy="0"/>
+        </a:xfrm>
+      </p:grpSpPr>
+      <p:sp>
+        <p:nvSpPr>
+          <p:cNvPr id="2" name="Slide Image Placeholder 1"/>
+          <p:cNvSpPr>
+            <a:spLocks noGrp="1" noRot="1" noChangeAspect="1"/>
+          </p:cNvSpPr>
+          <p:nvPr>
+            <p:ph type="sldImg"/>
+          </p:nvPr>
+        </p:nvSpPr>
+        <p:spPr/>
+      </p:sp>
+      <p:sp>
+        <p:nvSpPr>
+          <p:cNvPr id="3" name="Notes Placeholder 2"/>
+          <p:cNvSpPr>
+            <a:spLocks noGrp="1"/>
+          </p:cNvSpPr>
+          <p:nvPr>
+            <p:ph type="body" idx="1"/>
+          </p:nvPr>
+        </p:nvSpPr>
+        <p:spPr/>
+        <p:txBody>
+          <a:bodyPr/>
+          <a:lstStyle/>
+          <a:p>
+            <a:endParaRPr lang="en-US" dirty="0"/>
+          </a:p>
+        </p:txBody>
+      </p:sp>
+      <p:sp>
+        <p:nvSpPr>
+          <p:cNvPr id="4" name="Slide Number Placeholder 3"/>
+          <p:cNvSpPr>
+            <a:spLocks noGrp="1"/>
+          </p:cNvSpPr>
+          <p:nvPr>
+            <p:ph type="sldNum" sz="quarter" idx="5"/>
+          </p:nvPr>
+        </p:nvSpPr>
+        <p:spPr/>
+        <p:txBody>
+          <a:bodyPr/>
+          <a:lstStyle/>
+          <a:p>
+            <a:fld id="{ACF3BCFD-7B6C-4801-A9A9-4E2203FAF5A7}" type="slidenum">
+              <a:rPr lang="en-US" smtClean="0"/>
+              <a:t>7</a:t>
+            </a:fld>
+            <a:endParaRPr lang="en-US"/>
+          </a:p>
+        </p:txBody>
+      </p:sp>
+    </p:spTree>
+    <p:extLst>
+      <p:ext uri="{BB962C8B-B14F-4D97-AF65-F5344CB8AC3E}">
+        <p14:creationId xmlns:p14="http://schemas.microsoft.com/office/powerpoint/2010/main" val="939907632"/>
+      </p:ext>
+    </p:extLst>
+  </p:cSld>
+  <p:clrMapOvr>
+    <a:masterClrMapping/>
+  </p:clrMapOvr>
+</p:notes>
 </file>
 
 <file path=ppt/slideLayouts/slideLayout1.xml><?xml version="1.0" encoding="utf-8"?>
@@ -3563,7 +4729,7 @@
           <a:p>
             <a:fld id="{EA0C0817-A112-4847-8014-A94B7D2A4EA3}" type="datetime1">
               <a:rPr lang="en-US" smtClean="0"/>
-              <a:t>1/16/2021</a:t>
+              <a:t>1/19/2021</a:t>
             </a:fld>
             <a:endParaRPr lang="en-US" dirty="0"/>
           </a:p>
@@ -3765,7 +4931,7 @@
           <a:p>
             <a:fld id="{7332B432-ACDA-4023-A761-2BAB76577B62}" type="datetime1">
               <a:rPr lang="en-US" smtClean="0"/>
-              <a:t>1/16/2021</a:t>
+              <a:t>1/19/2021</a:t>
             </a:fld>
             <a:endParaRPr lang="en-US" dirty="0"/>
           </a:p>
@@ -4364,7 +5530,7 @@
           <a:p>
             <a:fld id="{D9C646AA-F36E-4540-911D-FFFC0A0EF24A}" type="datetime1">
               <a:rPr lang="en-US" smtClean="0"/>
-              <a:t>1/16/2021</a:t>
+              <a:t>1/19/2021</a:t>
             </a:fld>
             <a:endParaRPr lang="en-US" dirty="0"/>
           </a:p>
@@ -4684,7 +5850,7 @@
           <a:p>
             <a:fld id="{69186D26-FA5F-4637-B602-B7C2DC34CFD4}" type="datetime1">
               <a:rPr lang="en-US" smtClean="0"/>
-              <a:t>1/16/2021</a:t>
+              <a:t>1/19/2021</a:t>
             </a:fld>
             <a:endParaRPr lang="en-US" dirty="0"/>
           </a:p>
@@ -5121,7 +6287,7 @@
           <a:p>
             <a:fld id="{8A7F15D8-96D1-4781-BC50-CA8A088B2FE4}" type="datetime1">
               <a:rPr lang="en-US" smtClean="0"/>
-              <a:t>1/16/2021</a:t>
+              <a:t>1/19/2021</a:t>
             </a:fld>
             <a:endParaRPr lang="en-US" dirty="0"/>
           </a:p>
@@ -5239,7 +6405,7 @@
           <a:p>
             <a:fld id="{F9A96C99-B8F8-4528-BD05-0E16E943DC09}" type="datetime1">
               <a:rPr lang="en-US" smtClean="0"/>
-              <a:t>1/16/2021</a:t>
+              <a:t>1/19/2021</a:t>
             </a:fld>
             <a:endParaRPr lang="en-US" dirty="0"/>
           </a:p>
@@ -5334,7 +6500,7 @@
           <a:p>
             <a:fld id="{03636942-C211-4B28-8DBD-C953E00AF71B}" type="datetime1">
               <a:rPr lang="en-US" smtClean="0"/>
-              <a:t>1/16/2021</a:t>
+              <a:t>1/19/2021</a:t>
             </a:fld>
             <a:endParaRPr lang="en-US" dirty="0"/>
           </a:p>
@@ -5751,7 +6917,7 @@
           <a:p>
             <a:fld id="{7E8D12A6-918A-48BD-8CB9-CA713993B0EA}" type="datetime1">
               <a:rPr lang="en-US" smtClean="0"/>
-              <a:t>1/16/2021</a:t>
+              <a:t>1/19/2021</a:t>
             </a:fld>
             <a:endParaRPr lang="en-US" dirty="0"/>
           </a:p>
@@ -6013,7 +7179,7 @@
             <a:fld id="{E778CE86-875F-4587-BCF6-FA054AFC0D53}" type="datetime1">
               <a:rPr lang="en-US" smtClean="0"/>
               <a:pPr/>
-              <a:t>1/16/2021</a:t>
+              <a:t>1/19/2021</a:t>
             </a:fld>
             <a:endParaRPr lang="en-US" dirty="0"/>
           </a:p>
@@ -6529,7 +7695,7 @@
           <a:p>
             <a:fld id="{F6FA2B21-3FCD-4721-B95C-427943F61125}" type="datetime1">
               <a:rPr lang="en-US" smtClean="0"/>
-              <a:t>1/16/2021</a:t>
+              <a:t>1/19/2021</a:t>
             </a:fld>
             <a:endParaRPr lang="en-US" dirty="0"/>
           </a:p>
@@ -7172,27 +8338,12 @@
               </a:rPr>
             </a:br>
             <a:r>
-              <a:rPr lang="en-US" sz="4400" dirty="0" err="1">
-                <a:solidFill>
-                  <a:schemeClr val="tx1"/>
-                </a:solidFill>
-              </a:rPr>
-              <a:t>spotify</a:t>
-            </a:r>
-            <a:br>
               <a:rPr lang="en-US" sz="4400" dirty="0">
                 <a:solidFill>
                   <a:schemeClr val="tx1"/>
                 </a:solidFill>
               </a:rPr>
-            </a:br>
-            <a:r>
-              <a:rPr lang="en-US" sz="4400" dirty="0">
-                <a:solidFill>
-                  <a:schemeClr val="tx1"/>
-                </a:solidFill>
-              </a:rPr>
-              <a:t>presentation</a:t>
+              <a:t>Playlist Analysis</a:t>
             </a:r>
           </a:p>
         </p:txBody>
@@ -7474,7 +8625,7 @@
             <p:ph idx="1"/>
             <p:extLst>
               <p:ext uri="{D42A27DB-BD31-4B8C-83A1-F6EECF244321}">
-                <p14:modId xmlns:p14="http://schemas.microsoft.com/office/powerpoint/2010/main" val="3617019551"/>
+                <p14:modId xmlns:p14="http://schemas.microsoft.com/office/powerpoint/2010/main" val="3055362"/>
               </p:ext>
             </p:extLst>
           </p:nvPr>
@@ -7485,7 +8636,7 @@
         </p:xfrm>
         <a:graphic>
           <a:graphicData uri="http://schemas.openxmlformats.org/drawingml/2006/diagram">
-            <dgm:relIds xmlns:dgm="http://schemas.openxmlformats.org/drawingml/2006/diagram" xmlns:r="http://schemas.openxmlformats.org/officeDocument/2006/relationships" r:dm="rId2" r:lo="rId3" r:qs="rId4" r:cs="rId5"/>
+            <dgm:relIds xmlns:dgm="http://schemas.openxmlformats.org/drawingml/2006/diagram" xmlns:r="http://schemas.openxmlformats.org/officeDocument/2006/relationships" r:dm="rId3" r:lo="rId4" r:qs="rId5" r:cs="rId6"/>
           </a:graphicData>
         </a:graphic>
       </p:graphicFrame>
@@ -7521,10 +8672,10 @@
       </p:grpSpPr>
       <p:sp>
         <p:nvSpPr>
-          <p:cNvPr id="2" name="Title 1">
+          <p:cNvPr id="16" name="Title 1">
             <a:extLst>
               <a:ext uri="{FF2B5EF4-FFF2-40B4-BE49-F238E27FC236}">
-                <a16:creationId xmlns:a16="http://schemas.microsoft.com/office/drawing/2014/main" id="{3C9A4B96-B8E5-4B43-AE48-290C1948FE7C}"/>
+                <a16:creationId xmlns:a16="http://schemas.microsoft.com/office/drawing/2014/main" id="{153C6905-8C50-4B2F-BAFC-B39170C1347C}"/>
               </a:ext>
             </a:extLst>
           </p:cNvPr>
@@ -7535,24 +8686,29 @@
             <p:ph type="title"/>
           </p:nvPr>
         </p:nvSpPr>
-        <p:spPr/>
+        <p:spPr>
+          <a:xfrm>
+            <a:off x="1066800" y="642594"/>
+            <a:ext cx="10058400" cy="1371600"/>
+          </a:xfrm>
+        </p:spPr>
         <p:txBody>
           <a:bodyPr/>
           <a:lstStyle/>
           <a:p>
             <a:r>
               <a:rPr lang="en-US" dirty="0"/>
-              <a:t>THE ANALYSIS</a:t>
+              <a:t>The Idea				The Set Up</a:t>
             </a:r>
           </a:p>
         </p:txBody>
       </p:sp>
       <p:sp>
         <p:nvSpPr>
-          <p:cNvPr id="3" name="Content Placeholder 2">
+          <p:cNvPr id="17" name="Content Placeholder 2">
             <a:extLst>
               <a:ext uri="{FF2B5EF4-FFF2-40B4-BE49-F238E27FC236}">
-                <a16:creationId xmlns:a16="http://schemas.microsoft.com/office/drawing/2014/main" id="{E5CAED68-9FA0-4081-A23F-AD55A8F35D17}"/>
+                <a16:creationId xmlns:a16="http://schemas.microsoft.com/office/drawing/2014/main" id="{AAFD940F-400A-4980-81DB-A55005E9B8D1}"/>
               </a:ext>
             </a:extLst>
           </p:cNvPr>
@@ -7560,19 +8716,117 @@
             <a:spLocks noGrp="1"/>
           </p:cNvSpPr>
           <p:nvPr>
-            <p:ph idx="1"/>
+            <p:ph sz="half" idx="1"/>
           </p:nvPr>
         </p:nvSpPr>
         <p:spPr>
           <a:xfrm>
-            <a:off x="1066800" y="1781666"/>
-            <a:ext cx="10058400" cy="4171078"/>
+            <a:off x="1066800" y="2103120"/>
+            <a:ext cx="4663440" cy="3749040"/>
           </a:xfrm>
         </p:spPr>
         <p:txBody>
           <a:bodyPr/>
           <a:lstStyle/>
           <a:p>
+            <a:pPr>
+              <a:lnSpc>
+                <a:spcPct val="100000"/>
+              </a:lnSpc>
+            </a:pPr>
+            <a:r>
+              <a:rPr lang="en-US" sz="1800" dirty="0"/>
+              <a:t>Music is something enjoyed by everyone </a:t>
+            </a:r>
+          </a:p>
+          <a:p>
+            <a:pPr>
+              <a:lnSpc>
+                <a:spcPct val="100000"/>
+              </a:lnSpc>
+            </a:pPr>
+            <a:r>
+              <a:rPr lang="en-US" sz="1800" dirty="0"/>
+              <a:t>We wanted to give music lovers deeper insight into their different playlists based on multiple musical attributes.</a:t>
+            </a:r>
+          </a:p>
+          <a:p>
+            <a:pPr lvl="1"/>
+            <a:endParaRPr lang="en-US" dirty="0"/>
+          </a:p>
+          <a:p>
+            <a:endParaRPr lang="en-US" dirty="0"/>
+          </a:p>
+        </p:txBody>
+      </p:sp>
+      <p:sp>
+        <p:nvSpPr>
+          <p:cNvPr id="15" name="Content Placeholder 3">
+            <a:extLst>
+              <a:ext uri="{FF2B5EF4-FFF2-40B4-BE49-F238E27FC236}">
+                <a16:creationId xmlns:a16="http://schemas.microsoft.com/office/drawing/2014/main" id="{C7E8F2D0-8A8B-4CBD-930E-6F650C7B13D6}"/>
+              </a:ext>
+            </a:extLst>
+          </p:cNvPr>
+          <p:cNvSpPr>
+            <a:spLocks noGrp="1"/>
+          </p:cNvSpPr>
+          <p:nvPr>
+            <p:ph sz="half" idx="2"/>
+          </p:nvPr>
+        </p:nvSpPr>
+        <p:spPr>
+          <a:xfrm>
+            <a:off x="6461760" y="2103120"/>
+            <a:ext cx="4663440" cy="3749040"/>
+          </a:xfrm>
+        </p:spPr>
+        <p:txBody>
+          <a:bodyPr/>
+          <a:lstStyle/>
+          <a:p>
+            <a:pPr>
+              <a:lnSpc>
+                <a:spcPct val="100000"/>
+              </a:lnSpc>
+            </a:pPr>
+            <a:r>
+              <a:rPr lang="en-US" sz="1800" dirty="0"/>
+              <a:t>Jeni – clean up/flask connection/charts</a:t>
+            </a:r>
+          </a:p>
+          <a:p>
+            <a:pPr>
+              <a:lnSpc>
+                <a:spcPct val="100000"/>
+              </a:lnSpc>
+            </a:pPr>
+            <a:r>
+              <a:rPr lang="en-US" sz="1800" dirty="0"/>
+              <a:t>Allison – Java for table/flask set up</a:t>
+            </a:r>
+          </a:p>
+          <a:p>
+            <a:pPr>
+              <a:lnSpc>
+                <a:spcPct val="100000"/>
+              </a:lnSpc>
+            </a:pPr>
+            <a:r>
+              <a:rPr lang="en-US" sz="1800" dirty="0" err="1"/>
+              <a:t>Lenn</a:t>
+            </a:r>
+            <a:r>
+              <a:rPr lang="en-US" sz="1800" dirty="0"/>
+              <a:t> – html/anime </a:t>
+            </a:r>
+            <a:r>
+              <a:rPr lang="en-US" sz="1800" dirty="0" err="1"/>
+              <a:t>js</a:t>
+            </a:r>
+            <a:endParaRPr lang="en-US" sz="1800" dirty="0"/>
+          </a:p>
+          <a:p>
             <a:endParaRPr lang="en-US" dirty="0"/>
           </a:p>
         </p:txBody>
@@ -7580,7 +8834,7 @@
     </p:spTree>
     <p:extLst>
       <p:ext uri="{BB962C8B-B14F-4D97-AF65-F5344CB8AC3E}">
-        <p14:creationId xmlns:p14="http://schemas.microsoft.com/office/powerpoint/2010/main" val="3141047123"/>
+        <p14:creationId xmlns:p14="http://schemas.microsoft.com/office/powerpoint/2010/main" val="2357490765"/>
       </p:ext>
     </p:extLst>
   </p:cSld>
@@ -7653,18 +8907,100 @@
         </p:nvSpPr>
         <p:spPr>
           <a:xfrm>
-            <a:off x="1066800" y="1696825"/>
-            <a:ext cx="10058400" cy="4255919"/>
+            <a:off x="1244525" y="2688434"/>
+            <a:ext cx="6546000" cy="2804613"/>
           </a:xfrm>
         </p:spPr>
         <p:txBody>
           <a:bodyPr/>
           <a:lstStyle/>
           <a:p>
+            <a:r>
+              <a:rPr lang="en-US" dirty="0"/>
+              <a:t>From Kaggle</a:t>
+            </a:r>
+          </a:p>
+          <a:p>
+            <a:pPr lvl="1"/>
+            <a:r>
+              <a:rPr lang="en-US" dirty="0"/>
+              <a:t>Dataset was cleaner than others</a:t>
+            </a:r>
+          </a:p>
+          <a:p>
+            <a:pPr lvl="1"/>
+            <a:r>
+              <a:rPr lang="en-US" dirty="0"/>
+              <a:t>Met requirements having over 100 records</a:t>
+            </a:r>
+          </a:p>
+          <a:p>
+            <a:pPr lvl="1"/>
+            <a:r>
+              <a:rPr lang="en-US" dirty="0"/>
+              <a:t>Reviewed several other Spotify datasets on Kaggle, but they were not as concise as the dataset we landed on</a:t>
+            </a:r>
+          </a:p>
+          <a:p>
+            <a:pPr lvl="1"/>
+            <a:r>
+              <a:rPr lang="en-US" dirty="0"/>
+              <a:t>The additional data behind our set assisted with definitions of all columns</a:t>
+            </a:r>
+          </a:p>
+          <a:p>
+            <a:pPr lvl="1"/>
             <a:endParaRPr lang="en-US" dirty="0"/>
           </a:p>
         </p:txBody>
       </p:sp>
+      <p:pic>
+        <p:nvPicPr>
+          <p:cNvPr id="1026" name="Picture 2" descr="The Track Properties &#10;Organize Your Music can help you slice and dice your music collection by a Wide range Of properties: &#10;2. &#10;3. &#10;5. &#10;6. &#10;7. &#10;8. &#10;9. &#10;10 . &#10;11. &#10;12 . &#10;13 . &#10;14 . &#10;Genre - the genre Of the track &#10;Year - the release year of the recording. Note that due to vagaries Of releases, re-releases. re-issues &#10;and general madness, sometimes the release years are not what you'd expect &#10;Added - the earliest date you added the track to your collection. &#10;Beats Per Minute (BPM) - The tempo Of the song. &#10;Energy - The energy of a song - the higher the value, the more energtic. song &#10;Danceability - The higher the value. the easier it is to dance to this song. &#10;Loudness (dB) • The higher the value, the louder the song. &#10;Liveness - The higher the value, the more likely the song is a live recording. &#10;Valence - The higher the value, the more positive mood for the song. &#10;Length - The duration of the song. &#10;Acousticness - The higher the value the more acoustic the song is. &#10;Speechiness - The higher the value the more spoken word the song contains. &#10;Popularity - The higher the value the more popular the song is. &#10;Duration - The length of the song. ">
+            <a:extLst>
+              <a:ext uri="{FF2B5EF4-FFF2-40B4-BE49-F238E27FC236}">
+                <a16:creationId xmlns:a16="http://schemas.microsoft.com/office/drawing/2014/main" id="{C9E949B0-15FA-40D7-B479-895D56618AD1}"/>
+              </a:ext>
+            </a:extLst>
+          </p:cNvPr>
+          <p:cNvPicPr>
+            <a:picLocks noChangeAspect="1" noChangeArrowheads="1"/>
+          </p:cNvPicPr>
+          <p:nvPr/>
+        </p:nvPicPr>
+        <p:blipFill>
+          <a:blip r:embed="rId2">
+            <a:extLst>
+              <a:ext uri="{28A0092B-C50C-407E-A947-70E740481C1C}">
+                <a14:useLocalDpi xmlns:a14="http://schemas.microsoft.com/office/drawing/2010/main" val="0"/>
+              </a:ext>
+            </a:extLst>
+          </a:blip>
+          <a:srcRect/>
+          <a:stretch>
+            <a:fillRect/>
+          </a:stretch>
+        </p:blipFill>
+        <p:spPr bwMode="auto">
+          <a:xfrm>
+            <a:off x="7111265" y="735347"/>
+            <a:ext cx="4162237" cy="2250807"/>
+          </a:xfrm>
+          <a:prstGeom prst="rect">
+            <a:avLst/>
+          </a:prstGeom>
+          <a:noFill/>
+          <a:extLst>
+            <a:ext uri="{909E8E84-426E-40DD-AFC4-6F175D3DCCD1}">
+              <a14:hiddenFill xmlns:a14="http://schemas.microsoft.com/office/drawing/2010/main">
+                <a:solidFill>
+                  <a:srgbClr val="FFFFFF"/>
+                </a:solidFill>
+              </a14:hiddenFill>
+            </a:ext>
+          </a:extLst>
+        </p:spPr>
+      </p:pic>
     </p:spTree>
     <p:extLst>
       <p:ext uri="{BB962C8B-B14F-4D97-AF65-F5344CB8AC3E}">
@@ -7708,59 +9044,25 @@
             <a:spLocks noGrp="1"/>
           </p:cNvSpPr>
           <p:nvPr>
-            <p:ph type="title"/>
+            <p:ph type="ctrTitle"/>
           </p:nvPr>
         </p:nvSpPr>
         <p:spPr>
           <a:xfrm>
-            <a:off x="1066800" y="905256"/>
-            <a:ext cx="10058400" cy="1083800"/>
+            <a:off x="1629103" y="2244830"/>
+            <a:ext cx="8933796" cy="2437232"/>
           </a:xfrm>
         </p:spPr>
         <p:txBody>
-          <a:bodyPr>
-            <a:normAutofit fontScale="90000"/>
+          <a:bodyPr anchor="ctr">
+            <a:normAutofit/>
           </a:bodyPr>
           <a:lstStyle/>
           <a:p>
             <a:r>
               <a:rPr lang="en-US" dirty="0"/>
-              <a:t>THE INSIGHT</a:t>
-            </a:r>
-            <a:br>
-              <a:rPr lang="en-US" dirty="0"/>
-            </a:br>
-            <a:endParaRPr lang="en-US" dirty="0"/>
-          </a:p>
-        </p:txBody>
-      </p:sp>
-      <p:sp>
-        <p:nvSpPr>
-          <p:cNvPr id="3" name="Content Placeholder 2">
-            <a:extLst>
-              <a:ext uri="{FF2B5EF4-FFF2-40B4-BE49-F238E27FC236}">
-                <a16:creationId xmlns:a16="http://schemas.microsoft.com/office/drawing/2014/main" id="{6EFCB0A1-DBEB-4F76-B65A-CAE912F0D8F2}"/>
-              </a:ext>
-            </a:extLst>
-          </p:cNvPr>
-          <p:cNvSpPr>
-            <a:spLocks noGrp="1"/>
-          </p:cNvSpPr>
-          <p:nvPr>
-            <p:ph idx="1"/>
-          </p:nvPr>
-        </p:nvSpPr>
-        <p:spPr>
-          <a:xfrm>
-            <a:off x="1066800" y="1734532"/>
-            <a:ext cx="10058400" cy="4218212"/>
-          </a:xfrm>
-        </p:spPr>
-        <p:txBody>
-          <a:bodyPr/>
-          <a:lstStyle/>
-          <a:p>
-            <a:endParaRPr lang="en-US" dirty="0"/>
+              <a:t>THE APP</a:t>
+            </a:r>
           </a:p>
         </p:txBody>
       </p:sp>
@@ -7796,10 +9098,38 @@
       </p:grpSpPr>
       <p:sp>
         <p:nvSpPr>
+          <p:cNvPr id="2" name="Title 1">
+            <a:extLst>
+              <a:ext uri="{FF2B5EF4-FFF2-40B4-BE49-F238E27FC236}">
+                <a16:creationId xmlns:a16="http://schemas.microsoft.com/office/drawing/2014/main" id="{FF542261-D78D-4175-A189-3975CF514FA9}"/>
+              </a:ext>
+            </a:extLst>
+          </p:cNvPr>
+          <p:cNvSpPr>
+            <a:spLocks noGrp="1"/>
+          </p:cNvSpPr>
+          <p:nvPr>
+            <p:ph type="title"/>
+          </p:nvPr>
+        </p:nvSpPr>
+        <p:spPr/>
+        <p:txBody>
+          <a:bodyPr/>
+          <a:lstStyle/>
+          <a:p>
+            <a:r>
+              <a:rPr lang="en-US" dirty="0"/>
+              <a:t>If we had more time</a:t>
+            </a:r>
+          </a:p>
+        </p:txBody>
+      </p:sp>
+      <p:sp>
+        <p:nvSpPr>
           <p:cNvPr id="3" name="Content Placeholder 2">
             <a:extLst>
               <a:ext uri="{FF2B5EF4-FFF2-40B4-BE49-F238E27FC236}">
-                <a16:creationId xmlns:a16="http://schemas.microsoft.com/office/drawing/2014/main" id="{BDD8104A-71DC-4F1F-AD4A-24A7547F0421}"/>
+                <a16:creationId xmlns:a16="http://schemas.microsoft.com/office/drawing/2014/main" id="{FBDAC0CB-370F-4931-8483-DDA8916CF95B}"/>
               </a:ext>
             </a:extLst>
           </p:cNvPr>
@@ -7812,18 +9142,190 @@
         </p:nvSpPr>
         <p:spPr>
           <a:xfrm>
-            <a:off x="1066800" y="1197204"/>
-            <a:ext cx="10058400" cy="4755540"/>
+            <a:off x="1306668" y="1836178"/>
+            <a:ext cx="9818532" cy="4023084"/>
           </a:xfrm>
         </p:spPr>
         <p:txBody>
-          <a:bodyPr/>
+          <a:bodyPr>
+            <a:normAutofit fontScale="92500" lnSpcReduction="10000"/>
+          </a:bodyPr>
           <a:lstStyle/>
           <a:p>
+            <a:r>
+              <a:rPr lang="en-US" dirty="0"/>
+              <a:t>API pull to get a more rounded data set</a:t>
+            </a:r>
+          </a:p>
+          <a:p>
+            <a:r>
+              <a:rPr lang="en-US" dirty="0"/>
+              <a:t>Use React JavaScript library for the ability to embed mp.3’s in the html to have songs </a:t>
+            </a:r>
+            <a:r>
+              <a:rPr lang="en-US"/>
+              <a:t>autoplayed</a:t>
+            </a:r>
+            <a:endParaRPr lang="en-US" dirty="0"/>
+          </a:p>
+          <a:p>
+            <a:r>
+              <a:rPr lang="en-US" dirty="0"/>
+              <a:t>Creating this as an app to have users analyze their playlists</a:t>
+            </a:r>
+          </a:p>
+          <a:p>
+            <a:r>
+              <a:rPr lang="en-US" dirty="0"/>
+              <a:t>Make the charts more interactive</a:t>
+            </a:r>
+          </a:p>
+          <a:p>
+            <a:r>
+              <a:rPr lang="en-US" dirty="0"/>
+              <a:t>Link tracks to YouTube?</a:t>
+            </a:r>
+          </a:p>
+          <a:p>
+            <a:r>
+              <a:rPr lang="en-US" dirty="0"/>
+              <a:t>Web-scraping with album cover connected to the song as well</a:t>
+            </a:r>
+          </a:p>
+          <a:p>
+            <a:r>
+              <a:rPr lang="en-US" dirty="0"/>
+              <a:t>You could then use the data collected from any analyzed playlists to get more </a:t>
+            </a:r>
+            <a:r>
+              <a:rPr lang="en-US" dirty="0" err="1"/>
+              <a:t>comparsions</a:t>
+            </a:r>
+            <a:endParaRPr lang="en-US" dirty="0"/>
+          </a:p>
+          <a:p>
+            <a:endParaRPr lang="en-US" dirty="0"/>
+          </a:p>
+          <a:p>
+            <a:endParaRPr lang="en-US" dirty="0"/>
+          </a:p>
+          <a:p>
+            <a:r>
+              <a:rPr lang="en-US" sz="3200" dirty="0"/>
+              <a:t>Questions?</a:t>
+            </a:r>
+          </a:p>
+          <a:p>
+            <a:pPr lvl="1"/>
+            <a:r>
+              <a:rPr lang="en-US" sz="3000" dirty="0"/>
+              <a:t>Remember our brains are fried right now</a:t>
+            </a:r>
+          </a:p>
+          <a:p>
+            <a:pPr lvl="1"/>
             <a:endParaRPr lang="en-US" dirty="0"/>
           </a:p>
         </p:txBody>
       </p:sp>
+    </p:spTree>
+    <p:extLst>
+      <p:ext uri="{BB962C8B-B14F-4D97-AF65-F5344CB8AC3E}">
+        <p14:creationId xmlns:p14="http://schemas.microsoft.com/office/powerpoint/2010/main" val="3169973273"/>
+      </p:ext>
+    </p:extLst>
+  </p:cSld>
+  <p:clrMapOvr>
+    <a:masterClrMapping/>
+  </p:clrMapOvr>
+</p:sld>
+</file>
+
+<file path=ppt/slides/slide8.xml><?xml version="1.0" encoding="utf-8"?>
+<p:sld xmlns:a="http://schemas.openxmlformats.org/drawingml/2006/main" xmlns:r="http://schemas.openxmlformats.org/officeDocument/2006/relationships" xmlns:p="http://schemas.openxmlformats.org/presentationml/2006/main">
+  <p:cSld>
+    <p:spTree>
+      <p:nvGrpSpPr>
+        <p:cNvPr id="1" name=""/>
+        <p:cNvGrpSpPr/>
+        <p:nvPr/>
+      </p:nvGrpSpPr>
+      <p:grpSpPr>
+        <a:xfrm>
+          <a:off x="0" y="0"/>
+          <a:ext cx="0" cy="0"/>
+          <a:chOff x="0" y="0"/>
+          <a:chExt cx="0" cy="0"/>
+        </a:xfrm>
+      </p:grpSpPr>
+      <p:sp>
+        <p:nvSpPr>
+          <p:cNvPr id="3" name="Content Placeholder 2">
+            <a:extLst>
+              <a:ext uri="{FF2B5EF4-FFF2-40B4-BE49-F238E27FC236}">
+                <a16:creationId xmlns:a16="http://schemas.microsoft.com/office/drawing/2014/main" id="{BDD8104A-71DC-4F1F-AD4A-24A7547F0421}"/>
+              </a:ext>
+            </a:extLst>
+          </p:cNvPr>
+          <p:cNvSpPr>
+            <a:spLocks noGrp="1"/>
+          </p:cNvSpPr>
+          <p:nvPr>
+            <p:ph type="title"/>
+          </p:nvPr>
+        </p:nvSpPr>
+        <p:spPr>
+          <a:xfrm>
+            <a:off x="1066800" y="642594"/>
+            <a:ext cx="10058400" cy="1371600"/>
+          </a:xfrm>
+        </p:spPr>
+        <p:txBody>
+          <a:bodyPr anchor="ctr">
+            <a:normAutofit/>
+          </a:bodyPr>
+          <a:lstStyle/>
+          <a:p>
+            <a:pPr marL="0" indent="0">
+              <a:buNone/>
+            </a:pPr>
+            <a:r>
+              <a:rPr lang="en-US" dirty="0"/>
+              <a:t>Thank you</a:t>
+            </a:r>
+          </a:p>
+        </p:txBody>
+      </p:sp>
+      <p:pic>
+        <p:nvPicPr>
+          <p:cNvPr id="4" name="Picture 3" descr="A group of women in red&#10;&#10;Description automatically generated with low confidence">
+            <a:extLst>
+              <a:ext uri="{FF2B5EF4-FFF2-40B4-BE49-F238E27FC236}">
+                <a16:creationId xmlns:a16="http://schemas.microsoft.com/office/drawing/2014/main" id="{189975E6-B1B4-4FDA-BCAD-76DDFD4680BD}"/>
+              </a:ext>
+            </a:extLst>
+          </p:cNvPr>
+          <p:cNvPicPr>
+            <a:picLocks noChangeAspect="1"/>
+          </p:cNvPicPr>
+          <p:nvPr/>
+        </p:nvPicPr>
+        <p:blipFill rotWithShape="1">
+          <a:blip r:embed="rId2"/>
+          <a:srcRect b="54164"/>
+          <a:stretch/>
+        </p:blipFill>
+        <p:spPr>
+          <a:xfrm>
+            <a:off x="1066800" y="2103120"/>
+            <a:ext cx="10058400" cy="3849624"/>
+          </a:xfrm>
+          <a:prstGeom prst="rect">
+            <a:avLst/>
+          </a:prstGeom>
+          <a:noFill/>
+        </p:spPr>
+      </p:pic>
     </p:spTree>
     <p:extLst>
       <p:ext uri="{BB962C8B-B14F-4D97-AF65-F5344CB8AC3E}">
@@ -8113,22 +9615,317 @@
 </a:theme>
 </file>
 
+<file path=ppt/theme/theme2.xml><?xml version="1.0" encoding="utf-8"?>
+<a:theme xmlns:a="http://schemas.openxmlformats.org/drawingml/2006/main" name="Office Theme">
+  <a:themeElements>
+    <a:clrScheme name="Office">
+      <a:dk1>
+        <a:sysClr val="windowText" lastClr="000000"/>
+      </a:dk1>
+      <a:lt1>
+        <a:sysClr val="window" lastClr="FFFFFF"/>
+      </a:lt1>
+      <a:dk2>
+        <a:srgbClr val="44546A"/>
+      </a:dk2>
+      <a:lt2>
+        <a:srgbClr val="E7E6E6"/>
+      </a:lt2>
+      <a:accent1>
+        <a:srgbClr val="4472C4"/>
+      </a:accent1>
+      <a:accent2>
+        <a:srgbClr val="ED7D31"/>
+      </a:accent2>
+      <a:accent3>
+        <a:srgbClr val="A5A5A5"/>
+      </a:accent3>
+      <a:accent4>
+        <a:srgbClr val="FFC000"/>
+      </a:accent4>
+      <a:accent5>
+        <a:srgbClr val="5B9BD5"/>
+      </a:accent5>
+      <a:accent6>
+        <a:srgbClr val="70AD47"/>
+      </a:accent6>
+      <a:hlink>
+        <a:srgbClr val="0563C1"/>
+      </a:hlink>
+      <a:folHlink>
+        <a:srgbClr val="954F72"/>
+      </a:folHlink>
+    </a:clrScheme>
+    <a:fontScheme name="Office">
+      <a:majorFont>
+        <a:latin typeface="Calibri Light" panose="020F0302020204030204"/>
+        <a:ea typeface=""/>
+        <a:cs typeface=""/>
+        <a:font script="Jpan" typeface="游ゴシック Light"/>
+        <a:font script="Hang" typeface="맑은 고딕"/>
+        <a:font script="Hans" typeface="等线 Light"/>
+        <a:font script="Hant" typeface="新細明體"/>
+        <a:font script="Arab" typeface="Times New Roman"/>
+        <a:font script="Hebr" typeface="Times New Roman"/>
+        <a:font script="Thai" typeface="Angsana New"/>
+        <a:font script="Ethi" typeface="Nyala"/>
+        <a:font script="Beng" typeface="Vrinda"/>
+        <a:font script="Gujr" typeface="Shruti"/>
+        <a:font script="Khmr" typeface="MoolBoran"/>
+        <a:font script="Knda" typeface="Tunga"/>
+        <a:font script="Guru" typeface="Raavi"/>
+        <a:font script="Cans" typeface="Euphemia"/>
+        <a:font script="Cher" typeface="Plantagenet Cherokee"/>
+        <a:font script="Yiii" typeface="Microsoft Yi Baiti"/>
+        <a:font script="Tibt" typeface="Microsoft Himalaya"/>
+        <a:font script="Thaa" typeface="MV Boli"/>
+        <a:font script="Deva" typeface="Mangal"/>
+        <a:font script="Telu" typeface="Gautami"/>
+        <a:font script="Taml" typeface="Latha"/>
+        <a:font script="Syrc" typeface="Estrangelo Edessa"/>
+        <a:font script="Orya" typeface="Kalinga"/>
+        <a:font script="Mlym" typeface="Kartika"/>
+        <a:font script="Laoo" typeface="DokChampa"/>
+        <a:font script="Sinh" typeface="Iskoola Pota"/>
+        <a:font script="Mong" typeface="Mongolian Baiti"/>
+        <a:font script="Viet" typeface="Times New Roman"/>
+        <a:font script="Uigh" typeface="Microsoft Uighur"/>
+        <a:font script="Geor" typeface="Sylfaen"/>
+        <a:font script="Armn" typeface="Arial"/>
+        <a:font script="Bugi" typeface="Leelawadee UI"/>
+        <a:font script="Bopo" typeface="Microsoft JhengHei"/>
+        <a:font script="Java" typeface="Javanese Text"/>
+        <a:font script="Lisu" typeface="Segoe UI"/>
+        <a:font script="Mymr" typeface="Myanmar Text"/>
+        <a:font script="Nkoo" typeface="Ebrima"/>
+        <a:font script="Olck" typeface="Nirmala UI"/>
+        <a:font script="Osma" typeface="Ebrima"/>
+        <a:font script="Phag" typeface="Phagspa"/>
+        <a:font script="Syrn" typeface="Estrangelo Edessa"/>
+        <a:font script="Syrj" typeface="Estrangelo Edessa"/>
+        <a:font script="Syre" typeface="Estrangelo Edessa"/>
+        <a:font script="Sora" typeface="Nirmala UI"/>
+        <a:font script="Tale" typeface="Microsoft Tai Le"/>
+        <a:font script="Talu" typeface="Microsoft New Tai Lue"/>
+        <a:font script="Tfng" typeface="Ebrima"/>
+      </a:majorFont>
+      <a:minorFont>
+        <a:latin typeface="Calibri" panose="020F0502020204030204"/>
+        <a:ea typeface=""/>
+        <a:cs typeface=""/>
+        <a:font script="Jpan" typeface="游ゴシック"/>
+        <a:font script="Hang" typeface="맑은 고딕"/>
+        <a:font script="Hans" typeface="等线"/>
+        <a:font script="Hant" typeface="新細明體"/>
+        <a:font script="Arab" typeface="Arial"/>
+        <a:font script="Hebr" typeface="Arial"/>
+        <a:font script="Thai" typeface="Cordia New"/>
+        <a:font script="Ethi" typeface="Nyala"/>
+        <a:font script="Beng" typeface="Vrinda"/>
+        <a:font script="Gujr" typeface="Shruti"/>
+        <a:font script="Khmr" typeface="DaunPenh"/>
+        <a:font script="Knda" typeface="Tunga"/>
+        <a:font script="Guru" typeface="Raavi"/>
+        <a:font script="Cans" typeface="Euphemia"/>
+        <a:font script="Cher" typeface="Plantagenet Cherokee"/>
+        <a:font script="Yiii" typeface="Microsoft Yi Baiti"/>
+        <a:font script="Tibt" typeface="Microsoft Himalaya"/>
+        <a:font script="Thaa" typeface="MV Boli"/>
+        <a:font script="Deva" typeface="Mangal"/>
+        <a:font script="Telu" typeface="Gautami"/>
+        <a:font script="Taml" typeface="Latha"/>
+        <a:font script="Syrc" typeface="Estrangelo Edessa"/>
+        <a:font script="Orya" typeface="Kalinga"/>
+        <a:font script="Mlym" typeface="Kartika"/>
+        <a:font script="Laoo" typeface="DokChampa"/>
+        <a:font script="Sinh" typeface="Iskoola Pota"/>
+        <a:font script="Mong" typeface="Mongolian Baiti"/>
+        <a:font script="Viet" typeface="Arial"/>
+        <a:font script="Uigh" typeface="Microsoft Uighur"/>
+        <a:font script="Geor" typeface="Sylfaen"/>
+        <a:font script="Armn" typeface="Arial"/>
+        <a:font script="Bugi" typeface="Leelawadee UI"/>
+        <a:font script="Bopo" typeface="Microsoft JhengHei"/>
+        <a:font script="Java" typeface="Javanese Text"/>
+        <a:font script="Lisu" typeface="Segoe UI"/>
+        <a:font script="Mymr" typeface="Myanmar Text"/>
+        <a:font script="Nkoo" typeface="Ebrima"/>
+        <a:font script="Olck" typeface="Nirmala UI"/>
+        <a:font script="Osma" typeface="Ebrima"/>
+        <a:font script="Phag" typeface="Phagspa"/>
+        <a:font script="Syrn" typeface="Estrangelo Edessa"/>
+        <a:font script="Syrj" typeface="Estrangelo Edessa"/>
+        <a:font script="Syre" typeface="Estrangelo Edessa"/>
+        <a:font script="Sora" typeface="Nirmala UI"/>
+        <a:font script="Tale" typeface="Microsoft Tai Le"/>
+        <a:font script="Talu" typeface="Microsoft New Tai Lue"/>
+        <a:font script="Tfng" typeface="Ebrima"/>
+      </a:minorFont>
+    </a:fontScheme>
+    <a:fmtScheme name="Office">
+      <a:fillStyleLst>
+        <a:solidFill>
+          <a:schemeClr val="phClr"/>
+        </a:solidFill>
+        <a:gradFill rotWithShape="1">
+          <a:gsLst>
+            <a:gs pos="0">
+              <a:schemeClr val="phClr">
+                <a:lumMod val="110000"/>
+                <a:satMod val="105000"/>
+                <a:tint val="67000"/>
+              </a:schemeClr>
+            </a:gs>
+            <a:gs pos="50000">
+              <a:schemeClr val="phClr">
+                <a:lumMod val="105000"/>
+                <a:satMod val="103000"/>
+                <a:tint val="73000"/>
+              </a:schemeClr>
+            </a:gs>
+            <a:gs pos="100000">
+              <a:schemeClr val="phClr">
+                <a:lumMod val="105000"/>
+                <a:satMod val="109000"/>
+                <a:tint val="81000"/>
+              </a:schemeClr>
+            </a:gs>
+          </a:gsLst>
+          <a:lin ang="5400000" scaled="0"/>
+        </a:gradFill>
+        <a:gradFill rotWithShape="1">
+          <a:gsLst>
+            <a:gs pos="0">
+              <a:schemeClr val="phClr">
+                <a:satMod val="103000"/>
+                <a:lumMod val="102000"/>
+                <a:tint val="94000"/>
+              </a:schemeClr>
+            </a:gs>
+            <a:gs pos="50000">
+              <a:schemeClr val="phClr">
+                <a:satMod val="110000"/>
+                <a:lumMod val="100000"/>
+                <a:shade val="100000"/>
+              </a:schemeClr>
+            </a:gs>
+            <a:gs pos="100000">
+              <a:schemeClr val="phClr">
+                <a:lumMod val="99000"/>
+                <a:satMod val="120000"/>
+                <a:shade val="78000"/>
+              </a:schemeClr>
+            </a:gs>
+          </a:gsLst>
+          <a:lin ang="5400000" scaled="0"/>
+        </a:gradFill>
+      </a:fillStyleLst>
+      <a:lnStyleLst>
+        <a:ln w="6350" cap="flat" cmpd="sng" algn="ctr">
+          <a:solidFill>
+            <a:schemeClr val="phClr"/>
+          </a:solidFill>
+          <a:prstDash val="solid"/>
+          <a:miter lim="800000"/>
+        </a:ln>
+        <a:ln w="12700" cap="flat" cmpd="sng" algn="ctr">
+          <a:solidFill>
+            <a:schemeClr val="phClr"/>
+          </a:solidFill>
+          <a:prstDash val="solid"/>
+          <a:miter lim="800000"/>
+        </a:ln>
+        <a:ln w="19050" cap="flat" cmpd="sng" algn="ctr">
+          <a:solidFill>
+            <a:schemeClr val="phClr"/>
+          </a:solidFill>
+          <a:prstDash val="solid"/>
+          <a:miter lim="800000"/>
+        </a:ln>
+      </a:lnStyleLst>
+      <a:effectStyleLst>
+        <a:effectStyle>
+          <a:effectLst/>
+        </a:effectStyle>
+        <a:effectStyle>
+          <a:effectLst/>
+        </a:effectStyle>
+        <a:effectStyle>
+          <a:effectLst>
+            <a:outerShdw blurRad="57150" dist="19050" dir="5400000" algn="ctr" rotWithShape="0">
+              <a:srgbClr val="000000">
+                <a:alpha val="63000"/>
+              </a:srgbClr>
+            </a:outerShdw>
+          </a:effectLst>
+        </a:effectStyle>
+      </a:effectStyleLst>
+      <a:bgFillStyleLst>
+        <a:solidFill>
+          <a:schemeClr val="phClr"/>
+        </a:solidFill>
+        <a:solidFill>
+          <a:schemeClr val="phClr">
+            <a:tint val="95000"/>
+            <a:satMod val="170000"/>
+          </a:schemeClr>
+        </a:solidFill>
+        <a:gradFill rotWithShape="1">
+          <a:gsLst>
+            <a:gs pos="0">
+              <a:schemeClr val="phClr">
+                <a:tint val="93000"/>
+                <a:satMod val="150000"/>
+                <a:shade val="98000"/>
+                <a:lumMod val="102000"/>
+              </a:schemeClr>
+            </a:gs>
+            <a:gs pos="50000">
+              <a:schemeClr val="phClr">
+                <a:tint val="98000"/>
+                <a:satMod val="130000"/>
+                <a:shade val="90000"/>
+                <a:lumMod val="103000"/>
+              </a:schemeClr>
+            </a:gs>
+            <a:gs pos="100000">
+              <a:schemeClr val="phClr">
+                <a:shade val="63000"/>
+                <a:satMod val="120000"/>
+              </a:schemeClr>
+            </a:gs>
+          </a:gsLst>
+          <a:lin ang="5400000" scaled="0"/>
+        </a:gradFill>
+      </a:bgFillStyleLst>
+    </a:fmtScheme>
+  </a:themeElements>
+  <a:objectDefaults/>
+  <a:extraClrSchemeLst/>
+  <a:extLst>
+    <a:ext uri="{05A4C25C-085E-4340-85A3-A5531E510DB2}">
+      <thm15:themeFamily xmlns:thm15="http://schemas.microsoft.com/office/thememl/2012/main" name="Office Theme" id="{62F939B6-93AF-4DB8-9C6B-D6C7DFDC589F}" vid="{4A3C46E8-61CC-4603-A589-7422A47A8E4A}"/>
+    </a:ext>
+  </a:extLst>
+</a:theme>
+</file>
+
 <file path=customXml/item1.xml><?xml version="1.0" encoding="utf-8"?>
+<?mso-contentType ?>
+<FormTemplates xmlns="http://schemas.microsoft.com/sharepoint/v3/contenttype/forms">
+  <Display>DocumentLibraryForm</Display>
+  <Edit>DocumentLibraryForm</Edit>
+  <New>DocumentLibraryForm</New>
+</FormTemplates>
+</file>
+
+<file path=customXml/item2.xml><?xml version="1.0" encoding="utf-8"?>
 <p:properties xmlns:p="http://schemas.microsoft.com/office/2006/metadata/properties" xmlns:xsi="http://www.w3.org/2001/XMLSchema-instance" xmlns:pc="http://schemas.microsoft.com/office/infopath/2007/PartnerControls">
   <documentManagement>
     <Status xmlns="71af3243-3dd4-4a8d-8c0d-dd76da1f02a5">Not started</Status>
     <MediaServiceKeyPoints xmlns="71af3243-3dd4-4a8d-8c0d-dd76da1f02a5" xsi:nil="true"/>
   </documentManagement>
 </p:properties>
-</file>
-
-<file path=customXml/item2.xml><?xml version="1.0" encoding="utf-8"?>
-<?mso-contentType ?>
-<FormTemplates xmlns="http://schemas.microsoft.com/sharepoint/v3/contenttype/forms">
-  <Display>DocumentLibraryForm</Display>
-  <Edit>DocumentLibraryForm</Edit>
-  <New>DocumentLibraryForm</New>
-</FormTemplates>
 </file>
 
 <file path=customXml/item3.xml><?xml version="1.0" encoding="utf-8"?>
@@ -8353,19 +10150,19 @@
 </file>
 
 <file path=customXml/itemProps1.xml><?xml version="1.0" encoding="utf-8"?>
+<ds:datastoreItem xmlns:ds="http://schemas.openxmlformats.org/officeDocument/2006/customXml" ds:itemID="{CDB58277-F8DF-46FF-84EC-EF41B835E69F}">
+  <ds:schemaRefs>
+    <ds:schemaRef ds:uri="http://schemas.microsoft.com/sharepoint/v3/contenttype/forms"/>
+  </ds:schemaRefs>
+</ds:datastoreItem>
+</file>
+
+<file path=customXml/itemProps2.xml><?xml version="1.0" encoding="utf-8"?>
 <ds:datastoreItem xmlns:ds="http://schemas.openxmlformats.org/officeDocument/2006/customXml" ds:itemID="{137651BA-F45C-4845-9AB3-E0A65B39F5E1}">
   <ds:schemaRefs>
     <ds:schemaRef ds:uri="http://schemas.microsoft.com/office/2006/metadata/properties"/>
     <ds:schemaRef ds:uri="http://schemas.microsoft.com/office/infopath/2007/PartnerControls"/>
     <ds:schemaRef ds:uri="71af3243-3dd4-4a8d-8c0d-dd76da1f02a5"/>
-  </ds:schemaRefs>
-</ds:datastoreItem>
-</file>
-
-<file path=customXml/itemProps2.xml><?xml version="1.0" encoding="utf-8"?>
-<ds:datastoreItem xmlns:ds="http://schemas.openxmlformats.org/officeDocument/2006/customXml" ds:itemID="{CDB58277-F8DF-46FF-84EC-EF41B835E69F}">
-  <ds:schemaRefs>
-    <ds:schemaRef ds:uri="http://schemas.microsoft.com/sharepoint/v3/contenttype/forms"/>
   </ds:schemaRefs>
 </ds:datastoreItem>
 </file>

--- a/gOGOGAGA.pptx
+++ b/gOGOGAGA.pptx
@@ -5,17 +5,18 @@
     <p:sldMasterId id="2147483673" r:id="rId4"/>
   </p:sldMasterIdLst>
   <p:notesMasterIdLst>
-    <p:notesMasterId r:id="rId13"/>
+    <p:notesMasterId r:id="rId14"/>
   </p:notesMasterIdLst>
   <p:sldIdLst>
     <p:sldId id="257" r:id="rId5"/>
     <p:sldId id="262" r:id="rId6"/>
     <p:sldId id="261" r:id="rId7"/>
-    <p:sldId id="268" r:id="rId8"/>
-    <p:sldId id="264" r:id="rId9"/>
-    <p:sldId id="265" r:id="rId10"/>
-    <p:sldId id="267" r:id="rId11"/>
-    <p:sldId id="266" r:id="rId12"/>
+    <p:sldId id="270" r:id="rId8"/>
+    <p:sldId id="271" r:id="rId9"/>
+    <p:sldId id="272" r:id="rId10"/>
+    <p:sldId id="265" r:id="rId11"/>
+    <p:sldId id="267" r:id="rId12"/>
+    <p:sldId id="266" r:id="rId13"/>
   </p:sldIdLst>
   <p:sldSz cx="12192000" cy="6858000"/>
   <p:notesSz cx="6858000" cy="9144000"/>
@@ -130,460 +131,6 @@
 </p1510:revInfo>
 </file>
 
-<file path=ppt/changesInfos/changesInfo1.xml><?xml version="1.0" encoding="utf-8"?>
-<pc:chgInfo xmlns:a="http://schemas.openxmlformats.org/drawingml/2006/main" xmlns:r="http://schemas.openxmlformats.org/officeDocument/2006/relationships" xmlns:ac="http://schemas.microsoft.com/office/drawing/2013/main/command" xmlns:pc="http://schemas.microsoft.com/office/powerpoint/2013/main/command">
-  <pc:docChgLst>
-    <pc:chgData name="Jennifer Lamoureux" userId="df8978671778c259" providerId="LiveId" clId="{4CA6EE96-F28A-424A-9353-249280B29811}"/>
-    <pc:docChg chg="undo redo custSel mod addSld delSld modSld sldOrd">
-      <pc:chgData name="Jennifer Lamoureux" userId="df8978671778c259" providerId="LiveId" clId="{4CA6EE96-F28A-424A-9353-249280B29811}" dt="2021-01-20T01:51:44.945" v="2062" actId="20577"/>
-      <pc:docMkLst>
-        <pc:docMk/>
-      </pc:docMkLst>
-      <pc:sldChg chg="modSp mod">
-        <pc:chgData name="Jennifer Lamoureux" userId="df8978671778c259" providerId="LiveId" clId="{4CA6EE96-F28A-424A-9353-249280B29811}" dt="2021-01-20T01:23:58.330" v="947" actId="27636"/>
-        <pc:sldMkLst>
-          <pc:docMk/>
-          <pc:sldMk cId="2584280759" sldId="257"/>
-        </pc:sldMkLst>
-        <pc:spChg chg="mod">
-          <ac:chgData name="Jennifer Lamoureux" userId="df8978671778c259" providerId="LiveId" clId="{4CA6EE96-F28A-424A-9353-249280B29811}" dt="2021-01-20T01:23:58.330" v="947" actId="27636"/>
-          <ac:spMkLst>
-            <pc:docMk/>
-            <pc:sldMk cId="2584280759" sldId="257"/>
-            <ac:spMk id="2" creationId="{18C3B467-088C-4F3D-A9A7-105C4E1E20CD}"/>
-          </ac:spMkLst>
-        </pc:spChg>
-      </pc:sldChg>
-      <pc:sldChg chg="modSp">
-        <pc:chgData name="Jennifer Lamoureux" userId="df8978671778c259" providerId="LiveId" clId="{4CA6EE96-F28A-424A-9353-249280B29811}" dt="2021-01-20T01:08:35.456" v="122" actId="20577"/>
-        <pc:sldMkLst>
-          <pc:docMk/>
-          <pc:sldMk cId="183243182" sldId="261"/>
-        </pc:sldMkLst>
-        <pc:graphicFrameChg chg="mod">
-          <ac:chgData name="Jennifer Lamoureux" userId="df8978671778c259" providerId="LiveId" clId="{4CA6EE96-F28A-424A-9353-249280B29811}" dt="2021-01-20T01:08:35.456" v="122" actId="20577"/>
-          <ac:graphicFrameMkLst>
-            <pc:docMk/>
-            <pc:sldMk cId="183243182" sldId="261"/>
-            <ac:graphicFrameMk id="5" creationId="{91DB1382-7276-49FA-9632-38D558F457E3}"/>
-          </ac:graphicFrameMkLst>
-        </pc:graphicFrameChg>
-      </pc:sldChg>
-      <pc:sldChg chg="addSp delSp modSp del mod modClrScheme chgLayout">
-        <pc:chgData name="Jennifer Lamoureux" userId="df8978671778c259" providerId="LiveId" clId="{4CA6EE96-F28A-424A-9353-249280B29811}" dt="2021-01-20T01:35:11.963" v="1333" actId="2696"/>
-        <pc:sldMkLst>
-          <pc:docMk/>
-          <pc:sldMk cId="3141047123" sldId="263"/>
-        </pc:sldMkLst>
-        <pc:spChg chg="mod">
-          <ac:chgData name="Jennifer Lamoureux" userId="df8978671778c259" providerId="LiveId" clId="{4CA6EE96-F28A-424A-9353-249280B29811}" dt="2021-01-20T01:34:29.369" v="1300" actId="26606"/>
-          <ac:spMkLst>
-            <pc:docMk/>
-            <pc:sldMk cId="3141047123" sldId="263"/>
-            <ac:spMk id="2" creationId="{3C9A4B96-B8E5-4B43-AE48-290C1948FE7C}"/>
-          </ac:spMkLst>
-        </pc:spChg>
-        <pc:spChg chg="mod">
-          <ac:chgData name="Jennifer Lamoureux" userId="df8978671778c259" providerId="LiveId" clId="{4CA6EE96-F28A-424A-9353-249280B29811}" dt="2021-01-20T01:35:05.650" v="1331" actId="21"/>
-          <ac:spMkLst>
-            <pc:docMk/>
-            <pc:sldMk cId="3141047123" sldId="263"/>
-            <ac:spMk id="3" creationId="{E5CAED68-9FA0-4081-A23F-AD55A8F35D17}"/>
-          </ac:spMkLst>
-        </pc:spChg>
-        <pc:spChg chg="add del mod">
-          <ac:chgData name="Jennifer Lamoureux" userId="df8978671778c259" providerId="LiveId" clId="{4CA6EE96-F28A-424A-9353-249280B29811}" dt="2021-01-20T01:33:19.594" v="1260" actId="21"/>
-          <ac:spMkLst>
-            <pc:docMk/>
-            <pc:sldMk cId="3141047123" sldId="263"/>
-            <ac:spMk id="4" creationId="{066C8A80-3D6D-4EA4-BA32-67C749F893C6}"/>
-          </ac:spMkLst>
-        </pc:spChg>
-        <pc:spChg chg="add del mod">
-          <ac:chgData name="Jennifer Lamoureux" userId="df8978671778c259" providerId="LiveId" clId="{4CA6EE96-F28A-424A-9353-249280B29811}" dt="2021-01-20T01:33:34.008" v="1267" actId="478"/>
-          <ac:spMkLst>
-            <pc:docMk/>
-            <pc:sldMk cId="3141047123" sldId="263"/>
-            <ac:spMk id="5" creationId="{4C50E843-7C50-4738-9B09-95A53BC1B079}"/>
-          </ac:spMkLst>
-        </pc:spChg>
-        <pc:spChg chg="add del mod">
-          <ac:chgData name="Jennifer Lamoureux" userId="df8978671778c259" providerId="LiveId" clId="{4CA6EE96-F28A-424A-9353-249280B29811}" dt="2021-01-20T01:34:07.577" v="1285" actId="26606"/>
-          <ac:spMkLst>
-            <pc:docMk/>
-            <pc:sldMk cId="3141047123" sldId="263"/>
-            <ac:spMk id="8" creationId="{CB06E3B7-A750-4BDD-8C3A-E0B9814CA7AF}"/>
-          </ac:spMkLst>
-        </pc:spChg>
-        <pc:spChg chg="add del mod">
-          <ac:chgData name="Jennifer Lamoureux" userId="df8978671778c259" providerId="LiveId" clId="{4CA6EE96-F28A-424A-9353-249280B29811}" dt="2021-01-20T01:34:07.577" v="1285" actId="26606"/>
-          <ac:spMkLst>
-            <pc:docMk/>
-            <pc:sldMk cId="3141047123" sldId="263"/>
-            <ac:spMk id="10" creationId="{04E4D641-8423-4AD7-83E5-9D765BB5DB6F}"/>
-          </ac:spMkLst>
-        </pc:spChg>
-        <pc:spChg chg="add del mod">
-          <ac:chgData name="Jennifer Lamoureux" userId="df8978671778c259" providerId="LiveId" clId="{4CA6EE96-F28A-424A-9353-249280B29811}" dt="2021-01-20T01:34:07.577" v="1285" actId="26606"/>
-          <ac:spMkLst>
-            <pc:docMk/>
-            <pc:sldMk cId="3141047123" sldId="263"/>
-            <ac:spMk id="12" creationId="{2F0E4A57-0F84-4AD8-8049-BD690F9CAAB7}"/>
-          </ac:spMkLst>
-        </pc:spChg>
-        <pc:spChg chg="add del mod">
-          <ac:chgData name="Jennifer Lamoureux" userId="df8978671778c259" providerId="LiveId" clId="{4CA6EE96-F28A-424A-9353-249280B29811}" dt="2021-01-20T01:34:09.855" v="1287" actId="26606"/>
-          <ac:spMkLst>
-            <pc:docMk/>
-            <pc:sldMk cId="3141047123" sldId="263"/>
-            <ac:spMk id="14" creationId="{8F59EAEB-9717-46AC-B77A-2517C8C5DDB1}"/>
-          </ac:spMkLst>
-        </pc:spChg>
-        <pc:spChg chg="add del mod">
-          <ac:chgData name="Jennifer Lamoureux" userId="df8978671778c259" providerId="LiveId" clId="{4CA6EE96-F28A-424A-9353-249280B29811}" dt="2021-01-20T01:34:17.834" v="1289" actId="26606"/>
-          <ac:spMkLst>
-            <pc:docMk/>
-            <pc:sldMk cId="3141047123" sldId="263"/>
-            <ac:spMk id="16" creationId="{7D354348-D16E-4865-9B48-41379004AB80}"/>
-          </ac:spMkLst>
-        </pc:spChg>
-        <pc:spChg chg="add del mod">
-          <ac:chgData name="Jennifer Lamoureux" userId="df8978671778c259" providerId="LiveId" clId="{4CA6EE96-F28A-424A-9353-249280B29811}" dt="2021-01-20T01:34:19.133" v="1291" actId="26606"/>
-          <ac:spMkLst>
-            <pc:docMk/>
-            <pc:sldMk cId="3141047123" sldId="263"/>
-            <ac:spMk id="18" creationId="{8F59EAEB-9717-46AC-B77A-2517C8C5DDB1}"/>
-          </ac:spMkLst>
-        </pc:spChg>
-        <pc:spChg chg="add del mod">
-          <ac:chgData name="Jennifer Lamoureux" userId="df8978671778c259" providerId="LiveId" clId="{4CA6EE96-F28A-424A-9353-249280B29811}" dt="2021-01-20T01:34:20.663" v="1293" actId="26606"/>
-          <ac:spMkLst>
-            <pc:docMk/>
-            <pc:sldMk cId="3141047123" sldId="263"/>
-            <ac:spMk id="20" creationId="{CB06E3B7-A750-4BDD-8C3A-E0B9814CA7AF}"/>
-          </ac:spMkLst>
-        </pc:spChg>
-        <pc:spChg chg="add del mod">
-          <ac:chgData name="Jennifer Lamoureux" userId="df8978671778c259" providerId="LiveId" clId="{4CA6EE96-F28A-424A-9353-249280B29811}" dt="2021-01-20T01:34:20.663" v="1293" actId="26606"/>
-          <ac:spMkLst>
-            <pc:docMk/>
-            <pc:sldMk cId="3141047123" sldId="263"/>
-            <ac:spMk id="21" creationId="{04E4D641-8423-4AD7-83E5-9D765BB5DB6F}"/>
-          </ac:spMkLst>
-        </pc:spChg>
-        <pc:spChg chg="add del mod">
-          <ac:chgData name="Jennifer Lamoureux" userId="df8978671778c259" providerId="LiveId" clId="{4CA6EE96-F28A-424A-9353-249280B29811}" dt="2021-01-20T01:34:20.663" v="1293" actId="26606"/>
-          <ac:spMkLst>
-            <pc:docMk/>
-            <pc:sldMk cId="3141047123" sldId="263"/>
-            <ac:spMk id="22" creationId="{2F0E4A57-0F84-4AD8-8049-BD690F9CAAB7}"/>
-          </ac:spMkLst>
-        </pc:spChg>
-        <pc:spChg chg="add del mod">
-          <ac:chgData name="Jennifer Lamoureux" userId="df8978671778c259" providerId="LiveId" clId="{4CA6EE96-F28A-424A-9353-249280B29811}" dt="2021-01-20T01:34:21.115" v="1295" actId="26606"/>
-          <ac:spMkLst>
-            <pc:docMk/>
-            <pc:sldMk cId="3141047123" sldId="263"/>
-            <ac:spMk id="24" creationId="{8F59EAEB-9717-46AC-B77A-2517C8C5DDB1}"/>
-          </ac:spMkLst>
-        </pc:spChg>
-        <pc:spChg chg="add del mod">
-          <ac:chgData name="Jennifer Lamoureux" userId="df8978671778c259" providerId="LiveId" clId="{4CA6EE96-F28A-424A-9353-249280B29811}" dt="2021-01-20T01:34:28.506" v="1297" actId="26606"/>
-          <ac:spMkLst>
-            <pc:docMk/>
-            <pc:sldMk cId="3141047123" sldId="263"/>
-            <ac:spMk id="26" creationId="{7D354348-D16E-4865-9B48-41379004AB80}"/>
-          </ac:spMkLst>
-        </pc:spChg>
-        <pc:spChg chg="add del mod">
-          <ac:chgData name="Jennifer Lamoureux" userId="df8978671778c259" providerId="LiveId" clId="{4CA6EE96-F28A-424A-9353-249280B29811}" dt="2021-01-20T01:34:29.355" v="1299" actId="26606"/>
-          <ac:spMkLst>
-            <pc:docMk/>
-            <pc:sldMk cId="3141047123" sldId="263"/>
-            <ac:spMk id="28" creationId="{8F59EAEB-9717-46AC-B77A-2517C8C5DDB1}"/>
-          </ac:spMkLst>
-        </pc:spChg>
-        <pc:spChg chg="add mod">
-          <ac:chgData name="Jennifer Lamoureux" userId="df8978671778c259" providerId="LiveId" clId="{4CA6EE96-F28A-424A-9353-249280B29811}" dt="2021-01-20T01:34:29.369" v="1300" actId="26606"/>
-          <ac:spMkLst>
-            <pc:docMk/>
-            <pc:sldMk cId="3141047123" sldId="263"/>
-            <ac:spMk id="30" creationId="{CB06E3B7-A750-4BDD-8C3A-E0B9814CA7AF}"/>
-          </ac:spMkLst>
-        </pc:spChg>
-        <pc:spChg chg="add mod">
-          <ac:chgData name="Jennifer Lamoureux" userId="df8978671778c259" providerId="LiveId" clId="{4CA6EE96-F28A-424A-9353-249280B29811}" dt="2021-01-20T01:34:29.369" v="1300" actId="26606"/>
-          <ac:spMkLst>
-            <pc:docMk/>
-            <pc:sldMk cId="3141047123" sldId="263"/>
-            <ac:spMk id="31" creationId="{04E4D641-8423-4AD7-83E5-9D765BB5DB6F}"/>
-          </ac:spMkLst>
-        </pc:spChg>
-        <pc:spChg chg="add mod">
-          <ac:chgData name="Jennifer Lamoureux" userId="df8978671778c259" providerId="LiveId" clId="{4CA6EE96-F28A-424A-9353-249280B29811}" dt="2021-01-20T01:34:29.369" v="1300" actId="26606"/>
-          <ac:spMkLst>
-            <pc:docMk/>
-            <pc:sldMk cId="3141047123" sldId="263"/>
-            <ac:spMk id="32" creationId="{2F0E4A57-0F84-4AD8-8049-BD690F9CAAB7}"/>
-          </ac:spMkLst>
-        </pc:spChg>
-      </pc:sldChg>
-      <pc:sldChg chg="addSp modSp mod">
-        <pc:chgData name="Jennifer Lamoureux" userId="df8978671778c259" providerId="LiveId" clId="{4CA6EE96-F28A-424A-9353-249280B29811}" dt="2021-01-20T01:37:10.552" v="1548" actId="20577"/>
-        <pc:sldMkLst>
-          <pc:docMk/>
-          <pc:sldMk cId="2919240769" sldId="264"/>
-        </pc:sldMkLst>
-        <pc:spChg chg="mod">
-          <ac:chgData name="Jennifer Lamoureux" userId="df8978671778c259" providerId="LiveId" clId="{4CA6EE96-F28A-424A-9353-249280B29811}" dt="2021-01-20T01:37:10.552" v="1548" actId="20577"/>
-          <ac:spMkLst>
-            <pc:docMk/>
-            <pc:sldMk cId="2919240769" sldId="264"/>
-            <ac:spMk id="3" creationId="{FBDAC0CB-370F-4931-8483-DDA8916CF95B}"/>
-          </ac:spMkLst>
-        </pc:spChg>
-        <pc:picChg chg="add mod">
-          <ac:chgData name="Jennifer Lamoureux" userId="df8978671778c259" providerId="LiveId" clId="{4CA6EE96-F28A-424A-9353-249280B29811}" dt="2021-01-20T01:36:38.517" v="1458" actId="1076"/>
-          <ac:picMkLst>
-            <pc:docMk/>
-            <pc:sldMk cId="2919240769" sldId="264"/>
-            <ac:picMk id="1026" creationId="{C9E949B0-15FA-40D7-B479-895D56618AD1}"/>
-          </ac:picMkLst>
-        </pc:picChg>
-      </pc:sldChg>
-      <pc:sldChg chg="addSp delSp modSp mod modClrScheme chgLayout modNotesTx">
-        <pc:chgData name="Jennifer Lamoureux" userId="df8978671778c259" providerId="LiveId" clId="{4CA6EE96-F28A-424A-9353-249280B29811}" dt="2021-01-20T01:46:42.672" v="1948" actId="20577"/>
-        <pc:sldMkLst>
-          <pc:docMk/>
-          <pc:sldMk cId="433095225" sldId="265"/>
-        </pc:sldMkLst>
-        <pc:spChg chg="mod">
-          <ac:chgData name="Jennifer Lamoureux" userId="df8978671778c259" providerId="LiveId" clId="{4CA6EE96-F28A-424A-9353-249280B29811}" dt="2021-01-20T01:17:12.609" v="410" actId="26606"/>
-          <ac:spMkLst>
-            <pc:docMk/>
-            <pc:sldMk cId="433095225" sldId="265"/>
-            <ac:spMk id="2" creationId="{5F484F91-D050-4B1E-BC62-3AD56D875FB7}"/>
-          </ac:spMkLst>
-        </pc:spChg>
-        <pc:spChg chg="del">
-          <ac:chgData name="Jennifer Lamoureux" userId="df8978671778c259" providerId="LiveId" clId="{4CA6EE96-F28A-424A-9353-249280B29811}" dt="2021-01-20T01:16:17.623" v="402" actId="26606"/>
-          <ac:spMkLst>
-            <pc:docMk/>
-            <pc:sldMk cId="433095225" sldId="265"/>
-            <ac:spMk id="3" creationId="{6EFCB0A1-DBEB-4F76-B65A-CAE912F0D8F2}"/>
-          </ac:spMkLst>
-        </pc:spChg>
-        <pc:spChg chg="add del mod">
-          <ac:chgData name="Jennifer Lamoureux" userId="df8978671778c259" providerId="LiveId" clId="{4CA6EE96-F28A-424A-9353-249280B29811}" dt="2021-01-20T01:16:45.334" v="405" actId="26606"/>
-          <ac:spMkLst>
-            <pc:docMk/>
-            <pc:sldMk cId="433095225" sldId="265"/>
-            <ac:spMk id="5" creationId="{0A74130A-646D-47F1-8F06-B363A1A367FB}"/>
-          </ac:spMkLst>
-        </pc:spChg>
-        <pc:spChg chg="add del mod">
-          <ac:chgData name="Jennifer Lamoureux" userId="df8978671778c259" providerId="LiveId" clId="{4CA6EE96-F28A-424A-9353-249280B29811}" dt="2021-01-20T01:16:34.608" v="403" actId="478"/>
-          <ac:spMkLst>
-            <pc:docMk/>
-            <pc:sldMk cId="433095225" sldId="265"/>
-            <ac:spMk id="8" creationId="{4D114619-CB96-4A8B-9337-A145F5D8748A}"/>
-          </ac:spMkLst>
-        </pc:spChg>
-        <pc:spChg chg="add del mod">
-          <ac:chgData name="Jennifer Lamoureux" userId="df8978671778c259" providerId="LiveId" clId="{4CA6EE96-F28A-424A-9353-249280B29811}" dt="2021-01-20T01:16:53.465" v="407" actId="26606"/>
-          <ac:spMkLst>
-            <pc:docMk/>
-            <pc:sldMk cId="433095225" sldId="265"/>
-            <ac:spMk id="9" creationId="{C98F5643-A160-43AA-BB09-A0D22941BAD7}"/>
-          </ac:spMkLst>
-        </pc:spChg>
-        <pc:spChg chg="add del mod">
-          <ac:chgData name="Jennifer Lamoureux" userId="df8978671778c259" providerId="LiveId" clId="{4CA6EE96-F28A-424A-9353-249280B29811}" dt="2021-01-20T01:17:12.601" v="409" actId="26606"/>
-          <ac:spMkLst>
-            <pc:docMk/>
-            <pc:sldMk cId="433095225" sldId="265"/>
-            <ac:spMk id="12" creationId="{0A74130A-646D-47F1-8F06-B363A1A367FB}"/>
-          </ac:spMkLst>
-        </pc:spChg>
-        <pc:spChg chg="add del mod">
-          <ac:chgData name="Jennifer Lamoureux" userId="df8978671778c259" providerId="LiveId" clId="{4CA6EE96-F28A-424A-9353-249280B29811}" dt="2021-01-20T01:17:16.681" v="411" actId="478"/>
-          <ac:spMkLst>
-            <pc:docMk/>
-            <pc:sldMk cId="433095225" sldId="265"/>
-            <ac:spMk id="14" creationId="{A3020511-7E06-4346-8717-25530D820306}"/>
-          </ac:spMkLst>
-        </pc:spChg>
-        <pc:picChg chg="add del">
-          <ac:chgData name="Jennifer Lamoureux" userId="df8978671778c259" providerId="LiveId" clId="{4CA6EE96-F28A-424A-9353-249280B29811}" dt="2021-01-20T01:16:45.334" v="405" actId="26606"/>
-          <ac:picMkLst>
-            <pc:docMk/>
-            <pc:sldMk cId="433095225" sldId="265"/>
-            <ac:picMk id="4" creationId="{372CACDE-CD07-455F-A143-BE5C1322CF9B}"/>
-          </ac:picMkLst>
-        </pc:picChg>
-        <pc:picChg chg="add del">
-          <ac:chgData name="Jennifer Lamoureux" userId="df8978671778c259" providerId="LiveId" clId="{4CA6EE96-F28A-424A-9353-249280B29811}" dt="2021-01-20T01:16:53.465" v="407" actId="26606"/>
-          <ac:picMkLst>
-            <pc:docMk/>
-            <pc:sldMk cId="433095225" sldId="265"/>
-            <ac:picMk id="7" creationId="{9AB3ED27-6DD6-4A27-8997-66C144188A67}"/>
-          </ac:picMkLst>
-        </pc:picChg>
-        <pc:picChg chg="add del">
-          <ac:chgData name="Jennifer Lamoureux" userId="df8978671778c259" providerId="LiveId" clId="{4CA6EE96-F28A-424A-9353-249280B29811}" dt="2021-01-20T01:17:12.601" v="409" actId="26606"/>
-          <ac:picMkLst>
-            <pc:docMk/>
-            <pc:sldMk cId="433095225" sldId="265"/>
-            <ac:picMk id="11" creationId="{372CACDE-CD07-455F-A143-BE5C1322CF9B}"/>
-          </ac:picMkLst>
-        </pc:picChg>
-      </pc:sldChg>
-      <pc:sldChg chg="addSp modSp mod">
-        <pc:chgData name="Jennifer Lamoureux" userId="df8978671778c259" providerId="LiveId" clId="{4CA6EE96-F28A-424A-9353-249280B29811}" dt="2021-01-20T01:39:34.484" v="1562" actId="26606"/>
-        <pc:sldMkLst>
-          <pc:docMk/>
-          <pc:sldMk cId="2104656030" sldId="266"/>
-        </pc:sldMkLst>
-        <pc:spChg chg="mod">
-          <ac:chgData name="Jennifer Lamoureux" userId="df8978671778c259" providerId="LiveId" clId="{4CA6EE96-F28A-424A-9353-249280B29811}" dt="2021-01-20T01:39:34.484" v="1562" actId="26606"/>
-          <ac:spMkLst>
-            <pc:docMk/>
-            <pc:sldMk cId="2104656030" sldId="266"/>
-            <ac:spMk id="3" creationId="{BDD8104A-71DC-4F1F-AD4A-24A7547F0421}"/>
-          </ac:spMkLst>
-        </pc:spChg>
-        <pc:picChg chg="add mod">
-          <ac:chgData name="Jennifer Lamoureux" userId="df8978671778c259" providerId="LiveId" clId="{4CA6EE96-F28A-424A-9353-249280B29811}" dt="2021-01-20T01:39:34.484" v="1562" actId="26606"/>
-          <ac:picMkLst>
-            <pc:docMk/>
-            <pc:sldMk cId="2104656030" sldId="266"/>
-            <ac:picMk id="4" creationId="{189975E6-B1B4-4FDA-BCAD-76DDFD4680BD}"/>
-          </ac:picMkLst>
-        </pc:picChg>
-      </pc:sldChg>
-      <pc:sldChg chg="delSp modSp add mod ord">
-        <pc:chgData name="Jennifer Lamoureux" userId="df8978671778c259" providerId="LiveId" clId="{4CA6EE96-F28A-424A-9353-249280B29811}" dt="2021-01-20T01:51:44.945" v="2062" actId="20577"/>
-        <pc:sldMkLst>
-          <pc:docMk/>
-          <pc:sldMk cId="3169973273" sldId="267"/>
-        </pc:sldMkLst>
-        <pc:spChg chg="mod">
-          <ac:chgData name="Jennifer Lamoureux" userId="df8978671778c259" providerId="LiveId" clId="{4CA6EE96-F28A-424A-9353-249280B29811}" dt="2021-01-20T01:17:57.388" v="434" actId="20577"/>
-          <ac:spMkLst>
-            <pc:docMk/>
-            <pc:sldMk cId="3169973273" sldId="267"/>
-            <ac:spMk id="2" creationId="{FF542261-D78D-4175-A189-3975CF514FA9}"/>
-          </ac:spMkLst>
-        </pc:spChg>
-        <pc:spChg chg="mod">
-          <ac:chgData name="Jennifer Lamoureux" userId="df8978671778c259" providerId="LiveId" clId="{4CA6EE96-F28A-424A-9353-249280B29811}" dt="2021-01-20T01:51:44.945" v="2062" actId="20577"/>
-          <ac:spMkLst>
-            <pc:docMk/>
-            <pc:sldMk cId="3169973273" sldId="267"/>
-            <ac:spMk id="3" creationId="{FBDAC0CB-370F-4931-8483-DDA8916CF95B}"/>
-          </ac:spMkLst>
-        </pc:spChg>
-        <pc:picChg chg="del">
-          <ac:chgData name="Jennifer Lamoureux" userId="df8978671778c259" providerId="LiveId" clId="{4CA6EE96-F28A-424A-9353-249280B29811}" dt="2021-01-20T01:17:43.008" v="415" actId="478"/>
-          <ac:picMkLst>
-            <pc:docMk/>
-            <pc:sldMk cId="3169973273" sldId="267"/>
-            <ac:picMk id="1026" creationId="{C9E949B0-15FA-40D7-B479-895D56618AD1}"/>
-          </ac:picMkLst>
-        </pc:picChg>
-      </pc:sldChg>
-      <pc:sldChg chg="addSp delSp modSp new mod modClrScheme chgLayout">
-        <pc:chgData name="Jennifer Lamoureux" userId="df8978671778c259" providerId="LiveId" clId="{4CA6EE96-F28A-424A-9353-249280B29811}" dt="2021-01-20T01:41:24.859" v="1566" actId="20577"/>
-        <pc:sldMkLst>
-          <pc:docMk/>
-          <pc:sldMk cId="2357490765" sldId="268"/>
-        </pc:sldMkLst>
-        <pc:spChg chg="add del">
-          <ac:chgData name="Jennifer Lamoureux" userId="df8978671778c259" providerId="LiveId" clId="{4CA6EE96-F28A-424A-9353-249280B29811}" dt="2021-01-20T01:34:40.276" v="1304" actId="26606"/>
-          <ac:spMkLst>
-            <pc:docMk/>
-            <pc:sldMk cId="2357490765" sldId="268"/>
-            <ac:spMk id="2" creationId="{968F4C46-B91F-4FB9-B13A-3B5550198249}"/>
-          </ac:spMkLst>
-        </pc:spChg>
-        <pc:spChg chg="add del">
-          <ac:chgData name="Jennifer Lamoureux" userId="df8978671778c259" providerId="LiveId" clId="{4CA6EE96-F28A-424A-9353-249280B29811}" dt="2021-01-20T01:34:40.276" v="1304" actId="26606"/>
-          <ac:spMkLst>
-            <pc:docMk/>
-            <pc:sldMk cId="2357490765" sldId="268"/>
-            <ac:spMk id="3" creationId="{2BA5FE50-B433-47B5-B546-A7C104B5F15C}"/>
-          </ac:spMkLst>
-        </pc:spChg>
-        <pc:spChg chg="add del">
-          <ac:chgData name="Jennifer Lamoureux" userId="df8978671778c259" providerId="LiveId" clId="{4CA6EE96-F28A-424A-9353-249280B29811}" dt="2021-01-20T01:34:40.276" v="1304" actId="26606"/>
-          <ac:spMkLst>
-            <pc:docMk/>
-            <pc:sldMk cId="2357490765" sldId="268"/>
-            <ac:spMk id="4" creationId="{334B3D58-2B89-4663-B110-10CB64F6C918}"/>
-          </ac:spMkLst>
-        </pc:spChg>
-        <pc:spChg chg="add del">
-          <ac:chgData name="Jennifer Lamoureux" userId="df8978671778c259" providerId="LiveId" clId="{4CA6EE96-F28A-424A-9353-249280B29811}" dt="2021-01-20T01:34:40.276" v="1304" actId="26606"/>
-          <ac:spMkLst>
-            <pc:docMk/>
-            <pc:sldMk cId="2357490765" sldId="268"/>
-            <ac:spMk id="5" creationId="{22E0E57B-EF3B-4093-8FC4-56D05A216E8B}"/>
-          </ac:spMkLst>
-        </pc:spChg>
-        <pc:spChg chg="add del">
-          <ac:chgData name="Jennifer Lamoureux" userId="df8978671778c259" providerId="LiveId" clId="{4CA6EE96-F28A-424A-9353-249280B29811}" dt="2021-01-20T01:34:40.276" v="1304" actId="26606"/>
-          <ac:spMkLst>
-            <pc:docMk/>
-            <pc:sldMk cId="2357490765" sldId="268"/>
-            <ac:spMk id="6" creationId="{3BDCB6C6-2B94-4D82-9F56-D6C31CA20829}"/>
-          </ac:spMkLst>
-        </pc:spChg>
-        <pc:spChg chg="add del mod">
-          <ac:chgData name="Jennifer Lamoureux" userId="df8978671778c259" providerId="LiveId" clId="{4CA6EE96-F28A-424A-9353-249280B29811}" dt="2021-01-20T01:34:40.269" v="1303" actId="26606"/>
-          <ac:spMkLst>
-            <pc:docMk/>
-            <pc:sldMk cId="2357490765" sldId="268"/>
-            <ac:spMk id="11" creationId="{4E90C60C-B4C4-4244-A9A7-4ABD141BF68B}"/>
-          </ac:spMkLst>
-        </pc:spChg>
-        <pc:spChg chg="add del mod">
-          <ac:chgData name="Jennifer Lamoureux" userId="df8978671778c259" providerId="LiveId" clId="{4CA6EE96-F28A-424A-9353-249280B29811}" dt="2021-01-20T01:34:40.269" v="1303" actId="26606"/>
-          <ac:spMkLst>
-            <pc:docMk/>
-            <pc:sldMk cId="2357490765" sldId="268"/>
-            <ac:spMk id="13" creationId="{A0C8CBF5-419B-47AD-9C38-AC2AB6075222}"/>
-          </ac:spMkLst>
-        </pc:spChg>
-        <pc:spChg chg="add mod">
-          <ac:chgData name="Jennifer Lamoureux" userId="df8978671778c259" providerId="LiveId" clId="{4CA6EE96-F28A-424A-9353-249280B29811}" dt="2021-01-20T01:35:08.813" v="1332"/>
-          <ac:spMkLst>
-            <pc:docMk/>
-            <pc:sldMk cId="2357490765" sldId="268"/>
-            <ac:spMk id="15" creationId="{C7E8F2D0-8A8B-4CBD-930E-6F650C7B13D6}"/>
-          </ac:spMkLst>
-        </pc:spChg>
-        <pc:spChg chg="add mod">
-          <ac:chgData name="Jennifer Lamoureux" userId="df8978671778c259" providerId="LiveId" clId="{4CA6EE96-F28A-424A-9353-249280B29811}" dt="2021-01-20T01:34:51.840" v="1328" actId="20577"/>
-          <ac:spMkLst>
-            <pc:docMk/>
-            <pc:sldMk cId="2357490765" sldId="268"/>
-            <ac:spMk id="16" creationId="{153C6905-8C50-4B2F-BAFC-B39170C1347C}"/>
-          </ac:spMkLst>
-        </pc:spChg>
-        <pc:spChg chg="add mod">
-          <ac:chgData name="Jennifer Lamoureux" userId="df8978671778c259" providerId="LiveId" clId="{4CA6EE96-F28A-424A-9353-249280B29811}" dt="2021-01-20T01:41:24.859" v="1566" actId="20577"/>
-          <ac:spMkLst>
-            <pc:docMk/>
-            <pc:sldMk cId="2357490765" sldId="268"/>
-            <ac:spMk id="17" creationId="{AAFD940F-400A-4980-81DB-A55005E9B8D1}"/>
-          </ac:spMkLst>
-        </pc:spChg>
-      </pc:sldChg>
-    </pc:docChg>
-  </pc:docChgLst>
-</pc:chgInfo>
-</file>
-
 <file path=ppt/diagrams/colors1.xml><?xml version="1.0" encoding="utf-8"?>
 <dgm:colorsDef xmlns:dgm="http://schemas.openxmlformats.org/drawingml/2006/diagram" xmlns:a="http://schemas.openxmlformats.org/drawingml/2006/main" uniqueId="urn:microsoft.com/office/officeart/2018/5/colors/Iconchunking_neutralicon_colorful1">
   <dgm:title val=""/>
@@ -1505,11 +1052,758 @@
 </dgm:colorsDef>
 </file>
 
+<file path=ppt/diagrams/colors2.xml><?xml version="1.0" encoding="utf-8"?>
+<dgm:colorsDef xmlns:dgm="http://schemas.openxmlformats.org/drawingml/2006/diagram" xmlns:a="http://schemas.openxmlformats.org/drawingml/2006/main" uniqueId="urn:microsoft.com/office/officeart/2005/8/colors/accent3_2">
+  <dgm:title val=""/>
+  <dgm:desc val=""/>
+  <dgm:catLst>
+    <dgm:cat type="accent3" pri="11200"/>
+  </dgm:catLst>
+  <dgm:styleLbl name="node0">
+    <dgm:fillClrLst meth="repeat">
+      <a:schemeClr val="accent3"/>
+    </dgm:fillClrLst>
+    <dgm:linClrLst meth="repeat">
+      <a:schemeClr val="lt1"/>
+    </dgm:linClrLst>
+    <dgm:effectClrLst/>
+    <dgm:txLinClrLst/>
+    <dgm:txFillClrLst/>
+    <dgm:txEffectClrLst/>
+  </dgm:styleLbl>
+  <dgm:styleLbl name="node1">
+    <dgm:fillClrLst meth="repeat">
+      <a:schemeClr val="accent3"/>
+    </dgm:fillClrLst>
+    <dgm:linClrLst meth="repeat">
+      <a:schemeClr val="lt1"/>
+    </dgm:linClrLst>
+    <dgm:effectClrLst/>
+    <dgm:txLinClrLst/>
+    <dgm:txFillClrLst/>
+    <dgm:txEffectClrLst/>
+  </dgm:styleLbl>
+  <dgm:styleLbl name="alignNode1">
+    <dgm:fillClrLst meth="repeat">
+      <a:schemeClr val="accent3"/>
+    </dgm:fillClrLst>
+    <dgm:linClrLst meth="repeat">
+      <a:schemeClr val="accent3"/>
+    </dgm:linClrLst>
+    <dgm:effectClrLst/>
+    <dgm:txLinClrLst/>
+    <dgm:txFillClrLst/>
+    <dgm:txEffectClrLst/>
+  </dgm:styleLbl>
+  <dgm:styleLbl name="lnNode1">
+    <dgm:fillClrLst meth="repeat">
+      <a:schemeClr val="accent3"/>
+    </dgm:fillClrLst>
+    <dgm:linClrLst meth="repeat">
+      <a:schemeClr val="lt1"/>
+    </dgm:linClrLst>
+    <dgm:effectClrLst/>
+    <dgm:txLinClrLst/>
+    <dgm:txFillClrLst/>
+    <dgm:txEffectClrLst/>
+  </dgm:styleLbl>
+  <dgm:styleLbl name="vennNode1">
+    <dgm:fillClrLst meth="repeat">
+      <a:schemeClr val="accent3">
+        <a:alpha val="50000"/>
+      </a:schemeClr>
+    </dgm:fillClrLst>
+    <dgm:linClrLst meth="repeat">
+      <a:schemeClr val="lt1"/>
+    </dgm:linClrLst>
+    <dgm:effectClrLst/>
+    <dgm:txLinClrLst/>
+    <dgm:txFillClrLst/>
+    <dgm:txEffectClrLst/>
+  </dgm:styleLbl>
+  <dgm:styleLbl name="node2">
+    <dgm:fillClrLst meth="repeat">
+      <a:schemeClr val="accent3"/>
+    </dgm:fillClrLst>
+    <dgm:linClrLst meth="repeat">
+      <a:schemeClr val="lt1"/>
+    </dgm:linClrLst>
+    <dgm:effectClrLst/>
+    <dgm:txLinClrLst/>
+    <dgm:txFillClrLst/>
+    <dgm:txEffectClrLst/>
+  </dgm:styleLbl>
+  <dgm:styleLbl name="node3">
+    <dgm:fillClrLst meth="repeat">
+      <a:schemeClr val="accent3"/>
+    </dgm:fillClrLst>
+    <dgm:linClrLst meth="repeat">
+      <a:schemeClr val="lt1"/>
+    </dgm:linClrLst>
+    <dgm:effectClrLst/>
+    <dgm:txLinClrLst/>
+    <dgm:txFillClrLst/>
+    <dgm:txEffectClrLst/>
+  </dgm:styleLbl>
+  <dgm:styleLbl name="node4">
+    <dgm:fillClrLst meth="repeat">
+      <a:schemeClr val="accent3"/>
+    </dgm:fillClrLst>
+    <dgm:linClrLst meth="repeat">
+      <a:schemeClr val="lt1"/>
+    </dgm:linClrLst>
+    <dgm:effectClrLst/>
+    <dgm:txLinClrLst/>
+    <dgm:txFillClrLst/>
+    <dgm:txEffectClrLst/>
+  </dgm:styleLbl>
+  <dgm:styleLbl name="fgImgPlace1">
+    <dgm:fillClrLst meth="repeat">
+      <a:schemeClr val="accent3">
+        <a:tint val="50000"/>
+      </a:schemeClr>
+    </dgm:fillClrLst>
+    <dgm:linClrLst meth="repeat">
+      <a:schemeClr val="lt1"/>
+    </dgm:linClrLst>
+    <dgm:effectClrLst/>
+    <dgm:txLinClrLst/>
+    <dgm:txFillClrLst meth="repeat">
+      <a:schemeClr val="lt1"/>
+    </dgm:txFillClrLst>
+    <dgm:txEffectClrLst/>
+  </dgm:styleLbl>
+  <dgm:styleLbl name="alignImgPlace1">
+    <dgm:fillClrLst meth="repeat">
+      <a:schemeClr val="accent3">
+        <a:tint val="50000"/>
+      </a:schemeClr>
+    </dgm:fillClrLst>
+    <dgm:linClrLst meth="repeat">
+      <a:schemeClr val="lt1"/>
+    </dgm:linClrLst>
+    <dgm:effectClrLst/>
+    <dgm:txLinClrLst/>
+    <dgm:txFillClrLst meth="repeat">
+      <a:schemeClr val="lt1"/>
+    </dgm:txFillClrLst>
+    <dgm:txEffectClrLst/>
+  </dgm:styleLbl>
+  <dgm:styleLbl name="bgImgPlace1">
+    <dgm:fillClrLst meth="repeat">
+      <a:schemeClr val="accent3">
+        <a:tint val="50000"/>
+      </a:schemeClr>
+    </dgm:fillClrLst>
+    <dgm:linClrLst meth="repeat">
+      <a:schemeClr val="lt1"/>
+    </dgm:linClrLst>
+    <dgm:effectClrLst/>
+    <dgm:txLinClrLst/>
+    <dgm:txFillClrLst meth="repeat">
+      <a:schemeClr val="lt1"/>
+    </dgm:txFillClrLst>
+    <dgm:txEffectClrLst/>
+  </dgm:styleLbl>
+  <dgm:styleLbl name="sibTrans2D1">
+    <dgm:fillClrLst meth="repeat">
+      <a:schemeClr val="accent3">
+        <a:tint val="60000"/>
+      </a:schemeClr>
+    </dgm:fillClrLst>
+    <dgm:linClrLst meth="repeat">
+      <a:schemeClr val="accent3">
+        <a:tint val="60000"/>
+      </a:schemeClr>
+    </dgm:linClrLst>
+    <dgm:effectClrLst/>
+    <dgm:txLinClrLst/>
+    <dgm:txFillClrLst/>
+    <dgm:txEffectClrLst/>
+  </dgm:styleLbl>
+  <dgm:styleLbl name="fgSibTrans2D1">
+    <dgm:fillClrLst meth="repeat">
+      <a:schemeClr val="accent3">
+        <a:tint val="60000"/>
+      </a:schemeClr>
+    </dgm:fillClrLst>
+    <dgm:linClrLst meth="repeat">
+      <a:schemeClr val="accent3">
+        <a:tint val="60000"/>
+      </a:schemeClr>
+    </dgm:linClrLst>
+    <dgm:effectClrLst/>
+    <dgm:txLinClrLst/>
+    <dgm:txFillClrLst/>
+    <dgm:txEffectClrLst/>
+  </dgm:styleLbl>
+  <dgm:styleLbl name="bgSibTrans2D1">
+    <dgm:fillClrLst meth="repeat">
+      <a:schemeClr val="accent3">
+        <a:tint val="60000"/>
+      </a:schemeClr>
+    </dgm:fillClrLst>
+    <dgm:linClrLst meth="repeat">
+      <a:schemeClr val="accent3">
+        <a:tint val="60000"/>
+      </a:schemeClr>
+    </dgm:linClrLst>
+    <dgm:effectClrLst/>
+    <dgm:txLinClrLst/>
+    <dgm:txFillClrLst/>
+    <dgm:txEffectClrLst/>
+  </dgm:styleLbl>
+  <dgm:styleLbl name="sibTrans1D1">
+    <dgm:fillClrLst meth="repeat">
+      <a:schemeClr val="accent3"/>
+    </dgm:fillClrLst>
+    <dgm:linClrLst meth="repeat">
+      <a:schemeClr val="accent3"/>
+    </dgm:linClrLst>
+    <dgm:effectClrLst/>
+    <dgm:txLinClrLst/>
+    <dgm:txFillClrLst meth="repeat">
+      <a:schemeClr val="tx1"/>
+    </dgm:txFillClrLst>
+    <dgm:txEffectClrLst/>
+  </dgm:styleLbl>
+  <dgm:styleLbl name="callout">
+    <dgm:fillClrLst meth="repeat">
+      <a:schemeClr val="accent3"/>
+    </dgm:fillClrLst>
+    <dgm:linClrLst meth="repeat">
+      <a:schemeClr val="accent3">
+        <a:tint val="50000"/>
+      </a:schemeClr>
+    </dgm:linClrLst>
+    <dgm:effectClrLst/>
+    <dgm:txLinClrLst/>
+    <dgm:txFillClrLst meth="repeat">
+      <a:schemeClr val="tx1"/>
+    </dgm:txFillClrLst>
+    <dgm:txEffectClrLst/>
+  </dgm:styleLbl>
+  <dgm:styleLbl name="asst0">
+    <dgm:fillClrLst meth="repeat">
+      <a:schemeClr val="accent3"/>
+    </dgm:fillClrLst>
+    <dgm:linClrLst meth="repeat">
+      <a:schemeClr val="lt1"/>
+    </dgm:linClrLst>
+    <dgm:effectClrLst/>
+    <dgm:txLinClrLst/>
+    <dgm:txFillClrLst/>
+    <dgm:txEffectClrLst/>
+  </dgm:styleLbl>
+  <dgm:styleLbl name="asst1">
+    <dgm:fillClrLst meth="repeat">
+      <a:schemeClr val="accent3"/>
+    </dgm:fillClrLst>
+    <dgm:linClrLst meth="repeat">
+      <a:schemeClr val="lt1"/>
+    </dgm:linClrLst>
+    <dgm:effectClrLst/>
+    <dgm:txLinClrLst/>
+    <dgm:txFillClrLst/>
+    <dgm:txEffectClrLst/>
+  </dgm:styleLbl>
+  <dgm:styleLbl name="asst2">
+    <dgm:fillClrLst meth="repeat">
+      <a:schemeClr val="accent3"/>
+    </dgm:fillClrLst>
+    <dgm:linClrLst meth="repeat">
+      <a:schemeClr val="lt1"/>
+    </dgm:linClrLst>
+    <dgm:effectClrLst/>
+    <dgm:txLinClrLst/>
+    <dgm:txFillClrLst/>
+    <dgm:txEffectClrLst/>
+  </dgm:styleLbl>
+  <dgm:styleLbl name="asst3">
+    <dgm:fillClrLst meth="repeat">
+      <a:schemeClr val="accent3"/>
+    </dgm:fillClrLst>
+    <dgm:linClrLst meth="repeat">
+      <a:schemeClr val="lt1"/>
+    </dgm:linClrLst>
+    <dgm:effectClrLst/>
+    <dgm:txLinClrLst/>
+    <dgm:txFillClrLst/>
+    <dgm:txEffectClrLst/>
+  </dgm:styleLbl>
+  <dgm:styleLbl name="asst4">
+    <dgm:fillClrLst meth="repeat">
+      <a:schemeClr val="accent3"/>
+    </dgm:fillClrLst>
+    <dgm:linClrLst meth="repeat">
+      <a:schemeClr val="lt1"/>
+    </dgm:linClrLst>
+    <dgm:effectClrLst/>
+    <dgm:txLinClrLst/>
+    <dgm:txFillClrLst/>
+    <dgm:txEffectClrLst/>
+  </dgm:styleLbl>
+  <dgm:styleLbl name="parChTrans2D1">
+    <dgm:fillClrLst meth="repeat">
+      <a:schemeClr val="accent3">
+        <a:tint val="60000"/>
+      </a:schemeClr>
+    </dgm:fillClrLst>
+    <dgm:linClrLst meth="repeat">
+      <a:schemeClr val="accent3">
+        <a:tint val="60000"/>
+      </a:schemeClr>
+    </dgm:linClrLst>
+    <dgm:effectClrLst/>
+    <dgm:txLinClrLst/>
+    <dgm:txFillClrLst meth="repeat">
+      <a:schemeClr val="lt1"/>
+    </dgm:txFillClrLst>
+    <dgm:txEffectClrLst/>
+  </dgm:styleLbl>
+  <dgm:styleLbl name="parChTrans2D2">
+    <dgm:fillClrLst meth="repeat">
+      <a:schemeClr val="accent3"/>
+    </dgm:fillClrLst>
+    <dgm:linClrLst meth="repeat">
+      <a:schemeClr val="accent3"/>
+    </dgm:linClrLst>
+    <dgm:effectClrLst/>
+    <dgm:txLinClrLst/>
+    <dgm:txFillClrLst meth="repeat">
+      <a:schemeClr val="lt1"/>
+    </dgm:txFillClrLst>
+    <dgm:txEffectClrLst/>
+  </dgm:styleLbl>
+  <dgm:styleLbl name="parChTrans2D3">
+    <dgm:fillClrLst meth="repeat">
+      <a:schemeClr val="accent3"/>
+    </dgm:fillClrLst>
+    <dgm:linClrLst meth="repeat">
+      <a:schemeClr val="accent3"/>
+    </dgm:linClrLst>
+    <dgm:effectClrLst/>
+    <dgm:txLinClrLst/>
+    <dgm:txFillClrLst meth="repeat">
+      <a:schemeClr val="lt1"/>
+    </dgm:txFillClrLst>
+    <dgm:txEffectClrLst/>
+  </dgm:styleLbl>
+  <dgm:styleLbl name="parChTrans2D4">
+    <dgm:fillClrLst meth="repeat">
+      <a:schemeClr val="accent3"/>
+    </dgm:fillClrLst>
+    <dgm:linClrLst meth="repeat">
+      <a:schemeClr val="accent3"/>
+    </dgm:linClrLst>
+    <dgm:effectClrLst/>
+    <dgm:txLinClrLst/>
+    <dgm:txFillClrLst meth="repeat">
+      <a:schemeClr val="lt1"/>
+    </dgm:txFillClrLst>
+    <dgm:txEffectClrLst/>
+  </dgm:styleLbl>
+  <dgm:styleLbl name="parChTrans1D1">
+    <dgm:fillClrLst meth="repeat">
+      <a:schemeClr val="accent3"/>
+    </dgm:fillClrLst>
+    <dgm:linClrLst meth="repeat">
+      <a:schemeClr val="accent3">
+        <a:shade val="60000"/>
+      </a:schemeClr>
+    </dgm:linClrLst>
+    <dgm:effectClrLst/>
+    <dgm:txLinClrLst/>
+    <dgm:txFillClrLst meth="repeat">
+      <a:schemeClr val="tx1"/>
+    </dgm:txFillClrLst>
+    <dgm:txEffectClrLst/>
+  </dgm:styleLbl>
+  <dgm:styleLbl name="parChTrans1D2">
+    <dgm:fillClrLst meth="repeat">
+      <a:schemeClr val="accent3"/>
+    </dgm:fillClrLst>
+    <dgm:linClrLst meth="repeat">
+      <a:schemeClr val="accent3">
+        <a:shade val="60000"/>
+      </a:schemeClr>
+    </dgm:linClrLst>
+    <dgm:effectClrLst/>
+    <dgm:txLinClrLst/>
+    <dgm:txFillClrLst meth="repeat">
+      <a:schemeClr val="tx1"/>
+    </dgm:txFillClrLst>
+    <dgm:txEffectClrLst/>
+  </dgm:styleLbl>
+  <dgm:styleLbl name="parChTrans1D3">
+    <dgm:fillClrLst meth="repeat">
+      <a:schemeClr val="accent3"/>
+    </dgm:fillClrLst>
+    <dgm:linClrLst meth="repeat">
+      <a:schemeClr val="accent3">
+        <a:shade val="80000"/>
+      </a:schemeClr>
+    </dgm:linClrLst>
+    <dgm:effectClrLst/>
+    <dgm:txLinClrLst/>
+    <dgm:txFillClrLst meth="repeat">
+      <a:schemeClr val="tx1"/>
+    </dgm:txFillClrLst>
+    <dgm:txEffectClrLst/>
+  </dgm:styleLbl>
+  <dgm:styleLbl name="parChTrans1D4">
+    <dgm:fillClrLst meth="repeat">
+      <a:schemeClr val="accent3"/>
+    </dgm:fillClrLst>
+    <dgm:linClrLst meth="repeat">
+      <a:schemeClr val="accent3">
+        <a:shade val="80000"/>
+      </a:schemeClr>
+    </dgm:linClrLst>
+    <dgm:effectClrLst/>
+    <dgm:txLinClrLst/>
+    <dgm:txFillClrLst meth="repeat">
+      <a:schemeClr val="tx1"/>
+    </dgm:txFillClrLst>
+    <dgm:txEffectClrLst/>
+  </dgm:styleLbl>
+  <dgm:styleLbl name="fgAcc1">
+    <dgm:fillClrLst meth="repeat">
+      <a:schemeClr val="lt1">
+        <a:alpha val="90000"/>
+      </a:schemeClr>
+    </dgm:fillClrLst>
+    <dgm:linClrLst meth="repeat">
+      <a:schemeClr val="accent3"/>
+    </dgm:linClrLst>
+    <dgm:effectClrLst/>
+    <dgm:txLinClrLst/>
+    <dgm:txFillClrLst meth="repeat">
+      <a:schemeClr val="dk1"/>
+    </dgm:txFillClrLst>
+    <dgm:txEffectClrLst/>
+  </dgm:styleLbl>
+  <dgm:styleLbl name="conFgAcc1">
+    <dgm:fillClrLst meth="repeat">
+      <a:schemeClr val="lt1">
+        <a:alpha val="90000"/>
+      </a:schemeClr>
+    </dgm:fillClrLst>
+    <dgm:linClrLst meth="repeat">
+      <a:schemeClr val="accent3"/>
+    </dgm:linClrLst>
+    <dgm:effectClrLst/>
+    <dgm:txLinClrLst/>
+    <dgm:txFillClrLst meth="repeat">
+      <a:schemeClr val="dk1"/>
+    </dgm:txFillClrLst>
+    <dgm:txEffectClrLst/>
+  </dgm:styleLbl>
+  <dgm:styleLbl name="alignAcc1">
+    <dgm:fillClrLst meth="repeat">
+      <a:schemeClr val="lt1">
+        <a:alpha val="90000"/>
+      </a:schemeClr>
+    </dgm:fillClrLst>
+    <dgm:linClrLst meth="repeat">
+      <a:schemeClr val="accent3"/>
+    </dgm:linClrLst>
+    <dgm:effectClrLst/>
+    <dgm:txLinClrLst/>
+    <dgm:txFillClrLst meth="repeat">
+      <a:schemeClr val="dk1"/>
+    </dgm:txFillClrLst>
+    <dgm:txEffectClrLst/>
+  </dgm:styleLbl>
+  <dgm:styleLbl name="trAlignAcc1">
+    <dgm:fillClrLst meth="repeat">
+      <a:schemeClr val="lt1">
+        <a:alpha val="40000"/>
+      </a:schemeClr>
+    </dgm:fillClrLst>
+    <dgm:linClrLst meth="repeat">
+      <a:schemeClr val="accent3"/>
+    </dgm:linClrLst>
+    <dgm:effectClrLst/>
+    <dgm:txLinClrLst/>
+    <dgm:txFillClrLst meth="repeat">
+      <a:schemeClr val="dk1"/>
+    </dgm:txFillClrLst>
+    <dgm:txEffectClrLst/>
+  </dgm:styleLbl>
+  <dgm:styleLbl name="bgAcc1">
+    <dgm:fillClrLst meth="repeat">
+      <a:schemeClr val="lt1">
+        <a:alpha val="90000"/>
+      </a:schemeClr>
+    </dgm:fillClrLst>
+    <dgm:linClrLst meth="repeat">
+      <a:schemeClr val="accent3"/>
+    </dgm:linClrLst>
+    <dgm:effectClrLst/>
+    <dgm:txLinClrLst/>
+    <dgm:txFillClrLst meth="repeat">
+      <a:schemeClr val="dk1"/>
+    </dgm:txFillClrLst>
+    <dgm:txEffectClrLst/>
+  </dgm:styleLbl>
+  <dgm:styleLbl name="solidFgAcc1">
+    <dgm:fillClrLst meth="repeat">
+      <a:schemeClr val="lt1"/>
+    </dgm:fillClrLst>
+    <dgm:linClrLst meth="repeat">
+      <a:schemeClr val="accent3"/>
+    </dgm:linClrLst>
+    <dgm:effectClrLst/>
+    <dgm:txLinClrLst/>
+    <dgm:txFillClrLst meth="repeat">
+      <a:schemeClr val="dk1"/>
+    </dgm:txFillClrLst>
+    <dgm:txEffectClrLst/>
+  </dgm:styleLbl>
+  <dgm:styleLbl name="solidAlignAcc1">
+    <dgm:fillClrLst meth="repeat">
+      <a:schemeClr val="lt1"/>
+    </dgm:fillClrLst>
+    <dgm:linClrLst meth="repeat">
+      <a:schemeClr val="accent3"/>
+    </dgm:linClrLst>
+    <dgm:effectClrLst/>
+    <dgm:txLinClrLst/>
+    <dgm:txFillClrLst meth="repeat">
+      <a:schemeClr val="dk1"/>
+    </dgm:txFillClrLst>
+    <dgm:txEffectClrLst/>
+  </dgm:styleLbl>
+  <dgm:styleLbl name="solidBgAcc1">
+    <dgm:fillClrLst meth="repeat">
+      <a:schemeClr val="lt1"/>
+    </dgm:fillClrLst>
+    <dgm:linClrLst meth="repeat">
+      <a:schemeClr val="accent3"/>
+    </dgm:linClrLst>
+    <dgm:effectClrLst/>
+    <dgm:txLinClrLst/>
+    <dgm:txFillClrLst meth="repeat">
+      <a:schemeClr val="dk1"/>
+    </dgm:txFillClrLst>
+    <dgm:txEffectClrLst/>
+  </dgm:styleLbl>
+  <dgm:styleLbl name="fgAccFollowNode1">
+    <dgm:fillClrLst meth="repeat">
+      <a:schemeClr val="accent3">
+        <a:alpha val="90000"/>
+        <a:tint val="40000"/>
+      </a:schemeClr>
+    </dgm:fillClrLst>
+    <dgm:linClrLst meth="repeat">
+      <a:schemeClr val="accent3">
+        <a:alpha val="90000"/>
+        <a:tint val="40000"/>
+      </a:schemeClr>
+    </dgm:linClrLst>
+    <dgm:effectClrLst/>
+    <dgm:txLinClrLst/>
+    <dgm:txFillClrLst meth="repeat">
+      <a:schemeClr val="dk1"/>
+    </dgm:txFillClrLst>
+    <dgm:txEffectClrLst/>
+  </dgm:styleLbl>
+  <dgm:styleLbl name="alignAccFollowNode1">
+    <dgm:fillClrLst meth="repeat">
+      <a:schemeClr val="accent3">
+        <a:alpha val="90000"/>
+        <a:tint val="40000"/>
+      </a:schemeClr>
+    </dgm:fillClrLst>
+    <dgm:linClrLst meth="repeat">
+      <a:schemeClr val="accent3">
+        <a:alpha val="90000"/>
+        <a:tint val="40000"/>
+      </a:schemeClr>
+    </dgm:linClrLst>
+    <dgm:effectClrLst/>
+    <dgm:txLinClrLst/>
+    <dgm:txFillClrLst meth="repeat">
+      <a:schemeClr val="dk1"/>
+    </dgm:txFillClrLst>
+    <dgm:txEffectClrLst/>
+  </dgm:styleLbl>
+  <dgm:styleLbl name="bgAccFollowNode1">
+    <dgm:fillClrLst meth="repeat">
+      <a:schemeClr val="accent3">
+        <a:alpha val="90000"/>
+        <a:tint val="40000"/>
+      </a:schemeClr>
+    </dgm:fillClrLst>
+    <dgm:linClrLst meth="repeat">
+      <a:schemeClr val="accent3">
+        <a:alpha val="90000"/>
+        <a:tint val="40000"/>
+      </a:schemeClr>
+    </dgm:linClrLst>
+    <dgm:effectClrLst/>
+    <dgm:txLinClrLst/>
+    <dgm:txFillClrLst meth="repeat">
+      <a:schemeClr val="dk1"/>
+    </dgm:txFillClrLst>
+    <dgm:txEffectClrLst/>
+  </dgm:styleLbl>
+  <dgm:styleLbl name="fgAcc0">
+    <dgm:fillClrLst meth="repeat">
+      <a:schemeClr val="lt1">
+        <a:alpha val="90000"/>
+      </a:schemeClr>
+    </dgm:fillClrLst>
+    <dgm:linClrLst meth="repeat">
+      <a:schemeClr val="accent3"/>
+    </dgm:linClrLst>
+    <dgm:effectClrLst/>
+    <dgm:txLinClrLst/>
+    <dgm:txFillClrLst meth="repeat">
+      <a:schemeClr val="dk1"/>
+    </dgm:txFillClrLst>
+    <dgm:txEffectClrLst/>
+  </dgm:styleLbl>
+  <dgm:styleLbl name="fgAcc2">
+    <dgm:fillClrLst meth="repeat">
+      <a:schemeClr val="lt1">
+        <a:alpha val="90000"/>
+      </a:schemeClr>
+    </dgm:fillClrLst>
+    <dgm:linClrLst meth="repeat">
+      <a:schemeClr val="accent3"/>
+    </dgm:linClrLst>
+    <dgm:effectClrLst/>
+    <dgm:txLinClrLst/>
+    <dgm:txFillClrLst meth="repeat">
+      <a:schemeClr val="dk1"/>
+    </dgm:txFillClrLst>
+    <dgm:txEffectClrLst/>
+  </dgm:styleLbl>
+  <dgm:styleLbl name="fgAcc3">
+    <dgm:fillClrLst meth="repeat">
+      <a:schemeClr val="lt1">
+        <a:alpha val="90000"/>
+      </a:schemeClr>
+    </dgm:fillClrLst>
+    <dgm:linClrLst meth="repeat">
+      <a:schemeClr val="accent3"/>
+    </dgm:linClrLst>
+    <dgm:effectClrLst/>
+    <dgm:txLinClrLst/>
+    <dgm:txFillClrLst meth="repeat">
+      <a:schemeClr val="dk1"/>
+    </dgm:txFillClrLst>
+    <dgm:txEffectClrLst/>
+  </dgm:styleLbl>
+  <dgm:styleLbl name="fgAcc4">
+    <dgm:fillClrLst meth="repeat">
+      <a:schemeClr val="lt1">
+        <a:alpha val="90000"/>
+      </a:schemeClr>
+    </dgm:fillClrLst>
+    <dgm:linClrLst meth="repeat">
+      <a:schemeClr val="accent3"/>
+    </dgm:linClrLst>
+    <dgm:effectClrLst/>
+    <dgm:txLinClrLst/>
+    <dgm:txFillClrLst meth="repeat">
+      <a:schemeClr val="dk1"/>
+    </dgm:txFillClrLst>
+    <dgm:txEffectClrLst/>
+  </dgm:styleLbl>
+  <dgm:styleLbl name="bgShp">
+    <dgm:fillClrLst meth="repeat">
+      <a:schemeClr val="accent3">
+        <a:tint val="40000"/>
+      </a:schemeClr>
+    </dgm:fillClrLst>
+    <dgm:linClrLst meth="repeat">
+      <a:schemeClr val="accent3"/>
+    </dgm:linClrLst>
+    <dgm:effectClrLst/>
+    <dgm:txLinClrLst/>
+    <dgm:txFillClrLst meth="repeat">
+      <a:schemeClr val="dk1"/>
+    </dgm:txFillClrLst>
+    <dgm:txEffectClrLst/>
+  </dgm:styleLbl>
+  <dgm:styleLbl name="dkBgShp">
+    <dgm:fillClrLst meth="repeat">
+      <a:schemeClr val="accent3">
+        <a:shade val="80000"/>
+      </a:schemeClr>
+    </dgm:fillClrLst>
+    <dgm:linClrLst meth="repeat">
+      <a:schemeClr val="accent3"/>
+    </dgm:linClrLst>
+    <dgm:effectClrLst/>
+    <dgm:txLinClrLst/>
+    <dgm:txFillClrLst meth="repeat">
+      <a:schemeClr val="lt1"/>
+    </dgm:txFillClrLst>
+    <dgm:txEffectClrLst/>
+  </dgm:styleLbl>
+  <dgm:styleLbl name="trBgShp">
+    <dgm:fillClrLst meth="repeat">
+      <a:schemeClr val="accent3">
+        <a:tint val="50000"/>
+        <a:alpha val="40000"/>
+      </a:schemeClr>
+    </dgm:fillClrLst>
+    <dgm:linClrLst meth="repeat">
+      <a:schemeClr val="accent3"/>
+    </dgm:linClrLst>
+    <dgm:effectClrLst/>
+    <dgm:txLinClrLst/>
+    <dgm:txFillClrLst meth="repeat">
+      <a:schemeClr val="lt1"/>
+    </dgm:txFillClrLst>
+    <dgm:txEffectClrLst/>
+  </dgm:styleLbl>
+  <dgm:styleLbl name="fgShp">
+    <dgm:fillClrLst meth="repeat">
+      <a:schemeClr val="accent3">
+        <a:tint val="60000"/>
+      </a:schemeClr>
+    </dgm:fillClrLst>
+    <dgm:linClrLst meth="repeat">
+      <a:schemeClr val="lt1"/>
+    </dgm:linClrLst>
+    <dgm:effectClrLst/>
+    <dgm:txLinClrLst/>
+    <dgm:txFillClrLst meth="repeat">
+      <a:schemeClr val="dk1"/>
+    </dgm:txFillClrLst>
+    <dgm:txEffectClrLst/>
+  </dgm:styleLbl>
+  <dgm:styleLbl name="revTx">
+    <dgm:fillClrLst meth="repeat">
+      <a:schemeClr val="lt1">
+        <a:alpha val="0"/>
+      </a:schemeClr>
+    </dgm:fillClrLst>
+    <dgm:linClrLst meth="repeat">
+      <a:schemeClr val="dk1">
+        <a:alpha val="0"/>
+      </a:schemeClr>
+    </dgm:linClrLst>
+    <dgm:effectClrLst/>
+    <dgm:txLinClrLst/>
+    <dgm:txFillClrLst meth="repeat">
+      <a:schemeClr val="tx1"/>
+    </dgm:txFillClrLst>
+    <dgm:txEffectClrLst/>
+  </dgm:styleLbl>
+</dgm:colorsDef>
+</file>
+
 <file path=ppt/diagrams/data1.xml><?xml version="1.0" encoding="utf-8"?>
 <dgm:dataModel xmlns:dgm="http://schemas.openxmlformats.org/drawingml/2006/diagram" xmlns:a="http://schemas.openxmlformats.org/drawingml/2006/main">
   <dgm:ptLst>
     <dgm:pt modelId="{01A66772-F185-4D58-B8BB-E9370D7A7A2B}" type="doc">
-      <dgm:prSet loTypeId="urn:microsoft.com/office/officeart/2018/5/layout/IconCircleLabelList" loCatId="icon" qsTypeId="urn:microsoft.com/office/officeart/2005/8/quickstyle/simple1" qsCatId="simple" csTypeId="urn:microsoft.com/office/officeart/2018/5/colors/Iconchunking_neutralicon_colorful1" csCatId="colorful" phldr="1"/>
+      <dgm:prSet loTypeId="urn:microsoft.com/office/officeart/2018/5/layout/IconCircleLabelList" loCatId="icon" qsTypeId="urn:microsoft.com/office/officeart/2005/8/quickstyle/simple4" qsCatId="simple" csTypeId="urn:microsoft.com/office/officeart/2018/5/colors/Iconchunking_neutralicon_colorful1" csCatId="colorful" phldr="1"/>
       <dgm:spPr/>
       <dgm:t>
         <a:bodyPr/>
@@ -1534,7 +1828,7 @@
           </a:pPr>
           <a:r>
             <a:rPr lang="en-US" dirty="0"/>
-            <a:t>What we were trying to accomplish	</a:t>
+            <a:t>    The Goal	</a:t>
           </a:r>
         </a:p>
       </dgm:t>
@@ -1681,9 +1975,6 @@
             <a:fillRect/>
           </a:stretch>
         </a:blipFill>
-        <a:ln>
-          <a:noFill/>
-        </a:ln>
       </dgm:spPr>
       <dgm:extLst>
         <a:ext uri="{E40237B7-FDA0-4F09-8148-C483321AD2D9}">
@@ -1696,7 +1987,7 @@
       <dgm:spPr/>
     </dgm:pt>
     <dgm:pt modelId="{127117FB-F8A7-4A20-A8A7-EC686DDC76D0}" type="pres">
-      <dgm:prSet presAssocID="{40FC4FFE-8987-4A26-B7F4-8A516F18ADAE}" presName="textRect" presStyleLbl="revTx" presStyleIdx="0" presStyleCnt="3">
+      <dgm:prSet presAssocID="{40FC4FFE-8987-4A26-B7F4-8A516F18ADAE}" presName="textRect" presStyleLbl="revTx" presStyleIdx="0" presStyleCnt="3" custScaleY="110360">
         <dgm:presLayoutVars>
           <dgm:chMax val="1"/>
           <dgm:chPref val="1"/>
@@ -1735,9 +2026,6 @@
             <a:fillRect/>
           </a:stretch>
         </a:blipFill>
-        <a:ln>
-          <a:noFill/>
-        </a:ln>
       </dgm:spPr>
       <dgm:extLst>
         <a:ext uri="{E40237B7-FDA0-4F09-8148-C483321AD2D9}">
@@ -1789,9 +2077,6 @@
             <a:fillRect/>
           </a:stretch>
         </a:blipFill>
-        <a:ln>
-          <a:noFill/>
-        </a:ln>
       </dgm:spPr>
       <dgm:extLst>
         <a:ext uri="{E40237B7-FDA0-4F09-8148-C483321AD2D9}">
@@ -1849,6 +2134,353 @@
 </dgm:dataModel>
 </file>
 
+<file path=ppt/diagrams/data2.xml><?xml version="1.0" encoding="utf-8"?>
+<dgm:dataModel xmlns:dgm="http://schemas.openxmlformats.org/drawingml/2006/diagram" xmlns:a="http://schemas.openxmlformats.org/drawingml/2006/main">
+  <dgm:ptLst>
+    <dgm:pt modelId="{EAB6B3E1-FC6F-4045-B7A5-E003D0B3E5FD}" type="doc">
+      <dgm:prSet loTypeId="urn:microsoft.com/office/officeart/2018/2/layout/IconVerticalSolidList" loCatId="icon" qsTypeId="urn:microsoft.com/office/officeart/2005/8/quickstyle/simple1" qsCatId="simple" csTypeId="urn:microsoft.com/office/officeart/2005/8/colors/accent3_2" csCatId="accent3" phldr="1"/>
+      <dgm:spPr/>
+      <dgm:t>
+        <a:bodyPr/>
+        <a:lstStyle/>
+        <a:p>
+          <a:endParaRPr lang="en-US"/>
+        </a:p>
+      </dgm:t>
+    </dgm:pt>
+    <dgm:pt modelId="{CEF04553-33BD-490D-827B-92CDD36DD082}">
+      <dgm:prSet/>
+      <dgm:spPr/>
+      <dgm:t>
+        <a:bodyPr/>
+        <a:lstStyle/>
+        <a:p>
+          <a:pPr>
+            <a:lnSpc>
+              <a:spcPct val="100000"/>
+            </a:lnSpc>
+          </a:pPr>
+          <a:r>
+            <a:rPr lang="en-US" dirty="0"/>
+            <a:t>Jeni – Clean up/Flask connection/Charts</a:t>
+          </a:r>
+        </a:p>
+      </dgm:t>
+    </dgm:pt>
+    <dgm:pt modelId="{A09AB217-180A-410F-9471-85CC9510E087}" type="parTrans" cxnId="{0811B91C-F3FF-4BA6-8C22-23F20CF8152D}">
+      <dgm:prSet/>
+      <dgm:spPr/>
+      <dgm:t>
+        <a:bodyPr/>
+        <a:lstStyle/>
+        <a:p>
+          <a:endParaRPr lang="en-US"/>
+        </a:p>
+      </dgm:t>
+    </dgm:pt>
+    <dgm:pt modelId="{3978BDBD-4E1C-4960-B133-9D1BBA849AB6}" type="sibTrans" cxnId="{0811B91C-F3FF-4BA6-8C22-23F20CF8152D}">
+      <dgm:prSet/>
+      <dgm:spPr/>
+      <dgm:t>
+        <a:bodyPr/>
+        <a:lstStyle/>
+        <a:p>
+          <a:endParaRPr lang="en-US"/>
+        </a:p>
+      </dgm:t>
+    </dgm:pt>
+    <dgm:pt modelId="{26AE1A82-6AE8-4C17-BF99-9B5BE49DE943}">
+      <dgm:prSet/>
+      <dgm:spPr/>
+      <dgm:t>
+        <a:bodyPr/>
+        <a:lstStyle/>
+        <a:p>
+          <a:pPr>
+            <a:lnSpc>
+              <a:spcPct val="100000"/>
+            </a:lnSpc>
+          </a:pPr>
+          <a:r>
+            <a:rPr lang="en-US" dirty="0"/>
+            <a:t>Allison – Java for table/Flask set up</a:t>
+          </a:r>
+        </a:p>
+      </dgm:t>
+    </dgm:pt>
+    <dgm:pt modelId="{D0A2CE73-B537-4658-B4EA-04F7EA60BA8A}" type="parTrans" cxnId="{6758F020-C819-450E-81AC-4A7563CD4D83}">
+      <dgm:prSet/>
+      <dgm:spPr/>
+      <dgm:t>
+        <a:bodyPr/>
+        <a:lstStyle/>
+        <a:p>
+          <a:endParaRPr lang="en-US"/>
+        </a:p>
+      </dgm:t>
+    </dgm:pt>
+    <dgm:pt modelId="{B3505980-7ECD-48AC-8F8D-2A6C13870A81}" type="sibTrans" cxnId="{6758F020-C819-450E-81AC-4A7563CD4D83}">
+      <dgm:prSet/>
+      <dgm:spPr/>
+      <dgm:t>
+        <a:bodyPr/>
+        <a:lstStyle/>
+        <a:p>
+          <a:endParaRPr lang="en-US"/>
+        </a:p>
+      </dgm:t>
+    </dgm:pt>
+    <dgm:pt modelId="{6DF9174E-15E7-4665-AFB0-1D5BC31DAE7A}">
+      <dgm:prSet/>
+      <dgm:spPr/>
+      <dgm:t>
+        <a:bodyPr/>
+        <a:lstStyle/>
+        <a:p>
+          <a:pPr>
+            <a:lnSpc>
+              <a:spcPct val="100000"/>
+            </a:lnSpc>
+          </a:pPr>
+          <a:r>
+            <a:rPr lang="en-US" dirty="0" err="1"/>
+            <a:t>Lenn</a:t>
+          </a:r>
+          <a:r>
+            <a:rPr lang="en-US" dirty="0"/>
+            <a:t> – Html design/Incorporating Anime </a:t>
+          </a:r>
+          <a:r>
+            <a:rPr lang="en-US" dirty="0" err="1"/>
+            <a:t>js</a:t>
+          </a:r>
+          <a:endParaRPr lang="en-US" dirty="0"/>
+        </a:p>
+      </dgm:t>
+    </dgm:pt>
+    <dgm:pt modelId="{950CBB3B-AF1D-4510-839B-3C68536CBAC9}" type="parTrans" cxnId="{85F89738-F4F4-45B2-9687-2B810BDCE243}">
+      <dgm:prSet/>
+      <dgm:spPr/>
+      <dgm:t>
+        <a:bodyPr/>
+        <a:lstStyle/>
+        <a:p>
+          <a:endParaRPr lang="en-US"/>
+        </a:p>
+      </dgm:t>
+    </dgm:pt>
+    <dgm:pt modelId="{0CE95A67-CE00-423B-9B92-22E22F56EC04}" type="sibTrans" cxnId="{85F89738-F4F4-45B2-9687-2B810BDCE243}">
+      <dgm:prSet/>
+      <dgm:spPr/>
+      <dgm:t>
+        <a:bodyPr/>
+        <a:lstStyle/>
+        <a:p>
+          <a:endParaRPr lang="en-US"/>
+        </a:p>
+      </dgm:t>
+    </dgm:pt>
+    <dgm:pt modelId="{EA5BF9C6-66B2-4F11-A1D4-66FFD936B7C8}" type="pres">
+      <dgm:prSet presAssocID="{EAB6B3E1-FC6F-4045-B7A5-E003D0B3E5FD}" presName="root" presStyleCnt="0">
+        <dgm:presLayoutVars>
+          <dgm:dir/>
+          <dgm:resizeHandles val="exact"/>
+        </dgm:presLayoutVars>
+      </dgm:prSet>
+      <dgm:spPr/>
+    </dgm:pt>
+    <dgm:pt modelId="{CC27E8B5-57C3-4B54-85FD-E6FFF5BF53E4}" type="pres">
+      <dgm:prSet presAssocID="{CEF04553-33BD-490D-827B-92CDD36DD082}" presName="compNode" presStyleCnt="0"/>
+      <dgm:spPr/>
+    </dgm:pt>
+    <dgm:pt modelId="{4A907126-A2CA-425C-AF0F-029F662155AA}" type="pres">
+      <dgm:prSet presAssocID="{CEF04553-33BD-490D-827B-92CDD36DD082}" presName="bgRect" presStyleLbl="bgShp" presStyleIdx="0" presStyleCnt="3"/>
+      <dgm:spPr/>
+    </dgm:pt>
+    <dgm:pt modelId="{296E88AA-81AD-4AF7-8842-3E467216F618}" type="pres">
+      <dgm:prSet presAssocID="{CEF04553-33BD-490D-827B-92CDD36DD082}" presName="iconRect" presStyleLbl="node1" presStyleIdx="0" presStyleCnt="3"/>
+      <dgm:spPr>
+        <a:blipFill>
+          <a:blip xmlns:r="http://schemas.openxmlformats.org/officeDocument/2006/relationships" r:embed="rId1">
+            <a:extLst>
+              <a:ext uri="{28A0092B-C50C-407E-A947-70E740481C1C}">
+                <a14:useLocalDpi xmlns:a14="http://schemas.microsoft.com/office/drawing/2010/main" val="0"/>
+              </a:ext>
+              <a:ext uri="{96DAC541-7B7A-43D3-8B79-37D633B846F1}">
+                <asvg:svgBlip xmlns:asvg="http://schemas.microsoft.com/office/drawing/2016/SVG/main" r:embed="rId2"/>
+              </a:ext>
+            </a:extLst>
+          </a:blip>
+          <a:stretch>
+            <a:fillRect/>
+          </a:stretch>
+        </a:blipFill>
+        <a:ln>
+          <a:noFill/>
+        </a:ln>
+      </dgm:spPr>
+      <dgm:extLst>
+        <a:ext uri="{E40237B7-FDA0-4F09-8148-C483321AD2D9}">
+          <dgm14:cNvPr xmlns:dgm14="http://schemas.microsoft.com/office/drawing/2010/diagram" id="0" name="" descr="Flask"/>
+        </a:ext>
+      </dgm:extLst>
+    </dgm:pt>
+    <dgm:pt modelId="{32EF15A6-18A1-43A4-AC27-1BDEB7B51F40}" type="pres">
+      <dgm:prSet presAssocID="{CEF04553-33BD-490D-827B-92CDD36DD082}" presName="spaceRect" presStyleCnt="0"/>
+      <dgm:spPr/>
+    </dgm:pt>
+    <dgm:pt modelId="{9C3D3724-B26E-4135-982E-E09DFC02CBB2}" type="pres">
+      <dgm:prSet presAssocID="{CEF04553-33BD-490D-827B-92CDD36DD082}" presName="parTx" presStyleLbl="revTx" presStyleIdx="0" presStyleCnt="3" custScaleX="108503">
+        <dgm:presLayoutVars>
+          <dgm:chMax val="0"/>
+          <dgm:chPref val="0"/>
+        </dgm:presLayoutVars>
+      </dgm:prSet>
+      <dgm:spPr/>
+    </dgm:pt>
+    <dgm:pt modelId="{D1F980E9-D6CB-488D-8C57-F5067BC39E50}" type="pres">
+      <dgm:prSet presAssocID="{3978BDBD-4E1C-4960-B133-9D1BBA849AB6}" presName="sibTrans" presStyleCnt="0"/>
+      <dgm:spPr/>
+    </dgm:pt>
+    <dgm:pt modelId="{E08F7039-F93F-451C-B0A9-A14C2F2BBE5E}" type="pres">
+      <dgm:prSet presAssocID="{26AE1A82-6AE8-4C17-BF99-9B5BE49DE943}" presName="compNode" presStyleCnt="0"/>
+      <dgm:spPr/>
+    </dgm:pt>
+    <dgm:pt modelId="{1C052A02-AD1E-4A07-82A5-6D182D275BC2}" type="pres">
+      <dgm:prSet presAssocID="{26AE1A82-6AE8-4C17-BF99-9B5BE49DE943}" presName="bgRect" presStyleLbl="bgShp" presStyleIdx="1" presStyleCnt="3"/>
+      <dgm:spPr/>
+    </dgm:pt>
+    <dgm:pt modelId="{75C54B5A-B6C1-4DB4-9C5A-D0125E6084A0}" type="pres">
+      <dgm:prSet presAssocID="{26AE1A82-6AE8-4C17-BF99-9B5BE49DE943}" presName="iconRect" presStyleLbl="node1" presStyleIdx="1" presStyleCnt="3"/>
+      <dgm:spPr>
+        <a:blipFill>
+          <a:blip xmlns:r="http://schemas.openxmlformats.org/officeDocument/2006/relationships" r:embed="rId3">
+            <a:extLst>
+              <a:ext uri="{28A0092B-C50C-407E-A947-70E740481C1C}">
+                <a14:useLocalDpi xmlns:a14="http://schemas.microsoft.com/office/drawing/2010/main" val="0"/>
+              </a:ext>
+              <a:ext uri="{96DAC541-7B7A-43D3-8B79-37D633B846F1}">
+                <asvg:svgBlip xmlns:asvg="http://schemas.microsoft.com/office/drawing/2016/SVG/main" r:embed="rId4"/>
+              </a:ext>
+            </a:extLst>
+          </a:blip>
+          <a:stretch>
+            <a:fillRect/>
+          </a:stretch>
+        </a:blipFill>
+        <a:ln>
+          <a:noFill/>
+        </a:ln>
+      </dgm:spPr>
+      <dgm:extLst>
+        <a:ext uri="{E40237B7-FDA0-4F09-8148-C483321AD2D9}">
+          <dgm14:cNvPr xmlns:dgm14="http://schemas.microsoft.com/office/drawing/2010/diagram" id="0" name="" descr="Scientist"/>
+        </a:ext>
+      </dgm:extLst>
+    </dgm:pt>
+    <dgm:pt modelId="{F7212059-E43C-46A8-87A3-65F9A830AE46}" type="pres">
+      <dgm:prSet presAssocID="{26AE1A82-6AE8-4C17-BF99-9B5BE49DE943}" presName="spaceRect" presStyleCnt="0"/>
+      <dgm:spPr/>
+    </dgm:pt>
+    <dgm:pt modelId="{177AEF78-C31B-46E7-8450-985BDAA525F8}" type="pres">
+      <dgm:prSet presAssocID="{26AE1A82-6AE8-4C17-BF99-9B5BE49DE943}" presName="parTx" presStyleLbl="revTx" presStyleIdx="1" presStyleCnt="3" custScaleX="106995">
+        <dgm:presLayoutVars>
+          <dgm:chMax val="0"/>
+          <dgm:chPref val="0"/>
+        </dgm:presLayoutVars>
+      </dgm:prSet>
+      <dgm:spPr/>
+    </dgm:pt>
+    <dgm:pt modelId="{4C1849FE-1DC4-4F25-B2B5-CE0A4421CAED}" type="pres">
+      <dgm:prSet presAssocID="{B3505980-7ECD-48AC-8F8D-2A6C13870A81}" presName="sibTrans" presStyleCnt="0"/>
+      <dgm:spPr/>
+    </dgm:pt>
+    <dgm:pt modelId="{55E0C6C4-58E3-4296-924D-4CFBBE977C95}" type="pres">
+      <dgm:prSet presAssocID="{6DF9174E-15E7-4665-AFB0-1D5BC31DAE7A}" presName="compNode" presStyleCnt="0"/>
+      <dgm:spPr/>
+    </dgm:pt>
+    <dgm:pt modelId="{9AED59AB-AACC-4AFE-920B-B76A856BEB87}" type="pres">
+      <dgm:prSet presAssocID="{6DF9174E-15E7-4665-AFB0-1D5BC31DAE7A}" presName="bgRect" presStyleLbl="bgShp" presStyleIdx="2" presStyleCnt="3"/>
+      <dgm:spPr/>
+    </dgm:pt>
+    <dgm:pt modelId="{CA0E6411-0528-45E6-A2EE-35C4C92AAED1}" type="pres">
+      <dgm:prSet presAssocID="{6DF9174E-15E7-4665-AFB0-1D5BC31DAE7A}" presName="iconRect" presStyleLbl="node1" presStyleIdx="2" presStyleCnt="3"/>
+      <dgm:spPr>
+        <a:blipFill>
+          <a:blip xmlns:r="http://schemas.openxmlformats.org/officeDocument/2006/relationships" r:embed="rId5">
+            <a:extLst>
+              <a:ext uri="{28A0092B-C50C-407E-A947-70E740481C1C}">
+                <a14:useLocalDpi xmlns:a14="http://schemas.microsoft.com/office/drawing/2010/main" val="0"/>
+              </a:ext>
+              <a:ext uri="{96DAC541-7B7A-43D3-8B79-37D633B846F1}">
+                <asvg:svgBlip xmlns:asvg="http://schemas.microsoft.com/office/drawing/2016/SVG/main" r:embed="rId6"/>
+              </a:ext>
+            </a:extLst>
+          </a:blip>
+          <a:stretch>
+            <a:fillRect/>
+          </a:stretch>
+        </a:blipFill>
+        <a:ln>
+          <a:noFill/>
+        </a:ln>
+      </dgm:spPr>
+      <dgm:extLst>
+        <a:ext uri="{E40237B7-FDA0-4F09-8148-C483321AD2D9}">
+          <dgm14:cNvPr xmlns:dgm14="http://schemas.microsoft.com/office/drawing/2010/diagram" id="0" name="" descr="Web Design"/>
+        </a:ext>
+      </dgm:extLst>
+    </dgm:pt>
+    <dgm:pt modelId="{D121E0F5-49BB-48A9-8C8B-FE609F7B717F}" type="pres">
+      <dgm:prSet presAssocID="{6DF9174E-15E7-4665-AFB0-1D5BC31DAE7A}" presName="spaceRect" presStyleCnt="0"/>
+      <dgm:spPr/>
+    </dgm:pt>
+    <dgm:pt modelId="{EC78EAE9-1A6D-491C-BB03-FA59FE1F5346}" type="pres">
+      <dgm:prSet presAssocID="{6DF9174E-15E7-4665-AFB0-1D5BC31DAE7A}" presName="parTx" presStyleLbl="revTx" presStyleIdx="2" presStyleCnt="3" custScaleX="105131">
+        <dgm:presLayoutVars>
+          <dgm:chMax val="0"/>
+          <dgm:chPref val="0"/>
+        </dgm:presLayoutVars>
+      </dgm:prSet>
+      <dgm:spPr/>
+    </dgm:pt>
+  </dgm:ptLst>
+  <dgm:cxnLst>
+    <dgm:cxn modelId="{B03CFB01-7450-44AD-B2E5-2960706706B9}" type="presOf" srcId="{6DF9174E-15E7-4665-AFB0-1D5BC31DAE7A}" destId="{EC78EAE9-1A6D-491C-BB03-FA59FE1F5346}" srcOrd="0" destOrd="0" presId="urn:microsoft.com/office/officeart/2018/2/layout/IconVerticalSolidList"/>
+    <dgm:cxn modelId="{0811B91C-F3FF-4BA6-8C22-23F20CF8152D}" srcId="{EAB6B3E1-FC6F-4045-B7A5-E003D0B3E5FD}" destId="{CEF04553-33BD-490D-827B-92CDD36DD082}" srcOrd="0" destOrd="0" parTransId="{A09AB217-180A-410F-9471-85CC9510E087}" sibTransId="{3978BDBD-4E1C-4960-B133-9D1BBA849AB6}"/>
+    <dgm:cxn modelId="{6758F020-C819-450E-81AC-4A7563CD4D83}" srcId="{EAB6B3E1-FC6F-4045-B7A5-E003D0B3E5FD}" destId="{26AE1A82-6AE8-4C17-BF99-9B5BE49DE943}" srcOrd="1" destOrd="0" parTransId="{D0A2CE73-B537-4658-B4EA-04F7EA60BA8A}" sibTransId="{B3505980-7ECD-48AC-8F8D-2A6C13870A81}"/>
+    <dgm:cxn modelId="{85F89738-F4F4-45B2-9687-2B810BDCE243}" srcId="{EAB6B3E1-FC6F-4045-B7A5-E003D0B3E5FD}" destId="{6DF9174E-15E7-4665-AFB0-1D5BC31DAE7A}" srcOrd="2" destOrd="0" parTransId="{950CBB3B-AF1D-4510-839B-3C68536CBAC9}" sibTransId="{0CE95A67-CE00-423B-9B92-22E22F56EC04}"/>
+    <dgm:cxn modelId="{BAD9F23A-19AF-4F63-BCBF-9F0AF233F7F0}" type="presOf" srcId="{26AE1A82-6AE8-4C17-BF99-9B5BE49DE943}" destId="{177AEF78-C31B-46E7-8450-985BDAA525F8}" srcOrd="0" destOrd="0" presId="urn:microsoft.com/office/officeart/2018/2/layout/IconVerticalSolidList"/>
+    <dgm:cxn modelId="{9DDB3E60-3306-4413-AD88-C508FBB76805}" type="presOf" srcId="{CEF04553-33BD-490D-827B-92CDD36DD082}" destId="{9C3D3724-B26E-4135-982E-E09DFC02CBB2}" srcOrd="0" destOrd="0" presId="urn:microsoft.com/office/officeart/2018/2/layout/IconVerticalSolidList"/>
+    <dgm:cxn modelId="{89D87EC6-9BF8-442E-9DA6-AC72E83CFE8E}" type="presOf" srcId="{EAB6B3E1-FC6F-4045-B7A5-E003D0B3E5FD}" destId="{EA5BF9C6-66B2-4F11-A1D4-66FFD936B7C8}" srcOrd="0" destOrd="0" presId="urn:microsoft.com/office/officeart/2018/2/layout/IconVerticalSolidList"/>
+    <dgm:cxn modelId="{433D5157-8A5C-4D48-AC83-F784BF4728B1}" type="presParOf" srcId="{EA5BF9C6-66B2-4F11-A1D4-66FFD936B7C8}" destId="{CC27E8B5-57C3-4B54-85FD-E6FFF5BF53E4}" srcOrd="0" destOrd="0" presId="urn:microsoft.com/office/officeart/2018/2/layout/IconVerticalSolidList"/>
+    <dgm:cxn modelId="{4201FC0A-7000-4F14-BBEC-07E836EC9241}" type="presParOf" srcId="{CC27E8B5-57C3-4B54-85FD-E6FFF5BF53E4}" destId="{4A907126-A2CA-425C-AF0F-029F662155AA}" srcOrd="0" destOrd="0" presId="urn:microsoft.com/office/officeart/2018/2/layout/IconVerticalSolidList"/>
+    <dgm:cxn modelId="{51324439-EBF8-4402-9C11-7022871832A2}" type="presParOf" srcId="{CC27E8B5-57C3-4B54-85FD-E6FFF5BF53E4}" destId="{296E88AA-81AD-4AF7-8842-3E467216F618}" srcOrd="1" destOrd="0" presId="urn:microsoft.com/office/officeart/2018/2/layout/IconVerticalSolidList"/>
+    <dgm:cxn modelId="{7BA6F284-BDC6-49F8-B6A9-F740E022ADE1}" type="presParOf" srcId="{CC27E8B5-57C3-4B54-85FD-E6FFF5BF53E4}" destId="{32EF15A6-18A1-43A4-AC27-1BDEB7B51F40}" srcOrd="2" destOrd="0" presId="urn:microsoft.com/office/officeart/2018/2/layout/IconVerticalSolidList"/>
+    <dgm:cxn modelId="{78343F4F-C3EB-48B9-8A05-F9CE32D510DB}" type="presParOf" srcId="{CC27E8B5-57C3-4B54-85FD-E6FFF5BF53E4}" destId="{9C3D3724-B26E-4135-982E-E09DFC02CBB2}" srcOrd="3" destOrd="0" presId="urn:microsoft.com/office/officeart/2018/2/layout/IconVerticalSolidList"/>
+    <dgm:cxn modelId="{C8C58E26-EBA6-4CFE-96EB-5348E7C91ACD}" type="presParOf" srcId="{EA5BF9C6-66B2-4F11-A1D4-66FFD936B7C8}" destId="{D1F980E9-D6CB-488D-8C57-F5067BC39E50}" srcOrd="1" destOrd="0" presId="urn:microsoft.com/office/officeart/2018/2/layout/IconVerticalSolidList"/>
+    <dgm:cxn modelId="{0CCC0FE4-7224-4A56-BB6D-5EEAF140F880}" type="presParOf" srcId="{EA5BF9C6-66B2-4F11-A1D4-66FFD936B7C8}" destId="{E08F7039-F93F-451C-B0A9-A14C2F2BBE5E}" srcOrd="2" destOrd="0" presId="urn:microsoft.com/office/officeart/2018/2/layout/IconVerticalSolidList"/>
+    <dgm:cxn modelId="{5A521B47-F803-475C-AC7D-B23DADCEB463}" type="presParOf" srcId="{E08F7039-F93F-451C-B0A9-A14C2F2BBE5E}" destId="{1C052A02-AD1E-4A07-82A5-6D182D275BC2}" srcOrd="0" destOrd="0" presId="urn:microsoft.com/office/officeart/2018/2/layout/IconVerticalSolidList"/>
+    <dgm:cxn modelId="{5737D82B-DD46-455A-943B-DD57C29A5865}" type="presParOf" srcId="{E08F7039-F93F-451C-B0A9-A14C2F2BBE5E}" destId="{75C54B5A-B6C1-4DB4-9C5A-D0125E6084A0}" srcOrd="1" destOrd="0" presId="urn:microsoft.com/office/officeart/2018/2/layout/IconVerticalSolidList"/>
+    <dgm:cxn modelId="{364E7BDE-A45F-41AD-82D9-5F24E0755081}" type="presParOf" srcId="{E08F7039-F93F-451C-B0A9-A14C2F2BBE5E}" destId="{F7212059-E43C-46A8-87A3-65F9A830AE46}" srcOrd="2" destOrd="0" presId="urn:microsoft.com/office/officeart/2018/2/layout/IconVerticalSolidList"/>
+    <dgm:cxn modelId="{AB287C18-D68B-479D-8B08-13DCBAC02629}" type="presParOf" srcId="{E08F7039-F93F-451C-B0A9-A14C2F2BBE5E}" destId="{177AEF78-C31B-46E7-8450-985BDAA525F8}" srcOrd="3" destOrd="0" presId="urn:microsoft.com/office/officeart/2018/2/layout/IconVerticalSolidList"/>
+    <dgm:cxn modelId="{96BE6670-22FF-4D09-9E91-EBF8A5C7A6A7}" type="presParOf" srcId="{EA5BF9C6-66B2-4F11-A1D4-66FFD936B7C8}" destId="{4C1849FE-1DC4-4F25-B2B5-CE0A4421CAED}" srcOrd="3" destOrd="0" presId="urn:microsoft.com/office/officeart/2018/2/layout/IconVerticalSolidList"/>
+    <dgm:cxn modelId="{DE1FE895-033C-4E18-B80E-8EB1045E70D0}" type="presParOf" srcId="{EA5BF9C6-66B2-4F11-A1D4-66FFD936B7C8}" destId="{55E0C6C4-58E3-4296-924D-4CFBBE977C95}" srcOrd="4" destOrd="0" presId="urn:microsoft.com/office/officeart/2018/2/layout/IconVerticalSolidList"/>
+    <dgm:cxn modelId="{23BA98BD-AEF2-4596-8270-C4D59DD00355}" type="presParOf" srcId="{55E0C6C4-58E3-4296-924D-4CFBBE977C95}" destId="{9AED59AB-AACC-4AFE-920B-B76A856BEB87}" srcOrd="0" destOrd="0" presId="urn:microsoft.com/office/officeart/2018/2/layout/IconVerticalSolidList"/>
+    <dgm:cxn modelId="{3F104113-24D5-4519-9613-16790B51132E}" type="presParOf" srcId="{55E0C6C4-58E3-4296-924D-4CFBBE977C95}" destId="{CA0E6411-0528-45E6-A2EE-35C4C92AAED1}" srcOrd="1" destOrd="0" presId="urn:microsoft.com/office/officeart/2018/2/layout/IconVerticalSolidList"/>
+    <dgm:cxn modelId="{F8A14184-A3F6-4D98-BD3D-FB07755A1F42}" type="presParOf" srcId="{55E0C6C4-58E3-4296-924D-4CFBBE977C95}" destId="{D121E0F5-49BB-48A9-8C8B-FE609F7B717F}" srcOrd="2" destOrd="0" presId="urn:microsoft.com/office/officeart/2018/2/layout/IconVerticalSolidList"/>
+    <dgm:cxn modelId="{A5BA3B5A-6E62-47EF-9FEF-57780F250021}" type="presParOf" srcId="{55E0C6C4-58E3-4296-924D-4CFBBE977C95}" destId="{EC78EAE9-1A6D-491C-BB03-FA59FE1F5346}" srcOrd="3" destOrd="0" presId="urn:microsoft.com/office/officeart/2018/2/layout/IconVerticalSolidList"/>
+  </dgm:cxnLst>
+  <dgm:bg/>
+  <dgm:whole/>
+  <dgm:extLst>
+    <a:ext uri="http://schemas.microsoft.com/office/drawing/2008/diagram">
+      <dsp:dataModelExt xmlns:dsp="http://schemas.microsoft.com/office/drawing/2008/diagram" relId="rId6" minVer="http://schemas.openxmlformats.org/drawingml/2006/diagram"/>
+    </a:ext>
+  </dgm:extLst>
+</dgm:dataModel>
+</file>
+
 <file path=ppt/diagrams/drawing1.xml><?xml version="1.0" encoding="utf-8"?>
 <dsp:drawing xmlns:dgm="http://schemas.openxmlformats.org/drawingml/2006/diagram" xmlns:dsp="http://schemas.microsoft.com/office/drawing/2008/diagram" xmlns:a="http://schemas.openxmlformats.org/drawingml/2006/main">
   <dsp:spTree>
@@ -1864,7 +2496,7 @@
       </dsp:nvSpPr>
       <dsp:spPr>
         <a:xfrm>
-          <a:off x="616949" y="310305"/>
+          <a:off x="616949" y="581984"/>
           <a:ext cx="1818562" cy="1818562"/>
         </a:xfrm>
         <a:prstGeom prst="ellipse">
@@ -1881,7 +2513,13 @@
         <a:ln>
           <a:noFill/>
         </a:ln>
-        <a:effectLst/>
+        <a:effectLst>
+          <a:outerShdw blurRad="38100" dist="12700" dir="5400000" algn="ctr" rotWithShape="0">
+            <a:srgbClr val="000000">
+              <a:alpha val="63000"/>
+            </a:srgbClr>
+          </a:outerShdw>
+        </a:effectLst>
       </dsp:spPr>
       <dsp:style>
         <a:lnRef idx="0">
@@ -1890,7 +2528,7 @@
         <a:fillRef idx="1">
           <a:scrgbClr r="0" g="0" b="0"/>
         </a:fillRef>
-        <a:effectRef idx="0">
+        <a:effectRef idx="2">
           <a:scrgbClr r="0" g="0" b="0"/>
         </a:effectRef>
         <a:fontRef idx="minor"/>
@@ -1903,7 +2541,7 @@
       </dsp:nvSpPr>
       <dsp:spPr>
         <a:xfrm>
-          <a:off x="1004512" y="697868"/>
+          <a:off x="1004512" y="969547"/>
           <a:ext cx="1043437" cy="1043437"/>
         </a:xfrm>
         <a:prstGeom prst="rect">
@@ -1925,20 +2563,25 @@
             <a:fillRect/>
           </a:stretch>
         </a:blipFill>
-        <a:ln w="12700" cap="flat" cmpd="sng" algn="ctr">
+        <a:ln>
           <a:noFill/>
-          <a:prstDash val="solid"/>
         </a:ln>
-        <a:effectLst/>
+        <a:effectLst>
+          <a:outerShdw blurRad="38100" dist="12700" dir="5400000" algn="ctr" rotWithShape="0">
+            <a:srgbClr val="000000">
+              <a:alpha val="63000"/>
+            </a:srgbClr>
+          </a:outerShdw>
+        </a:effectLst>
       </dsp:spPr>
       <dsp:style>
-        <a:lnRef idx="2">
+        <a:lnRef idx="0">
           <a:scrgbClr r="0" g="0" b="0"/>
         </a:lnRef>
-        <a:fillRef idx="1">
+        <a:fillRef idx="3">
           <a:scrgbClr r="0" g="0" b="0"/>
         </a:fillRef>
-        <a:effectRef idx="0">
+        <a:effectRef idx="2">
           <a:scrgbClr r="0" g="0" b="0"/>
         </a:effectRef>
         <a:fontRef idx="minor">
@@ -1953,7 +2596,168 @@
       </dsp:nvSpPr>
       <dsp:spPr>
         <a:xfrm>
-          <a:off x="35606" y="2695306"/>
+          <a:off x="35606" y="2929689"/>
+          <a:ext cx="2981250" cy="794592"/>
+        </a:xfrm>
+        <a:prstGeom prst="rect">
+          <a:avLst/>
+        </a:prstGeom>
+        <a:noFill/>
+        <a:ln>
+          <a:noFill/>
+        </a:ln>
+        <a:effectLst/>
+      </dsp:spPr>
+      <dsp:style>
+        <a:lnRef idx="0">
+          <a:scrgbClr r="0" g="0" b="0"/>
+        </a:lnRef>
+        <a:fillRef idx="0">
+          <a:scrgbClr r="0" g="0" b="0"/>
+        </a:fillRef>
+        <a:effectRef idx="0">
+          <a:scrgbClr r="0" g="0" b="0"/>
+        </a:effectRef>
+        <a:fontRef idx="minor"/>
+      </dsp:style>
+      <dsp:txBody>
+        <a:bodyPr spcFirstLastPara="0" vert="horz" wrap="square" lIns="0" tIns="0" rIns="0" bIns="0" numCol="1" spcCol="1270" anchor="t" anchorCtr="0">
+          <a:noAutofit/>
+        </a:bodyPr>
+        <a:lstStyle/>
+        <a:p>
+          <a:pPr marL="0" lvl="0" indent="0" algn="ctr" defTabSz="1022350">
+            <a:lnSpc>
+              <a:spcPct val="100000"/>
+            </a:lnSpc>
+            <a:spcBef>
+              <a:spcPct val="0"/>
+            </a:spcBef>
+            <a:spcAft>
+              <a:spcPct val="35000"/>
+            </a:spcAft>
+            <a:buNone/>
+            <a:defRPr cap="all"/>
+          </a:pPr>
+          <a:r>
+            <a:rPr lang="en-US" sz="2300" kern="1200" dirty="0"/>
+            <a:t>    The Goal	</a:t>
+          </a:r>
+        </a:p>
+      </dsp:txBody>
+      <dsp:txXfrm>
+        <a:off x="35606" y="2929689"/>
+        <a:ext cx="2981250" cy="794592"/>
+      </dsp:txXfrm>
+    </dsp:sp>
+    <dsp:sp modelId="{BCD8CDD9-0C56-4401-ADB1-8B48DAB2C96F}">
+      <dsp:nvSpPr>
+        <dsp:cNvPr id="0" name=""/>
+        <dsp:cNvSpPr/>
+      </dsp:nvSpPr>
+      <dsp:spPr>
+        <a:xfrm>
+          <a:off x="4119918" y="600632"/>
+          <a:ext cx="1818562" cy="1818562"/>
+        </a:xfrm>
+        <a:prstGeom prst="ellipse">
+          <a:avLst/>
+        </a:prstGeom>
+        <a:solidFill>
+          <a:schemeClr val="accent3">
+            <a:hueOff val="0"/>
+            <a:satOff val="0"/>
+            <a:lumOff val="0"/>
+            <a:alphaOff val="0"/>
+          </a:schemeClr>
+        </a:solidFill>
+        <a:ln>
+          <a:noFill/>
+        </a:ln>
+        <a:effectLst>
+          <a:outerShdw blurRad="38100" dist="12700" dir="5400000" algn="ctr" rotWithShape="0">
+            <a:srgbClr val="000000">
+              <a:alpha val="63000"/>
+            </a:srgbClr>
+          </a:outerShdw>
+        </a:effectLst>
+      </dsp:spPr>
+      <dsp:style>
+        <a:lnRef idx="0">
+          <a:scrgbClr r="0" g="0" b="0"/>
+        </a:lnRef>
+        <a:fillRef idx="1">
+          <a:scrgbClr r="0" g="0" b="0"/>
+        </a:fillRef>
+        <a:effectRef idx="2">
+          <a:scrgbClr r="0" g="0" b="0"/>
+        </a:effectRef>
+        <a:fontRef idx="minor"/>
+      </dsp:style>
+    </dsp:sp>
+    <dsp:sp modelId="{DB4CA7C4-FCA1-4127-B20A-2A5C031A3CF4}">
+      <dsp:nvSpPr>
+        <dsp:cNvPr id="0" name=""/>
+        <dsp:cNvSpPr/>
+      </dsp:nvSpPr>
+      <dsp:spPr>
+        <a:xfrm>
+          <a:off x="4507481" y="988195"/>
+          <a:ext cx="1043437" cy="1043437"/>
+        </a:xfrm>
+        <a:prstGeom prst="rect">
+          <a:avLst/>
+        </a:prstGeom>
+        <a:blipFill>
+          <a:blip xmlns:r="http://schemas.openxmlformats.org/officeDocument/2006/relationships" r:embed="rId3">
+            <a:extLst>
+              <a:ext uri="{28A0092B-C50C-407E-A947-70E740481C1C}">
+                <a14:useLocalDpi xmlns:a14="http://schemas.microsoft.com/office/drawing/2010/main" val="0"/>
+              </a:ext>
+              <a:ext uri="{96DAC541-7B7A-43D3-8B79-37D633B846F1}">
+                <asvg:svgBlip xmlns:asvg="http://schemas.microsoft.com/office/drawing/2016/SVG/main" r:embed="rId4"/>
+              </a:ext>
+            </a:extLst>
+          </a:blip>
+          <a:srcRect/>
+          <a:stretch>
+            <a:fillRect/>
+          </a:stretch>
+        </a:blipFill>
+        <a:ln>
+          <a:noFill/>
+        </a:ln>
+        <a:effectLst>
+          <a:outerShdw blurRad="38100" dist="12700" dir="5400000" algn="ctr" rotWithShape="0">
+            <a:srgbClr val="000000">
+              <a:alpha val="63000"/>
+            </a:srgbClr>
+          </a:outerShdw>
+        </a:effectLst>
+      </dsp:spPr>
+      <dsp:style>
+        <a:lnRef idx="0">
+          <a:scrgbClr r="0" g="0" b="0"/>
+        </a:lnRef>
+        <a:fillRef idx="3">
+          <a:scrgbClr r="0" g="0" b="0"/>
+        </a:fillRef>
+        <a:effectRef idx="2">
+          <a:scrgbClr r="0" g="0" b="0"/>
+        </a:effectRef>
+        <a:fontRef idx="minor">
+          <a:schemeClr val="lt1"/>
+        </a:fontRef>
+      </dsp:style>
+    </dsp:sp>
+    <dsp:sp modelId="{7E6FE37A-5DB0-4899-9FCB-0CE39BC185F8}">
+      <dsp:nvSpPr>
+        <dsp:cNvPr id="0" name=""/>
+        <dsp:cNvSpPr/>
+      </dsp:nvSpPr>
+      <dsp:spPr>
+        <a:xfrm>
+          <a:off x="3538574" y="2985633"/>
           <a:ext cx="2981250" cy="720000"/>
         </a:xfrm>
         <a:prstGeom prst="rect">
@@ -1983,7 +2787,7 @@
         </a:bodyPr>
         <a:lstStyle/>
         <a:p>
-          <a:pPr marL="0" lvl="0" indent="0" algn="ctr" defTabSz="889000">
+          <a:pPr marL="0" lvl="0" indent="0" algn="ctr" defTabSz="1022350">
             <a:lnSpc>
               <a:spcPct val="100000"/>
             </a:lnSpc>
@@ -1997,31 +2801,31 @@
             <a:defRPr cap="all"/>
           </a:pPr>
           <a:r>
-            <a:rPr lang="en-US" sz="2000" kern="1200" dirty="0"/>
-            <a:t>What we were trying to accomplish	</a:t>
+            <a:rPr lang="en-US" sz="2300" kern="1200" dirty="0"/>
+            <a:t>App/Visualization review &amp; learning</a:t>
           </a:r>
         </a:p>
       </dsp:txBody>
       <dsp:txXfrm>
-        <a:off x="35606" y="2695306"/>
+        <a:off x="3538574" y="2985633"/>
         <a:ext cx="2981250" cy="720000"/>
       </dsp:txXfrm>
     </dsp:sp>
-    <dsp:sp modelId="{BCD8CDD9-0C56-4401-ADB1-8B48DAB2C96F}">
+    <dsp:sp modelId="{FF93E135-77D6-48A0-8871-9BC93D705D06}">
       <dsp:nvSpPr>
         <dsp:cNvPr id="0" name=""/>
         <dsp:cNvSpPr/>
       </dsp:nvSpPr>
       <dsp:spPr>
         <a:xfrm>
-          <a:off x="4119918" y="310305"/>
+          <a:off x="7622887" y="600632"/>
           <a:ext cx="1818562" cy="1818562"/>
         </a:xfrm>
         <a:prstGeom prst="ellipse">
           <a:avLst/>
         </a:prstGeom>
         <a:solidFill>
-          <a:schemeClr val="accent3">
+          <a:schemeClr val="accent4">
             <a:hueOff val="0"/>
             <a:satOff val="0"/>
             <a:lumOff val="0"/>
@@ -2031,7 +2835,13 @@
         <a:ln>
           <a:noFill/>
         </a:ln>
-        <a:effectLst/>
+        <a:effectLst>
+          <a:outerShdw blurRad="38100" dist="12700" dir="5400000" algn="ctr" rotWithShape="0">
+            <a:srgbClr val="000000">
+              <a:alpha val="63000"/>
+            </a:srgbClr>
+          </a:outerShdw>
+        </a:effectLst>
       </dsp:spPr>
       <dsp:style>
         <a:lnRef idx="0">
@@ -2040,33 +2850,33 @@
         <a:fillRef idx="1">
           <a:scrgbClr r="0" g="0" b="0"/>
         </a:fillRef>
-        <a:effectRef idx="0">
+        <a:effectRef idx="2">
           <a:scrgbClr r="0" g="0" b="0"/>
         </a:effectRef>
         <a:fontRef idx="minor"/>
       </dsp:style>
     </dsp:sp>
-    <dsp:sp modelId="{DB4CA7C4-FCA1-4127-B20A-2A5C031A3CF4}">
+    <dsp:sp modelId="{39509775-983E-4110-B989-EE2CD6514BE0}">
       <dsp:nvSpPr>
         <dsp:cNvPr id="0" name=""/>
         <dsp:cNvSpPr/>
       </dsp:nvSpPr>
       <dsp:spPr>
         <a:xfrm>
-          <a:off x="4507481" y="697868"/>
+          <a:off x="8010450" y="988195"/>
           <a:ext cx="1043437" cy="1043437"/>
         </a:xfrm>
         <a:prstGeom prst="rect">
           <a:avLst/>
         </a:prstGeom>
         <a:blipFill>
-          <a:blip xmlns:r="http://schemas.openxmlformats.org/officeDocument/2006/relationships" r:embed="rId3">
+          <a:blip xmlns:r="http://schemas.openxmlformats.org/officeDocument/2006/relationships" r:embed="rId5">
             <a:extLst>
               <a:ext uri="{28A0092B-C50C-407E-A947-70E740481C1C}">
                 <a14:useLocalDpi xmlns:a14="http://schemas.microsoft.com/office/drawing/2010/main" val="0"/>
               </a:ext>
               <a:ext uri="{96DAC541-7B7A-43D3-8B79-37D633B846F1}">
-                <asvg:svgBlip xmlns:asvg="http://schemas.microsoft.com/office/drawing/2016/SVG/main" r:embed="rId4"/>
+                <asvg:svgBlip xmlns:asvg="http://schemas.microsoft.com/office/drawing/2016/SVG/main" r:embed="rId6"/>
               </a:ext>
             </a:extLst>
           </a:blip>
@@ -2075,20 +2885,25 @@
             <a:fillRect/>
           </a:stretch>
         </a:blipFill>
-        <a:ln w="12700" cap="flat" cmpd="sng" algn="ctr">
+        <a:ln>
           <a:noFill/>
-          <a:prstDash val="solid"/>
         </a:ln>
-        <a:effectLst/>
+        <a:effectLst>
+          <a:outerShdw blurRad="38100" dist="12700" dir="5400000" algn="ctr" rotWithShape="0">
+            <a:srgbClr val="000000">
+              <a:alpha val="63000"/>
+            </a:srgbClr>
+          </a:outerShdw>
+        </a:effectLst>
       </dsp:spPr>
       <dsp:style>
-        <a:lnRef idx="2">
+        <a:lnRef idx="0">
           <a:scrgbClr r="0" g="0" b="0"/>
         </a:lnRef>
-        <a:fillRef idx="1">
+        <a:fillRef idx="3">
           <a:scrgbClr r="0" g="0" b="0"/>
         </a:fillRef>
-        <a:effectRef idx="0">
+        <a:effectRef idx="2">
           <a:scrgbClr r="0" g="0" b="0"/>
         </a:effectRef>
         <a:fontRef idx="minor">
@@ -2096,14 +2911,14 @@
         </a:fontRef>
       </dsp:style>
     </dsp:sp>
-    <dsp:sp modelId="{7E6FE37A-5DB0-4899-9FCB-0CE39BC185F8}">
+    <dsp:sp modelId="{1AEDC777-00B3-41D7-9AE1-23D741E941C3}">
       <dsp:nvSpPr>
         <dsp:cNvPr id="0" name=""/>
         <dsp:cNvSpPr/>
       </dsp:nvSpPr>
       <dsp:spPr>
         <a:xfrm>
-          <a:off x="3538574" y="2695306"/>
+          <a:off x="7041543" y="2985633"/>
           <a:ext cx="2981250" cy="720000"/>
         </a:xfrm>
         <a:prstGeom prst="rect">
@@ -2133,7 +2948,7 @@
         </a:bodyPr>
         <a:lstStyle/>
         <a:p>
-          <a:pPr marL="0" lvl="0" indent="0" algn="ctr" defTabSz="889000">
+          <a:pPr marL="0" lvl="0" indent="0" algn="ctr" defTabSz="1022350">
             <a:lnSpc>
               <a:spcPct val="100000"/>
             </a:lnSpc>
@@ -2147,31 +2962,46 @@
             <a:defRPr cap="all"/>
           </a:pPr>
           <a:r>
-            <a:rPr lang="en-US" sz="2000" kern="1200" dirty="0"/>
-            <a:t>App/Visualization review &amp; learning</a:t>
+            <a:rPr lang="en-US" sz="2300" kern="1200" dirty="0"/>
+            <a:t>If timed allowed and Questions</a:t>
           </a:r>
         </a:p>
       </dsp:txBody>
       <dsp:txXfrm>
-        <a:off x="3538574" y="2695306"/>
+        <a:off x="7041543" y="2985633"/>
         <a:ext cx="2981250" cy="720000"/>
       </dsp:txXfrm>
     </dsp:sp>
-    <dsp:sp modelId="{FF93E135-77D6-48A0-8871-9BC93D705D06}">
+  </dsp:spTree>
+</dsp:drawing>
+</file>
+
+<file path=ppt/diagrams/drawing2.xml><?xml version="1.0" encoding="utf-8"?>
+<dsp:drawing xmlns:dgm="http://schemas.openxmlformats.org/drawingml/2006/diagram" xmlns:dsp="http://schemas.microsoft.com/office/drawing/2008/diagram" xmlns:a="http://schemas.openxmlformats.org/drawingml/2006/main">
+  <dsp:spTree>
+    <dsp:nvGrpSpPr>
+      <dsp:cNvPr id="0" name=""/>
+      <dsp:cNvGrpSpPr/>
+    </dsp:nvGrpSpPr>
+    <dsp:grpSpPr/>
+    <dsp:sp modelId="{4A907126-A2CA-425C-AF0F-029F662155AA}">
       <dsp:nvSpPr>
         <dsp:cNvPr id="0" name=""/>
         <dsp:cNvSpPr/>
       </dsp:nvSpPr>
       <dsp:spPr>
         <a:xfrm>
-          <a:off x="7622887" y="310305"/>
-          <a:ext cx="1818562" cy="1818562"/>
+          <a:off x="-193141" y="6102"/>
+          <a:ext cx="10412896" cy="1096405"/>
         </a:xfrm>
-        <a:prstGeom prst="ellipse">
-          <a:avLst/>
+        <a:prstGeom prst="roundRect">
+          <a:avLst>
+            <a:gd name="adj" fmla="val 10000"/>
+          </a:avLst>
         </a:prstGeom>
         <a:solidFill>
-          <a:schemeClr val="accent4">
+          <a:schemeClr val="accent3">
+            <a:tint val="40000"/>
             <a:hueOff val="0"/>
             <a:satOff val="0"/>
             <a:lumOff val="0"/>
@@ -2196,31 +3026,30 @@
         <a:fontRef idx="minor"/>
       </dsp:style>
     </dsp:sp>
-    <dsp:sp modelId="{39509775-983E-4110-B989-EE2CD6514BE0}">
+    <dsp:sp modelId="{296E88AA-81AD-4AF7-8842-3E467216F618}">
       <dsp:nvSpPr>
         <dsp:cNvPr id="0" name=""/>
         <dsp:cNvSpPr/>
       </dsp:nvSpPr>
       <dsp:spPr>
         <a:xfrm>
-          <a:off x="8010450" y="697868"/>
-          <a:ext cx="1043437" cy="1043437"/>
+          <a:off x="138521" y="252793"/>
+          <a:ext cx="603023" cy="603023"/>
         </a:xfrm>
         <a:prstGeom prst="rect">
           <a:avLst/>
         </a:prstGeom>
         <a:blipFill>
-          <a:blip xmlns:r="http://schemas.openxmlformats.org/officeDocument/2006/relationships" r:embed="rId5">
+          <a:blip xmlns:r="http://schemas.openxmlformats.org/officeDocument/2006/relationships" r:embed="rId1">
             <a:extLst>
               <a:ext uri="{28A0092B-C50C-407E-A947-70E740481C1C}">
                 <a14:useLocalDpi xmlns:a14="http://schemas.microsoft.com/office/drawing/2010/main" val="0"/>
               </a:ext>
               <a:ext uri="{96DAC541-7B7A-43D3-8B79-37D633B846F1}">
-                <asvg:svgBlip xmlns:asvg="http://schemas.microsoft.com/office/drawing/2016/SVG/main" r:embed="rId6"/>
+                <asvg:svgBlip xmlns:asvg="http://schemas.microsoft.com/office/drawing/2016/SVG/main" r:embed="rId2"/>
               </a:ext>
             </a:extLst>
           </a:blip>
-          <a:srcRect/>
           <a:stretch>
             <a:fillRect/>
           </a:stretch>
@@ -2246,15 +3075,15 @@
         </a:fontRef>
       </dsp:style>
     </dsp:sp>
-    <dsp:sp modelId="{1AEDC777-00B3-41D7-9AE1-23D741E941C3}">
+    <dsp:sp modelId="{9C3D3724-B26E-4135-982E-E09DFC02CBB2}">
       <dsp:nvSpPr>
         <dsp:cNvPr id="0" name=""/>
         <dsp:cNvSpPr/>
       </dsp:nvSpPr>
       <dsp:spPr>
         <a:xfrm>
-          <a:off x="7041543" y="2695306"/>
-          <a:ext cx="2981250" cy="720000"/>
+          <a:off x="684446" y="6102"/>
+          <a:ext cx="9921590" cy="1096405"/>
         </a:xfrm>
         <a:prstGeom prst="rect">
           <a:avLst/>
@@ -2278,12 +3107,12 @@
         <a:fontRef idx="minor"/>
       </dsp:style>
       <dsp:txBody>
-        <a:bodyPr spcFirstLastPara="0" vert="horz" wrap="square" lIns="0" tIns="0" rIns="0" bIns="0" numCol="1" spcCol="1270" anchor="t" anchorCtr="0">
+        <a:bodyPr spcFirstLastPara="0" vert="horz" wrap="square" lIns="116036" tIns="116036" rIns="116036" bIns="116036" numCol="1" spcCol="1270" anchor="ctr" anchorCtr="0">
           <a:noAutofit/>
         </a:bodyPr>
         <a:lstStyle/>
         <a:p>
-          <a:pPr marL="0" lvl="0" indent="0" algn="ctr" defTabSz="889000">
+          <a:pPr marL="0" lvl="0" indent="0" algn="l" defTabSz="1111250">
             <a:lnSpc>
               <a:spcPct val="100000"/>
             </a:lnSpc>
@@ -2294,17 +3123,327 @@
               <a:spcPct val="35000"/>
             </a:spcAft>
             <a:buNone/>
-            <a:defRPr cap="all"/>
           </a:pPr>
           <a:r>
-            <a:rPr lang="en-US" sz="2000" kern="1200" dirty="0"/>
-            <a:t>If timed allowed and Questions</a:t>
+            <a:rPr lang="en-US" sz="2500" kern="1200" dirty="0"/>
+            <a:t>Jeni – Clean up/Flask connection/Charts</a:t>
           </a:r>
         </a:p>
       </dsp:txBody>
       <dsp:txXfrm>
-        <a:off x="7041543" y="2695306"/>
-        <a:ext cx="2981250" cy="720000"/>
+        <a:off x="684446" y="6102"/>
+        <a:ext cx="9921590" cy="1096405"/>
+      </dsp:txXfrm>
+    </dsp:sp>
+    <dsp:sp modelId="{1C052A02-AD1E-4A07-82A5-6D182D275BC2}">
+      <dsp:nvSpPr>
+        <dsp:cNvPr id="0" name=""/>
+        <dsp:cNvSpPr/>
+      </dsp:nvSpPr>
+      <dsp:spPr>
+        <a:xfrm>
+          <a:off x="-193141" y="1376609"/>
+          <a:ext cx="10412896" cy="1096405"/>
+        </a:xfrm>
+        <a:prstGeom prst="roundRect">
+          <a:avLst>
+            <a:gd name="adj" fmla="val 10000"/>
+          </a:avLst>
+        </a:prstGeom>
+        <a:solidFill>
+          <a:schemeClr val="accent3">
+            <a:tint val="40000"/>
+            <a:hueOff val="0"/>
+            <a:satOff val="0"/>
+            <a:lumOff val="0"/>
+            <a:alphaOff val="0"/>
+          </a:schemeClr>
+        </a:solidFill>
+        <a:ln>
+          <a:noFill/>
+        </a:ln>
+        <a:effectLst/>
+      </dsp:spPr>
+      <dsp:style>
+        <a:lnRef idx="0">
+          <a:scrgbClr r="0" g="0" b="0"/>
+        </a:lnRef>
+        <a:fillRef idx="1">
+          <a:scrgbClr r="0" g="0" b="0"/>
+        </a:fillRef>
+        <a:effectRef idx="0">
+          <a:scrgbClr r="0" g="0" b="0"/>
+        </a:effectRef>
+        <a:fontRef idx="minor"/>
+      </dsp:style>
+    </dsp:sp>
+    <dsp:sp modelId="{75C54B5A-B6C1-4DB4-9C5A-D0125E6084A0}">
+      <dsp:nvSpPr>
+        <dsp:cNvPr id="0" name=""/>
+        <dsp:cNvSpPr/>
+      </dsp:nvSpPr>
+      <dsp:spPr>
+        <a:xfrm>
+          <a:off x="138521" y="1623300"/>
+          <a:ext cx="603023" cy="603023"/>
+        </a:xfrm>
+        <a:prstGeom prst="rect">
+          <a:avLst/>
+        </a:prstGeom>
+        <a:blipFill>
+          <a:blip xmlns:r="http://schemas.openxmlformats.org/officeDocument/2006/relationships" r:embed="rId3">
+            <a:extLst>
+              <a:ext uri="{28A0092B-C50C-407E-A947-70E740481C1C}">
+                <a14:useLocalDpi xmlns:a14="http://schemas.microsoft.com/office/drawing/2010/main" val="0"/>
+              </a:ext>
+              <a:ext uri="{96DAC541-7B7A-43D3-8B79-37D633B846F1}">
+                <asvg:svgBlip xmlns:asvg="http://schemas.microsoft.com/office/drawing/2016/SVG/main" r:embed="rId4"/>
+              </a:ext>
+            </a:extLst>
+          </a:blip>
+          <a:stretch>
+            <a:fillRect/>
+          </a:stretch>
+        </a:blipFill>
+        <a:ln w="12700" cap="flat" cmpd="sng" algn="ctr">
+          <a:noFill/>
+          <a:prstDash val="solid"/>
+        </a:ln>
+        <a:effectLst/>
+      </dsp:spPr>
+      <dsp:style>
+        <a:lnRef idx="2">
+          <a:scrgbClr r="0" g="0" b="0"/>
+        </a:lnRef>
+        <a:fillRef idx="1">
+          <a:scrgbClr r="0" g="0" b="0"/>
+        </a:fillRef>
+        <a:effectRef idx="0">
+          <a:scrgbClr r="0" g="0" b="0"/>
+        </a:effectRef>
+        <a:fontRef idx="minor">
+          <a:schemeClr val="lt1"/>
+        </a:fontRef>
+      </dsp:style>
+    </dsp:sp>
+    <dsp:sp modelId="{177AEF78-C31B-46E7-8450-985BDAA525F8}">
+      <dsp:nvSpPr>
+        <dsp:cNvPr id="0" name=""/>
+        <dsp:cNvSpPr/>
+      </dsp:nvSpPr>
+      <dsp:spPr>
+        <a:xfrm>
+          <a:off x="753393" y="1376609"/>
+          <a:ext cx="9783698" cy="1096405"/>
+        </a:xfrm>
+        <a:prstGeom prst="rect">
+          <a:avLst/>
+        </a:prstGeom>
+        <a:noFill/>
+        <a:ln>
+          <a:noFill/>
+        </a:ln>
+        <a:effectLst/>
+      </dsp:spPr>
+      <dsp:style>
+        <a:lnRef idx="0">
+          <a:scrgbClr r="0" g="0" b="0"/>
+        </a:lnRef>
+        <a:fillRef idx="0">
+          <a:scrgbClr r="0" g="0" b="0"/>
+        </a:fillRef>
+        <a:effectRef idx="0">
+          <a:scrgbClr r="0" g="0" b="0"/>
+        </a:effectRef>
+        <a:fontRef idx="minor"/>
+      </dsp:style>
+      <dsp:txBody>
+        <a:bodyPr spcFirstLastPara="0" vert="horz" wrap="square" lIns="116036" tIns="116036" rIns="116036" bIns="116036" numCol="1" spcCol="1270" anchor="ctr" anchorCtr="0">
+          <a:noAutofit/>
+        </a:bodyPr>
+        <a:lstStyle/>
+        <a:p>
+          <a:pPr marL="0" lvl="0" indent="0" algn="l" defTabSz="1111250">
+            <a:lnSpc>
+              <a:spcPct val="100000"/>
+            </a:lnSpc>
+            <a:spcBef>
+              <a:spcPct val="0"/>
+            </a:spcBef>
+            <a:spcAft>
+              <a:spcPct val="35000"/>
+            </a:spcAft>
+            <a:buNone/>
+          </a:pPr>
+          <a:r>
+            <a:rPr lang="en-US" sz="2500" kern="1200" dirty="0"/>
+            <a:t>Allison – Java for table/Flask set up</a:t>
+          </a:r>
+        </a:p>
+      </dsp:txBody>
+      <dsp:txXfrm>
+        <a:off x="753393" y="1376609"/>
+        <a:ext cx="9783698" cy="1096405"/>
+      </dsp:txXfrm>
+    </dsp:sp>
+    <dsp:sp modelId="{9AED59AB-AACC-4AFE-920B-B76A856BEB87}">
+      <dsp:nvSpPr>
+        <dsp:cNvPr id="0" name=""/>
+        <dsp:cNvSpPr/>
+      </dsp:nvSpPr>
+      <dsp:spPr>
+        <a:xfrm>
+          <a:off x="-193141" y="2747116"/>
+          <a:ext cx="10412896" cy="1096405"/>
+        </a:xfrm>
+        <a:prstGeom prst="roundRect">
+          <a:avLst>
+            <a:gd name="adj" fmla="val 10000"/>
+          </a:avLst>
+        </a:prstGeom>
+        <a:solidFill>
+          <a:schemeClr val="accent3">
+            <a:tint val="40000"/>
+            <a:hueOff val="0"/>
+            <a:satOff val="0"/>
+            <a:lumOff val="0"/>
+            <a:alphaOff val="0"/>
+          </a:schemeClr>
+        </a:solidFill>
+        <a:ln>
+          <a:noFill/>
+        </a:ln>
+        <a:effectLst/>
+      </dsp:spPr>
+      <dsp:style>
+        <a:lnRef idx="0">
+          <a:scrgbClr r="0" g="0" b="0"/>
+        </a:lnRef>
+        <a:fillRef idx="1">
+          <a:scrgbClr r="0" g="0" b="0"/>
+        </a:fillRef>
+        <a:effectRef idx="0">
+          <a:scrgbClr r="0" g="0" b="0"/>
+        </a:effectRef>
+        <a:fontRef idx="minor"/>
+      </dsp:style>
+    </dsp:sp>
+    <dsp:sp modelId="{CA0E6411-0528-45E6-A2EE-35C4C92AAED1}">
+      <dsp:nvSpPr>
+        <dsp:cNvPr id="0" name=""/>
+        <dsp:cNvSpPr/>
+      </dsp:nvSpPr>
+      <dsp:spPr>
+        <a:xfrm>
+          <a:off x="138521" y="2993807"/>
+          <a:ext cx="603023" cy="603023"/>
+        </a:xfrm>
+        <a:prstGeom prst="rect">
+          <a:avLst/>
+        </a:prstGeom>
+        <a:blipFill>
+          <a:blip xmlns:r="http://schemas.openxmlformats.org/officeDocument/2006/relationships" r:embed="rId5">
+            <a:extLst>
+              <a:ext uri="{28A0092B-C50C-407E-A947-70E740481C1C}">
+                <a14:useLocalDpi xmlns:a14="http://schemas.microsoft.com/office/drawing/2010/main" val="0"/>
+              </a:ext>
+              <a:ext uri="{96DAC541-7B7A-43D3-8B79-37D633B846F1}">
+                <asvg:svgBlip xmlns:asvg="http://schemas.microsoft.com/office/drawing/2016/SVG/main" r:embed="rId6"/>
+              </a:ext>
+            </a:extLst>
+          </a:blip>
+          <a:stretch>
+            <a:fillRect/>
+          </a:stretch>
+        </a:blipFill>
+        <a:ln w="12700" cap="flat" cmpd="sng" algn="ctr">
+          <a:noFill/>
+          <a:prstDash val="solid"/>
+        </a:ln>
+        <a:effectLst/>
+      </dsp:spPr>
+      <dsp:style>
+        <a:lnRef idx="2">
+          <a:scrgbClr r="0" g="0" b="0"/>
+        </a:lnRef>
+        <a:fillRef idx="1">
+          <a:scrgbClr r="0" g="0" b="0"/>
+        </a:fillRef>
+        <a:effectRef idx="0">
+          <a:scrgbClr r="0" g="0" b="0"/>
+        </a:effectRef>
+        <a:fontRef idx="minor">
+          <a:schemeClr val="lt1"/>
+        </a:fontRef>
+      </dsp:style>
+    </dsp:sp>
+    <dsp:sp modelId="{EC78EAE9-1A6D-491C-BB03-FA59FE1F5346}">
+      <dsp:nvSpPr>
+        <dsp:cNvPr id="0" name=""/>
+        <dsp:cNvSpPr/>
+      </dsp:nvSpPr>
+      <dsp:spPr>
+        <a:xfrm>
+          <a:off x="838615" y="2747116"/>
+          <a:ext cx="9613252" cy="1096405"/>
+        </a:xfrm>
+        <a:prstGeom prst="rect">
+          <a:avLst/>
+        </a:prstGeom>
+        <a:noFill/>
+        <a:ln>
+          <a:noFill/>
+        </a:ln>
+        <a:effectLst/>
+      </dsp:spPr>
+      <dsp:style>
+        <a:lnRef idx="0">
+          <a:scrgbClr r="0" g="0" b="0"/>
+        </a:lnRef>
+        <a:fillRef idx="0">
+          <a:scrgbClr r="0" g="0" b="0"/>
+        </a:fillRef>
+        <a:effectRef idx="0">
+          <a:scrgbClr r="0" g="0" b="0"/>
+        </a:effectRef>
+        <a:fontRef idx="minor"/>
+      </dsp:style>
+      <dsp:txBody>
+        <a:bodyPr spcFirstLastPara="0" vert="horz" wrap="square" lIns="116036" tIns="116036" rIns="116036" bIns="116036" numCol="1" spcCol="1270" anchor="ctr" anchorCtr="0">
+          <a:noAutofit/>
+        </a:bodyPr>
+        <a:lstStyle/>
+        <a:p>
+          <a:pPr marL="0" lvl="0" indent="0" algn="l" defTabSz="1111250">
+            <a:lnSpc>
+              <a:spcPct val="100000"/>
+            </a:lnSpc>
+            <a:spcBef>
+              <a:spcPct val="0"/>
+            </a:spcBef>
+            <a:spcAft>
+              <a:spcPct val="35000"/>
+            </a:spcAft>
+            <a:buNone/>
+          </a:pPr>
+          <a:r>
+            <a:rPr lang="en-US" sz="2500" kern="1200" dirty="0" err="1"/>
+            <a:t>Lenn</a:t>
+          </a:r>
+          <a:r>
+            <a:rPr lang="en-US" sz="2500" kern="1200" dirty="0"/>
+            <a:t> – Html design/Incorporating Anime </a:t>
+          </a:r>
+          <a:r>
+            <a:rPr lang="en-US" sz="2500" kern="1200" dirty="0" err="1"/>
+            <a:t>js</a:t>
+          </a:r>
+          <a:endParaRPr lang="en-US" sz="2500" kern="1200" dirty="0"/>
+        </a:p>
+      </dsp:txBody>
+      <dsp:txXfrm>
+        <a:off x="838615" y="2747116"/>
+        <a:ext cx="9613252" cy="1096405"/>
       </dsp:txXfrm>
     </dsp:sp>
   </dsp:spTree>
@@ -2526,7 +3665,1335 @@
 </dgm:layoutDef>
 </file>
 
+<file path=ppt/diagrams/layout2.xml><?xml version="1.0" encoding="utf-8"?>
+<dgm:layoutDef xmlns:dgm="http://schemas.openxmlformats.org/drawingml/2006/diagram" xmlns:a="http://schemas.openxmlformats.org/drawingml/2006/main" uniqueId="urn:microsoft.com/office/officeart/2018/2/layout/IconVerticalSolidList">
+  <dgm:title val="Icon Vertical Solid List"/>
+  <dgm:desc val="Use to show a series of visuals from top to bottom with Level 1 or Level 1 and Level 2 text grouped in a shape. Works best with icons or small pictures with lengthier descriptions."/>
+  <dgm:catLst>
+    <dgm:cat type="icon" pri="500"/>
+  </dgm:catLst>
+  <dgm:sampData useDef="1">
+    <dgm:dataModel>
+      <dgm:ptLst/>
+      <dgm:bg/>
+      <dgm:whole/>
+    </dgm:dataModel>
+  </dgm:sampData>
+  <dgm:styleData useDef="1">
+    <dgm:dataModel>
+      <dgm:ptLst/>
+      <dgm:bg/>
+      <dgm:whole/>
+    </dgm:dataModel>
+  </dgm:styleData>
+  <dgm:clrData useDef="1">
+    <dgm:dataModel>
+      <dgm:ptLst/>
+      <dgm:bg/>
+      <dgm:whole/>
+    </dgm:dataModel>
+  </dgm:clrData>
+  <dgm:layoutNode name="root">
+    <dgm:varLst>
+      <dgm:dir/>
+      <dgm:resizeHandles val="exact"/>
+    </dgm:varLst>
+    <dgm:choose name="Name0">
+      <dgm:if name="Name1" axis="self" func="var" arg="dir" op="equ" val="norm">
+        <dgm:alg type="lin">
+          <dgm:param type="linDir" val="fromT"/>
+          <dgm:param type="nodeHorzAlign" val="l"/>
+        </dgm:alg>
+      </dgm:if>
+      <dgm:else name="Name2">
+        <dgm:alg type="lin">
+          <dgm:param type="linDir" val="fromT"/>
+          <dgm:param type="nodeHorzAlign" val="r"/>
+        </dgm:alg>
+      </dgm:else>
+    </dgm:choose>
+    <dgm:shape xmlns:r="http://schemas.openxmlformats.org/officeDocument/2006/relationships" r:blip="">
+      <dgm:adjLst/>
+    </dgm:shape>
+    <dgm:presOf/>
+    <dgm:choose name="Name3">
+      <dgm:if name="Name4" axis="ch" ptType="node" func="cnt" op="lte" val="3">
+        <dgm:constrLst>
+          <dgm:constr type="h" for="ch" forName="compNode" refType="h" fact="0.3"/>
+          <dgm:constr type="w" for="ch" forName="compNode" refType="w"/>
+          <dgm:constr type="h" for="ch" forName="sibTrans" refType="h" refFor="ch" refForName="compNode" fact="0.25"/>
+          <dgm:constr type="primFontSz" for="des" forName="parTx" val="25"/>
+          <dgm:constr type="primFontSz" for="des" forName="desTx" refType="primFontSz" refFor="des" refForName="parTx" op="lte" fact="0.75"/>
+          <dgm:constr type="h" for="des" forName="compNode" op="equ"/>
+          <dgm:constr type="h" for="des" forName="bgRect" op="equ"/>
+          <dgm:constr type="h" for="des" forName="iconRect" op="equ"/>
+          <dgm:constr type="w" for="des" forName="iconRect" op="equ"/>
+          <dgm:constr type="h" for="des" forName="spaceRect" op="equ"/>
+          <dgm:constr type="h" for="des" forName="parTx" op="equ"/>
+          <dgm:constr type="h" for="des" forName="desTx" op="equ"/>
+        </dgm:constrLst>
+      </dgm:if>
+      <dgm:if name="Name5" axis="ch" ptType="node" func="cnt" op="lte" val="4">
+        <dgm:constrLst>
+          <dgm:constr type="h" for="ch" forName="compNode" refType="h" fact="0.3"/>
+          <dgm:constr type="w" for="ch" forName="compNode" refType="w"/>
+          <dgm:constr type="h" for="ch" forName="sibTrans" refType="h" refFor="ch" refForName="compNode" fact="0.25"/>
+          <dgm:constr type="primFontSz" for="des" forName="parTx" val="22"/>
+          <dgm:constr type="primFontSz" for="des" forName="desTx" refType="primFontSz" refFor="des" refForName="parTx" op="lte" fact="0.75"/>
+          <dgm:constr type="h" for="des" forName="compNode" op="equ"/>
+          <dgm:constr type="h" for="des" forName="bgRect" op="equ"/>
+          <dgm:constr type="h" for="des" forName="iconRect" op="equ"/>
+          <dgm:constr type="w" for="des" forName="iconRect" op="equ"/>
+          <dgm:constr type="h" for="des" forName="spaceRect" op="equ"/>
+          <dgm:constr type="h" for="des" forName="parTx" op="equ"/>
+          <dgm:constr type="h" for="des" forName="desTx" op="equ"/>
+        </dgm:constrLst>
+      </dgm:if>
+      <dgm:if name="Name6" axis="ch" ptType="node" func="cnt" op="lte" val="6">
+        <dgm:constrLst>
+          <dgm:constr type="h" for="ch" forName="compNode" refType="h" fact="0.3"/>
+          <dgm:constr type="w" for="ch" forName="compNode" refType="w"/>
+          <dgm:constr type="h" for="ch" forName="sibTrans" refType="h" refFor="ch" refForName="compNode" fact="0.25"/>
+          <dgm:constr type="primFontSz" for="des" forName="parTx" val="19"/>
+          <dgm:constr type="primFontSz" for="des" forName="desTx" refType="primFontSz" refFor="des" refForName="parTx" op="lte" fact="0.75"/>
+          <dgm:constr type="h" for="des" forName="compNode" op="equ"/>
+          <dgm:constr type="h" for="des" forName="bgRect" op="equ"/>
+          <dgm:constr type="h" for="des" forName="iconRect" op="equ"/>
+          <dgm:constr type="w" for="des" forName="iconRect" op="equ"/>
+          <dgm:constr type="h" for="des" forName="spaceRect" op="equ"/>
+          <dgm:constr type="h" for="des" forName="parTx" op="equ"/>
+          <dgm:constr type="h" for="des" forName="desTx" op="equ"/>
+        </dgm:constrLst>
+      </dgm:if>
+      <dgm:else name="Name7">
+        <dgm:constrLst>
+          <dgm:constr type="h" for="ch" forName="compNode" refType="h" fact="0.3"/>
+          <dgm:constr type="w" for="ch" forName="compNode" refType="w"/>
+          <dgm:constr type="h" for="ch" forName="sibTrans" refType="h" refFor="ch" refForName="compNode" fact="0.25"/>
+          <dgm:constr type="primFontSz" for="des" forName="parTx" val="16"/>
+          <dgm:constr type="primFontSz" for="des" forName="desTx" refType="primFontSz" refFor="des" refForName="parTx" op="lte" fact="0.75"/>
+          <dgm:constr type="h" for="des" forName="compNode" op="equ"/>
+          <dgm:constr type="h" for="des" forName="bgRect" op="equ"/>
+          <dgm:constr type="h" for="des" forName="iconRect" op="equ"/>
+          <dgm:constr type="w" for="des" forName="iconRect" op="equ"/>
+          <dgm:constr type="h" for="des" forName="spaceRect" op="equ"/>
+          <dgm:constr type="h" for="des" forName="parTx" op="equ"/>
+          <dgm:constr type="h" for="des" forName="desTx" op="equ"/>
+        </dgm:constrLst>
+      </dgm:else>
+    </dgm:choose>
+    <dgm:ruleLst>
+      <dgm:rule type="h" for="ch" forName="compNode" val="0" fact="NaN" max="NaN"/>
+    </dgm:ruleLst>
+    <dgm:forEach name="Name8" axis="ch" ptType="node">
+      <dgm:layoutNode name="compNode">
+        <dgm:alg type="composite"/>
+        <dgm:shape xmlns:r="http://schemas.openxmlformats.org/officeDocument/2006/relationships" r:blip="">
+          <dgm:adjLst/>
+        </dgm:shape>
+        <dgm:presOf axis="self"/>
+        <dgm:choose name="Name9">
+          <dgm:if name="Name10" axis="ch" ptType="node" func="cnt" op="gte" val="1">
+            <dgm:constrLst>
+              <dgm:constr type="w" for="ch" forName="bgRect" refType="w"/>
+              <dgm:constr type="h" for="ch" forName="bgRect" refType="h"/>
+              <dgm:constr type="l" for="ch" forName="bgRect"/>
+              <dgm:constr type="t" for="ch" forName="bgRect"/>
+              <dgm:constr type="h" for="ch" forName="iconRect" refType="h" fact="0.55"/>
+              <dgm:constr type="w" for="ch" forName="iconRect" refType="h" refFor="ch" refForName="iconRect"/>
+              <dgm:constr type="l" for="ch" forName="iconRect" refType="h" refFor="ch" refForName="iconRect" fact="0.55"/>
+              <dgm:constr type="ctrY" for="ch" forName="iconRect" refType="ctrY" refFor="ch" refForName="bgRect"/>
+              <dgm:constr type="w" for="ch" forName="spaceRect" refType="l" refFor="ch" refForName="iconRect"/>
+              <dgm:constr type="h" for="ch" forName="spaceRect" refType="h"/>
+              <dgm:constr type="l" for="ch" forName="spaceRect" refType="r" refFor="ch" refForName="iconRect"/>
+              <dgm:constr type="t" for="ch" forName="spaceRect"/>
+              <dgm:constr type="w" for="ch" forName="parTx" refType="w" fact="0.45"/>
+              <dgm:constr type="h" for="ch" forName="parTx" refType="h"/>
+              <dgm:constr type="l" for="ch" forName="parTx" refType="r" refFor="ch" refForName="spaceRect"/>
+              <dgm:constr type="t" for="ch" forName="parTx"/>
+              <dgm:constr type="h" for="ch" forName="desTx" refType="h"/>
+              <dgm:constr type="l" for="ch" forName="desTx" refType="r" refFor="ch" refForName="parTx"/>
+              <dgm:constr type="t" for="ch" forName="desTx"/>
+            </dgm:constrLst>
+          </dgm:if>
+          <dgm:else name="Name11">
+            <dgm:constrLst>
+              <dgm:constr type="w" for="ch" forName="bgRect" refType="w"/>
+              <dgm:constr type="h" for="ch" forName="bgRect" refType="h"/>
+              <dgm:constr type="l" for="ch" forName="bgRect"/>
+              <dgm:constr type="t" for="ch" forName="bgRect"/>
+              <dgm:constr type="h" for="ch" forName="iconRect" refType="h" fact="0.55"/>
+              <dgm:constr type="w" for="ch" forName="iconRect" refType="h" refFor="ch" refForName="iconRect"/>
+              <dgm:constr type="l" for="ch" forName="iconRect" refType="h" refFor="ch" refForName="iconRect" fact="0.55"/>
+              <dgm:constr type="ctrY" for="ch" forName="iconRect" refType="ctrY" refFor="ch" refForName="bgRect"/>
+              <dgm:constr type="w" for="ch" forName="spaceRect" refType="l" refFor="ch" refForName="iconRect"/>
+              <dgm:constr type="h" for="ch" forName="spaceRect" refType="h"/>
+              <dgm:constr type="l" for="ch" forName="spaceRect" refType="r" refFor="ch" refForName="iconRect"/>
+              <dgm:constr type="t" for="ch" forName="spaceRect"/>
+              <dgm:constr type="h" for="ch" forName="parTx" refType="h"/>
+              <dgm:constr type="l" for="ch" forName="parTx" refType="r" refFor="ch" refForName="spaceRect"/>
+              <dgm:constr type="t" for="ch" forName="parTx"/>
+            </dgm:constrLst>
+          </dgm:else>
+        </dgm:choose>
+        <dgm:ruleLst>
+          <dgm:rule type="h" val="INF" fact="NaN" max="NaN"/>
+        </dgm:ruleLst>
+        <dgm:layoutNode name="bgRect" styleLbl="bgShp">
+          <dgm:alg type="sp"/>
+          <dgm:shape xmlns:r="http://schemas.openxmlformats.org/officeDocument/2006/relationships" type="roundRect" r:blip="">
+            <dgm:adjLst>
+              <dgm:adj idx="1" val="0.1"/>
+            </dgm:adjLst>
+          </dgm:shape>
+          <dgm:presOf/>
+          <dgm:constrLst/>
+          <dgm:ruleLst/>
+        </dgm:layoutNode>
+        <dgm:layoutNode name="iconRect" styleLbl="node1">
+          <dgm:alg type="sp"/>
+          <dgm:shape xmlns:r="http://schemas.openxmlformats.org/officeDocument/2006/relationships" type="rect" r:blip="" blipPhldr="1">
+            <dgm:adjLst/>
+          </dgm:shape>
+          <dgm:presOf/>
+          <dgm:constrLst/>
+          <dgm:ruleLst/>
+        </dgm:layoutNode>
+        <dgm:layoutNode name="spaceRect">
+          <dgm:alg type="sp"/>
+          <dgm:shape xmlns:r="http://schemas.openxmlformats.org/officeDocument/2006/relationships" r:blip="">
+            <dgm:adjLst/>
+          </dgm:shape>
+          <dgm:presOf/>
+          <dgm:constrLst/>
+          <dgm:ruleLst/>
+        </dgm:layoutNode>
+        <dgm:layoutNode name="parTx" styleLbl="revTx">
+          <dgm:varLst>
+            <dgm:chMax val="0"/>
+            <dgm:chPref val="0"/>
+          </dgm:varLst>
+          <dgm:alg type="tx">
+            <dgm:param type="txAnchorVert" val="mid"/>
+            <dgm:param type="parTxLTRAlign" val="l"/>
+            <dgm:param type="shpTxLTRAlignCh" val="l"/>
+            <dgm:param type="parTxRTLAlign" val="r"/>
+            <dgm:param type="shpTxRTLAlignCh" val="r"/>
+          </dgm:alg>
+          <dgm:shape xmlns:r="http://schemas.openxmlformats.org/officeDocument/2006/relationships" type="rect" r:blip="">
+            <dgm:adjLst/>
+          </dgm:shape>
+          <dgm:presOf axis="self" ptType="node"/>
+          <dgm:constrLst>
+            <dgm:constr type="lMarg" refType="h" fact="0.3"/>
+            <dgm:constr type="rMarg" refType="h" fact="0.3"/>
+            <dgm:constr type="tMarg" refType="h" fact="0.3"/>
+            <dgm:constr type="bMarg" refType="h" fact="0.3"/>
+          </dgm:constrLst>
+          <dgm:ruleLst>
+            <dgm:rule type="primFontSz" val="14" fact="NaN" max="NaN"/>
+            <dgm:rule type="h" val="INF" fact="NaN" max="NaN"/>
+          </dgm:ruleLst>
+        </dgm:layoutNode>
+        <dgm:choose name="Name12">
+          <dgm:if name="Name13" axis="ch" ptType="node" func="cnt" op="gte" val="1">
+            <dgm:layoutNode name="desTx" styleLbl="revTx">
+              <dgm:varLst/>
+              <dgm:alg type="tx">
+                <dgm:param type="txAnchorVertCh" val="mid"/>
+                <dgm:param type="parTxLTRAlign" val="l"/>
+                <dgm:param type="shpTxLTRAlignCh" val="l"/>
+                <dgm:param type="parTxRTLAlign" val="r"/>
+                <dgm:param type="shpTxRTLAlignCh" val="r"/>
+                <dgm:param type="stBulletLvl" val="0"/>
+              </dgm:alg>
+              <dgm:shape xmlns:r="http://schemas.openxmlformats.org/officeDocument/2006/relationships" type="rect" r:blip="">
+                <dgm:adjLst/>
+              </dgm:shape>
+              <dgm:presOf axis="des" ptType="node"/>
+              <dgm:constrLst>
+                <dgm:constr type="primFontSz" val="18"/>
+                <dgm:constr type="secFontSz" refType="primFontSz"/>
+                <dgm:constr type="lMarg" refType="h" fact="0.3"/>
+                <dgm:constr type="rMarg" refType="h" fact="0.3"/>
+                <dgm:constr type="tMarg" refType="h" fact="0.3"/>
+                <dgm:constr type="bMarg" refType="h" fact="0.3"/>
+              </dgm:constrLst>
+              <dgm:ruleLst>
+                <dgm:rule type="primFontSz" val="11" fact="NaN" max="NaN"/>
+              </dgm:ruleLst>
+            </dgm:layoutNode>
+          </dgm:if>
+          <dgm:else name="Name14"/>
+        </dgm:choose>
+      </dgm:layoutNode>
+      <dgm:forEach name="Name15" axis="followSib" ptType="sibTrans" cnt="1">
+        <dgm:layoutNode name="sibTrans">
+          <dgm:alg type="sp"/>
+          <dgm:shape xmlns:r="http://schemas.openxmlformats.org/officeDocument/2006/relationships" r:blip="">
+            <dgm:adjLst/>
+          </dgm:shape>
+          <dgm:presOf axis="self"/>
+          <dgm:constrLst/>
+          <dgm:ruleLst/>
+        </dgm:layoutNode>
+      </dgm:forEach>
+    </dgm:forEach>
+  </dgm:layoutNode>
+  <dgm:extLst>
+    <a:ext uri="{68A01E43-0DF5-4B5B-8FA6-DAF915123BFB}">
+      <dgm1612:lstStyle xmlns:dgm1612="http://schemas.microsoft.com/office/drawing/2016/12/diagram">
+        <a:lvl1pPr>
+          <a:lnSpc>
+            <a:spcPct val="100000"/>
+          </a:lnSpc>
+        </a:lvl1pPr>
+        <a:lvl2pPr>
+          <a:lnSpc>
+            <a:spcPct val="100000"/>
+          </a:lnSpc>
+        </a:lvl2pPr>
+      </dgm1612:lstStyle>
+    </a:ext>
+  </dgm:extLst>
+</dgm:layoutDef>
+</file>
+
 <file path=ppt/diagrams/quickStyle1.xml><?xml version="1.0" encoding="utf-8"?>
+<dgm:styleDef xmlns:dgm="http://schemas.openxmlformats.org/drawingml/2006/diagram" xmlns:a="http://schemas.openxmlformats.org/drawingml/2006/main" uniqueId="urn:microsoft.com/office/officeart/2005/8/quickstyle/simple4">
+  <dgm:title val=""/>
+  <dgm:desc val=""/>
+  <dgm:catLst>
+    <dgm:cat type="simple" pri="10400"/>
+  </dgm:catLst>
+  <dgm:scene3d>
+    <a:camera prst="orthographicFront"/>
+    <a:lightRig rig="threePt" dir="t"/>
+  </dgm:scene3d>
+  <dgm:styleLbl name="node0">
+    <dgm:scene3d>
+      <a:camera prst="orthographicFront"/>
+      <a:lightRig rig="threePt" dir="t"/>
+    </dgm:scene3d>
+    <dgm:sp3d/>
+    <dgm:txPr/>
+    <dgm:style>
+      <a:lnRef idx="0">
+        <a:scrgbClr r="0" g="0" b="0"/>
+      </a:lnRef>
+      <a:fillRef idx="3">
+        <a:scrgbClr r="0" g="0" b="0"/>
+      </a:fillRef>
+      <a:effectRef idx="2">
+        <a:scrgbClr r="0" g="0" b="0"/>
+      </a:effectRef>
+      <a:fontRef idx="minor">
+        <a:schemeClr val="lt1"/>
+      </a:fontRef>
+    </dgm:style>
+  </dgm:styleLbl>
+  <dgm:styleLbl name="lnNode1">
+    <dgm:scene3d>
+      <a:camera prst="orthographicFront"/>
+      <a:lightRig rig="threePt" dir="t"/>
+    </dgm:scene3d>
+    <dgm:sp3d/>
+    <dgm:txPr/>
+    <dgm:style>
+      <a:lnRef idx="1">
+        <a:scrgbClr r="0" g="0" b="0"/>
+      </a:lnRef>
+      <a:fillRef idx="3">
+        <a:scrgbClr r="0" g="0" b="0"/>
+      </a:fillRef>
+      <a:effectRef idx="2">
+        <a:scrgbClr r="0" g="0" b="0"/>
+      </a:effectRef>
+      <a:fontRef idx="minor">
+        <a:schemeClr val="lt1"/>
+      </a:fontRef>
+    </dgm:style>
+  </dgm:styleLbl>
+  <dgm:styleLbl name="vennNode1">
+    <dgm:scene3d>
+      <a:camera prst="orthographicFront"/>
+      <a:lightRig rig="threePt" dir="t"/>
+    </dgm:scene3d>
+    <dgm:sp3d/>
+    <dgm:txPr/>
+    <dgm:style>
+      <a:lnRef idx="0">
+        <a:scrgbClr r="0" g="0" b="0"/>
+      </a:lnRef>
+      <a:fillRef idx="3">
+        <a:scrgbClr r="0" g="0" b="0"/>
+      </a:fillRef>
+      <a:effectRef idx="0">
+        <a:scrgbClr r="0" g="0" b="0"/>
+      </a:effectRef>
+      <a:fontRef idx="minor">
+        <a:schemeClr val="tx1"/>
+      </a:fontRef>
+    </dgm:style>
+  </dgm:styleLbl>
+  <dgm:styleLbl name="alignNode1">
+    <dgm:scene3d>
+      <a:camera prst="orthographicFront"/>
+      <a:lightRig rig="threePt" dir="t"/>
+    </dgm:scene3d>
+    <dgm:sp3d/>
+    <dgm:txPr/>
+    <dgm:style>
+      <a:lnRef idx="1">
+        <a:scrgbClr r="0" g="0" b="0"/>
+      </a:lnRef>
+      <a:fillRef idx="3">
+        <a:scrgbClr r="0" g="0" b="0"/>
+      </a:fillRef>
+      <a:effectRef idx="2">
+        <a:scrgbClr r="0" g="0" b="0"/>
+      </a:effectRef>
+      <a:fontRef idx="minor">
+        <a:schemeClr val="lt1"/>
+      </a:fontRef>
+    </dgm:style>
+  </dgm:styleLbl>
+  <dgm:styleLbl name="node1">
+    <dgm:scene3d>
+      <a:camera prst="orthographicFront"/>
+      <a:lightRig rig="threePt" dir="t"/>
+    </dgm:scene3d>
+    <dgm:sp3d/>
+    <dgm:txPr/>
+    <dgm:style>
+      <a:lnRef idx="0">
+        <a:scrgbClr r="0" g="0" b="0"/>
+      </a:lnRef>
+      <a:fillRef idx="3">
+        <a:scrgbClr r="0" g="0" b="0"/>
+      </a:fillRef>
+      <a:effectRef idx="2">
+        <a:scrgbClr r="0" g="0" b="0"/>
+      </a:effectRef>
+      <a:fontRef idx="minor">
+        <a:schemeClr val="lt1"/>
+      </a:fontRef>
+    </dgm:style>
+  </dgm:styleLbl>
+  <dgm:styleLbl name="node2">
+    <dgm:scene3d>
+      <a:camera prst="orthographicFront"/>
+      <a:lightRig rig="threePt" dir="t"/>
+    </dgm:scene3d>
+    <dgm:sp3d/>
+    <dgm:txPr/>
+    <dgm:style>
+      <a:lnRef idx="0">
+        <a:scrgbClr r="0" g="0" b="0"/>
+      </a:lnRef>
+      <a:fillRef idx="3">
+        <a:scrgbClr r="0" g="0" b="0"/>
+      </a:fillRef>
+      <a:effectRef idx="2">
+        <a:scrgbClr r="0" g="0" b="0"/>
+      </a:effectRef>
+      <a:fontRef idx="minor">
+        <a:schemeClr val="lt1"/>
+      </a:fontRef>
+    </dgm:style>
+  </dgm:styleLbl>
+  <dgm:styleLbl name="node3">
+    <dgm:scene3d>
+      <a:camera prst="orthographicFront"/>
+      <a:lightRig rig="threePt" dir="t"/>
+    </dgm:scene3d>
+    <dgm:sp3d/>
+    <dgm:txPr/>
+    <dgm:style>
+      <a:lnRef idx="0">
+        <a:scrgbClr r="0" g="0" b="0"/>
+      </a:lnRef>
+      <a:fillRef idx="3">
+        <a:scrgbClr r="0" g="0" b="0"/>
+      </a:fillRef>
+      <a:effectRef idx="2">
+        <a:scrgbClr r="0" g="0" b="0"/>
+      </a:effectRef>
+      <a:fontRef idx="minor">
+        <a:schemeClr val="lt1"/>
+      </a:fontRef>
+    </dgm:style>
+  </dgm:styleLbl>
+  <dgm:styleLbl name="node4">
+    <dgm:scene3d>
+      <a:camera prst="orthographicFront"/>
+      <a:lightRig rig="threePt" dir="t"/>
+    </dgm:scene3d>
+    <dgm:sp3d/>
+    <dgm:txPr/>
+    <dgm:style>
+      <a:lnRef idx="0">
+        <a:scrgbClr r="0" g="0" b="0"/>
+      </a:lnRef>
+      <a:fillRef idx="3">
+        <a:scrgbClr r="0" g="0" b="0"/>
+      </a:fillRef>
+      <a:effectRef idx="2">
+        <a:scrgbClr r="0" g="0" b="0"/>
+      </a:effectRef>
+      <a:fontRef idx="minor">
+        <a:schemeClr val="lt1"/>
+      </a:fontRef>
+    </dgm:style>
+  </dgm:styleLbl>
+  <dgm:styleLbl name="fgImgPlace1">
+    <dgm:scene3d>
+      <a:camera prst="orthographicFront"/>
+      <a:lightRig rig="threePt" dir="t"/>
+    </dgm:scene3d>
+    <dgm:sp3d/>
+    <dgm:txPr/>
+    <dgm:style>
+      <a:lnRef idx="0">
+        <a:scrgbClr r="0" g="0" b="0"/>
+      </a:lnRef>
+      <a:fillRef idx="1">
+        <a:scrgbClr r="0" g="0" b="0"/>
+      </a:fillRef>
+      <a:effectRef idx="2">
+        <a:scrgbClr r="0" g="0" b="0"/>
+      </a:effectRef>
+      <a:fontRef idx="minor"/>
+    </dgm:style>
+  </dgm:styleLbl>
+  <dgm:styleLbl name="alignImgPlace1">
+    <dgm:scene3d>
+      <a:camera prst="orthographicFront"/>
+      <a:lightRig rig="threePt" dir="t"/>
+    </dgm:scene3d>
+    <dgm:sp3d/>
+    <dgm:txPr/>
+    <dgm:style>
+      <a:lnRef idx="0">
+        <a:scrgbClr r="0" g="0" b="0"/>
+      </a:lnRef>
+      <a:fillRef idx="1">
+        <a:scrgbClr r="0" g="0" b="0"/>
+      </a:fillRef>
+      <a:effectRef idx="2">
+        <a:scrgbClr r="0" g="0" b="0"/>
+      </a:effectRef>
+      <a:fontRef idx="minor"/>
+    </dgm:style>
+  </dgm:styleLbl>
+  <dgm:styleLbl name="bgImgPlace1">
+    <dgm:scene3d>
+      <a:camera prst="orthographicFront"/>
+      <a:lightRig rig="threePt" dir="t"/>
+    </dgm:scene3d>
+    <dgm:sp3d/>
+    <dgm:txPr/>
+    <dgm:style>
+      <a:lnRef idx="0">
+        <a:scrgbClr r="0" g="0" b="0"/>
+      </a:lnRef>
+      <a:fillRef idx="1">
+        <a:scrgbClr r="0" g="0" b="0"/>
+      </a:fillRef>
+      <a:effectRef idx="2">
+        <a:scrgbClr r="0" g="0" b="0"/>
+      </a:effectRef>
+      <a:fontRef idx="minor"/>
+    </dgm:style>
+  </dgm:styleLbl>
+  <dgm:styleLbl name="sibTrans2D1">
+    <dgm:scene3d>
+      <a:camera prst="orthographicFront"/>
+      <a:lightRig rig="threePt" dir="t"/>
+    </dgm:scene3d>
+    <dgm:sp3d/>
+    <dgm:txPr/>
+    <dgm:style>
+      <a:lnRef idx="0">
+        <a:scrgbClr r="0" g="0" b="0"/>
+      </a:lnRef>
+      <a:fillRef idx="3">
+        <a:scrgbClr r="0" g="0" b="0"/>
+      </a:fillRef>
+      <a:effectRef idx="2">
+        <a:scrgbClr r="0" g="0" b="0"/>
+      </a:effectRef>
+      <a:fontRef idx="minor">
+        <a:schemeClr val="lt1"/>
+      </a:fontRef>
+    </dgm:style>
+  </dgm:styleLbl>
+  <dgm:styleLbl name="fgSibTrans2D1">
+    <dgm:scene3d>
+      <a:camera prst="orthographicFront"/>
+      <a:lightRig rig="threePt" dir="t"/>
+    </dgm:scene3d>
+    <dgm:sp3d/>
+    <dgm:txPr/>
+    <dgm:style>
+      <a:lnRef idx="0">
+        <a:scrgbClr r="0" g="0" b="0"/>
+      </a:lnRef>
+      <a:fillRef idx="3">
+        <a:scrgbClr r="0" g="0" b="0"/>
+      </a:fillRef>
+      <a:effectRef idx="2">
+        <a:scrgbClr r="0" g="0" b="0"/>
+      </a:effectRef>
+      <a:fontRef idx="minor">
+        <a:schemeClr val="lt1"/>
+      </a:fontRef>
+    </dgm:style>
+  </dgm:styleLbl>
+  <dgm:styleLbl name="bgSibTrans2D1">
+    <dgm:scene3d>
+      <a:camera prst="orthographicFront"/>
+      <a:lightRig rig="threePt" dir="t"/>
+    </dgm:scene3d>
+    <dgm:sp3d/>
+    <dgm:txPr/>
+    <dgm:style>
+      <a:lnRef idx="0">
+        <a:scrgbClr r="0" g="0" b="0"/>
+      </a:lnRef>
+      <a:fillRef idx="3">
+        <a:scrgbClr r="0" g="0" b="0"/>
+      </a:fillRef>
+      <a:effectRef idx="2">
+        <a:scrgbClr r="0" g="0" b="0"/>
+      </a:effectRef>
+      <a:fontRef idx="minor">
+        <a:schemeClr val="lt1"/>
+      </a:fontRef>
+    </dgm:style>
+  </dgm:styleLbl>
+  <dgm:styleLbl name="sibTrans1D1">
+    <dgm:scene3d>
+      <a:camera prst="orthographicFront"/>
+      <a:lightRig rig="threePt" dir="t"/>
+    </dgm:scene3d>
+    <dgm:sp3d/>
+    <dgm:txPr/>
+    <dgm:style>
+      <a:lnRef idx="1">
+        <a:scrgbClr r="0" g="0" b="0"/>
+      </a:lnRef>
+      <a:fillRef idx="0">
+        <a:scrgbClr r="0" g="0" b="0"/>
+      </a:fillRef>
+      <a:effectRef idx="0">
+        <a:scrgbClr r="0" g="0" b="0"/>
+      </a:effectRef>
+      <a:fontRef idx="minor"/>
+    </dgm:style>
+  </dgm:styleLbl>
+  <dgm:styleLbl name="callout">
+    <dgm:scene3d>
+      <a:camera prst="orthographicFront"/>
+      <a:lightRig rig="threePt" dir="t"/>
+    </dgm:scene3d>
+    <dgm:sp3d/>
+    <dgm:txPr/>
+    <dgm:style>
+      <a:lnRef idx="2">
+        <a:scrgbClr r="0" g="0" b="0"/>
+      </a:lnRef>
+      <a:fillRef idx="1">
+        <a:scrgbClr r="0" g="0" b="0"/>
+      </a:fillRef>
+      <a:effectRef idx="1">
+        <a:scrgbClr r="0" g="0" b="0"/>
+      </a:effectRef>
+      <a:fontRef idx="minor"/>
+    </dgm:style>
+  </dgm:styleLbl>
+  <dgm:styleLbl name="asst0">
+    <dgm:scene3d>
+      <a:camera prst="orthographicFront"/>
+      <a:lightRig rig="threePt" dir="t"/>
+    </dgm:scene3d>
+    <dgm:sp3d/>
+    <dgm:txPr/>
+    <dgm:style>
+      <a:lnRef idx="0">
+        <a:scrgbClr r="0" g="0" b="0"/>
+      </a:lnRef>
+      <a:fillRef idx="3">
+        <a:scrgbClr r="0" g="0" b="0"/>
+      </a:fillRef>
+      <a:effectRef idx="2">
+        <a:scrgbClr r="0" g="0" b="0"/>
+      </a:effectRef>
+      <a:fontRef idx="minor">
+        <a:schemeClr val="lt1"/>
+      </a:fontRef>
+    </dgm:style>
+  </dgm:styleLbl>
+  <dgm:styleLbl name="asst1">
+    <dgm:scene3d>
+      <a:camera prst="orthographicFront"/>
+      <a:lightRig rig="threePt" dir="t"/>
+    </dgm:scene3d>
+    <dgm:sp3d/>
+    <dgm:txPr/>
+    <dgm:style>
+      <a:lnRef idx="0">
+        <a:scrgbClr r="0" g="0" b="0"/>
+      </a:lnRef>
+      <a:fillRef idx="3">
+        <a:scrgbClr r="0" g="0" b="0"/>
+      </a:fillRef>
+      <a:effectRef idx="2">
+        <a:scrgbClr r="0" g="0" b="0"/>
+      </a:effectRef>
+      <a:fontRef idx="minor">
+        <a:schemeClr val="lt1"/>
+      </a:fontRef>
+    </dgm:style>
+  </dgm:styleLbl>
+  <dgm:styleLbl name="asst2">
+    <dgm:scene3d>
+      <a:camera prst="orthographicFront"/>
+      <a:lightRig rig="threePt" dir="t"/>
+    </dgm:scene3d>
+    <dgm:sp3d/>
+    <dgm:txPr/>
+    <dgm:style>
+      <a:lnRef idx="0">
+        <a:scrgbClr r="0" g="0" b="0"/>
+      </a:lnRef>
+      <a:fillRef idx="3">
+        <a:scrgbClr r="0" g="0" b="0"/>
+      </a:fillRef>
+      <a:effectRef idx="2">
+        <a:scrgbClr r="0" g="0" b="0"/>
+      </a:effectRef>
+      <a:fontRef idx="minor">
+        <a:schemeClr val="lt1"/>
+      </a:fontRef>
+    </dgm:style>
+  </dgm:styleLbl>
+  <dgm:styleLbl name="asst3">
+    <dgm:scene3d>
+      <a:camera prst="orthographicFront"/>
+      <a:lightRig rig="threePt" dir="t"/>
+    </dgm:scene3d>
+    <dgm:sp3d/>
+    <dgm:txPr/>
+    <dgm:style>
+      <a:lnRef idx="0">
+        <a:scrgbClr r="0" g="0" b="0"/>
+      </a:lnRef>
+      <a:fillRef idx="3">
+        <a:scrgbClr r="0" g="0" b="0"/>
+      </a:fillRef>
+      <a:effectRef idx="2">
+        <a:scrgbClr r="0" g="0" b="0"/>
+      </a:effectRef>
+      <a:fontRef idx="minor">
+        <a:schemeClr val="lt1"/>
+      </a:fontRef>
+    </dgm:style>
+  </dgm:styleLbl>
+  <dgm:styleLbl name="asst4">
+    <dgm:scene3d>
+      <a:camera prst="orthographicFront"/>
+      <a:lightRig rig="threePt" dir="t"/>
+    </dgm:scene3d>
+    <dgm:sp3d/>
+    <dgm:txPr/>
+    <dgm:style>
+      <a:lnRef idx="0">
+        <a:scrgbClr r="0" g="0" b="0"/>
+      </a:lnRef>
+      <a:fillRef idx="3">
+        <a:scrgbClr r="0" g="0" b="0"/>
+      </a:fillRef>
+      <a:effectRef idx="2">
+        <a:scrgbClr r="0" g="0" b="0"/>
+      </a:effectRef>
+      <a:fontRef idx="minor">
+        <a:schemeClr val="lt1"/>
+      </a:fontRef>
+    </dgm:style>
+  </dgm:styleLbl>
+  <dgm:styleLbl name="parChTrans2D1">
+    <dgm:scene3d>
+      <a:camera prst="orthographicFront"/>
+      <a:lightRig rig="threePt" dir="t"/>
+    </dgm:scene3d>
+    <dgm:sp3d/>
+    <dgm:txPr/>
+    <dgm:style>
+      <a:lnRef idx="0">
+        <a:scrgbClr r="0" g="0" b="0"/>
+      </a:lnRef>
+      <a:fillRef idx="3">
+        <a:scrgbClr r="0" g="0" b="0"/>
+      </a:fillRef>
+      <a:effectRef idx="2">
+        <a:scrgbClr r="0" g="0" b="0"/>
+      </a:effectRef>
+      <a:fontRef idx="minor">
+        <a:schemeClr val="lt1"/>
+      </a:fontRef>
+    </dgm:style>
+  </dgm:styleLbl>
+  <dgm:styleLbl name="parChTrans2D2">
+    <dgm:scene3d>
+      <a:camera prst="orthographicFront"/>
+      <a:lightRig rig="threePt" dir="t"/>
+    </dgm:scene3d>
+    <dgm:sp3d/>
+    <dgm:txPr/>
+    <dgm:style>
+      <a:lnRef idx="0">
+        <a:scrgbClr r="0" g="0" b="0"/>
+      </a:lnRef>
+      <a:fillRef idx="3">
+        <a:scrgbClr r="0" g="0" b="0"/>
+      </a:fillRef>
+      <a:effectRef idx="2">
+        <a:scrgbClr r="0" g="0" b="0"/>
+      </a:effectRef>
+      <a:fontRef idx="minor">
+        <a:schemeClr val="lt1"/>
+      </a:fontRef>
+    </dgm:style>
+  </dgm:styleLbl>
+  <dgm:styleLbl name="parChTrans2D3">
+    <dgm:scene3d>
+      <a:camera prst="orthographicFront"/>
+      <a:lightRig rig="threePt" dir="t"/>
+    </dgm:scene3d>
+    <dgm:sp3d/>
+    <dgm:txPr/>
+    <dgm:style>
+      <a:lnRef idx="1">
+        <a:scrgbClr r="0" g="0" b="0"/>
+      </a:lnRef>
+      <a:fillRef idx="3">
+        <a:scrgbClr r="0" g="0" b="0"/>
+      </a:fillRef>
+      <a:effectRef idx="2">
+        <a:scrgbClr r="0" g="0" b="0"/>
+      </a:effectRef>
+      <a:fontRef idx="minor">
+        <a:schemeClr val="lt1"/>
+      </a:fontRef>
+    </dgm:style>
+  </dgm:styleLbl>
+  <dgm:styleLbl name="parChTrans2D4">
+    <dgm:scene3d>
+      <a:camera prst="orthographicFront"/>
+      <a:lightRig rig="threePt" dir="t"/>
+    </dgm:scene3d>
+    <dgm:sp3d/>
+    <dgm:txPr/>
+    <dgm:style>
+      <a:lnRef idx="1">
+        <a:scrgbClr r="0" g="0" b="0"/>
+      </a:lnRef>
+      <a:fillRef idx="3">
+        <a:scrgbClr r="0" g="0" b="0"/>
+      </a:fillRef>
+      <a:effectRef idx="2">
+        <a:scrgbClr r="0" g="0" b="0"/>
+      </a:effectRef>
+      <a:fontRef idx="minor">
+        <a:schemeClr val="lt1"/>
+      </a:fontRef>
+    </dgm:style>
+  </dgm:styleLbl>
+  <dgm:styleLbl name="parChTrans1D1">
+    <dgm:scene3d>
+      <a:camera prst="orthographicFront"/>
+      <a:lightRig rig="threePt" dir="t"/>
+    </dgm:scene3d>
+    <dgm:sp3d/>
+    <dgm:txPr/>
+    <dgm:style>
+      <a:lnRef idx="1">
+        <a:scrgbClr r="0" g="0" b="0"/>
+      </a:lnRef>
+      <a:fillRef idx="0">
+        <a:scrgbClr r="0" g="0" b="0"/>
+      </a:fillRef>
+      <a:effectRef idx="0">
+        <a:scrgbClr r="0" g="0" b="0"/>
+      </a:effectRef>
+      <a:fontRef idx="minor"/>
+    </dgm:style>
+  </dgm:styleLbl>
+  <dgm:styleLbl name="parChTrans1D2">
+    <dgm:scene3d>
+      <a:camera prst="orthographicFront"/>
+      <a:lightRig rig="threePt" dir="t"/>
+    </dgm:scene3d>
+    <dgm:sp3d/>
+    <dgm:txPr/>
+    <dgm:style>
+      <a:lnRef idx="1">
+        <a:scrgbClr r="0" g="0" b="0"/>
+      </a:lnRef>
+      <a:fillRef idx="0">
+        <a:scrgbClr r="0" g="0" b="0"/>
+      </a:fillRef>
+      <a:effectRef idx="0">
+        <a:scrgbClr r="0" g="0" b="0"/>
+      </a:effectRef>
+      <a:fontRef idx="minor"/>
+    </dgm:style>
+  </dgm:styleLbl>
+  <dgm:styleLbl name="parChTrans1D3">
+    <dgm:scene3d>
+      <a:camera prst="orthographicFront"/>
+      <a:lightRig rig="threePt" dir="t"/>
+    </dgm:scene3d>
+    <dgm:sp3d/>
+    <dgm:txPr/>
+    <dgm:style>
+      <a:lnRef idx="1">
+        <a:scrgbClr r="0" g="0" b="0"/>
+      </a:lnRef>
+      <a:fillRef idx="0">
+        <a:scrgbClr r="0" g="0" b="0"/>
+      </a:fillRef>
+      <a:effectRef idx="0">
+        <a:scrgbClr r="0" g="0" b="0"/>
+      </a:effectRef>
+      <a:fontRef idx="minor"/>
+    </dgm:style>
+  </dgm:styleLbl>
+  <dgm:styleLbl name="parChTrans1D4">
+    <dgm:scene3d>
+      <a:camera prst="orthographicFront"/>
+      <a:lightRig rig="threePt" dir="t"/>
+    </dgm:scene3d>
+    <dgm:sp3d/>
+    <dgm:txPr/>
+    <dgm:style>
+      <a:lnRef idx="1">
+        <a:scrgbClr r="0" g="0" b="0"/>
+      </a:lnRef>
+      <a:fillRef idx="0">
+        <a:scrgbClr r="0" g="0" b="0"/>
+      </a:fillRef>
+      <a:effectRef idx="0">
+        <a:scrgbClr r="0" g="0" b="0"/>
+      </a:effectRef>
+      <a:fontRef idx="minor"/>
+    </dgm:style>
+  </dgm:styleLbl>
+  <dgm:styleLbl name="fgAcc1">
+    <dgm:scene3d>
+      <a:camera prst="orthographicFront"/>
+      <a:lightRig rig="threePt" dir="t"/>
+    </dgm:scene3d>
+    <dgm:sp3d/>
+    <dgm:txPr/>
+    <dgm:style>
+      <a:lnRef idx="1">
+        <a:scrgbClr r="0" g="0" b="0"/>
+      </a:lnRef>
+      <a:fillRef idx="1">
+        <a:scrgbClr r="0" g="0" b="0"/>
+      </a:fillRef>
+      <a:effectRef idx="0">
+        <a:scrgbClr r="0" g="0" b="0"/>
+      </a:effectRef>
+      <a:fontRef idx="minor"/>
+    </dgm:style>
+  </dgm:styleLbl>
+  <dgm:styleLbl name="conFgAcc1">
+    <dgm:scene3d>
+      <a:camera prst="orthographicFront"/>
+      <a:lightRig rig="threePt" dir="t"/>
+    </dgm:scene3d>
+    <dgm:sp3d/>
+    <dgm:txPr/>
+    <dgm:style>
+      <a:lnRef idx="1">
+        <a:scrgbClr r="0" g="0" b="0"/>
+      </a:lnRef>
+      <a:fillRef idx="1">
+        <a:scrgbClr r="0" g="0" b="0"/>
+      </a:fillRef>
+      <a:effectRef idx="0">
+        <a:scrgbClr r="0" g="0" b="0"/>
+      </a:effectRef>
+      <a:fontRef idx="minor"/>
+    </dgm:style>
+  </dgm:styleLbl>
+  <dgm:styleLbl name="alignAcc1">
+    <dgm:scene3d>
+      <a:camera prst="orthographicFront"/>
+      <a:lightRig rig="threePt" dir="t"/>
+    </dgm:scene3d>
+    <dgm:sp3d/>
+    <dgm:txPr/>
+    <dgm:style>
+      <a:lnRef idx="1">
+        <a:scrgbClr r="0" g="0" b="0"/>
+      </a:lnRef>
+      <a:fillRef idx="1">
+        <a:scrgbClr r="0" g="0" b="0"/>
+      </a:fillRef>
+      <a:effectRef idx="0">
+        <a:scrgbClr r="0" g="0" b="0"/>
+      </a:effectRef>
+      <a:fontRef idx="minor"/>
+    </dgm:style>
+  </dgm:styleLbl>
+  <dgm:styleLbl name="trAlignAcc1">
+    <dgm:scene3d>
+      <a:camera prst="orthographicFront"/>
+      <a:lightRig rig="threePt" dir="t"/>
+    </dgm:scene3d>
+    <dgm:sp3d/>
+    <dgm:txPr/>
+    <dgm:style>
+      <a:lnRef idx="1">
+        <a:scrgbClr r="0" g="0" b="0"/>
+      </a:lnRef>
+      <a:fillRef idx="1">
+        <a:scrgbClr r="0" g="0" b="0"/>
+      </a:fillRef>
+      <a:effectRef idx="0">
+        <a:scrgbClr r="0" g="0" b="0"/>
+      </a:effectRef>
+      <a:fontRef idx="minor"/>
+    </dgm:style>
+  </dgm:styleLbl>
+  <dgm:styleLbl name="bgAcc1">
+    <dgm:scene3d>
+      <a:camera prst="orthographicFront"/>
+      <a:lightRig rig="threePt" dir="t"/>
+    </dgm:scene3d>
+    <dgm:sp3d/>
+    <dgm:txPr/>
+    <dgm:style>
+      <a:lnRef idx="1">
+        <a:scrgbClr r="0" g="0" b="0"/>
+      </a:lnRef>
+      <a:fillRef idx="1">
+        <a:scrgbClr r="0" g="0" b="0"/>
+      </a:fillRef>
+      <a:effectRef idx="0">
+        <a:scrgbClr r="0" g="0" b="0"/>
+      </a:effectRef>
+      <a:fontRef idx="minor"/>
+    </dgm:style>
+  </dgm:styleLbl>
+  <dgm:styleLbl name="solidFgAcc1">
+    <dgm:scene3d>
+      <a:camera prst="orthographicFront"/>
+      <a:lightRig rig="threePt" dir="t"/>
+    </dgm:scene3d>
+    <dgm:sp3d/>
+    <dgm:txPr/>
+    <dgm:style>
+      <a:lnRef idx="1">
+        <a:scrgbClr r="0" g="0" b="0"/>
+      </a:lnRef>
+      <a:fillRef idx="1">
+        <a:scrgbClr r="0" g="0" b="0"/>
+      </a:fillRef>
+      <a:effectRef idx="0">
+        <a:scrgbClr r="0" g="0" b="0"/>
+      </a:effectRef>
+      <a:fontRef idx="minor"/>
+    </dgm:style>
+  </dgm:styleLbl>
+  <dgm:styleLbl name="solidAlignAcc1">
+    <dgm:scene3d>
+      <a:camera prst="orthographicFront"/>
+      <a:lightRig rig="threePt" dir="t"/>
+    </dgm:scene3d>
+    <dgm:sp3d/>
+    <dgm:txPr/>
+    <dgm:style>
+      <a:lnRef idx="1">
+        <a:scrgbClr r="0" g="0" b="0"/>
+      </a:lnRef>
+      <a:fillRef idx="1">
+        <a:scrgbClr r="0" g="0" b="0"/>
+      </a:fillRef>
+      <a:effectRef idx="0">
+        <a:scrgbClr r="0" g="0" b="0"/>
+      </a:effectRef>
+      <a:fontRef idx="minor"/>
+    </dgm:style>
+  </dgm:styleLbl>
+  <dgm:styleLbl name="solidBgAcc1">
+    <dgm:scene3d>
+      <a:camera prst="orthographicFront"/>
+      <a:lightRig rig="threePt" dir="t"/>
+    </dgm:scene3d>
+    <dgm:sp3d/>
+    <dgm:txPr/>
+    <dgm:style>
+      <a:lnRef idx="1">
+        <a:scrgbClr r="0" g="0" b="0"/>
+      </a:lnRef>
+      <a:fillRef idx="1">
+        <a:scrgbClr r="0" g="0" b="0"/>
+      </a:fillRef>
+      <a:effectRef idx="0">
+        <a:scrgbClr r="0" g="0" b="0"/>
+      </a:effectRef>
+      <a:fontRef idx="minor"/>
+    </dgm:style>
+  </dgm:styleLbl>
+  <dgm:styleLbl name="fgAccFollowNode1">
+    <dgm:scene3d>
+      <a:camera prst="orthographicFront"/>
+      <a:lightRig rig="threePt" dir="t"/>
+    </dgm:scene3d>
+    <dgm:sp3d/>
+    <dgm:txPr/>
+    <dgm:style>
+      <a:lnRef idx="1">
+        <a:scrgbClr r="0" g="0" b="0"/>
+      </a:lnRef>
+      <a:fillRef idx="1">
+        <a:scrgbClr r="0" g="0" b="0"/>
+      </a:fillRef>
+      <a:effectRef idx="0">
+        <a:scrgbClr r="0" g="0" b="0"/>
+      </a:effectRef>
+      <a:fontRef idx="minor"/>
+    </dgm:style>
+  </dgm:styleLbl>
+  <dgm:styleLbl name="alignAccFollowNode1">
+    <dgm:scene3d>
+      <a:camera prst="orthographicFront"/>
+      <a:lightRig rig="threePt" dir="t"/>
+    </dgm:scene3d>
+    <dgm:sp3d/>
+    <dgm:txPr/>
+    <dgm:style>
+      <a:lnRef idx="1">
+        <a:scrgbClr r="0" g="0" b="0"/>
+      </a:lnRef>
+      <a:fillRef idx="1">
+        <a:scrgbClr r="0" g="0" b="0"/>
+      </a:fillRef>
+      <a:effectRef idx="0">
+        <a:scrgbClr r="0" g="0" b="0"/>
+      </a:effectRef>
+      <a:fontRef idx="minor"/>
+    </dgm:style>
+  </dgm:styleLbl>
+  <dgm:styleLbl name="bgAccFollowNode1">
+    <dgm:scene3d>
+      <a:camera prst="orthographicFront"/>
+      <a:lightRig rig="threePt" dir="t"/>
+    </dgm:scene3d>
+    <dgm:sp3d/>
+    <dgm:txPr/>
+    <dgm:style>
+      <a:lnRef idx="1">
+        <a:scrgbClr r="0" g="0" b="0"/>
+      </a:lnRef>
+      <a:fillRef idx="1">
+        <a:scrgbClr r="0" g="0" b="0"/>
+      </a:fillRef>
+      <a:effectRef idx="0">
+        <a:scrgbClr r="0" g="0" b="0"/>
+      </a:effectRef>
+      <a:fontRef idx="minor"/>
+    </dgm:style>
+  </dgm:styleLbl>
+  <dgm:styleLbl name="fgAcc0">
+    <dgm:scene3d>
+      <a:camera prst="orthographicFront"/>
+      <a:lightRig rig="threePt" dir="t"/>
+    </dgm:scene3d>
+    <dgm:sp3d/>
+    <dgm:txPr/>
+    <dgm:style>
+      <a:lnRef idx="1">
+        <a:scrgbClr r="0" g="0" b="0"/>
+      </a:lnRef>
+      <a:fillRef idx="1">
+        <a:scrgbClr r="0" g="0" b="0"/>
+      </a:fillRef>
+      <a:effectRef idx="0">
+        <a:scrgbClr r="0" g="0" b="0"/>
+      </a:effectRef>
+      <a:fontRef idx="minor"/>
+    </dgm:style>
+  </dgm:styleLbl>
+  <dgm:styleLbl name="fgAcc2">
+    <dgm:scene3d>
+      <a:camera prst="orthographicFront"/>
+      <a:lightRig rig="threePt" dir="t"/>
+    </dgm:scene3d>
+    <dgm:sp3d/>
+    <dgm:txPr/>
+    <dgm:style>
+      <a:lnRef idx="1">
+        <a:scrgbClr r="0" g="0" b="0"/>
+      </a:lnRef>
+      <a:fillRef idx="1">
+        <a:scrgbClr r="0" g="0" b="0"/>
+      </a:fillRef>
+      <a:effectRef idx="0">
+        <a:scrgbClr r="0" g="0" b="0"/>
+      </a:effectRef>
+      <a:fontRef idx="minor"/>
+    </dgm:style>
+  </dgm:styleLbl>
+  <dgm:styleLbl name="fgAcc3">
+    <dgm:scene3d>
+      <a:camera prst="orthographicFront"/>
+      <a:lightRig rig="threePt" dir="t"/>
+    </dgm:scene3d>
+    <dgm:sp3d/>
+    <dgm:txPr/>
+    <dgm:style>
+      <a:lnRef idx="1">
+        <a:scrgbClr r="0" g="0" b="0"/>
+      </a:lnRef>
+      <a:fillRef idx="1">
+        <a:scrgbClr r="0" g="0" b="0"/>
+      </a:fillRef>
+      <a:effectRef idx="0">
+        <a:scrgbClr r="0" g="0" b="0"/>
+      </a:effectRef>
+      <a:fontRef idx="minor"/>
+    </dgm:style>
+  </dgm:styleLbl>
+  <dgm:styleLbl name="fgAcc4">
+    <dgm:scene3d>
+      <a:camera prst="orthographicFront"/>
+      <a:lightRig rig="threePt" dir="t"/>
+    </dgm:scene3d>
+    <dgm:sp3d/>
+    <dgm:txPr/>
+    <dgm:style>
+      <a:lnRef idx="1">
+        <a:scrgbClr r="0" g="0" b="0"/>
+      </a:lnRef>
+      <a:fillRef idx="1">
+        <a:scrgbClr r="0" g="0" b="0"/>
+      </a:fillRef>
+      <a:effectRef idx="0">
+        <a:scrgbClr r="0" g="0" b="0"/>
+      </a:effectRef>
+      <a:fontRef idx="minor"/>
+    </dgm:style>
+  </dgm:styleLbl>
+  <dgm:styleLbl name="bgShp">
+    <dgm:scene3d>
+      <a:camera prst="orthographicFront"/>
+      <a:lightRig rig="threePt" dir="t"/>
+    </dgm:scene3d>
+    <dgm:sp3d/>
+    <dgm:txPr/>
+    <dgm:style>
+      <a:lnRef idx="0">
+        <a:scrgbClr r="0" g="0" b="0"/>
+      </a:lnRef>
+      <a:fillRef idx="1">
+        <a:scrgbClr r="0" g="0" b="0"/>
+      </a:fillRef>
+      <a:effectRef idx="2">
+        <a:scrgbClr r="0" g="0" b="0"/>
+      </a:effectRef>
+      <a:fontRef idx="minor"/>
+    </dgm:style>
+  </dgm:styleLbl>
+  <dgm:styleLbl name="dkBgShp">
+    <dgm:scene3d>
+      <a:camera prst="orthographicFront"/>
+      <a:lightRig rig="threePt" dir="t"/>
+    </dgm:scene3d>
+    <dgm:sp3d/>
+    <dgm:txPr/>
+    <dgm:style>
+      <a:lnRef idx="0">
+        <a:scrgbClr r="0" g="0" b="0"/>
+      </a:lnRef>
+      <a:fillRef idx="1">
+        <a:scrgbClr r="0" g="0" b="0"/>
+      </a:fillRef>
+      <a:effectRef idx="2">
+        <a:scrgbClr r="0" g="0" b="0"/>
+      </a:effectRef>
+      <a:fontRef idx="minor"/>
+    </dgm:style>
+  </dgm:styleLbl>
+  <dgm:styleLbl name="trBgShp">
+    <dgm:scene3d>
+      <a:camera prst="orthographicFront"/>
+      <a:lightRig rig="threePt" dir="t"/>
+    </dgm:scene3d>
+    <dgm:sp3d/>
+    <dgm:txPr/>
+    <dgm:style>
+      <a:lnRef idx="0">
+        <a:scrgbClr r="0" g="0" b="0"/>
+      </a:lnRef>
+      <a:fillRef idx="1">
+        <a:scrgbClr r="0" g="0" b="0"/>
+      </a:fillRef>
+      <a:effectRef idx="0">
+        <a:scrgbClr r="0" g="0" b="0"/>
+      </a:effectRef>
+      <a:fontRef idx="minor"/>
+    </dgm:style>
+  </dgm:styleLbl>
+  <dgm:styleLbl name="fgShp">
+    <dgm:scene3d>
+      <a:camera prst="orthographicFront"/>
+      <a:lightRig rig="threePt" dir="t"/>
+    </dgm:scene3d>
+    <dgm:sp3d/>
+    <dgm:txPr/>
+    <dgm:style>
+      <a:lnRef idx="0">
+        <a:scrgbClr r="0" g="0" b="0"/>
+      </a:lnRef>
+      <a:fillRef idx="3">
+        <a:scrgbClr r="0" g="0" b="0"/>
+      </a:fillRef>
+      <a:effectRef idx="2">
+        <a:scrgbClr r="0" g="0" b="0"/>
+      </a:effectRef>
+      <a:fontRef idx="minor"/>
+    </dgm:style>
+  </dgm:styleLbl>
+  <dgm:styleLbl name="revTx">
+    <dgm:scene3d>
+      <a:camera prst="orthographicFront"/>
+      <a:lightRig rig="threePt" dir="t"/>
+    </dgm:scene3d>
+    <dgm:sp3d/>
+    <dgm:txPr/>
+    <dgm:style>
+      <a:lnRef idx="0">
+        <a:scrgbClr r="0" g="0" b="0"/>
+      </a:lnRef>
+      <a:fillRef idx="0">
+        <a:scrgbClr r="0" g="0" b="0"/>
+      </a:fillRef>
+      <a:effectRef idx="0">
+        <a:scrgbClr r="0" g="0" b="0"/>
+      </a:effectRef>
+      <a:fontRef idx="minor"/>
+    </dgm:style>
+  </dgm:styleLbl>
+</dgm:styleDef>
+</file>
+
+<file path=ppt/diagrams/quickStyle2.xml><?xml version="1.0" encoding="utf-8"?>
 <dgm:styleDef xmlns:dgm="http://schemas.openxmlformats.org/drawingml/2006/diagram" xmlns:a="http://schemas.openxmlformats.org/drawingml/2006/main" uniqueId="urn:microsoft.com/office/officeart/2005/8/quickstyle/simple1">
   <dgm:title val=""/>
   <dgm:desc val=""/>
@@ -3642,7 +6109,7 @@
           <a:p>
             <a:fld id="{8E26B2CC-4245-441B-9806-08F934990F76}" type="datetimeFigureOut">
               <a:rPr lang="en-US" smtClean="0"/>
-              <a:t>1/19/2021</a:t>
+              <a:t>1/20/2021</a:t>
             </a:fld>
             <a:endParaRPr lang="en-US"/>
           </a:p>
@@ -4157,7 +6624,7 @@
           <a:p>
             <a:fld id="{ACF3BCFD-7B6C-4801-A9A9-4E2203FAF5A7}" type="slidenum">
               <a:rPr lang="en-US" smtClean="0"/>
-              <a:t>6</a:t>
+              <a:t>7</a:t>
             </a:fld>
             <a:endParaRPr lang="en-US"/>
           </a:p>
@@ -4241,7 +6708,7 @@
           <a:p>
             <a:fld id="{ACF3BCFD-7B6C-4801-A9A9-4E2203FAF5A7}" type="slidenum">
               <a:rPr lang="en-US" smtClean="0"/>
-              <a:t>7</a:t>
+              <a:t>8</a:t>
             </a:fld>
             <a:endParaRPr lang="en-US"/>
           </a:p>
@@ -4729,7 +7196,7 @@
           <a:p>
             <a:fld id="{EA0C0817-A112-4847-8014-A94B7D2A4EA3}" type="datetime1">
               <a:rPr lang="en-US" smtClean="0"/>
-              <a:t>1/19/2021</a:t>
+              <a:t>1/20/2021</a:t>
             </a:fld>
             <a:endParaRPr lang="en-US" dirty="0"/>
           </a:p>
@@ -4931,7 +7398,7 @@
           <a:p>
             <a:fld id="{7332B432-ACDA-4023-A761-2BAB76577B62}" type="datetime1">
               <a:rPr lang="en-US" smtClean="0"/>
-              <a:t>1/19/2021</a:t>
+              <a:t>1/20/2021</a:t>
             </a:fld>
             <a:endParaRPr lang="en-US" dirty="0"/>
           </a:p>
@@ -5530,7 +7997,7 @@
           <a:p>
             <a:fld id="{D9C646AA-F36E-4540-911D-FFFC0A0EF24A}" type="datetime1">
               <a:rPr lang="en-US" smtClean="0"/>
-              <a:t>1/19/2021</a:t>
+              <a:t>1/20/2021</a:t>
             </a:fld>
             <a:endParaRPr lang="en-US" dirty="0"/>
           </a:p>
@@ -5850,7 +8317,7 @@
           <a:p>
             <a:fld id="{69186D26-FA5F-4637-B602-B7C2DC34CFD4}" type="datetime1">
               <a:rPr lang="en-US" smtClean="0"/>
-              <a:t>1/19/2021</a:t>
+              <a:t>1/20/2021</a:t>
             </a:fld>
             <a:endParaRPr lang="en-US" dirty="0"/>
           </a:p>
@@ -6287,7 +8754,7 @@
           <a:p>
             <a:fld id="{8A7F15D8-96D1-4781-BC50-CA8A088B2FE4}" type="datetime1">
               <a:rPr lang="en-US" smtClean="0"/>
-              <a:t>1/19/2021</a:t>
+              <a:t>1/20/2021</a:t>
             </a:fld>
             <a:endParaRPr lang="en-US" dirty="0"/>
           </a:p>
@@ -6405,7 +8872,7 @@
           <a:p>
             <a:fld id="{F9A96C99-B8F8-4528-BD05-0E16E943DC09}" type="datetime1">
               <a:rPr lang="en-US" smtClean="0"/>
-              <a:t>1/19/2021</a:t>
+              <a:t>1/20/2021</a:t>
             </a:fld>
             <a:endParaRPr lang="en-US" dirty="0"/>
           </a:p>
@@ -6500,7 +8967,7 @@
           <a:p>
             <a:fld id="{03636942-C211-4B28-8DBD-C953E00AF71B}" type="datetime1">
               <a:rPr lang="en-US" smtClean="0"/>
-              <a:t>1/19/2021</a:t>
+              <a:t>1/20/2021</a:t>
             </a:fld>
             <a:endParaRPr lang="en-US" dirty="0"/>
           </a:p>
@@ -6917,7 +9384,7 @@
           <a:p>
             <a:fld id="{7E8D12A6-918A-48BD-8CB9-CA713993B0EA}" type="datetime1">
               <a:rPr lang="en-US" smtClean="0"/>
-              <a:t>1/19/2021</a:t>
+              <a:t>1/20/2021</a:t>
             </a:fld>
             <a:endParaRPr lang="en-US" dirty="0"/>
           </a:p>
@@ -7179,7 +9646,7 @@
             <a:fld id="{E778CE86-875F-4587-BCF6-FA054AFC0D53}" type="datetime1">
               <a:rPr lang="en-US" smtClean="0"/>
               <a:pPr/>
-              <a:t>1/19/2021</a:t>
+              <a:t>1/20/2021</a:t>
             </a:fld>
             <a:endParaRPr lang="en-US" dirty="0"/>
           </a:p>
@@ -7695,7 +10162,7 @@
           <a:p>
             <a:fld id="{F6FA2B21-3FCD-4721-B95C-427943F61125}" type="datetime1">
               <a:rPr lang="en-US" smtClean="0"/>
-              <a:t>1/19/2021</a:t>
+              <a:t>1/20/2021</a:t>
             </a:fld>
             <a:endParaRPr lang="en-US" dirty="0"/>
           </a:p>
@@ -8625,14 +11092,14 @@
             <p:ph idx="1"/>
             <p:extLst>
               <p:ext uri="{D42A27DB-BD31-4B8C-83A1-F6EECF244321}">
-                <p14:modId xmlns:p14="http://schemas.microsoft.com/office/powerpoint/2010/main" val="3055362"/>
+                <p14:modId xmlns:p14="http://schemas.microsoft.com/office/powerpoint/2010/main" val="1528477218"/>
               </p:ext>
             </p:extLst>
           </p:nvPr>
         </p:nvGraphicFramePr>
         <p:xfrm>
-          <a:off x="1066800" y="2310063"/>
-          <a:ext cx="10058400" cy="3725612"/>
+          <a:off x="1066800" y="1729409"/>
+          <a:ext cx="10058400" cy="4306266"/>
         </p:xfrm>
         <a:graphic>
           <a:graphicData uri="http://schemas.openxmlformats.org/drawingml/2006/diagram">
@@ -8670,12 +11137,45 @@
           <a:chExt cx="0" cy="0"/>
         </a:xfrm>
       </p:grpSpPr>
+      <p:pic>
+        <p:nvPicPr>
+          <p:cNvPr id="5" name="Picture 4">
+            <a:extLst>
+              <a:ext uri="{FF2B5EF4-FFF2-40B4-BE49-F238E27FC236}">
+                <a16:creationId xmlns:a16="http://schemas.microsoft.com/office/drawing/2014/main" id="{5545F923-1094-4006-AD53-66DDE7F48833}"/>
+              </a:ext>
+            </a:extLst>
+          </p:cNvPr>
+          <p:cNvPicPr>
+            <a:picLocks noChangeAspect="1"/>
+          </p:cNvPicPr>
+          <p:nvPr/>
+        </p:nvPicPr>
+        <p:blipFill rotWithShape="1">
+          <a:blip r:embed="rId2"/>
+          <a:srcRect l="9770" r="9743" b="2"/>
+          <a:stretch/>
+        </p:blipFill>
+        <p:spPr>
+          <a:xfrm>
+            <a:off x="228599" y="237744"/>
+            <a:ext cx="7696201" cy="6382512"/>
+          </a:xfrm>
+          <a:prstGeom prst="rect">
+            <a:avLst/>
+          </a:prstGeom>
+          <a:noFill/>
+          <a:ln>
+            <a:noFill/>
+          </a:ln>
+        </p:spPr>
+      </p:pic>
       <p:sp>
         <p:nvSpPr>
-          <p:cNvPr id="16" name="Title 1">
+          <p:cNvPr id="2" name="Title 1">
             <a:extLst>
               <a:ext uri="{FF2B5EF4-FFF2-40B4-BE49-F238E27FC236}">
-                <a16:creationId xmlns:a16="http://schemas.microsoft.com/office/drawing/2014/main" id="{153C6905-8C50-4B2F-BAFC-B39170C1347C}"/>
+                <a16:creationId xmlns:a16="http://schemas.microsoft.com/office/drawing/2014/main" id="{90681780-9A0D-47E0-B50F-529C0C8A433E}"/>
               </a:ext>
             </a:extLst>
           </p:cNvPr>
@@ -8688,27 +11188,30 @@
         </p:nvSpPr>
         <p:spPr>
           <a:xfrm>
-            <a:off x="1066800" y="642594"/>
-            <a:ext cx="10058400" cy="1371600"/>
+            <a:off x="8477250" y="765313"/>
+            <a:ext cx="3144774" cy="805070"/>
           </a:xfrm>
         </p:spPr>
         <p:txBody>
-          <a:bodyPr/>
+          <a:bodyPr anchor="b">
+            <a:normAutofit/>
+          </a:bodyPr>
           <a:lstStyle/>
           <a:p>
+            <a:pPr algn="ctr"/>
             <a:r>
-              <a:rPr lang="en-US" dirty="0"/>
-              <a:t>The Idea				The Set Up</a:t>
+              <a:rPr lang="en-US" sz="4000" dirty="0"/>
+              <a:t>The Idea</a:t>
             </a:r>
           </a:p>
         </p:txBody>
       </p:sp>
       <p:sp>
         <p:nvSpPr>
-          <p:cNvPr id="17" name="Content Placeholder 2">
+          <p:cNvPr id="9" name="Text Placeholder 3">
             <a:extLst>
               <a:ext uri="{FF2B5EF4-FFF2-40B4-BE49-F238E27FC236}">
-                <a16:creationId xmlns:a16="http://schemas.microsoft.com/office/drawing/2014/main" id="{AAFD940F-400A-4980-81DB-A55005E9B8D1}"/>
+                <a16:creationId xmlns:a16="http://schemas.microsoft.com/office/drawing/2014/main" id="{AA970DDD-619E-4E76-93A9-4EECEA5F0EE7}"/>
               </a:ext>
             </a:extLst>
           </p:cNvPr>
@@ -8716,13 +11219,13 @@
             <a:spLocks noGrp="1"/>
           </p:cNvSpPr>
           <p:nvPr>
-            <p:ph sz="half" idx="1"/>
+            <p:ph type="body" sz="half" idx="2"/>
           </p:nvPr>
         </p:nvSpPr>
         <p:spPr>
           <a:xfrm>
-            <a:off x="1066800" y="2103120"/>
-            <a:ext cx="4663440" cy="3749040"/>
+            <a:off x="8477250" y="1858617"/>
+            <a:ext cx="3144774" cy="4039263"/>
           </a:xfrm>
         </p:spPr>
         <p:txBody>
@@ -8731,100 +11234,13 @@
           <a:p>
             <a:pPr>
               <a:lnSpc>
-                <a:spcPct val="100000"/>
+                <a:spcPct val="150000"/>
               </a:lnSpc>
             </a:pPr>
             <a:r>
-              <a:rPr lang="en-US" sz="1800" dirty="0"/>
-              <a:t>Music is something enjoyed by everyone </a:t>
+              <a:rPr lang="en-US" dirty="0"/>
+              <a:t>We wanted to give music lovers deeper insight into their different playlists based on multiple musical attributes. </a:t>
             </a:r>
-          </a:p>
-          <a:p>
-            <a:pPr>
-              <a:lnSpc>
-                <a:spcPct val="100000"/>
-              </a:lnSpc>
-            </a:pPr>
-            <a:r>
-              <a:rPr lang="en-US" sz="1800" dirty="0"/>
-              <a:t>We wanted to give music lovers deeper insight into their different playlists based on multiple musical attributes.</a:t>
-            </a:r>
-          </a:p>
-          <a:p>
-            <a:pPr lvl="1"/>
-            <a:endParaRPr lang="en-US" dirty="0"/>
-          </a:p>
-          <a:p>
-            <a:endParaRPr lang="en-US" dirty="0"/>
-          </a:p>
-        </p:txBody>
-      </p:sp>
-      <p:sp>
-        <p:nvSpPr>
-          <p:cNvPr id="15" name="Content Placeholder 3">
-            <a:extLst>
-              <a:ext uri="{FF2B5EF4-FFF2-40B4-BE49-F238E27FC236}">
-                <a16:creationId xmlns:a16="http://schemas.microsoft.com/office/drawing/2014/main" id="{C7E8F2D0-8A8B-4CBD-930E-6F650C7B13D6}"/>
-              </a:ext>
-            </a:extLst>
-          </p:cNvPr>
-          <p:cNvSpPr>
-            <a:spLocks noGrp="1"/>
-          </p:cNvSpPr>
-          <p:nvPr>
-            <p:ph sz="half" idx="2"/>
-          </p:nvPr>
-        </p:nvSpPr>
-        <p:spPr>
-          <a:xfrm>
-            <a:off x="6461760" y="2103120"/>
-            <a:ext cx="4663440" cy="3749040"/>
-          </a:xfrm>
-        </p:spPr>
-        <p:txBody>
-          <a:bodyPr/>
-          <a:lstStyle/>
-          <a:p>
-            <a:pPr>
-              <a:lnSpc>
-                <a:spcPct val="100000"/>
-              </a:lnSpc>
-            </a:pPr>
-            <a:r>
-              <a:rPr lang="en-US" sz="1800" dirty="0"/>
-              <a:t>Jeni – clean up/flask connection/charts</a:t>
-            </a:r>
-          </a:p>
-          <a:p>
-            <a:pPr>
-              <a:lnSpc>
-                <a:spcPct val="100000"/>
-              </a:lnSpc>
-            </a:pPr>
-            <a:r>
-              <a:rPr lang="en-US" sz="1800" dirty="0"/>
-              <a:t>Allison – Java for table/flask set up</a:t>
-            </a:r>
-          </a:p>
-          <a:p>
-            <a:pPr>
-              <a:lnSpc>
-                <a:spcPct val="100000"/>
-              </a:lnSpc>
-            </a:pPr>
-            <a:r>
-              <a:rPr lang="en-US" sz="1800" dirty="0" err="1"/>
-              <a:t>Lenn</a:t>
-            </a:r>
-            <a:r>
-              <a:rPr lang="en-US" sz="1800" dirty="0"/>
-              <a:t> – html/anime </a:t>
-            </a:r>
-            <a:r>
-              <a:rPr lang="en-US" sz="1800" dirty="0" err="1"/>
-              <a:t>js</a:t>
-            </a:r>
-            <a:endParaRPr lang="en-US" sz="1800" dirty="0"/>
           </a:p>
           <a:p>
             <a:endParaRPr lang="en-US" dirty="0"/>
@@ -8834,7 +11250,7 @@
     </p:spTree>
     <p:extLst>
       <p:ext uri="{BB962C8B-B14F-4D97-AF65-F5344CB8AC3E}">
-        <p14:creationId xmlns:p14="http://schemas.microsoft.com/office/powerpoint/2010/main" val="2357490765"/>
+        <p14:creationId xmlns:p14="http://schemas.microsoft.com/office/powerpoint/2010/main" val="1420168553"/>
       </p:ext>
     </p:extLst>
   </p:cSld>
@@ -8866,7 +11282,7 @@
           <p:cNvPr id="2" name="Title 1">
             <a:extLst>
               <a:ext uri="{FF2B5EF4-FFF2-40B4-BE49-F238E27FC236}">
-                <a16:creationId xmlns:a16="http://schemas.microsoft.com/office/drawing/2014/main" id="{FF542261-D78D-4175-A189-3975CF514FA9}"/>
+                <a16:creationId xmlns:a16="http://schemas.microsoft.com/office/drawing/2014/main" id="{B6CEC1DE-9809-4948-A4A2-ACD3A41B2D4F}"/>
               </a:ext>
             </a:extLst>
           </p:cNvPr>
@@ -8877,134 +11293,60 @@
             <p:ph type="title"/>
           </p:nvPr>
         </p:nvSpPr>
-        <p:spPr/>
+        <p:spPr>
+          <a:xfrm>
+            <a:off x="1066800" y="642594"/>
+            <a:ext cx="10058400" cy="1371600"/>
+          </a:xfrm>
+        </p:spPr>
         <p:txBody>
-          <a:bodyPr/>
+          <a:bodyPr anchor="ctr">
+            <a:normAutofit/>
+          </a:bodyPr>
           <a:lstStyle/>
           <a:p>
             <a:r>
               <a:rPr lang="en-US" dirty="0"/>
-              <a:t>THE DATA</a:t>
+              <a:t>The Set Up</a:t>
             </a:r>
           </a:p>
         </p:txBody>
       </p:sp>
-      <p:sp>
-        <p:nvSpPr>
-          <p:cNvPr id="3" name="Content Placeholder 2">
+      <p:graphicFrame>
+        <p:nvGraphicFramePr>
+          <p:cNvPr id="5" name="Content Placeholder 2">
             <a:extLst>
               <a:ext uri="{FF2B5EF4-FFF2-40B4-BE49-F238E27FC236}">
-                <a16:creationId xmlns:a16="http://schemas.microsoft.com/office/drawing/2014/main" id="{FBDAC0CB-370F-4931-8483-DDA8916CF95B}"/>
+                <a16:creationId xmlns:a16="http://schemas.microsoft.com/office/drawing/2014/main" id="{9EA56183-0DEC-460F-8930-E03E01E65631}"/>
               </a:ext>
             </a:extLst>
           </p:cNvPr>
-          <p:cNvSpPr>
-            <a:spLocks noGrp="1"/>
-          </p:cNvSpPr>
+          <p:cNvGraphicFramePr>
+            <a:graphicFrameLocks noGrp="1"/>
+          </p:cNvGraphicFramePr>
           <p:nvPr>
             <p:ph idx="1"/>
+            <p:extLst>
+              <p:ext uri="{D42A27DB-BD31-4B8C-83A1-F6EECF244321}">
+                <p14:modId xmlns:p14="http://schemas.microsoft.com/office/powerpoint/2010/main" val="4052776212"/>
+              </p:ext>
+            </p:extLst>
           </p:nvPr>
-        </p:nvSpPr>
-        <p:spPr>
-          <a:xfrm>
-            <a:off x="1244525" y="2688434"/>
-            <a:ext cx="6546000" cy="2804613"/>
-          </a:xfrm>
-        </p:spPr>
-        <p:txBody>
-          <a:bodyPr/>
-          <a:lstStyle/>
-          <a:p>
-            <a:r>
-              <a:rPr lang="en-US" dirty="0"/>
-              <a:t>From Kaggle</a:t>
-            </a:r>
-          </a:p>
-          <a:p>
-            <a:pPr lvl="1"/>
-            <a:r>
-              <a:rPr lang="en-US" dirty="0"/>
-              <a:t>Dataset was cleaner than others</a:t>
-            </a:r>
-          </a:p>
-          <a:p>
-            <a:pPr lvl="1"/>
-            <a:r>
-              <a:rPr lang="en-US" dirty="0"/>
-              <a:t>Met requirements having over 100 records</a:t>
-            </a:r>
-          </a:p>
-          <a:p>
-            <a:pPr lvl="1"/>
-            <a:r>
-              <a:rPr lang="en-US" dirty="0"/>
-              <a:t>Reviewed several other Spotify datasets on Kaggle, but they were not as concise as the dataset we landed on</a:t>
-            </a:r>
-          </a:p>
-          <a:p>
-            <a:pPr lvl="1"/>
-            <a:r>
-              <a:rPr lang="en-US" dirty="0"/>
-              <a:t>The additional data behind our set assisted with definitions of all columns</a:t>
-            </a:r>
-          </a:p>
-          <a:p>
-            <a:pPr lvl="1"/>
-            <a:endParaRPr lang="en-US" dirty="0"/>
-          </a:p>
-        </p:txBody>
-      </p:sp>
-      <p:pic>
-        <p:nvPicPr>
-          <p:cNvPr id="1026" name="Picture 2" descr="The Track Properties &#10;Organize Your Music can help you slice and dice your music collection by a Wide range Of properties: &#10;2. &#10;3. &#10;5. &#10;6. &#10;7. &#10;8. &#10;9. &#10;10 . &#10;11. &#10;12 . &#10;13 . &#10;14 . &#10;Genre - the genre Of the track &#10;Year - the release year of the recording. Note that due to vagaries Of releases, re-releases. re-issues &#10;and general madness, sometimes the release years are not what you'd expect &#10;Added - the earliest date you added the track to your collection. &#10;Beats Per Minute (BPM) - The tempo Of the song. &#10;Energy - The energy of a song - the higher the value, the more energtic. song &#10;Danceability - The higher the value. the easier it is to dance to this song. &#10;Loudness (dB) • The higher the value, the louder the song. &#10;Liveness - The higher the value, the more likely the song is a live recording. &#10;Valence - The higher the value, the more positive mood for the song. &#10;Length - The duration of the song. &#10;Acousticness - The higher the value the more acoustic the song is. &#10;Speechiness - The higher the value the more spoken word the song contains. &#10;Popularity - The higher the value the more popular the song is. &#10;Duration - The length of the song. ">
-            <a:extLst>
-              <a:ext uri="{FF2B5EF4-FFF2-40B4-BE49-F238E27FC236}">
-                <a16:creationId xmlns:a16="http://schemas.microsoft.com/office/drawing/2014/main" id="{C9E949B0-15FA-40D7-B479-895D56618AD1}"/>
-              </a:ext>
-            </a:extLst>
-          </p:cNvPr>
-          <p:cNvPicPr>
-            <a:picLocks noChangeAspect="1" noChangeArrowheads="1"/>
-          </p:cNvPicPr>
-          <p:nvPr/>
-        </p:nvPicPr>
-        <p:blipFill>
-          <a:blip r:embed="rId2">
-            <a:extLst>
-              <a:ext uri="{28A0092B-C50C-407E-A947-70E740481C1C}">
-                <a14:useLocalDpi xmlns:a14="http://schemas.microsoft.com/office/drawing/2010/main" val="0"/>
-              </a:ext>
-            </a:extLst>
-          </a:blip>
-          <a:srcRect/>
-          <a:stretch>
-            <a:fillRect/>
-          </a:stretch>
-        </p:blipFill>
-        <p:spPr bwMode="auto">
-          <a:xfrm>
-            <a:off x="7111265" y="735347"/>
-            <a:ext cx="4162237" cy="2250807"/>
-          </a:xfrm>
-          <a:prstGeom prst="rect">
-            <a:avLst/>
-          </a:prstGeom>
-          <a:noFill/>
-          <a:extLst>
-            <a:ext uri="{909E8E84-426E-40DD-AFC4-6F175D3DCCD1}">
-              <a14:hiddenFill xmlns:a14="http://schemas.microsoft.com/office/drawing/2010/main">
-                <a:solidFill>
-                  <a:srgbClr val="FFFFFF"/>
-                </a:solidFill>
-              </a14:hiddenFill>
-            </a:ext>
-          </a:extLst>
-        </p:spPr>
-      </p:pic>
+        </p:nvGraphicFramePr>
+        <p:xfrm>
+          <a:off x="1066800" y="2103120"/>
+          <a:ext cx="10412896" cy="3849624"/>
+        </p:xfrm>
+        <a:graphic>
+          <a:graphicData uri="http://schemas.openxmlformats.org/drawingml/2006/diagram">
+            <dgm:relIds xmlns:dgm="http://schemas.openxmlformats.org/drawingml/2006/diagram" xmlns:r="http://schemas.openxmlformats.org/officeDocument/2006/relationships" r:dm="rId2" r:lo="rId3" r:qs="rId4" r:cs="rId5"/>
+          </a:graphicData>
+        </a:graphic>
+      </p:graphicFrame>
     </p:spTree>
     <p:extLst>
       <p:ext uri="{BB962C8B-B14F-4D97-AF65-F5344CB8AC3E}">
-        <p14:creationId xmlns:p14="http://schemas.microsoft.com/office/powerpoint/2010/main" val="2919240769"/>
+        <p14:creationId xmlns:p14="http://schemas.microsoft.com/office/powerpoint/2010/main" val="73361151"/>
       </p:ext>
     </p:extLst>
   </p:cSld>
@@ -9015,6 +11357,222 @@
 </file>
 
 <file path=ppt/slides/slide6.xml><?xml version="1.0" encoding="utf-8"?>
+<p:sld xmlns:a="http://schemas.openxmlformats.org/drawingml/2006/main" xmlns:r="http://schemas.openxmlformats.org/officeDocument/2006/relationships" xmlns:p="http://schemas.openxmlformats.org/presentationml/2006/main">
+  <p:cSld>
+    <p:spTree>
+      <p:nvGrpSpPr>
+        <p:cNvPr id="1" name=""/>
+        <p:cNvGrpSpPr/>
+        <p:nvPr/>
+      </p:nvGrpSpPr>
+      <p:grpSpPr>
+        <a:xfrm>
+          <a:off x="0" y="0"/>
+          <a:ext cx="0" cy="0"/>
+          <a:chOff x="0" y="0"/>
+          <a:chExt cx="0" cy="0"/>
+        </a:xfrm>
+      </p:grpSpPr>
+      <p:pic>
+        <p:nvPicPr>
+          <p:cNvPr id="5" name="Picture 4">
+            <a:extLst>
+              <a:ext uri="{FF2B5EF4-FFF2-40B4-BE49-F238E27FC236}">
+                <a16:creationId xmlns:a16="http://schemas.microsoft.com/office/drawing/2014/main" id="{DBC8AE00-88FA-4D9F-9502-0E5C50EBEA2D}"/>
+              </a:ext>
+            </a:extLst>
+          </p:cNvPr>
+          <p:cNvPicPr>
+            <a:picLocks noChangeAspect="1"/>
+          </p:cNvPicPr>
+          <p:nvPr/>
+        </p:nvPicPr>
+        <p:blipFill rotWithShape="1">
+          <a:blip r:embed="rId2"/>
+          <a:srcRect l="6685" r="17951"/>
+          <a:stretch/>
+        </p:blipFill>
+        <p:spPr>
+          <a:xfrm>
+            <a:off x="228599" y="237744"/>
+            <a:ext cx="7696201" cy="6382512"/>
+          </a:xfrm>
+          <a:prstGeom prst="rect">
+            <a:avLst/>
+          </a:prstGeom>
+          <a:noFill/>
+          <a:ln>
+            <a:noFill/>
+          </a:ln>
+        </p:spPr>
+      </p:pic>
+      <p:sp>
+        <p:nvSpPr>
+          <p:cNvPr id="2" name="Title 1">
+            <a:extLst>
+              <a:ext uri="{FF2B5EF4-FFF2-40B4-BE49-F238E27FC236}">
+                <a16:creationId xmlns:a16="http://schemas.microsoft.com/office/drawing/2014/main" id="{AD085A02-9BD8-4BB3-9DED-6EC869CCFFDA}"/>
+              </a:ext>
+            </a:extLst>
+          </p:cNvPr>
+          <p:cNvSpPr>
+            <a:spLocks noGrp="1"/>
+          </p:cNvSpPr>
+          <p:nvPr>
+            <p:ph type="title"/>
+          </p:nvPr>
+        </p:nvSpPr>
+        <p:spPr>
+          <a:xfrm>
+            <a:off x="8477250" y="603504"/>
+            <a:ext cx="3144774" cy="837670"/>
+          </a:xfrm>
+        </p:spPr>
+        <p:txBody>
+          <a:bodyPr anchor="b">
+            <a:normAutofit/>
+          </a:bodyPr>
+          <a:lstStyle/>
+          <a:p>
+            <a:pPr algn="ctr"/>
+            <a:r>
+              <a:rPr lang="en-US" sz="4000" dirty="0"/>
+              <a:t>The Data</a:t>
+            </a:r>
+          </a:p>
+        </p:txBody>
+      </p:sp>
+      <p:sp>
+        <p:nvSpPr>
+          <p:cNvPr id="9" name="Text Placeholder 3">
+            <a:extLst>
+              <a:ext uri="{FF2B5EF4-FFF2-40B4-BE49-F238E27FC236}">
+                <a16:creationId xmlns:a16="http://schemas.microsoft.com/office/drawing/2014/main" id="{04110332-5BE2-4D0F-88C6-C33B4B6CB585}"/>
+              </a:ext>
+            </a:extLst>
+          </p:cNvPr>
+          <p:cNvSpPr>
+            <a:spLocks noGrp="1"/>
+          </p:cNvSpPr>
+          <p:nvPr>
+            <p:ph type="body" sz="half" idx="2"/>
+          </p:nvPr>
+        </p:nvSpPr>
+        <p:spPr>
+          <a:xfrm>
+            <a:off x="8477250" y="1755190"/>
+            <a:ext cx="3144774" cy="4142689"/>
+          </a:xfrm>
+        </p:spPr>
+        <p:txBody>
+          <a:bodyPr/>
+          <a:lstStyle/>
+          <a:p>
+            <a:pPr marL="285750" indent="-285750">
+              <a:buFont typeface="Arial" panose="020B0604020202020204" pitchFamily="34" charset="0"/>
+              <a:buChar char="•"/>
+            </a:pPr>
+            <a:r>
+              <a:rPr lang="en-US" dirty="0"/>
+              <a:t>Kaggle</a:t>
+            </a:r>
+          </a:p>
+          <a:p>
+            <a:pPr marL="742950" lvl="1" indent="-285750">
+              <a:buFont typeface="Arial" panose="020B0604020202020204" pitchFamily="34" charset="0"/>
+              <a:buChar char="•"/>
+            </a:pPr>
+            <a:r>
+              <a:rPr lang="en-US" sz="1600" dirty="0"/>
+              <a:t>Clean</a:t>
+            </a:r>
+          </a:p>
+          <a:p>
+            <a:pPr marL="742950" lvl="1" indent="-285750">
+              <a:buFont typeface="Arial" panose="020B0604020202020204" pitchFamily="34" charset="0"/>
+              <a:buChar char="•"/>
+            </a:pPr>
+            <a:r>
+              <a:rPr lang="en-US" sz="1600" dirty="0"/>
+              <a:t>Sufficient Records</a:t>
+            </a:r>
+          </a:p>
+          <a:p>
+            <a:pPr marL="285750" indent="-285750">
+              <a:buFont typeface="Arial" panose="020B0604020202020204" pitchFamily="34" charset="0"/>
+              <a:buChar char="•"/>
+            </a:pPr>
+            <a:r>
+              <a:rPr lang="en-US" dirty="0"/>
+              <a:t>Reviewed several other Spotify datasets on Kaggle, but they were not as concise as the dataset we landed on</a:t>
+            </a:r>
+          </a:p>
+          <a:p>
+            <a:pPr marL="285750" indent="-285750">
+              <a:buFont typeface="Arial" panose="020B0604020202020204" pitchFamily="34" charset="0"/>
+              <a:buChar char="•"/>
+            </a:pPr>
+            <a:r>
+              <a:rPr lang="en-US" dirty="0"/>
+              <a:t>The additional data behind our set assisted with definitions of all columns</a:t>
+            </a:r>
+          </a:p>
+          <a:p>
+            <a:endParaRPr lang="en-US" sz="1600" dirty="0"/>
+          </a:p>
+          <a:p>
+            <a:pPr marL="285750" indent="-285750">
+              <a:buFont typeface="Arial" panose="020B0604020202020204" pitchFamily="34" charset="0"/>
+              <a:buChar char="•"/>
+            </a:pPr>
+            <a:endParaRPr lang="en-US" dirty="0"/>
+          </a:p>
+        </p:txBody>
+      </p:sp>
+      <p:pic>
+        <p:nvPicPr>
+          <p:cNvPr id="4" name="Picture 3">
+            <a:extLst>
+              <a:ext uri="{FF2B5EF4-FFF2-40B4-BE49-F238E27FC236}">
+                <a16:creationId xmlns:a16="http://schemas.microsoft.com/office/drawing/2014/main" id="{A06524CE-F4CC-44FD-908B-1191214C5F64}"/>
+              </a:ext>
+            </a:extLst>
+          </p:cNvPr>
+          <p:cNvPicPr>
+            <a:picLocks noChangeAspect="1"/>
+          </p:cNvPicPr>
+          <p:nvPr/>
+        </p:nvPicPr>
+        <p:blipFill>
+          <a:blip r:embed="rId3"/>
+          <a:stretch>
+            <a:fillRect/>
+          </a:stretch>
+        </p:blipFill>
+        <p:spPr>
+          <a:xfrm>
+            <a:off x="903806" y="1755191"/>
+            <a:ext cx="6345785" cy="3542366"/>
+          </a:xfrm>
+          <a:prstGeom prst="rect">
+            <a:avLst/>
+          </a:prstGeom>
+        </p:spPr>
+      </p:pic>
+    </p:spTree>
+    <p:extLst>
+      <p:ext uri="{BB962C8B-B14F-4D97-AF65-F5344CB8AC3E}">
+        <p14:creationId xmlns:p14="http://schemas.microsoft.com/office/powerpoint/2010/main" val="2343847891"/>
+      </p:ext>
+    </p:extLst>
+  </p:cSld>
+  <p:clrMapOvr>
+    <a:masterClrMapping/>
+  </p:clrMapOvr>
+</p:sld>
+</file>
+
+<file path=ppt/slides/slide7.xml><?xml version="1.0" encoding="utf-8"?>
 <p:sld xmlns:a="http://schemas.openxmlformats.org/drawingml/2006/main" xmlns:r="http://schemas.openxmlformats.org/officeDocument/2006/relationships" xmlns:p="http://schemas.openxmlformats.org/presentationml/2006/main">
   <p:cSld>
     <p:spTree>
@@ -9079,7 +11637,7 @@
 </p:sld>
 </file>
 
-<file path=ppt/slides/slide7.xml><?xml version="1.0" encoding="utf-8"?>
+<file path=ppt/slides/slide8.xml><?xml version="1.0" encoding="utf-8"?>
 <p:sld xmlns:a="http://schemas.openxmlformats.org/drawingml/2006/main" xmlns:r="http://schemas.openxmlformats.org/officeDocument/2006/relationships" xmlns:p="http://schemas.openxmlformats.org/presentationml/2006/main">
   <p:cSld>
     <p:spTree>
@@ -9148,7 +11706,7 @@
         </p:spPr>
         <p:txBody>
           <a:bodyPr>
-            <a:normAutofit fontScale="92500" lnSpcReduction="10000"/>
+            <a:normAutofit lnSpcReduction="10000"/>
           </a:bodyPr>
           <a:lstStyle/>
           <a:p>
@@ -9160,18 +11718,13 @@
           <a:p>
             <a:r>
               <a:rPr lang="en-US" dirty="0"/>
-              <a:t>Use React JavaScript library for the ability to embed mp.3’s in the html to have songs </a:t>
+              <a:t>Use React JavaScript library for the ability to embed mp.3’s in the html to have songs auto-play</a:t>
             </a:r>
-            <a:r>
-              <a:rPr lang="en-US"/>
-              <a:t>autoplayed</a:t>
-            </a:r>
-            <a:endParaRPr lang="en-US" dirty="0"/>
           </a:p>
           <a:p>
             <a:r>
               <a:rPr lang="en-US" dirty="0"/>
-              <a:t>Creating this as an app to have users analyze their playlists</a:t>
+              <a:t>Creating this as an app to have users analyze their playlists and allowing more data entries to compare</a:t>
             </a:r>
           </a:p>
           <a:p>
@@ -9183,33 +11736,28 @@
           <a:p>
             <a:r>
               <a:rPr lang="en-US" dirty="0"/>
-              <a:t>Link tracks to YouTube?</a:t>
+              <a:t>Link tracks to YouTube</a:t>
             </a:r>
           </a:p>
           <a:p>
             <a:r>
               <a:rPr lang="en-US" dirty="0"/>
-              <a:t>Web-scraping with album cover connected to the song as well</a:t>
+              <a:t>Web-scrape the album cover connected to each song </a:t>
             </a:r>
           </a:p>
           <a:p>
+            <a:pPr marL="0" indent="0">
+              <a:buNone/>
+            </a:pPr>
             <a:r>
-              <a:rPr lang="en-US" dirty="0"/>
-              <a:t>You could then use the data collected from any analyzed playlists to get more </a:t>
+              <a:rPr lang="en-US" sz="3200" dirty="0"/>
+              <a:t> </a:t>
             </a:r>
-            <a:r>
-              <a:rPr lang="en-US" dirty="0" err="1"/>
-              <a:t>comparsions</a:t>
-            </a:r>
-            <a:endParaRPr lang="en-US" dirty="0"/>
-          </a:p>
-          <a:p>
-            <a:endParaRPr lang="en-US" dirty="0"/>
-          </a:p>
-          <a:p>
-            <a:endParaRPr lang="en-US" dirty="0"/>
-          </a:p>
-          <a:p>
+          </a:p>
+          <a:p>
+            <a:pPr marL="0" indent="0">
+              <a:buNone/>
+            </a:pPr>
             <a:r>
               <a:rPr lang="en-US" sz="3200" dirty="0"/>
               <a:t>Questions?</a:t>
@@ -9241,7 +11789,7 @@
 </p:sld>
 </file>
 
-<file path=ppt/slides/slide8.xml><?xml version="1.0" encoding="utf-8"?>
+<file path=ppt/slides/slide9.xml><?xml version="1.0" encoding="utf-8"?>
 <p:sld xmlns:a="http://schemas.openxmlformats.org/drawingml/2006/main" xmlns:r="http://schemas.openxmlformats.org/officeDocument/2006/relationships" xmlns:p="http://schemas.openxmlformats.org/presentationml/2006/main">
   <p:cSld>
     <p:spTree>
@@ -9286,7 +11834,7 @@
           </a:bodyPr>
           <a:lstStyle/>
           <a:p>
-            <a:pPr marL="0" indent="0">
+            <a:pPr marL="0" indent="0" algn="ctr">
               <a:buNone/>
             </a:pPr>
             <a:r>
@@ -9920,15 +12468,6 @@
 </file>
 
 <file path=customXml/item2.xml><?xml version="1.0" encoding="utf-8"?>
-<p:properties xmlns:p="http://schemas.microsoft.com/office/2006/metadata/properties" xmlns:xsi="http://www.w3.org/2001/XMLSchema-instance" xmlns:pc="http://schemas.microsoft.com/office/infopath/2007/PartnerControls">
-  <documentManagement>
-    <Status xmlns="71af3243-3dd4-4a8d-8c0d-dd76da1f02a5">Not started</Status>
-    <MediaServiceKeyPoints xmlns="71af3243-3dd4-4a8d-8c0d-dd76da1f02a5" xsi:nil="true"/>
-  </documentManagement>
-</p:properties>
-</file>
-
-<file path=customXml/item3.xml><?xml version="1.0" encoding="utf-8"?>
 <ct:contentTypeSchema xmlns:ct="http://schemas.microsoft.com/office/2006/metadata/contentType" xmlns:ma="http://schemas.microsoft.com/office/2006/metadata/properties/metaAttributes" ct:_="" ma:_="" ma:contentTypeName="Document" ma:contentTypeID="0x01010079F111ED35F8CC479449609E8A0923A6" ma:contentTypeVersion="12" ma:contentTypeDescription="Create a new document." ma:contentTypeScope="" ma:versionID="a410dd7f93c95333ffa1b60ed6adedd1">
   <xsd:schema xmlns:xsd="http://www.w3.org/2001/XMLSchema" xmlns:xs="http://www.w3.org/2001/XMLSchema" xmlns:p="http://schemas.microsoft.com/office/2006/metadata/properties" xmlns:ns2="71af3243-3dd4-4a8d-8c0d-dd76da1f02a5" xmlns:ns3="16c05727-aa75-4e4a-9b5f-8a80a1165891" targetNamespace="http://schemas.microsoft.com/office/2006/metadata/properties" ma:root="true" ma:fieldsID="a936d9baba76aa3866493feff160faab" ns2:_="" ns3:_="">
     <xsd:import namespace="71af3243-3dd4-4a8d-8c0d-dd76da1f02a5"/>
@@ -10149,6 +12688,15 @@
 </ct:contentTypeSchema>
 </file>
 
+<file path=customXml/item3.xml><?xml version="1.0" encoding="utf-8"?>
+<p:properties xmlns:p="http://schemas.microsoft.com/office/2006/metadata/properties" xmlns:xsi="http://www.w3.org/2001/XMLSchema-instance" xmlns:pc="http://schemas.microsoft.com/office/infopath/2007/PartnerControls">
+  <documentManagement>
+    <Status xmlns="71af3243-3dd4-4a8d-8c0d-dd76da1f02a5">Not started</Status>
+    <MediaServiceKeyPoints xmlns="71af3243-3dd4-4a8d-8c0d-dd76da1f02a5" xsi:nil="true"/>
+  </documentManagement>
+</p:properties>
+</file>
+
 <file path=customXml/itemProps1.xml><?xml version="1.0" encoding="utf-8"?>
 <ds:datastoreItem xmlns:ds="http://schemas.openxmlformats.org/officeDocument/2006/customXml" ds:itemID="{CDB58277-F8DF-46FF-84EC-EF41B835E69F}">
   <ds:schemaRefs>
@@ -10158,16 +12706,6 @@
 </file>
 
 <file path=customXml/itemProps2.xml><?xml version="1.0" encoding="utf-8"?>
-<ds:datastoreItem xmlns:ds="http://schemas.openxmlformats.org/officeDocument/2006/customXml" ds:itemID="{137651BA-F45C-4845-9AB3-E0A65B39F5E1}">
-  <ds:schemaRefs>
-    <ds:schemaRef ds:uri="http://schemas.microsoft.com/office/2006/metadata/properties"/>
-    <ds:schemaRef ds:uri="http://schemas.microsoft.com/office/infopath/2007/PartnerControls"/>
-    <ds:schemaRef ds:uri="71af3243-3dd4-4a8d-8c0d-dd76da1f02a5"/>
-  </ds:schemaRefs>
-</ds:datastoreItem>
-</file>
-
-<file path=customXml/itemProps3.xml><?xml version="1.0" encoding="utf-8"?>
 <ds:datastoreItem xmlns:ds="http://schemas.openxmlformats.org/officeDocument/2006/customXml" ds:itemID="{2D276E62-80A3-44DD-9BCC-97ED2B99B57F}">
   <ds:schemaRefs>
     <ds:schemaRef ds:uri="http://schemas.microsoft.com/office/2006/metadata/contentType"/>
@@ -10184,4 +12722,14 @@
     <ds:schemaRef ds:uri="http://schemas.microsoft.com/internal/obd"/>
   </ds:schemaRefs>
 </ds:datastoreItem>
+</file>
+
+<file path=customXml/itemProps3.xml><?xml version="1.0" encoding="utf-8"?>
+<ds:datastoreItem xmlns:ds="http://schemas.openxmlformats.org/officeDocument/2006/customXml" ds:itemID="{137651BA-F45C-4845-9AB3-E0A65B39F5E1}">
+  <ds:schemaRefs>
+    <ds:schemaRef ds:uri="http://schemas.microsoft.com/office/2006/metadata/properties"/>
+    <ds:schemaRef ds:uri="http://schemas.microsoft.com/office/infopath/2007/PartnerControls"/>
+    <ds:schemaRef ds:uri="71af3243-3dd4-4a8d-8c0d-dd76da1f02a5"/>
+  </ds:schemaRefs>
+</ds:datastoreItem>
 </file>
--- a/gOGOGAGA.pptx
+++ b/gOGOGAGA.pptx
@@ -126,9 +126,61 @@
 <file path=ppt/revisionInfo.xml><?xml version="1.0" encoding="utf-8"?>
 <p1510:revInfo xmlns:a="http://schemas.openxmlformats.org/drawingml/2006/main" xmlns:r="http://schemas.openxmlformats.org/officeDocument/2006/relationships" xmlns:p1510="http://schemas.microsoft.com/office/powerpoint/2015/10/main">
   <p1510:revLst>
-    <p1510:client id="{4CA6EE96-F28A-424A-9353-249280B29811}" v="135" dt="2021-01-20T01:39:28.396"/>
+    <p1510:client id="{FC824BF9-DB89-47B8-BE3B-D17ACF56EE78}" v="36" dt="2021-01-21T02:32:17.832"/>
   </p1510:revLst>
 </p1510:revInfo>
+</file>
+
+<file path=ppt/changesInfos/changesInfo1.xml><?xml version="1.0" encoding="utf-8"?>
+<pc:chgInfo xmlns:a="http://schemas.openxmlformats.org/drawingml/2006/main" xmlns:r="http://schemas.openxmlformats.org/officeDocument/2006/relationships" xmlns:ac="http://schemas.microsoft.com/office/drawing/2013/main/command" xmlns:pc="http://schemas.microsoft.com/office/powerpoint/2013/main/command">
+  <pc:docChgLst>
+    <pc:chgData name="Jennifer Lamoureux" userId="df8978671778c259" providerId="LiveId" clId="{FC824BF9-DB89-47B8-BE3B-D17ACF56EE78}"/>
+    <pc:docChg chg="custSel modSld">
+      <pc:chgData name="Jennifer Lamoureux" userId="df8978671778c259" providerId="LiveId" clId="{FC824BF9-DB89-47B8-BE3B-D17ACF56EE78}" dt="2021-01-21T02:33:37.182" v="55" actId="20577"/>
+      <pc:docMkLst>
+        <pc:docMk/>
+      </pc:docMkLst>
+      <pc:sldChg chg="modSp mod">
+        <pc:chgData name="Jennifer Lamoureux" userId="df8978671778c259" providerId="LiveId" clId="{FC824BF9-DB89-47B8-BE3B-D17ACF56EE78}" dt="2021-01-21T02:32:17.831" v="35" actId="20577"/>
+        <pc:sldMkLst>
+          <pc:docMk/>
+          <pc:sldMk cId="73361151" sldId="271"/>
+        </pc:sldMkLst>
+        <pc:spChg chg="mod">
+          <ac:chgData name="Jennifer Lamoureux" userId="df8978671778c259" providerId="LiveId" clId="{FC824BF9-DB89-47B8-BE3B-D17ACF56EE78}" dt="2021-01-21T02:29:01.503" v="3" actId="1076"/>
+          <ac:spMkLst>
+            <pc:docMk/>
+            <pc:sldMk cId="73361151" sldId="271"/>
+            <ac:spMk id="2" creationId="{B6CEC1DE-9809-4948-A4A2-ACD3A41B2D4F}"/>
+          </ac:spMkLst>
+        </pc:spChg>
+        <pc:graphicFrameChg chg="mod">
+          <ac:chgData name="Jennifer Lamoureux" userId="df8978671778c259" providerId="LiveId" clId="{FC824BF9-DB89-47B8-BE3B-D17ACF56EE78}" dt="2021-01-21T02:32:17.831" v="35" actId="20577"/>
+          <ac:graphicFrameMkLst>
+            <pc:docMk/>
+            <pc:sldMk cId="73361151" sldId="271"/>
+            <ac:graphicFrameMk id="5" creationId="{9EA56183-0DEC-460F-8930-E03E01E65631}"/>
+          </ac:graphicFrameMkLst>
+        </pc:graphicFrameChg>
+      </pc:sldChg>
+      <pc:sldChg chg="modSp mod">
+        <pc:chgData name="Jennifer Lamoureux" userId="df8978671778c259" providerId="LiveId" clId="{FC824BF9-DB89-47B8-BE3B-D17ACF56EE78}" dt="2021-01-21T02:33:37.182" v="55" actId="20577"/>
+        <pc:sldMkLst>
+          <pc:docMk/>
+          <pc:sldMk cId="2343847891" sldId="272"/>
+        </pc:sldMkLst>
+        <pc:spChg chg="mod">
+          <ac:chgData name="Jennifer Lamoureux" userId="df8978671778c259" providerId="LiveId" clId="{FC824BF9-DB89-47B8-BE3B-D17ACF56EE78}" dt="2021-01-21T02:33:37.182" v="55" actId="20577"/>
+          <ac:spMkLst>
+            <pc:docMk/>
+            <pc:sldMk cId="2343847891" sldId="272"/>
+            <ac:spMk id="9" creationId="{04110332-5BE2-4D0F-88C6-C33B4B6CB585}"/>
+          </ac:spMkLst>
+        </pc:spChg>
+      </pc:sldChg>
+    </pc:docChg>
+  </pc:docChgLst>
+</pc:chgInfo>
 </file>
 
 <file path=ppt/diagrams/colors1.xml><?xml version="1.0" encoding="utf-8"?>
@@ -2161,8 +2213,41 @@
             </a:lnSpc>
           </a:pPr>
           <a:r>
+            <a:rPr lang="en-US" b="1" dirty="0"/>
+            <a:t>Jeni </a:t>
+          </a:r>
+        </a:p>
+        <a:p>
+          <a:pPr>
+            <a:lnSpc>
+              <a:spcPct val="100000"/>
+            </a:lnSpc>
+          </a:pPr>
+          <a:r>
             <a:rPr lang="en-US" dirty="0"/>
-            <a:t>Jeni – Clean up/Flask connection/Charts</a:t>
+            <a:t>Data clean up</a:t>
+          </a:r>
+        </a:p>
+        <a:p>
+          <a:pPr>
+            <a:lnSpc>
+              <a:spcPct val="100000"/>
+            </a:lnSpc>
+          </a:pPr>
+          <a:r>
+            <a:rPr lang="en-US" dirty="0"/>
+            <a:t>Flask connection</a:t>
+          </a:r>
+        </a:p>
+        <a:p>
+          <a:pPr>
+            <a:lnSpc>
+              <a:spcPct val="100000"/>
+            </a:lnSpc>
+          </a:pPr>
+          <a:r>
+            <a:rPr lang="en-US" dirty="0"/>
+            <a:t>Charts</a:t>
           </a:r>
         </a:p>
       </dgm:t>
@@ -2202,8 +2287,30 @@
             </a:lnSpc>
           </a:pPr>
           <a:r>
+            <a:rPr lang="en-US" b="1" dirty="0"/>
+            <a:t>Allison </a:t>
+          </a:r>
+        </a:p>
+        <a:p>
+          <a:pPr>
+            <a:lnSpc>
+              <a:spcPct val="100000"/>
+            </a:lnSpc>
+          </a:pPr>
+          <a:r>
             <a:rPr lang="en-US" dirty="0"/>
-            <a:t>Allison – Java for table/Flask set up</a:t>
+            <a:t>Java for table</a:t>
+          </a:r>
+        </a:p>
+        <a:p>
+          <a:pPr>
+            <a:lnSpc>
+              <a:spcPct val="100000"/>
+            </a:lnSpc>
+          </a:pPr>
+          <a:r>
+            <a:rPr lang="en-US" dirty="0"/>
+            <a:t>Flask set up</a:t>
           </a:r>
         </a:p>
       </dgm:t>
@@ -2243,12 +2350,34 @@
             </a:lnSpc>
           </a:pPr>
           <a:r>
-            <a:rPr lang="en-US" dirty="0" err="1"/>
+            <a:rPr lang="en-US" b="1" dirty="0" err="1"/>
             <a:t>Lenn</a:t>
           </a:r>
           <a:r>
+            <a:rPr lang="en-US" b="1" dirty="0"/>
+            <a:t> </a:t>
+          </a:r>
+        </a:p>
+        <a:p>
+          <a:pPr>
+            <a:lnSpc>
+              <a:spcPct val="100000"/>
+            </a:lnSpc>
+          </a:pPr>
+          <a:r>
             <a:rPr lang="en-US" dirty="0"/>
-            <a:t> – Html design/Incorporating Anime </a:t>
+            <a:t>Html design</a:t>
+          </a:r>
+        </a:p>
+        <a:p>
+          <a:pPr>
+            <a:lnSpc>
+              <a:spcPct val="100000"/>
+            </a:lnSpc>
+          </a:pPr>
+          <a:r>
+            <a:rPr lang="en-US" dirty="0"/>
+            <a:t>Incorporating Anime </a:t>
           </a:r>
           <a:r>
             <a:rPr lang="en-US" dirty="0" err="1"/>
@@ -2294,7 +2423,7 @@
       <dgm:spPr/>
     </dgm:pt>
     <dgm:pt modelId="{4A907126-A2CA-425C-AF0F-029F662155AA}" type="pres">
-      <dgm:prSet presAssocID="{CEF04553-33BD-490D-827B-92CDD36DD082}" presName="bgRect" presStyleLbl="bgShp" presStyleIdx="0" presStyleCnt="3"/>
+      <dgm:prSet presAssocID="{CEF04553-33BD-490D-827B-92CDD36DD082}" presName="bgRect" presStyleLbl="bgShp" presStyleIdx="0" presStyleCnt="3" custLinFactY="100000" custLinFactNeighborX="27026" custLinFactNeighborY="127528"/>
       <dgm:spPr/>
     </dgm:pt>
     <dgm:pt modelId="{296E88AA-81AD-4AF7-8842-3E467216F618}" type="pres">
@@ -2347,7 +2476,7 @@
       <dgm:spPr/>
     </dgm:pt>
     <dgm:pt modelId="{1C052A02-AD1E-4A07-82A5-6D182D275BC2}" type="pres">
-      <dgm:prSet presAssocID="{26AE1A82-6AE8-4C17-BF99-9B5BE49DE943}" presName="bgRect" presStyleLbl="bgShp" presStyleIdx="1" presStyleCnt="3"/>
+      <dgm:prSet presAssocID="{26AE1A82-6AE8-4C17-BF99-9B5BE49DE943}" presName="bgRect" presStyleLbl="bgShp" presStyleIdx="1" presStyleCnt="3" custLinFactNeighborX="153" custLinFactNeighborY="1619"/>
       <dgm:spPr/>
     </dgm:pt>
     <dgm:pt modelId="{75C54B5A-B6C1-4DB4-9C5A-D0125E6084A0}" type="pres">
@@ -2991,8 +3120,8 @@
       </dsp:nvSpPr>
       <dsp:spPr>
         <a:xfrm>
-          <a:off x="-193141" y="6102"/>
-          <a:ext cx="10412896" cy="1096405"/>
+          <a:off x="0" y="2058816"/>
+          <a:ext cx="10412896" cy="902126"/>
         </a:xfrm>
         <a:prstGeom prst="roundRect">
           <a:avLst>
@@ -3033,8 +3162,8 @@
       </dsp:nvSpPr>
       <dsp:spPr>
         <a:xfrm>
-          <a:off x="138521" y="252793"/>
-          <a:ext cx="603023" cy="603023"/>
+          <a:off x="138658" y="209203"/>
+          <a:ext cx="497140" cy="496169"/>
         </a:xfrm>
         <a:prstGeom prst="rect">
           <a:avLst/>
@@ -3082,8 +3211,8 @@
       </dsp:nvSpPr>
       <dsp:spPr>
         <a:xfrm>
-          <a:off x="684446" y="6102"/>
-          <a:ext cx="9921590" cy="1096405"/>
+          <a:off x="515624" y="6225"/>
+          <a:ext cx="10031506" cy="1125186"/>
         </a:xfrm>
         <a:prstGeom prst="rect">
           <a:avLst/>
@@ -3107,12 +3236,12 @@
         <a:fontRef idx="minor"/>
       </dsp:style>
       <dsp:txBody>
-        <a:bodyPr spcFirstLastPara="0" vert="horz" wrap="square" lIns="116036" tIns="116036" rIns="116036" bIns="116036" numCol="1" spcCol="1270" anchor="ctr" anchorCtr="0">
+        <a:bodyPr spcFirstLastPara="0" vert="horz" wrap="square" lIns="119082" tIns="119082" rIns="119082" bIns="119082" numCol="1" spcCol="1270" anchor="ctr" anchorCtr="0">
           <a:noAutofit/>
         </a:bodyPr>
         <a:lstStyle/>
         <a:p>
-          <a:pPr marL="0" lvl="0" indent="0" algn="l" defTabSz="1111250">
+          <a:pPr marL="0" lvl="0" indent="0" algn="l" defTabSz="622300">
             <a:lnSpc>
               <a:spcPct val="100000"/>
             </a:lnSpc>
@@ -3125,14 +3254,68 @@
             <a:buNone/>
           </a:pPr>
           <a:r>
-            <a:rPr lang="en-US" sz="2500" kern="1200" dirty="0"/>
-            <a:t>Jeni – Clean up/Flask connection/Charts</a:t>
+            <a:rPr lang="en-US" sz="1400" b="1" kern="1200" dirty="0"/>
+            <a:t>Jeni </a:t>
+          </a:r>
+        </a:p>
+        <a:p>
+          <a:pPr marL="0" lvl="0" indent="0" algn="l" defTabSz="622300">
+            <a:lnSpc>
+              <a:spcPct val="100000"/>
+            </a:lnSpc>
+            <a:spcBef>
+              <a:spcPct val="0"/>
+            </a:spcBef>
+            <a:spcAft>
+              <a:spcPct val="35000"/>
+            </a:spcAft>
+            <a:buNone/>
+          </a:pPr>
+          <a:r>
+            <a:rPr lang="en-US" sz="1400" kern="1200" dirty="0"/>
+            <a:t>Data clean up</a:t>
+          </a:r>
+        </a:p>
+        <a:p>
+          <a:pPr marL="0" lvl="0" indent="0" algn="l" defTabSz="622300">
+            <a:lnSpc>
+              <a:spcPct val="100000"/>
+            </a:lnSpc>
+            <a:spcBef>
+              <a:spcPct val="0"/>
+            </a:spcBef>
+            <a:spcAft>
+              <a:spcPct val="35000"/>
+            </a:spcAft>
+            <a:buNone/>
+          </a:pPr>
+          <a:r>
+            <a:rPr lang="en-US" sz="1400" kern="1200" dirty="0"/>
+            <a:t>Flask connection</a:t>
+          </a:r>
+        </a:p>
+        <a:p>
+          <a:pPr marL="0" lvl="0" indent="0" algn="l" defTabSz="622300">
+            <a:lnSpc>
+              <a:spcPct val="100000"/>
+            </a:lnSpc>
+            <a:spcBef>
+              <a:spcPct val="0"/>
+            </a:spcBef>
+            <a:spcAft>
+              <a:spcPct val="35000"/>
+            </a:spcAft>
+            <a:buNone/>
+          </a:pPr>
+          <a:r>
+            <a:rPr lang="en-US" sz="1400" kern="1200" dirty="0"/>
+            <a:t>Charts</a:t>
           </a:r>
         </a:p>
       </dsp:txBody>
       <dsp:txXfrm>
-        <a:off x="684446" y="6102"/>
-        <a:ext cx="9921590" cy="1096405"/>
+        <a:off x="515624" y="6225"/>
+        <a:ext cx="10031506" cy="1125186"/>
       </dsp:txXfrm>
     </dsp:sp>
     <dsp:sp modelId="{1C052A02-AD1E-4A07-82A5-6D182D275BC2}">
@@ -3142,8 +3325,8 @@
       </dsp:nvSpPr>
       <dsp:spPr>
         <a:xfrm>
-          <a:off x="-193141" y="1376609"/>
-          <a:ext cx="10412896" cy="1096405"/>
+          <a:off x="-118303" y="1376824"/>
+          <a:ext cx="10412896" cy="902126"/>
         </a:xfrm>
         <a:prstGeom prst="roundRect">
           <a:avLst>
@@ -3184,8 +3367,8 @@
       </dsp:nvSpPr>
       <dsp:spPr>
         <a:xfrm>
-          <a:off x="138521" y="1623300"/>
-          <a:ext cx="603023" cy="603023"/>
+          <a:off x="138658" y="1565197"/>
+          <a:ext cx="497140" cy="496169"/>
         </a:xfrm>
         <a:prstGeom prst="rect">
           <a:avLst/>
@@ -3233,8 +3416,8 @@
       </dsp:nvSpPr>
       <dsp:spPr>
         <a:xfrm>
-          <a:off x="753393" y="1376609"/>
-          <a:ext cx="9783698" cy="1096405"/>
+          <a:off x="585334" y="1362218"/>
+          <a:ext cx="9892086" cy="1125186"/>
         </a:xfrm>
         <a:prstGeom prst="rect">
           <a:avLst/>
@@ -3258,12 +3441,12 @@
         <a:fontRef idx="minor"/>
       </dsp:style>
       <dsp:txBody>
-        <a:bodyPr spcFirstLastPara="0" vert="horz" wrap="square" lIns="116036" tIns="116036" rIns="116036" bIns="116036" numCol="1" spcCol="1270" anchor="ctr" anchorCtr="0">
+        <a:bodyPr spcFirstLastPara="0" vert="horz" wrap="square" lIns="119082" tIns="119082" rIns="119082" bIns="119082" numCol="1" spcCol="1270" anchor="ctr" anchorCtr="0">
           <a:noAutofit/>
         </a:bodyPr>
         <a:lstStyle/>
         <a:p>
-          <a:pPr marL="0" lvl="0" indent="0" algn="l" defTabSz="1111250">
+          <a:pPr marL="0" lvl="0" indent="0" algn="l" defTabSz="622300">
             <a:lnSpc>
               <a:spcPct val="100000"/>
             </a:lnSpc>
@@ -3276,14 +3459,50 @@
             <a:buNone/>
           </a:pPr>
           <a:r>
-            <a:rPr lang="en-US" sz="2500" kern="1200" dirty="0"/>
-            <a:t>Allison – Java for table/Flask set up</a:t>
+            <a:rPr lang="en-US" sz="1400" b="1" kern="1200" dirty="0"/>
+            <a:t>Allison </a:t>
+          </a:r>
+        </a:p>
+        <a:p>
+          <a:pPr marL="0" lvl="0" indent="0" algn="l" defTabSz="622300">
+            <a:lnSpc>
+              <a:spcPct val="100000"/>
+            </a:lnSpc>
+            <a:spcBef>
+              <a:spcPct val="0"/>
+            </a:spcBef>
+            <a:spcAft>
+              <a:spcPct val="35000"/>
+            </a:spcAft>
+            <a:buNone/>
+          </a:pPr>
+          <a:r>
+            <a:rPr lang="en-US" sz="1400" kern="1200" dirty="0"/>
+            <a:t>Java for table</a:t>
+          </a:r>
+        </a:p>
+        <a:p>
+          <a:pPr marL="0" lvl="0" indent="0" algn="l" defTabSz="622300">
+            <a:lnSpc>
+              <a:spcPct val="100000"/>
+            </a:lnSpc>
+            <a:spcBef>
+              <a:spcPct val="0"/>
+            </a:spcBef>
+            <a:spcAft>
+              <a:spcPct val="35000"/>
+            </a:spcAft>
+            <a:buNone/>
+          </a:pPr>
+          <a:r>
+            <a:rPr lang="en-US" sz="1400" kern="1200" dirty="0"/>
+            <a:t>Flask set up</a:t>
           </a:r>
         </a:p>
       </dsp:txBody>
       <dsp:txXfrm>
-        <a:off x="753393" y="1376609"/>
-        <a:ext cx="9783698" cy="1096405"/>
+        <a:off x="585334" y="1362218"/>
+        <a:ext cx="9892086" cy="1125186"/>
       </dsp:txXfrm>
     </dsp:sp>
     <dsp:sp modelId="{9AED59AB-AACC-4AFE-920B-B76A856BEB87}">
@@ -3293,8 +3512,8 @@
       </dsp:nvSpPr>
       <dsp:spPr>
         <a:xfrm>
-          <a:off x="-193141" y="2747116"/>
-          <a:ext cx="10412896" cy="1096405"/>
+          <a:off x="-134235" y="2718212"/>
+          <a:ext cx="10412896" cy="902126"/>
         </a:xfrm>
         <a:prstGeom prst="roundRect">
           <a:avLst>
@@ -3335,8 +3554,8 @@
       </dsp:nvSpPr>
       <dsp:spPr>
         <a:xfrm>
-          <a:off x="138521" y="2993807"/>
-          <a:ext cx="603023" cy="603023"/>
+          <a:off x="138658" y="2921191"/>
+          <a:ext cx="497140" cy="496169"/>
         </a:xfrm>
         <a:prstGeom prst="rect">
           <a:avLst/>
@@ -3384,8 +3603,8 @@
       </dsp:nvSpPr>
       <dsp:spPr>
         <a:xfrm>
-          <a:off x="838615" y="2747116"/>
-          <a:ext cx="9613252" cy="1096405"/>
+          <a:off x="671501" y="2718212"/>
+          <a:ext cx="9719752" cy="1125186"/>
         </a:xfrm>
         <a:prstGeom prst="rect">
           <a:avLst/>
@@ -3409,12 +3628,12 @@
         <a:fontRef idx="minor"/>
       </dsp:style>
       <dsp:txBody>
-        <a:bodyPr spcFirstLastPara="0" vert="horz" wrap="square" lIns="116036" tIns="116036" rIns="116036" bIns="116036" numCol="1" spcCol="1270" anchor="ctr" anchorCtr="0">
+        <a:bodyPr spcFirstLastPara="0" vert="horz" wrap="square" lIns="119082" tIns="119082" rIns="119082" bIns="119082" numCol="1" spcCol="1270" anchor="ctr" anchorCtr="0">
           <a:noAutofit/>
         </a:bodyPr>
         <a:lstStyle/>
         <a:p>
-          <a:pPr marL="0" lvl="0" indent="0" algn="l" defTabSz="1111250">
+          <a:pPr marL="0" lvl="0" indent="0" algn="l" defTabSz="622300">
             <a:lnSpc>
               <a:spcPct val="100000"/>
             </a:lnSpc>
@@ -3427,23 +3646,59 @@
             <a:buNone/>
           </a:pPr>
           <a:r>
-            <a:rPr lang="en-US" sz="2500" kern="1200" dirty="0" err="1"/>
+            <a:rPr lang="en-US" sz="1400" b="1" kern="1200" dirty="0" err="1"/>
             <a:t>Lenn</a:t>
           </a:r>
           <a:r>
-            <a:rPr lang="en-US" sz="2500" kern="1200" dirty="0"/>
-            <a:t> – Html design/Incorporating Anime </a:t>
+            <a:rPr lang="en-US" sz="1400" b="1" kern="1200" dirty="0"/>
+            <a:t> </a:t>
+          </a:r>
+        </a:p>
+        <a:p>
+          <a:pPr marL="0" lvl="0" indent="0" algn="l" defTabSz="622300">
+            <a:lnSpc>
+              <a:spcPct val="100000"/>
+            </a:lnSpc>
+            <a:spcBef>
+              <a:spcPct val="0"/>
+            </a:spcBef>
+            <a:spcAft>
+              <a:spcPct val="35000"/>
+            </a:spcAft>
+            <a:buNone/>
+          </a:pPr>
+          <a:r>
+            <a:rPr lang="en-US" sz="1400" kern="1200" dirty="0"/>
+            <a:t>Html design</a:t>
+          </a:r>
+        </a:p>
+        <a:p>
+          <a:pPr marL="0" lvl="0" indent="0" algn="l" defTabSz="622300">
+            <a:lnSpc>
+              <a:spcPct val="100000"/>
+            </a:lnSpc>
+            <a:spcBef>
+              <a:spcPct val="0"/>
+            </a:spcBef>
+            <a:spcAft>
+              <a:spcPct val="35000"/>
+            </a:spcAft>
+            <a:buNone/>
+          </a:pPr>
+          <a:r>
+            <a:rPr lang="en-US" sz="1400" kern="1200" dirty="0"/>
+            <a:t>Incorporating Anime </a:t>
           </a:r>
           <a:r>
-            <a:rPr lang="en-US" sz="2500" kern="1200" dirty="0" err="1"/>
+            <a:rPr lang="en-US" sz="1400" kern="1200" dirty="0" err="1"/>
             <a:t>js</a:t>
           </a:r>
-          <a:endParaRPr lang="en-US" sz="2500" kern="1200" dirty="0"/>
+          <a:endParaRPr lang="en-US" sz="1400" kern="1200" dirty="0"/>
         </a:p>
       </dsp:txBody>
       <dsp:txXfrm>
-        <a:off x="838615" y="2747116"/>
-        <a:ext cx="9613252" cy="1096405"/>
+        <a:off x="671501" y="2718212"/>
+        <a:ext cx="9719752" cy="1125186"/>
       </dsp:txXfrm>
     </dsp:sp>
   </dsp:spTree>
@@ -11295,7 +11550,7 @@
         </p:nvSpPr>
         <p:spPr>
           <a:xfrm>
-            <a:off x="1066800" y="642594"/>
+            <a:off x="622917" y="527185"/>
             <a:ext cx="10058400" cy="1371600"/>
           </a:xfrm>
         </p:spPr>
@@ -11328,7 +11583,7 @@
             <p:ph idx="1"/>
             <p:extLst>
               <p:ext uri="{D42A27DB-BD31-4B8C-83A1-F6EECF244321}">
-                <p14:modId xmlns:p14="http://schemas.microsoft.com/office/powerpoint/2010/main" val="4052776212"/>
+                <p14:modId xmlns:p14="http://schemas.microsoft.com/office/powerpoint/2010/main" val="1270787391"/>
               </p:ext>
             </p:extLst>
           </p:nvPr>
@@ -11465,7 +11720,9 @@
           </a:xfrm>
         </p:spPr>
         <p:txBody>
-          <a:bodyPr/>
+          <a:bodyPr>
+            <a:normAutofit lnSpcReduction="10000"/>
+          </a:bodyPr>
           <a:lstStyle/>
           <a:p>
             <a:pPr marL="285750" indent="-285750">
@@ -11514,7 +11771,15 @@
             </a:pPr>
             <a:r>
               <a:rPr lang="en-US" dirty="0"/>
-              <a:t>The additional data behind our set assisted with definitions of all columns</a:t>
+              <a:t>The additional information behind </a:t>
+            </a:r>
+            <a:r>
+              <a:rPr lang="en-US"/>
+              <a:t>our data </a:t>
+            </a:r>
+            <a:r>
+              <a:rPr lang="en-US" dirty="0"/>
+              <a:t>assisted with definitions of all columns</a:t>
             </a:r>
           </a:p>
           <a:p>

--- a/gOGOGAGA.pptx
+++ b/gOGOGAGA.pptx
@@ -5,18 +5,20 @@
     <p:sldMasterId id="2147483673" r:id="rId4"/>
   </p:sldMasterIdLst>
   <p:notesMasterIdLst>
-    <p:notesMasterId r:id="rId14"/>
+    <p:notesMasterId r:id="rId16"/>
   </p:notesMasterIdLst>
   <p:sldIdLst>
     <p:sldId id="257" r:id="rId5"/>
     <p:sldId id="262" r:id="rId6"/>
     <p:sldId id="261" r:id="rId7"/>
-    <p:sldId id="270" r:id="rId8"/>
-    <p:sldId id="271" r:id="rId9"/>
+    <p:sldId id="273" r:id="rId8"/>
+    <p:sldId id="270" r:id="rId9"/>
     <p:sldId id="272" r:id="rId10"/>
-    <p:sldId id="265" r:id="rId11"/>
-    <p:sldId id="267" r:id="rId12"/>
-    <p:sldId id="266" r:id="rId13"/>
+    <p:sldId id="271" r:id="rId11"/>
+    <p:sldId id="265" r:id="rId12"/>
+    <p:sldId id="267" r:id="rId13"/>
+    <p:sldId id="274" r:id="rId14"/>
+    <p:sldId id="266" r:id="rId15"/>
   </p:sldIdLst>
   <p:sldSz cx="12192000" cy="6858000"/>
   <p:notesSz cx="6858000" cy="9144000"/>
@@ -126,61 +128,9 @@
 <file path=ppt/revisionInfo.xml><?xml version="1.0" encoding="utf-8"?>
 <p1510:revInfo xmlns:a="http://schemas.openxmlformats.org/drawingml/2006/main" xmlns:r="http://schemas.openxmlformats.org/officeDocument/2006/relationships" xmlns:p1510="http://schemas.microsoft.com/office/powerpoint/2015/10/main">
   <p1510:revLst>
-    <p1510:client id="{FC824BF9-DB89-47B8-BE3B-D17ACF56EE78}" v="36" dt="2021-01-21T02:32:17.832"/>
+    <p1510:client id="{4CA6EE96-F28A-424A-9353-249280B29811}" v="135" dt="2021-01-20T01:39:28.396"/>
   </p1510:revLst>
 </p1510:revInfo>
-</file>
-
-<file path=ppt/changesInfos/changesInfo1.xml><?xml version="1.0" encoding="utf-8"?>
-<pc:chgInfo xmlns:a="http://schemas.openxmlformats.org/drawingml/2006/main" xmlns:r="http://schemas.openxmlformats.org/officeDocument/2006/relationships" xmlns:ac="http://schemas.microsoft.com/office/drawing/2013/main/command" xmlns:pc="http://schemas.microsoft.com/office/powerpoint/2013/main/command">
-  <pc:docChgLst>
-    <pc:chgData name="Jennifer Lamoureux" userId="df8978671778c259" providerId="LiveId" clId="{FC824BF9-DB89-47B8-BE3B-D17ACF56EE78}"/>
-    <pc:docChg chg="custSel modSld">
-      <pc:chgData name="Jennifer Lamoureux" userId="df8978671778c259" providerId="LiveId" clId="{FC824BF9-DB89-47B8-BE3B-D17ACF56EE78}" dt="2021-01-21T02:33:37.182" v="55" actId="20577"/>
-      <pc:docMkLst>
-        <pc:docMk/>
-      </pc:docMkLst>
-      <pc:sldChg chg="modSp mod">
-        <pc:chgData name="Jennifer Lamoureux" userId="df8978671778c259" providerId="LiveId" clId="{FC824BF9-DB89-47B8-BE3B-D17ACF56EE78}" dt="2021-01-21T02:32:17.831" v="35" actId="20577"/>
-        <pc:sldMkLst>
-          <pc:docMk/>
-          <pc:sldMk cId="73361151" sldId="271"/>
-        </pc:sldMkLst>
-        <pc:spChg chg="mod">
-          <ac:chgData name="Jennifer Lamoureux" userId="df8978671778c259" providerId="LiveId" clId="{FC824BF9-DB89-47B8-BE3B-D17ACF56EE78}" dt="2021-01-21T02:29:01.503" v="3" actId="1076"/>
-          <ac:spMkLst>
-            <pc:docMk/>
-            <pc:sldMk cId="73361151" sldId="271"/>
-            <ac:spMk id="2" creationId="{B6CEC1DE-9809-4948-A4A2-ACD3A41B2D4F}"/>
-          </ac:spMkLst>
-        </pc:spChg>
-        <pc:graphicFrameChg chg="mod">
-          <ac:chgData name="Jennifer Lamoureux" userId="df8978671778c259" providerId="LiveId" clId="{FC824BF9-DB89-47B8-BE3B-D17ACF56EE78}" dt="2021-01-21T02:32:17.831" v="35" actId="20577"/>
-          <ac:graphicFrameMkLst>
-            <pc:docMk/>
-            <pc:sldMk cId="73361151" sldId="271"/>
-            <ac:graphicFrameMk id="5" creationId="{9EA56183-0DEC-460F-8930-E03E01E65631}"/>
-          </ac:graphicFrameMkLst>
-        </pc:graphicFrameChg>
-      </pc:sldChg>
-      <pc:sldChg chg="modSp mod">
-        <pc:chgData name="Jennifer Lamoureux" userId="df8978671778c259" providerId="LiveId" clId="{FC824BF9-DB89-47B8-BE3B-D17ACF56EE78}" dt="2021-01-21T02:33:37.182" v="55" actId="20577"/>
-        <pc:sldMkLst>
-          <pc:docMk/>
-          <pc:sldMk cId="2343847891" sldId="272"/>
-        </pc:sldMkLst>
-        <pc:spChg chg="mod">
-          <ac:chgData name="Jennifer Lamoureux" userId="df8978671778c259" providerId="LiveId" clId="{FC824BF9-DB89-47B8-BE3B-D17ACF56EE78}" dt="2021-01-21T02:33:37.182" v="55" actId="20577"/>
-          <ac:spMkLst>
-            <pc:docMk/>
-            <pc:sldMk cId="2343847891" sldId="272"/>
-            <ac:spMk id="9" creationId="{04110332-5BE2-4D0F-88C6-C33B4B6CB585}"/>
-          </ac:spMkLst>
-        </pc:spChg>
-      </pc:sldChg>
-    </pc:docChg>
-  </pc:docChgLst>
-</pc:chgInfo>
 </file>
 
 <file path=ppt/diagrams/colors1.xml><?xml version="1.0" encoding="utf-8"?>
@@ -1880,7 +1830,7 @@
           </a:pPr>
           <a:r>
             <a:rPr lang="en-US" dirty="0"/>
-            <a:t>    The Goal	</a:t>
+            <a:t>    UNDERSTANDING THE GOAL</a:t>
           </a:r>
         </a:p>
       </dgm:t>
@@ -1922,7 +1872,7 @@
           </a:pPr>
           <a:r>
             <a:rPr lang="en-US" dirty="0"/>
-            <a:t>App/Visualization review &amp; learning</a:t>
+            <a:t>WALKING THROUGH THE APPLICATION</a:t>
           </a:r>
         </a:p>
       </dgm:t>
@@ -1964,7 +1914,7 @@
           </a:pPr>
           <a:r>
             <a:rPr lang="en-US" dirty="0"/>
-            <a:t>If timed allowed and Questions</a:t>
+            <a:t>INSIGHTS AND OPPORTUNITES</a:t>
           </a:r>
         </a:p>
       </dgm:t>
@@ -2213,42 +2163,10 @@
             </a:lnSpc>
           </a:pPr>
           <a:r>
-            <a:rPr lang="en-US" b="1" dirty="0"/>
-            <a:t>Jeni </a:t>
+            <a:rPr lang="en-US"/>
+            <a:t>Jeni – Clean up/Flask connection/Charts</a:t>
           </a:r>
-        </a:p>
-        <a:p>
-          <a:pPr>
-            <a:lnSpc>
-              <a:spcPct val="100000"/>
-            </a:lnSpc>
-          </a:pPr>
-          <a:r>
-            <a:rPr lang="en-US" dirty="0"/>
-            <a:t>Data clean up</a:t>
-          </a:r>
-        </a:p>
-        <a:p>
-          <a:pPr>
-            <a:lnSpc>
-              <a:spcPct val="100000"/>
-            </a:lnSpc>
-          </a:pPr>
-          <a:r>
-            <a:rPr lang="en-US" dirty="0"/>
-            <a:t>Flask connection</a:t>
-          </a:r>
-        </a:p>
-        <a:p>
-          <a:pPr>
-            <a:lnSpc>
-              <a:spcPct val="100000"/>
-            </a:lnSpc>
-          </a:pPr>
-          <a:r>
-            <a:rPr lang="en-US" dirty="0"/>
-            <a:t>Charts</a:t>
-          </a:r>
+          <a:endParaRPr lang="en-US" dirty="0"/>
         </a:p>
       </dgm:t>
     </dgm:pt>
@@ -2287,31 +2205,10 @@
             </a:lnSpc>
           </a:pPr>
           <a:r>
-            <a:rPr lang="en-US" b="1" dirty="0"/>
-            <a:t>Allison </a:t>
+            <a:rPr lang="en-US"/>
+            <a:t>Allison – Java for table/Flask set up</a:t>
           </a:r>
-        </a:p>
-        <a:p>
-          <a:pPr>
-            <a:lnSpc>
-              <a:spcPct val="100000"/>
-            </a:lnSpc>
-          </a:pPr>
-          <a:r>
-            <a:rPr lang="en-US" dirty="0"/>
-            <a:t>Java for table</a:t>
-          </a:r>
-        </a:p>
-        <a:p>
-          <a:pPr>
-            <a:lnSpc>
-              <a:spcPct val="100000"/>
-            </a:lnSpc>
-          </a:pPr>
-          <a:r>
-            <a:rPr lang="en-US" dirty="0"/>
-            <a:t>Flask set up</a:t>
-          </a:r>
+          <a:endParaRPr lang="en-US" dirty="0"/>
         </a:p>
       </dgm:t>
     </dgm:pt>
@@ -2350,38 +2247,8 @@
             </a:lnSpc>
           </a:pPr>
           <a:r>
-            <a:rPr lang="en-US" b="1" dirty="0" err="1"/>
-            <a:t>Lenn</a:t>
-          </a:r>
-          <a:r>
-            <a:rPr lang="en-US" b="1" dirty="0"/>
-            <a:t> </a:t>
-          </a:r>
-        </a:p>
-        <a:p>
-          <a:pPr>
-            <a:lnSpc>
-              <a:spcPct val="100000"/>
-            </a:lnSpc>
-          </a:pPr>
-          <a:r>
-            <a:rPr lang="en-US" dirty="0"/>
-            <a:t>Html design</a:t>
-          </a:r>
-        </a:p>
-        <a:p>
-          <a:pPr>
-            <a:lnSpc>
-              <a:spcPct val="100000"/>
-            </a:lnSpc>
-          </a:pPr>
-          <a:r>
-            <a:rPr lang="en-US" dirty="0"/>
-            <a:t>Incorporating Anime </a:t>
-          </a:r>
-          <a:r>
-            <a:rPr lang="en-US" dirty="0" err="1"/>
-            <a:t>js</a:t>
+            <a:rPr lang="en-US"/>
+            <a:t>Lenn – Html design/Incorporating Anime js</a:t>
           </a:r>
           <a:endParaRPr lang="en-US" dirty="0"/>
         </a:p>
@@ -2423,7 +2290,7 @@
       <dgm:spPr/>
     </dgm:pt>
     <dgm:pt modelId="{4A907126-A2CA-425C-AF0F-029F662155AA}" type="pres">
-      <dgm:prSet presAssocID="{CEF04553-33BD-490D-827B-92CDD36DD082}" presName="bgRect" presStyleLbl="bgShp" presStyleIdx="0" presStyleCnt="3" custLinFactY="100000" custLinFactNeighborX="27026" custLinFactNeighborY="127528"/>
+      <dgm:prSet presAssocID="{CEF04553-33BD-490D-827B-92CDD36DD082}" presName="bgRect" presStyleLbl="bgShp" presStyleIdx="0" presStyleCnt="3"/>
       <dgm:spPr/>
     </dgm:pt>
     <dgm:pt modelId="{296E88AA-81AD-4AF7-8842-3E467216F618}" type="pres">
@@ -2476,7 +2343,7 @@
       <dgm:spPr/>
     </dgm:pt>
     <dgm:pt modelId="{1C052A02-AD1E-4A07-82A5-6D182D275BC2}" type="pres">
-      <dgm:prSet presAssocID="{26AE1A82-6AE8-4C17-BF99-9B5BE49DE943}" presName="bgRect" presStyleLbl="bgShp" presStyleIdx="1" presStyleCnt="3" custLinFactNeighborX="153" custLinFactNeighborY="1619"/>
+      <dgm:prSet presAssocID="{26AE1A82-6AE8-4C17-BF99-9B5BE49DE943}" presName="bgRect" presStyleLbl="bgShp" presStyleIdx="1" presStyleCnt="3"/>
       <dgm:spPr/>
     </dgm:pt>
     <dgm:pt modelId="{75C54B5A-B6C1-4DB4-9C5A-D0125E6084A0}" type="pres">
@@ -2575,36 +2442,36 @@
     </dgm:pt>
   </dgm:ptLst>
   <dgm:cxnLst>
-    <dgm:cxn modelId="{B03CFB01-7450-44AD-B2E5-2960706706B9}" type="presOf" srcId="{6DF9174E-15E7-4665-AFB0-1D5BC31DAE7A}" destId="{EC78EAE9-1A6D-491C-BB03-FA59FE1F5346}" srcOrd="0" destOrd="0" presId="urn:microsoft.com/office/officeart/2018/2/layout/IconVerticalSolidList"/>
+    <dgm:cxn modelId="{BB6DB807-3AE5-41A2-81FC-1ADACE8B762B}" type="presOf" srcId="{CEF04553-33BD-490D-827B-92CDD36DD082}" destId="{9C3D3724-B26E-4135-982E-E09DFC02CBB2}" srcOrd="0" destOrd="0" presId="urn:microsoft.com/office/officeart/2018/2/layout/IconVerticalSolidList"/>
     <dgm:cxn modelId="{0811B91C-F3FF-4BA6-8C22-23F20CF8152D}" srcId="{EAB6B3E1-FC6F-4045-B7A5-E003D0B3E5FD}" destId="{CEF04553-33BD-490D-827B-92CDD36DD082}" srcOrd="0" destOrd="0" parTransId="{A09AB217-180A-410F-9471-85CC9510E087}" sibTransId="{3978BDBD-4E1C-4960-B133-9D1BBA849AB6}"/>
+    <dgm:cxn modelId="{6B23591E-BE3F-4E1B-878F-2B955DC36EB7}" type="presOf" srcId="{EAB6B3E1-FC6F-4045-B7A5-E003D0B3E5FD}" destId="{EA5BF9C6-66B2-4F11-A1D4-66FFD936B7C8}" srcOrd="0" destOrd="0" presId="urn:microsoft.com/office/officeart/2018/2/layout/IconVerticalSolidList"/>
     <dgm:cxn modelId="{6758F020-C819-450E-81AC-4A7563CD4D83}" srcId="{EAB6B3E1-FC6F-4045-B7A5-E003D0B3E5FD}" destId="{26AE1A82-6AE8-4C17-BF99-9B5BE49DE943}" srcOrd="1" destOrd="0" parTransId="{D0A2CE73-B537-4658-B4EA-04F7EA60BA8A}" sibTransId="{B3505980-7ECD-48AC-8F8D-2A6C13870A81}"/>
     <dgm:cxn modelId="{85F89738-F4F4-45B2-9687-2B810BDCE243}" srcId="{EAB6B3E1-FC6F-4045-B7A5-E003D0B3E5FD}" destId="{6DF9174E-15E7-4665-AFB0-1D5BC31DAE7A}" srcOrd="2" destOrd="0" parTransId="{950CBB3B-AF1D-4510-839B-3C68536CBAC9}" sibTransId="{0CE95A67-CE00-423B-9B92-22E22F56EC04}"/>
-    <dgm:cxn modelId="{BAD9F23A-19AF-4F63-BCBF-9F0AF233F7F0}" type="presOf" srcId="{26AE1A82-6AE8-4C17-BF99-9B5BE49DE943}" destId="{177AEF78-C31B-46E7-8450-985BDAA525F8}" srcOrd="0" destOrd="0" presId="urn:microsoft.com/office/officeart/2018/2/layout/IconVerticalSolidList"/>
-    <dgm:cxn modelId="{9DDB3E60-3306-4413-AD88-C508FBB76805}" type="presOf" srcId="{CEF04553-33BD-490D-827B-92CDD36DD082}" destId="{9C3D3724-B26E-4135-982E-E09DFC02CBB2}" srcOrd="0" destOrd="0" presId="urn:microsoft.com/office/officeart/2018/2/layout/IconVerticalSolidList"/>
-    <dgm:cxn modelId="{89D87EC6-9BF8-442E-9DA6-AC72E83CFE8E}" type="presOf" srcId="{EAB6B3E1-FC6F-4045-B7A5-E003D0B3E5FD}" destId="{EA5BF9C6-66B2-4F11-A1D4-66FFD936B7C8}" srcOrd="0" destOrd="0" presId="urn:microsoft.com/office/officeart/2018/2/layout/IconVerticalSolidList"/>
-    <dgm:cxn modelId="{433D5157-8A5C-4D48-AC83-F784BF4728B1}" type="presParOf" srcId="{EA5BF9C6-66B2-4F11-A1D4-66FFD936B7C8}" destId="{CC27E8B5-57C3-4B54-85FD-E6FFF5BF53E4}" srcOrd="0" destOrd="0" presId="urn:microsoft.com/office/officeart/2018/2/layout/IconVerticalSolidList"/>
-    <dgm:cxn modelId="{4201FC0A-7000-4F14-BBEC-07E836EC9241}" type="presParOf" srcId="{CC27E8B5-57C3-4B54-85FD-E6FFF5BF53E4}" destId="{4A907126-A2CA-425C-AF0F-029F662155AA}" srcOrd="0" destOrd="0" presId="urn:microsoft.com/office/officeart/2018/2/layout/IconVerticalSolidList"/>
-    <dgm:cxn modelId="{51324439-EBF8-4402-9C11-7022871832A2}" type="presParOf" srcId="{CC27E8B5-57C3-4B54-85FD-E6FFF5BF53E4}" destId="{296E88AA-81AD-4AF7-8842-3E467216F618}" srcOrd="1" destOrd="0" presId="urn:microsoft.com/office/officeart/2018/2/layout/IconVerticalSolidList"/>
-    <dgm:cxn modelId="{7BA6F284-BDC6-49F8-B6A9-F740E022ADE1}" type="presParOf" srcId="{CC27E8B5-57C3-4B54-85FD-E6FFF5BF53E4}" destId="{32EF15A6-18A1-43A4-AC27-1BDEB7B51F40}" srcOrd="2" destOrd="0" presId="urn:microsoft.com/office/officeart/2018/2/layout/IconVerticalSolidList"/>
-    <dgm:cxn modelId="{78343F4F-C3EB-48B9-8A05-F9CE32D510DB}" type="presParOf" srcId="{CC27E8B5-57C3-4B54-85FD-E6FFF5BF53E4}" destId="{9C3D3724-B26E-4135-982E-E09DFC02CBB2}" srcOrd="3" destOrd="0" presId="urn:microsoft.com/office/officeart/2018/2/layout/IconVerticalSolidList"/>
-    <dgm:cxn modelId="{C8C58E26-EBA6-4CFE-96EB-5348E7C91ACD}" type="presParOf" srcId="{EA5BF9C6-66B2-4F11-A1D4-66FFD936B7C8}" destId="{D1F980E9-D6CB-488D-8C57-F5067BC39E50}" srcOrd="1" destOrd="0" presId="urn:microsoft.com/office/officeart/2018/2/layout/IconVerticalSolidList"/>
-    <dgm:cxn modelId="{0CCC0FE4-7224-4A56-BB6D-5EEAF140F880}" type="presParOf" srcId="{EA5BF9C6-66B2-4F11-A1D4-66FFD936B7C8}" destId="{E08F7039-F93F-451C-B0A9-A14C2F2BBE5E}" srcOrd="2" destOrd="0" presId="urn:microsoft.com/office/officeart/2018/2/layout/IconVerticalSolidList"/>
-    <dgm:cxn modelId="{5A521B47-F803-475C-AC7D-B23DADCEB463}" type="presParOf" srcId="{E08F7039-F93F-451C-B0A9-A14C2F2BBE5E}" destId="{1C052A02-AD1E-4A07-82A5-6D182D275BC2}" srcOrd="0" destOrd="0" presId="urn:microsoft.com/office/officeart/2018/2/layout/IconVerticalSolidList"/>
-    <dgm:cxn modelId="{5737D82B-DD46-455A-943B-DD57C29A5865}" type="presParOf" srcId="{E08F7039-F93F-451C-B0A9-A14C2F2BBE5E}" destId="{75C54B5A-B6C1-4DB4-9C5A-D0125E6084A0}" srcOrd="1" destOrd="0" presId="urn:microsoft.com/office/officeart/2018/2/layout/IconVerticalSolidList"/>
-    <dgm:cxn modelId="{364E7BDE-A45F-41AD-82D9-5F24E0755081}" type="presParOf" srcId="{E08F7039-F93F-451C-B0A9-A14C2F2BBE5E}" destId="{F7212059-E43C-46A8-87A3-65F9A830AE46}" srcOrd="2" destOrd="0" presId="urn:microsoft.com/office/officeart/2018/2/layout/IconVerticalSolidList"/>
-    <dgm:cxn modelId="{AB287C18-D68B-479D-8B08-13DCBAC02629}" type="presParOf" srcId="{E08F7039-F93F-451C-B0A9-A14C2F2BBE5E}" destId="{177AEF78-C31B-46E7-8450-985BDAA525F8}" srcOrd="3" destOrd="0" presId="urn:microsoft.com/office/officeart/2018/2/layout/IconVerticalSolidList"/>
-    <dgm:cxn modelId="{96BE6670-22FF-4D09-9E91-EBF8A5C7A6A7}" type="presParOf" srcId="{EA5BF9C6-66B2-4F11-A1D4-66FFD936B7C8}" destId="{4C1849FE-1DC4-4F25-B2B5-CE0A4421CAED}" srcOrd="3" destOrd="0" presId="urn:microsoft.com/office/officeart/2018/2/layout/IconVerticalSolidList"/>
-    <dgm:cxn modelId="{DE1FE895-033C-4E18-B80E-8EB1045E70D0}" type="presParOf" srcId="{EA5BF9C6-66B2-4F11-A1D4-66FFD936B7C8}" destId="{55E0C6C4-58E3-4296-924D-4CFBBE977C95}" srcOrd="4" destOrd="0" presId="urn:microsoft.com/office/officeart/2018/2/layout/IconVerticalSolidList"/>
-    <dgm:cxn modelId="{23BA98BD-AEF2-4596-8270-C4D59DD00355}" type="presParOf" srcId="{55E0C6C4-58E3-4296-924D-4CFBBE977C95}" destId="{9AED59AB-AACC-4AFE-920B-B76A856BEB87}" srcOrd="0" destOrd="0" presId="urn:microsoft.com/office/officeart/2018/2/layout/IconVerticalSolidList"/>
-    <dgm:cxn modelId="{3F104113-24D5-4519-9613-16790B51132E}" type="presParOf" srcId="{55E0C6C4-58E3-4296-924D-4CFBBE977C95}" destId="{CA0E6411-0528-45E6-A2EE-35C4C92AAED1}" srcOrd="1" destOrd="0" presId="urn:microsoft.com/office/officeart/2018/2/layout/IconVerticalSolidList"/>
-    <dgm:cxn modelId="{F8A14184-A3F6-4D98-BD3D-FB07755A1F42}" type="presParOf" srcId="{55E0C6C4-58E3-4296-924D-4CFBBE977C95}" destId="{D121E0F5-49BB-48A9-8C8B-FE609F7B717F}" srcOrd="2" destOrd="0" presId="urn:microsoft.com/office/officeart/2018/2/layout/IconVerticalSolidList"/>
-    <dgm:cxn modelId="{A5BA3B5A-6E62-47EF-9FEF-57780F250021}" type="presParOf" srcId="{55E0C6C4-58E3-4296-924D-4CFBBE977C95}" destId="{EC78EAE9-1A6D-491C-BB03-FA59FE1F5346}" srcOrd="3" destOrd="0" presId="urn:microsoft.com/office/officeart/2018/2/layout/IconVerticalSolidList"/>
+    <dgm:cxn modelId="{BBD85F5D-7D87-4DDF-B579-CCBE022D5852}" type="presOf" srcId="{6DF9174E-15E7-4665-AFB0-1D5BC31DAE7A}" destId="{EC78EAE9-1A6D-491C-BB03-FA59FE1F5346}" srcOrd="0" destOrd="0" presId="urn:microsoft.com/office/officeart/2018/2/layout/IconVerticalSolidList"/>
+    <dgm:cxn modelId="{E97E8C76-CFBE-47AE-9478-750A57243317}" type="presOf" srcId="{26AE1A82-6AE8-4C17-BF99-9B5BE49DE943}" destId="{177AEF78-C31B-46E7-8450-985BDAA525F8}" srcOrd="0" destOrd="0" presId="urn:microsoft.com/office/officeart/2018/2/layout/IconVerticalSolidList"/>
+    <dgm:cxn modelId="{1A365B7C-EFFB-424E-B9ED-7BC7BC7639DC}" type="presParOf" srcId="{EA5BF9C6-66B2-4F11-A1D4-66FFD936B7C8}" destId="{CC27E8B5-57C3-4B54-85FD-E6FFF5BF53E4}" srcOrd="0" destOrd="0" presId="urn:microsoft.com/office/officeart/2018/2/layout/IconVerticalSolidList"/>
+    <dgm:cxn modelId="{C6831555-E1ED-4EAE-BE16-AAE7DF36D13E}" type="presParOf" srcId="{CC27E8B5-57C3-4B54-85FD-E6FFF5BF53E4}" destId="{4A907126-A2CA-425C-AF0F-029F662155AA}" srcOrd="0" destOrd="0" presId="urn:microsoft.com/office/officeart/2018/2/layout/IconVerticalSolidList"/>
+    <dgm:cxn modelId="{4E4276F7-1E78-48E1-92D5-E295BBC4C951}" type="presParOf" srcId="{CC27E8B5-57C3-4B54-85FD-E6FFF5BF53E4}" destId="{296E88AA-81AD-4AF7-8842-3E467216F618}" srcOrd="1" destOrd="0" presId="urn:microsoft.com/office/officeart/2018/2/layout/IconVerticalSolidList"/>
+    <dgm:cxn modelId="{8C9E53AB-440D-4A34-BE68-8BDE29A1EFA0}" type="presParOf" srcId="{CC27E8B5-57C3-4B54-85FD-E6FFF5BF53E4}" destId="{32EF15A6-18A1-43A4-AC27-1BDEB7B51F40}" srcOrd="2" destOrd="0" presId="urn:microsoft.com/office/officeart/2018/2/layout/IconVerticalSolidList"/>
+    <dgm:cxn modelId="{A6644825-A9F7-4EDE-BB1F-DCEEB421916E}" type="presParOf" srcId="{CC27E8B5-57C3-4B54-85FD-E6FFF5BF53E4}" destId="{9C3D3724-B26E-4135-982E-E09DFC02CBB2}" srcOrd="3" destOrd="0" presId="urn:microsoft.com/office/officeart/2018/2/layout/IconVerticalSolidList"/>
+    <dgm:cxn modelId="{A1FB42C7-EB47-4153-BB15-B46BEEA5A783}" type="presParOf" srcId="{EA5BF9C6-66B2-4F11-A1D4-66FFD936B7C8}" destId="{D1F980E9-D6CB-488D-8C57-F5067BC39E50}" srcOrd="1" destOrd="0" presId="urn:microsoft.com/office/officeart/2018/2/layout/IconVerticalSolidList"/>
+    <dgm:cxn modelId="{6CC25A42-6ACA-4C16-B7A9-D2BF004271EE}" type="presParOf" srcId="{EA5BF9C6-66B2-4F11-A1D4-66FFD936B7C8}" destId="{E08F7039-F93F-451C-B0A9-A14C2F2BBE5E}" srcOrd="2" destOrd="0" presId="urn:microsoft.com/office/officeart/2018/2/layout/IconVerticalSolidList"/>
+    <dgm:cxn modelId="{3D1FA1F0-AC98-4E43-9AFB-756B23C179DB}" type="presParOf" srcId="{E08F7039-F93F-451C-B0A9-A14C2F2BBE5E}" destId="{1C052A02-AD1E-4A07-82A5-6D182D275BC2}" srcOrd="0" destOrd="0" presId="urn:microsoft.com/office/officeart/2018/2/layout/IconVerticalSolidList"/>
+    <dgm:cxn modelId="{1849AE23-B99F-497B-A5BA-1CA6B927F70C}" type="presParOf" srcId="{E08F7039-F93F-451C-B0A9-A14C2F2BBE5E}" destId="{75C54B5A-B6C1-4DB4-9C5A-D0125E6084A0}" srcOrd="1" destOrd="0" presId="urn:microsoft.com/office/officeart/2018/2/layout/IconVerticalSolidList"/>
+    <dgm:cxn modelId="{40EEEA63-4003-492E-ADC6-061666E5C075}" type="presParOf" srcId="{E08F7039-F93F-451C-B0A9-A14C2F2BBE5E}" destId="{F7212059-E43C-46A8-87A3-65F9A830AE46}" srcOrd="2" destOrd="0" presId="urn:microsoft.com/office/officeart/2018/2/layout/IconVerticalSolidList"/>
+    <dgm:cxn modelId="{6B349560-E485-4F65-BF30-1E617BDBA1C9}" type="presParOf" srcId="{E08F7039-F93F-451C-B0A9-A14C2F2BBE5E}" destId="{177AEF78-C31B-46E7-8450-985BDAA525F8}" srcOrd="3" destOrd="0" presId="urn:microsoft.com/office/officeart/2018/2/layout/IconVerticalSolidList"/>
+    <dgm:cxn modelId="{D4A22DC8-CD95-4A16-B2A5-BFCBD1B60E02}" type="presParOf" srcId="{EA5BF9C6-66B2-4F11-A1D4-66FFD936B7C8}" destId="{4C1849FE-1DC4-4F25-B2B5-CE0A4421CAED}" srcOrd="3" destOrd="0" presId="urn:microsoft.com/office/officeart/2018/2/layout/IconVerticalSolidList"/>
+    <dgm:cxn modelId="{3DCE1BB8-249C-4123-B303-7711CEC1073D}" type="presParOf" srcId="{EA5BF9C6-66B2-4F11-A1D4-66FFD936B7C8}" destId="{55E0C6C4-58E3-4296-924D-4CFBBE977C95}" srcOrd="4" destOrd="0" presId="urn:microsoft.com/office/officeart/2018/2/layout/IconVerticalSolidList"/>
+    <dgm:cxn modelId="{ED3BE87A-FDFC-49C2-87D4-DB4FB057CFA2}" type="presParOf" srcId="{55E0C6C4-58E3-4296-924D-4CFBBE977C95}" destId="{9AED59AB-AACC-4AFE-920B-B76A856BEB87}" srcOrd="0" destOrd="0" presId="urn:microsoft.com/office/officeart/2018/2/layout/IconVerticalSolidList"/>
+    <dgm:cxn modelId="{76D224CF-26D0-4C25-BFC8-FB7E48AE4833}" type="presParOf" srcId="{55E0C6C4-58E3-4296-924D-4CFBBE977C95}" destId="{CA0E6411-0528-45E6-A2EE-35C4C92AAED1}" srcOrd="1" destOrd="0" presId="urn:microsoft.com/office/officeart/2018/2/layout/IconVerticalSolidList"/>
+    <dgm:cxn modelId="{4BD81BA9-0725-4C52-9586-1DA9FBFA005D}" type="presParOf" srcId="{55E0C6C4-58E3-4296-924D-4CFBBE977C95}" destId="{D121E0F5-49BB-48A9-8C8B-FE609F7B717F}" srcOrd="2" destOrd="0" presId="urn:microsoft.com/office/officeart/2018/2/layout/IconVerticalSolidList"/>
+    <dgm:cxn modelId="{0CA89D31-0123-447C-A693-49EDEE9E9731}" type="presParOf" srcId="{55E0C6C4-58E3-4296-924D-4CFBBE977C95}" destId="{EC78EAE9-1A6D-491C-BB03-FA59FE1F5346}" srcOrd="3" destOrd="0" presId="urn:microsoft.com/office/officeart/2018/2/layout/IconVerticalSolidList"/>
   </dgm:cxnLst>
   <dgm:bg/>
   <dgm:whole/>
   <dgm:extLst>
     <a:ext uri="http://schemas.microsoft.com/office/drawing/2008/diagram">
-      <dsp:dataModelExt xmlns:dsp="http://schemas.microsoft.com/office/drawing/2008/diagram" relId="rId6" minVer="http://schemas.openxmlformats.org/drawingml/2006/diagram"/>
+      <dsp:dataModelExt xmlns:dsp="http://schemas.microsoft.com/office/drawing/2008/diagram" relId="rId7" minVer="http://schemas.openxmlformats.org/drawingml/2006/diagram"/>
     </a:ext>
   </dgm:extLst>
 </dgm:dataModel>
@@ -2770,7 +2637,7 @@
           </a:pPr>
           <a:r>
             <a:rPr lang="en-US" sz="2300" kern="1200" dirty="0"/>
-            <a:t>    The Goal	</a:t>
+            <a:t>    UNDERSTANDING THE GOAL</a:t>
           </a:r>
         </a:p>
       </dsp:txBody>
@@ -2931,7 +2798,7 @@
           </a:pPr>
           <a:r>
             <a:rPr lang="en-US" sz="2300" kern="1200" dirty="0"/>
-            <a:t>App/Visualization review &amp; learning</a:t>
+            <a:t>WALKING THROUGH THE APPLICATION</a:t>
           </a:r>
         </a:p>
       </dsp:txBody>
@@ -3092,7 +2959,7 @@
           </a:pPr>
           <a:r>
             <a:rPr lang="en-US" sz="2300" kern="1200" dirty="0"/>
-            <a:t>If timed allowed and Questions</a:t>
+            <a:t>INSIGHTS AND OPPORTUNITES</a:t>
           </a:r>
         </a:p>
       </dsp:txBody>
@@ -3120,8 +2987,8 @@
       </dsp:nvSpPr>
       <dsp:spPr>
         <a:xfrm>
-          <a:off x="0" y="2058816"/>
-          <a:ext cx="10412896" cy="902126"/>
+          <a:off x="-193141" y="6102"/>
+          <a:ext cx="10412896" cy="1096405"/>
         </a:xfrm>
         <a:prstGeom prst="roundRect">
           <a:avLst>
@@ -3162,8 +3029,8 @@
       </dsp:nvSpPr>
       <dsp:spPr>
         <a:xfrm>
-          <a:off x="138658" y="209203"/>
-          <a:ext cx="497140" cy="496169"/>
+          <a:off x="138521" y="252793"/>
+          <a:ext cx="603023" cy="603023"/>
         </a:xfrm>
         <a:prstGeom prst="rect">
           <a:avLst/>
@@ -3211,8 +3078,8 @@
       </dsp:nvSpPr>
       <dsp:spPr>
         <a:xfrm>
-          <a:off x="515624" y="6225"/>
-          <a:ext cx="10031506" cy="1125186"/>
+          <a:off x="684446" y="6102"/>
+          <a:ext cx="9921590" cy="1096405"/>
         </a:xfrm>
         <a:prstGeom prst="rect">
           <a:avLst/>
@@ -3236,12 +3103,12 @@
         <a:fontRef idx="minor"/>
       </dsp:style>
       <dsp:txBody>
-        <a:bodyPr spcFirstLastPara="0" vert="horz" wrap="square" lIns="119082" tIns="119082" rIns="119082" bIns="119082" numCol="1" spcCol="1270" anchor="ctr" anchorCtr="0">
+        <a:bodyPr spcFirstLastPara="0" vert="horz" wrap="square" lIns="116036" tIns="116036" rIns="116036" bIns="116036" numCol="1" spcCol="1270" anchor="ctr" anchorCtr="0">
           <a:noAutofit/>
         </a:bodyPr>
         <a:lstStyle/>
         <a:p>
-          <a:pPr marL="0" lvl="0" indent="0" algn="l" defTabSz="622300">
+          <a:pPr marL="0" lvl="0" indent="0" algn="l" defTabSz="1111250">
             <a:lnSpc>
               <a:spcPct val="100000"/>
             </a:lnSpc>
@@ -3254,68 +3121,15 @@
             <a:buNone/>
           </a:pPr>
           <a:r>
-            <a:rPr lang="en-US" sz="1400" b="1" kern="1200" dirty="0"/>
-            <a:t>Jeni </a:t>
+            <a:rPr lang="en-US" sz="2500" kern="1200"/>
+            <a:t>Jeni – Clean up/Flask connection/Charts</a:t>
           </a:r>
-        </a:p>
-        <a:p>
-          <a:pPr marL="0" lvl="0" indent="0" algn="l" defTabSz="622300">
-            <a:lnSpc>
-              <a:spcPct val="100000"/>
-            </a:lnSpc>
-            <a:spcBef>
-              <a:spcPct val="0"/>
-            </a:spcBef>
-            <a:spcAft>
-              <a:spcPct val="35000"/>
-            </a:spcAft>
-            <a:buNone/>
-          </a:pPr>
-          <a:r>
-            <a:rPr lang="en-US" sz="1400" kern="1200" dirty="0"/>
-            <a:t>Data clean up</a:t>
-          </a:r>
-        </a:p>
-        <a:p>
-          <a:pPr marL="0" lvl="0" indent="0" algn="l" defTabSz="622300">
-            <a:lnSpc>
-              <a:spcPct val="100000"/>
-            </a:lnSpc>
-            <a:spcBef>
-              <a:spcPct val="0"/>
-            </a:spcBef>
-            <a:spcAft>
-              <a:spcPct val="35000"/>
-            </a:spcAft>
-            <a:buNone/>
-          </a:pPr>
-          <a:r>
-            <a:rPr lang="en-US" sz="1400" kern="1200" dirty="0"/>
-            <a:t>Flask connection</a:t>
-          </a:r>
-        </a:p>
-        <a:p>
-          <a:pPr marL="0" lvl="0" indent="0" algn="l" defTabSz="622300">
-            <a:lnSpc>
-              <a:spcPct val="100000"/>
-            </a:lnSpc>
-            <a:spcBef>
-              <a:spcPct val="0"/>
-            </a:spcBef>
-            <a:spcAft>
-              <a:spcPct val="35000"/>
-            </a:spcAft>
-            <a:buNone/>
-          </a:pPr>
-          <a:r>
-            <a:rPr lang="en-US" sz="1400" kern="1200" dirty="0"/>
-            <a:t>Charts</a:t>
-          </a:r>
+          <a:endParaRPr lang="en-US" sz="2500" kern="1200" dirty="0"/>
         </a:p>
       </dsp:txBody>
       <dsp:txXfrm>
-        <a:off x="515624" y="6225"/>
-        <a:ext cx="10031506" cy="1125186"/>
+        <a:off x="684446" y="6102"/>
+        <a:ext cx="9921590" cy="1096405"/>
       </dsp:txXfrm>
     </dsp:sp>
     <dsp:sp modelId="{1C052A02-AD1E-4A07-82A5-6D182D275BC2}">
@@ -3325,8 +3139,8 @@
       </dsp:nvSpPr>
       <dsp:spPr>
         <a:xfrm>
-          <a:off x="-118303" y="1376824"/>
-          <a:ext cx="10412896" cy="902126"/>
+          <a:off x="-193141" y="1376609"/>
+          <a:ext cx="10412896" cy="1096405"/>
         </a:xfrm>
         <a:prstGeom prst="roundRect">
           <a:avLst>
@@ -3367,8 +3181,8 @@
       </dsp:nvSpPr>
       <dsp:spPr>
         <a:xfrm>
-          <a:off x="138658" y="1565197"/>
-          <a:ext cx="497140" cy="496169"/>
+          <a:off x="138521" y="1623300"/>
+          <a:ext cx="603023" cy="603023"/>
         </a:xfrm>
         <a:prstGeom prst="rect">
           <a:avLst/>
@@ -3416,8 +3230,8 @@
       </dsp:nvSpPr>
       <dsp:spPr>
         <a:xfrm>
-          <a:off x="585334" y="1362218"/>
-          <a:ext cx="9892086" cy="1125186"/>
+          <a:off x="753393" y="1376609"/>
+          <a:ext cx="9783698" cy="1096405"/>
         </a:xfrm>
         <a:prstGeom prst="rect">
           <a:avLst/>
@@ -3441,12 +3255,12 @@
         <a:fontRef idx="minor"/>
       </dsp:style>
       <dsp:txBody>
-        <a:bodyPr spcFirstLastPara="0" vert="horz" wrap="square" lIns="119082" tIns="119082" rIns="119082" bIns="119082" numCol="1" spcCol="1270" anchor="ctr" anchorCtr="0">
+        <a:bodyPr spcFirstLastPara="0" vert="horz" wrap="square" lIns="116036" tIns="116036" rIns="116036" bIns="116036" numCol="1" spcCol="1270" anchor="ctr" anchorCtr="0">
           <a:noAutofit/>
         </a:bodyPr>
         <a:lstStyle/>
         <a:p>
-          <a:pPr marL="0" lvl="0" indent="0" algn="l" defTabSz="622300">
+          <a:pPr marL="0" lvl="0" indent="0" algn="l" defTabSz="1111250">
             <a:lnSpc>
               <a:spcPct val="100000"/>
             </a:lnSpc>
@@ -3459,50 +3273,15 @@
             <a:buNone/>
           </a:pPr>
           <a:r>
-            <a:rPr lang="en-US" sz="1400" b="1" kern="1200" dirty="0"/>
-            <a:t>Allison </a:t>
+            <a:rPr lang="en-US" sz="2500" kern="1200"/>
+            <a:t>Allison – Java for table/Flask set up</a:t>
           </a:r>
-        </a:p>
-        <a:p>
-          <a:pPr marL="0" lvl="0" indent="0" algn="l" defTabSz="622300">
-            <a:lnSpc>
-              <a:spcPct val="100000"/>
-            </a:lnSpc>
-            <a:spcBef>
-              <a:spcPct val="0"/>
-            </a:spcBef>
-            <a:spcAft>
-              <a:spcPct val="35000"/>
-            </a:spcAft>
-            <a:buNone/>
-          </a:pPr>
-          <a:r>
-            <a:rPr lang="en-US" sz="1400" kern="1200" dirty="0"/>
-            <a:t>Java for table</a:t>
-          </a:r>
-        </a:p>
-        <a:p>
-          <a:pPr marL="0" lvl="0" indent="0" algn="l" defTabSz="622300">
-            <a:lnSpc>
-              <a:spcPct val="100000"/>
-            </a:lnSpc>
-            <a:spcBef>
-              <a:spcPct val="0"/>
-            </a:spcBef>
-            <a:spcAft>
-              <a:spcPct val="35000"/>
-            </a:spcAft>
-            <a:buNone/>
-          </a:pPr>
-          <a:r>
-            <a:rPr lang="en-US" sz="1400" kern="1200" dirty="0"/>
-            <a:t>Flask set up</a:t>
-          </a:r>
+          <a:endParaRPr lang="en-US" sz="2500" kern="1200" dirty="0"/>
         </a:p>
       </dsp:txBody>
       <dsp:txXfrm>
-        <a:off x="585334" y="1362218"/>
-        <a:ext cx="9892086" cy="1125186"/>
+        <a:off x="753393" y="1376609"/>
+        <a:ext cx="9783698" cy="1096405"/>
       </dsp:txXfrm>
     </dsp:sp>
     <dsp:sp modelId="{9AED59AB-AACC-4AFE-920B-B76A856BEB87}">
@@ -3512,8 +3291,8 @@
       </dsp:nvSpPr>
       <dsp:spPr>
         <a:xfrm>
-          <a:off x="-134235" y="2718212"/>
-          <a:ext cx="10412896" cy="902126"/>
+          <a:off x="-193141" y="2747116"/>
+          <a:ext cx="10412896" cy="1096405"/>
         </a:xfrm>
         <a:prstGeom prst="roundRect">
           <a:avLst>
@@ -3554,8 +3333,8 @@
       </dsp:nvSpPr>
       <dsp:spPr>
         <a:xfrm>
-          <a:off x="138658" y="2921191"/>
-          <a:ext cx="497140" cy="496169"/>
+          <a:off x="138521" y="2993807"/>
+          <a:ext cx="603023" cy="603023"/>
         </a:xfrm>
         <a:prstGeom prst="rect">
           <a:avLst/>
@@ -3603,8 +3382,8 @@
       </dsp:nvSpPr>
       <dsp:spPr>
         <a:xfrm>
-          <a:off x="671501" y="2718212"/>
-          <a:ext cx="9719752" cy="1125186"/>
+          <a:off x="838615" y="2747116"/>
+          <a:ext cx="9613252" cy="1096405"/>
         </a:xfrm>
         <a:prstGeom prst="rect">
           <a:avLst/>
@@ -3628,12 +3407,12 @@
         <a:fontRef idx="minor"/>
       </dsp:style>
       <dsp:txBody>
-        <a:bodyPr spcFirstLastPara="0" vert="horz" wrap="square" lIns="119082" tIns="119082" rIns="119082" bIns="119082" numCol="1" spcCol="1270" anchor="ctr" anchorCtr="0">
+        <a:bodyPr spcFirstLastPara="0" vert="horz" wrap="square" lIns="116036" tIns="116036" rIns="116036" bIns="116036" numCol="1" spcCol="1270" anchor="ctr" anchorCtr="0">
           <a:noAutofit/>
         </a:bodyPr>
         <a:lstStyle/>
         <a:p>
-          <a:pPr marL="0" lvl="0" indent="0" algn="l" defTabSz="622300">
+          <a:pPr marL="0" lvl="0" indent="0" algn="l" defTabSz="1111250">
             <a:lnSpc>
               <a:spcPct val="100000"/>
             </a:lnSpc>
@@ -3646,59 +3425,15 @@
             <a:buNone/>
           </a:pPr>
           <a:r>
-            <a:rPr lang="en-US" sz="1400" b="1" kern="1200" dirty="0" err="1"/>
-            <a:t>Lenn</a:t>
+            <a:rPr lang="en-US" sz="2500" kern="1200"/>
+            <a:t>Lenn – Html design/Incorporating Anime js</a:t>
           </a:r>
-          <a:r>
-            <a:rPr lang="en-US" sz="1400" b="1" kern="1200" dirty="0"/>
-            <a:t> </a:t>
-          </a:r>
-        </a:p>
-        <a:p>
-          <a:pPr marL="0" lvl="0" indent="0" algn="l" defTabSz="622300">
-            <a:lnSpc>
-              <a:spcPct val="100000"/>
-            </a:lnSpc>
-            <a:spcBef>
-              <a:spcPct val="0"/>
-            </a:spcBef>
-            <a:spcAft>
-              <a:spcPct val="35000"/>
-            </a:spcAft>
-            <a:buNone/>
-          </a:pPr>
-          <a:r>
-            <a:rPr lang="en-US" sz="1400" kern="1200" dirty="0"/>
-            <a:t>Html design</a:t>
-          </a:r>
-        </a:p>
-        <a:p>
-          <a:pPr marL="0" lvl="0" indent="0" algn="l" defTabSz="622300">
-            <a:lnSpc>
-              <a:spcPct val="100000"/>
-            </a:lnSpc>
-            <a:spcBef>
-              <a:spcPct val="0"/>
-            </a:spcBef>
-            <a:spcAft>
-              <a:spcPct val="35000"/>
-            </a:spcAft>
-            <a:buNone/>
-          </a:pPr>
-          <a:r>
-            <a:rPr lang="en-US" sz="1400" kern="1200" dirty="0"/>
-            <a:t>Incorporating Anime </a:t>
-          </a:r>
-          <a:r>
-            <a:rPr lang="en-US" sz="1400" kern="1200" dirty="0" err="1"/>
-            <a:t>js</a:t>
-          </a:r>
-          <a:endParaRPr lang="en-US" sz="1400" kern="1200" dirty="0"/>
+          <a:endParaRPr lang="en-US" sz="2500" kern="1200" dirty="0"/>
         </a:p>
       </dsp:txBody>
       <dsp:txXfrm>
-        <a:off x="671501" y="2718212"/>
-        <a:ext cx="9719752" cy="1125186"/>
+        <a:off x="838615" y="2747116"/>
+        <a:ext cx="9613252" cy="1096405"/>
       </dsp:txXfrm>
     </dsp:sp>
   </dsp:spTree>
@@ -6364,7 +6099,7 @@
           <a:p>
             <a:fld id="{8E26B2CC-4245-441B-9806-08F934990F76}" type="datetimeFigureOut">
               <a:rPr lang="en-US" smtClean="0"/>
-              <a:t>1/20/2021</a:t>
+              <a:t>1/21/2021</a:t>
             </a:fld>
             <a:endParaRPr lang="en-US"/>
           </a:p>
@@ -6675,7 +6410,31 @@
           <a:bodyPr/>
           <a:lstStyle/>
           <a:p>
-            <a:endParaRPr lang="en-US" dirty="0"/>
+            <a:r>
+              <a:rPr lang="en-US" sz="1800" b="0" dirty="0"/>
+              <a:t>GOOD EVENING BOOTCAMP PEERS AND THANK YOU FOR TUNING IN FOR OUR PRESENTATION! </a:t>
+            </a:r>
+          </a:p>
+          <a:p>
+            <a:r>
+              <a:rPr lang="en-US" sz="1800" b="0" dirty="0"/>
+              <a:t>WE APPRECIATE YOUR ATTENDANCE, ALTHOUGH WE ACKNOWLEDGE IT IS REQUIRED.</a:t>
+            </a:r>
+          </a:p>
+          <a:p>
+            <a:endParaRPr lang="en-US" sz="1800" b="0" dirty="0"/>
+          </a:p>
+          <a:p>
+            <a:r>
+              <a:rPr lang="en-US" sz="1800" b="0" dirty="0"/>
+              <a:t>WE ARE GROUP NUMBER FIVE AND THIS IS THE GOGOGAGA PLAYLIST ANALYSIS.</a:t>
+            </a:r>
+          </a:p>
+          <a:p>
+            <a:r>
+              <a:rPr lang="en-US" sz="1800" b="0" dirty="0"/>
+              <a:t>LET’S GET STARTED.</a:t>
+            </a:r>
           </a:p>
         </p:txBody>
       </p:sp>
@@ -6696,7 +6455,7 @@
           <a:p>
             <a:fld id="{ACF3BCFD-7B6C-4801-A9A9-4E2203FAF5A7}" type="slidenum">
               <a:rPr lang="en-US" smtClean="0"/>
-              <a:t>3</a:t>
+              <a:t>1</a:t>
             </a:fld>
             <a:endParaRPr lang="en-US"/>
           </a:p>
@@ -6705,7 +6464,7 @@
     </p:spTree>
     <p:extLst>
       <p:ext uri="{BB962C8B-B14F-4D97-AF65-F5344CB8AC3E}">
-        <p14:creationId xmlns:p14="http://schemas.microsoft.com/office/powerpoint/2010/main" val="2937765379"/>
+        <p14:creationId xmlns:p14="http://schemas.microsoft.com/office/powerpoint/2010/main" val="1090509227"/>
       </p:ext>
     </p:extLst>
   </p:cSld>
@@ -6759,105 +6518,6 @@
           <a:bodyPr/>
           <a:lstStyle/>
           <a:p>
-            <a:r>
-              <a:rPr lang="en-US" dirty="0" err="1"/>
-              <a:t>Lenn</a:t>
-            </a:r>
-            <a:r>
-              <a:rPr lang="en-US" dirty="0"/>
-              <a:t> –</a:t>
-            </a:r>
-          </a:p>
-          <a:p>
-            <a:endParaRPr lang="en-US" dirty="0"/>
-          </a:p>
-          <a:p>
-            <a:r>
-              <a:rPr lang="en-US" dirty="0"/>
-              <a:t>Review home page</a:t>
-            </a:r>
-          </a:p>
-          <a:p>
-            <a:r>
-              <a:rPr lang="en-US" dirty="0"/>
-              <a:t>Talk about the second </a:t>
-            </a:r>
-            <a:r>
-              <a:rPr lang="en-US" dirty="0" err="1"/>
-              <a:t>javascript</a:t>
-            </a:r>
-            <a:r>
-              <a:rPr lang="en-US" dirty="0"/>
-              <a:t> library we used</a:t>
-            </a:r>
-          </a:p>
-          <a:p>
-            <a:r>
-              <a:rPr lang="en-US" dirty="0"/>
-              <a:t>Walk through “app” pages</a:t>
-            </a:r>
-          </a:p>
-          <a:p>
-            <a:endParaRPr lang="en-US" dirty="0"/>
-          </a:p>
-          <a:p>
-            <a:r>
-              <a:rPr lang="en-US" dirty="0"/>
-              <a:t>Jeni </a:t>
-            </a:r>
-          </a:p>
-          <a:p>
-            <a:endParaRPr lang="en-US" dirty="0"/>
-          </a:p>
-          <a:p>
-            <a:r>
-              <a:rPr lang="en-US" dirty="0"/>
-              <a:t>Speak to charts</a:t>
-            </a:r>
-          </a:p>
-          <a:p>
-            <a:r>
-              <a:rPr lang="en-US" dirty="0"/>
-              <a:t>What conclusions were drawn</a:t>
-            </a:r>
-          </a:p>
-          <a:p>
-            <a:r>
-              <a:rPr lang="en-US" dirty="0"/>
-              <a:t>What questions do we still have</a:t>
-            </a:r>
-          </a:p>
-          <a:p>
-            <a:endParaRPr lang="en-US" dirty="0"/>
-          </a:p>
-          <a:p>
-            <a:r>
-              <a:rPr lang="en-US" dirty="0"/>
-              <a:t>Allison </a:t>
-            </a:r>
-          </a:p>
-          <a:p>
-            <a:endParaRPr lang="en-US" dirty="0"/>
-          </a:p>
-          <a:p>
-            <a:r>
-              <a:rPr lang="en-US" dirty="0"/>
-              <a:t>Walk through what user can do with table</a:t>
-            </a:r>
-          </a:p>
-          <a:p>
-            <a:r>
-              <a:rPr lang="en-US" dirty="0"/>
-              <a:t>Meaning of different columns</a:t>
-            </a:r>
-          </a:p>
-          <a:p>
-            <a:r>
-              <a:rPr lang="en-US" dirty="0"/>
-              <a:t>If we had more time – getting comparison to similar playlists?</a:t>
-            </a:r>
-          </a:p>
-          <a:p>
             <a:endParaRPr lang="en-US" dirty="0"/>
           </a:p>
         </p:txBody>
@@ -6879,7 +6539,7 @@
           <a:p>
             <a:fld id="{ACF3BCFD-7B6C-4801-A9A9-4E2203FAF5A7}" type="slidenum">
               <a:rPr lang="en-US" smtClean="0"/>
-              <a:t>7</a:t>
+              <a:t>2</a:t>
             </a:fld>
             <a:endParaRPr lang="en-US"/>
           </a:p>
@@ -6888,7 +6548,7 @@
     </p:spTree>
     <p:extLst>
       <p:ext uri="{BB962C8B-B14F-4D97-AF65-F5344CB8AC3E}">
-        <p14:creationId xmlns:p14="http://schemas.microsoft.com/office/powerpoint/2010/main" val="1668896002"/>
+        <p14:creationId xmlns:p14="http://schemas.microsoft.com/office/powerpoint/2010/main" val="2112847712"/>
       </p:ext>
     </p:extLst>
   </p:cSld>
@@ -6942,7 +6602,37 @@
           <a:bodyPr/>
           <a:lstStyle/>
           <a:p>
-            <a:endParaRPr lang="en-US" dirty="0"/>
+            <a:r>
+              <a:rPr lang="en-US" b="1" dirty="0"/>
+              <a:t>THIS EVENING WE WILL WALK YOU THROUGH THE FOLLWING:</a:t>
+            </a:r>
+          </a:p>
+          <a:p>
+            <a:endParaRPr lang="en-US" b="1" dirty="0"/>
+          </a:p>
+          <a:p>
+            <a:r>
+              <a:rPr lang="en-US" b="1" dirty="0"/>
+              <a:t>OUR GOAL: </a:t>
+            </a:r>
+          </a:p>
+          <a:p>
+            <a:endParaRPr lang="en-US" b="1" dirty="0"/>
+          </a:p>
+          <a:p>
+            <a:r>
+              <a:rPr lang="en-US" b="1" dirty="0"/>
+              <a:t>OUR APP: </a:t>
+            </a:r>
+          </a:p>
+          <a:p>
+            <a:endParaRPr lang="en-US" b="1" dirty="0"/>
+          </a:p>
+          <a:p>
+            <a:r>
+              <a:rPr lang="en-US" b="1" dirty="0"/>
+              <a:t>OUR OPPORTUNITIES: </a:t>
+            </a:r>
           </a:p>
         </p:txBody>
       </p:sp>
@@ -6963,7 +6653,711 @@
           <a:p>
             <a:fld id="{ACF3BCFD-7B6C-4801-A9A9-4E2203FAF5A7}" type="slidenum">
               <a:rPr lang="en-US" smtClean="0"/>
+              <a:t>3</a:t>
+            </a:fld>
+            <a:endParaRPr lang="en-US"/>
+          </a:p>
+        </p:txBody>
+      </p:sp>
+    </p:spTree>
+    <p:extLst>
+      <p:ext uri="{BB962C8B-B14F-4D97-AF65-F5344CB8AC3E}">
+        <p14:creationId xmlns:p14="http://schemas.microsoft.com/office/powerpoint/2010/main" val="2937765379"/>
+      </p:ext>
+    </p:extLst>
+  </p:cSld>
+  <p:clrMapOvr>
+    <a:masterClrMapping/>
+  </p:clrMapOvr>
+</p:notes>
+</file>
+
+<file path=ppt/notesSlides/notesSlide4.xml><?xml version="1.0" encoding="utf-8"?>
+<p:notes xmlns:a="http://schemas.openxmlformats.org/drawingml/2006/main" xmlns:r="http://schemas.openxmlformats.org/officeDocument/2006/relationships" xmlns:p="http://schemas.openxmlformats.org/presentationml/2006/main">
+  <p:cSld>
+    <p:spTree>
+      <p:nvGrpSpPr>
+        <p:cNvPr id="1" name=""/>
+        <p:cNvGrpSpPr/>
+        <p:nvPr/>
+      </p:nvGrpSpPr>
+      <p:grpSpPr>
+        <a:xfrm>
+          <a:off x="0" y="0"/>
+          <a:ext cx="0" cy="0"/>
+          <a:chOff x="0" y="0"/>
+          <a:chExt cx="0" cy="0"/>
+        </a:xfrm>
+      </p:grpSpPr>
+      <p:sp>
+        <p:nvSpPr>
+          <p:cNvPr id="2" name="Slide Image Placeholder 1"/>
+          <p:cNvSpPr>
+            <a:spLocks noGrp="1" noRot="1" noChangeAspect="1"/>
+          </p:cNvSpPr>
+          <p:nvPr>
+            <p:ph type="sldImg"/>
+          </p:nvPr>
+        </p:nvSpPr>
+        <p:spPr/>
+      </p:sp>
+      <p:sp>
+        <p:nvSpPr>
+          <p:cNvPr id="3" name="Notes Placeholder 2"/>
+          <p:cNvSpPr>
+            <a:spLocks noGrp="1"/>
+          </p:cNvSpPr>
+          <p:nvPr>
+            <p:ph type="body" idx="1"/>
+          </p:nvPr>
+        </p:nvSpPr>
+        <p:spPr/>
+        <p:txBody>
+          <a:bodyPr/>
+          <a:lstStyle/>
+          <a:p>
+            <a:r>
+              <a:rPr lang="en-US" dirty="0"/>
+              <a:t>HOW MANY OF YOU STREAM MUSIC DAILY? WE FIGURED IT WOULD BE MOST EVERYONE. WE ARE ALL JAMMERS AND DREAMERS. </a:t>
+            </a:r>
+          </a:p>
+          <a:p>
+            <a:endParaRPr lang="en-US" dirty="0"/>
+          </a:p>
+          <a:p>
+            <a:r>
+              <a:rPr lang="en-US" dirty="0"/>
+              <a:t>WHEN WE THINK OF THE TYPES OF DATA THAT IS COLLECTED IN OUR DAILY LIVES, WE OFTEN THINK OF SOCIAL MEDIA SITES AND REWARDS PROGRAMS</a:t>
+            </a:r>
+          </a:p>
+          <a:p>
+            <a:r>
+              <a:rPr lang="en-US" dirty="0"/>
+              <a:t>AT GROCERY STORES. WE SELDOM CONSIDER THE DATA THAT IS BEING COLLECTED FROM OUR MUSICAL PREFERENCES—OR HOW IT IS BEING ANALYZED AND USED BY BUSINESSES AND OUR FAVORITE ARTISTS/MUSICIANS. </a:t>
+            </a:r>
+          </a:p>
+          <a:p>
+            <a:endParaRPr lang="en-US" dirty="0"/>
+          </a:p>
+          <a:p>
+            <a:r>
+              <a:rPr lang="en-US" dirty="0"/>
+              <a:t>YOU MIGHT KNOW EVERY WORD TO YOUR FAVORITE SONG, BUT WHAT ABOUT ITS RATING ON BPM, TEMPO, DANCEABILITY, OR DURATION?</a:t>
+            </a:r>
+          </a:p>
+          <a:p>
+            <a:r>
+              <a:rPr lang="en-US" dirty="0"/>
+              <a:t>THE IDEA? MUSIC IS DEFINITELY LOVED—THEREFORE SO IS ITS DATA. </a:t>
+            </a:r>
+          </a:p>
+          <a:p>
+            <a:endParaRPr lang="en-US" dirty="0"/>
+          </a:p>
+          <a:p>
+            <a:r>
+              <a:rPr lang="en-US" dirty="0"/>
+              <a:t>LETS TAKE A LOOK.</a:t>
+            </a:r>
+          </a:p>
+          <a:p>
+            <a:endParaRPr lang="en-US" dirty="0"/>
+          </a:p>
+          <a:p>
+            <a:endParaRPr lang="en-US" dirty="0"/>
+          </a:p>
+          <a:p>
+            <a:endParaRPr lang="en-US" dirty="0"/>
+          </a:p>
+          <a:p>
+            <a:endParaRPr lang="en-US" dirty="0"/>
+          </a:p>
+          <a:p>
+            <a:endParaRPr lang="en-US" dirty="0"/>
+          </a:p>
+          <a:p>
+            <a:endParaRPr lang="en-US" dirty="0"/>
+          </a:p>
+          <a:p>
+            <a:endParaRPr lang="en-US" dirty="0"/>
+          </a:p>
+        </p:txBody>
+      </p:sp>
+      <p:sp>
+        <p:nvSpPr>
+          <p:cNvPr id="4" name="Slide Number Placeholder 3"/>
+          <p:cNvSpPr>
+            <a:spLocks noGrp="1"/>
+          </p:cNvSpPr>
+          <p:nvPr>
+            <p:ph type="sldNum" sz="quarter" idx="5"/>
+          </p:nvPr>
+        </p:nvSpPr>
+        <p:spPr/>
+        <p:txBody>
+          <a:bodyPr/>
+          <a:lstStyle/>
+          <a:p>
+            <a:fld id="{ACF3BCFD-7B6C-4801-A9A9-4E2203FAF5A7}" type="slidenum">
+              <a:rPr lang="en-US" smtClean="0"/>
+              <a:t>5</a:t>
+            </a:fld>
+            <a:endParaRPr lang="en-US"/>
+          </a:p>
+        </p:txBody>
+      </p:sp>
+    </p:spTree>
+    <p:extLst>
+      <p:ext uri="{BB962C8B-B14F-4D97-AF65-F5344CB8AC3E}">
+        <p14:creationId xmlns:p14="http://schemas.microsoft.com/office/powerpoint/2010/main" val="1809216030"/>
+      </p:ext>
+    </p:extLst>
+  </p:cSld>
+  <p:clrMapOvr>
+    <a:masterClrMapping/>
+  </p:clrMapOvr>
+</p:notes>
+</file>
+
+<file path=ppt/notesSlides/notesSlide5.xml><?xml version="1.0" encoding="utf-8"?>
+<p:notes xmlns:a="http://schemas.openxmlformats.org/drawingml/2006/main" xmlns:r="http://schemas.openxmlformats.org/officeDocument/2006/relationships" xmlns:p="http://schemas.openxmlformats.org/presentationml/2006/main">
+  <p:cSld>
+    <p:spTree>
+      <p:nvGrpSpPr>
+        <p:cNvPr id="1" name=""/>
+        <p:cNvGrpSpPr/>
+        <p:nvPr/>
+      </p:nvGrpSpPr>
+      <p:grpSpPr>
+        <a:xfrm>
+          <a:off x="0" y="0"/>
+          <a:ext cx="0" cy="0"/>
+          <a:chOff x="0" y="0"/>
+          <a:chExt cx="0" cy="0"/>
+        </a:xfrm>
+      </p:grpSpPr>
+      <p:sp>
+        <p:nvSpPr>
+          <p:cNvPr id="2" name="Slide Image Placeholder 1"/>
+          <p:cNvSpPr>
+            <a:spLocks noGrp="1" noRot="1" noChangeAspect="1"/>
+          </p:cNvSpPr>
+          <p:nvPr>
+            <p:ph type="sldImg"/>
+          </p:nvPr>
+        </p:nvSpPr>
+        <p:spPr/>
+      </p:sp>
+      <p:sp>
+        <p:nvSpPr>
+          <p:cNvPr id="3" name="Notes Placeholder 2"/>
+          <p:cNvSpPr>
+            <a:spLocks noGrp="1"/>
+          </p:cNvSpPr>
+          <p:nvPr>
+            <p:ph type="body" idx="1"/>
+          </p:nvPr>
+        </p:nvSpPr>
+        <p:spPr/>
+        <p:txBody>
+          <a:bodyPr/>
+          <a:lstStyle/>
+          <a:p>
+            <a:r>
+              <a:rPr lang="en-US" dirty="0"/>
+              <a:t>SPOTIFY IS ONE OF THE LARGEST ON DEMAND MUSIC SERVICES IN THE WORLD, WITH TENS OF MILLIONS OF PEOPLE LISTENING EVERYDAY. </a:t>
+            </a:r>
+          </a:p>
+          <a:p>
+            <a:r>
+              <a:rPr lang="en-US" dirty="0"/>
+              <a:t>THAT’S A LOT OF DATA TO MINE THROUGH. THEIR GROWING PLATFORM HAS SUCCESSFULLY “HUMANIZED DATA” BY EFFECTIVELY</a:t>
+            </a:r>
+          </a:p>
+          <a:p>
+            <a:r>
+              <a:rPr lang="en-US" dirty="0"/>
+              <a:t>TRAINING ALGORITHMS AND MACHINES TO LISTEN TO MUSIC AND EXTRAPOLATE INSIGHTS THAT IMPACT NOT ONLY BUSINESS, BUT THE USER EXPERIENCE.</a:t>
+            </a:r>
+          </a:p>
+          <a:p>
+            <a:endParaRPr lang="en-US" dirty="0"/>
+          </a:p>
+          <a:p>
+            <a:r>
+              <a:rPr lang="en-US" dirty="0"/>
+              <a:t>BY REFINING COLLECTED DATA, THEY ARE ABLE TO ANALYZE WHAT SONGS GET THE MOST PLAYTIME, WHICH PLAYLISTS ARE GENERATING NEW FANS,</a:t>
+            </a:r>
+          </a:p>
+          <a:p>
+            <a:r>
+              <a:rPr lang="en-US" dirty="0"/>
+              <a:t>AND CURATE PERSONALIZED PLAYLISTS FOR USERS BASED OFF OF CATEGORIZED MUSICAL ATTRIBUTES. </a:t>
+            </a:r>
+          </a:p>
+          <a:p>
+            <a:endParaRPr lang="en-US" dirty="0"/>
+          </a:p>
+          <a:p>
+            <a:r>
+              <a:rPr lang="en-US" dirty="0"/>
+              <a:t>OUR CHOSEN DATASET IS AN INDIVIDUAL USER’S SPOTIFY PLAYLIST FOUND ON KAGGLE. WHILE WE WOULD HAVE LOVED TO CREATE AN API CALL ON THE ACTUAL SPOTIFY WEBSITE, WE FOUND OUR KAGGLE DATASET TO BE CLEANER WHILE STILL SUPPLYING US WITH THE SUFFICIENT RECORD REQUIREMENTS.</a:t>
+            </a:r>
+          </a:p>
+          <a:p>
+            <a:endParaRPr lang="en-US" dirty="0"/>
+          </a:p>
+          <a:p>
+            <a:r>
+              <a:rPr lang="en-US" dirty="0"/>
+              <a:t>BECAUSE OUR DATASET WAS CONFINED TO A SINGLE SPOTIFY USER—WE CHOSE TO ANALYZE MORE OF THE CONTEXTUAL PROPERTIES. </a:t>
+            </a:r>
+          </a:p>
+          <a:p>
+            <a:endParaRPr lang="en-US" dirty="0"/>
+          </a:p>
+          <a:p>
+            <a:r>
+              <a:rPr lang="en-US" dirty="0"/>
+              <a:t>LET’S MOVE ON TO THE NEXT SLIDE TO GO OVER THE STEPS FOR OUR ANALYSIS.</a:t>
+            </a:r>
+          </a:p>
+          <a:p>
+            <a:endParaRPr lang="en-US" dirty="0"/>
+          </a:p>
+          <a:p>
+            <a:endParaRPr lang="en-US" dirty="0"/>
+          </a:p>
+        </p:txBody>
+      </p:sp>
+      <p:sp>
+        <p:nvSpPr>
+          <p:cNvPr id="4" name="Slide Number Placeholder 3"/>
+          <p:cNvSpPr>
+            <a:spLocks noGrp="1"/>
+          </p:cNvSpPr>
+          <p:nvPr>
+            <p:ph type="sldNum" sz="quarter" idx="5"/>
+          </p:nvPr>
+        </p:nvSpPr>
+        <p:spPr/>
+        <p:txBody>
+          <a:bodyPr/>
+          <a:lstStyle/>
+          <a:p>
+            <a:fld id="{ACF3BCFD-7B6C-4801-A9A9-4E2203FAF5A7}" type="slidenum">
+              <a:rPr lang="en-US" smtClean="0"/>
+              <a:t>6</a:t>
+            </a:fld>
+            <a:endParaRPr lang="en-US"/>
+          </a:p>
+        </p:txBody>
+      </p:sp>
+    </p:spTree>
+    <p:extLst>
+      <p:ext uri="{BB962C8B-B14F-4D97-AF65-F5344CB8AC3E}">
+        <p14:creationId xmlns:p14="http://schemas.microsoft.com/office/powerpoint/2010/main" val="303792959"/>
+      </p:ext>
+    </p:extLst>
+  </p:cSld>
+  <p:clrMapOvr>
+    <a:masterClrMapping/>
+  </p:clrMapOvr>
+</p:notes>
+</file>
+
+<file path=ppt/notesSlides/notesSlide6.xml><?xml version="1.0" encoding="utf-8"?>
+<p:notes xmlns:a="http://schemas.openxmlformats.org/drawingml/2006/main" xmlns:r="http://schemas.openxmlformats.org/officeDocument/2006/relationships" xmlns:p="http://schemas.openxmlformats.org/presentationml/2006/main">
+  <p:cSld>
+    <p:spTree>
+      <p:nvGrpSpPr>
+        <p:cNvPr id="1" name=""/>
+        <p:cNvGrpSpPr/>
+        <p:nvPr/>
+      </p:nvGrpSpPr>
+      <p:grpSpPr>
+        <a:xfrm>
+          <a:off x="0" y="0"/>
+          <a:ext cx="0" cy="0"/>
+          <a:chOff x="0" y="0"/>
+          <a:chExt cx="0" cy="0"/>
+        </a:xfrm>
+      </p:grpSpPr>
+      <p:sp>
+        <p:nvSpPr>
+          <p:cNvPr id="2" name="Slide Image Placeholder 1"/>
+          <p:cNvSpPr>
+            <a:spLocks noGrp="1" noRot="1" noChangeAspect="1"/>
+          </p:cNvSpPr>
+          <p:nvPr>
+            <p:ph type="sldImg"/>
+          </p:nvPr>
+        </p:nvSpPr>
+        <p:spPr/>
+      </p:sp>
+      <p:sp>
+        <p:nvSpPr>
+          <p:cNvPr id="3" name="Notes Placeholder 2"/>
+          <p:cNvSpPr>
+            <a:spLocks noGrp="1"/>
+          </p:cNvSpPr>
+          <p:nvPr>
+            <p:ph type="body" idx="1"/>
+          </p:nvPr>
+        </p:nvSpPr>
+        <p:spPr/>
+        <p:txBody>
+          <a:bodyPr/>
+          <a:lstStyle/>
+          <a:p>
+            <a:r>
+              <a:rPr lang="en-US" b="0" dirty="0"/>
+              <a:t>OUR COLLABORATION ON THIS PROJECT WAS INCREDIBLE. COMMUNICATION WAS FREQUENT AND WE VERY MUCH MADE A GREAT TEAM WHEN IT CAME TO DEBUGGING. WHILE THIS PROJECT WAS CHALLENGING—WE KEPT IT FUN!</a:t>
+            </a:r>
+          </a:p>
+          <a:p>
+            <a:endParaRPr lang="en-US" b="1" dirty="0"/>
+          </a:p>
+          <a:p>
+            <a:r>
+              <a:rPr lang="en-US" b="1" dirty="0"/>
+              <a:t>JENI</a:t>
+            </a:r>
+          </a:p>
+          <a:p>
+            <a:r>
+              <a:rPr lang="en-US" b="0" dirty="0"/>
+              <a:t>DATA CLEAN UP</a:t>
+            </a:r>
+          </a:p>
+          <a:p>
+            <a:r>
+              <a:rPr lang="en-US" b="0" dirty="0"/>
+              <a:t>FLASK CONNECTION</a:t>
+            </a:r>
+          </a:p>
+          <a:p>
+            <a:r>
+              <a:rPr lang="en-US" b="0" dirty="0"/>
+              <a:t>INTERACTIVE CHARTS</a:t>
+            </a:r>
+          </a:p>
+          <a:p>
+            <a:endParaRPr lang="en-US" b="1" dirty="0"/>
+          </a:p>
+          <a:p>
+            <a:r>
+              <a:rPr lang="en-US" b="1" dirty="0"/>
+              <a:t>ALLISON </a:t>
+            </a:r>
+          </a:p>
+          <a:p>
+            <a:r>
+              <a:rPr lang="en-US" b="0" dirty="0"/>
+              <a:t>TABLE JAVASCRIPT</a:t>
+            </a:r>
+          </a:p>
+          <a:p>
+            <a:r>
+              <a:rPr lang="en-US" b="0" dirty="0"/>
+              <a:t>FLASK SET UP</a:t>
+            </a:r>
+          </a:p>
+          <a:p>
+            <a:r>
+              <a:rPr lang="en-US" b="0" dirty="0"/>
+              <a:t>                </a:t>
+            </a:r>
+            <a:endParaRPr lang="en-US" b="1" dirty="0"/>
+          </a:p>
+          <a:p>
+            <a:r>
+              <a:rPr lang="en-US" b="1" dirty="0"/>
+              <a:t>LENN</a:t>
+            </a:r>
+          </a:p>
+          <a:p>
+            <a:r>
+              <a:rPr lang="en-US" b="0" dirty="0"/>
+              <a:t>HTML CODE AND DESIGN</a:t>
+            </a:r>
+          </a:p>
+          <a:p>
+            <a:r>
+              <a:rPr lang="en-US" b="0" dirty="0"/>
+              <a:t>INCORPORATING ADDITIONAL JAVASCRIPT LIBRARIES</a:t>
+            </a:r>
+            <a:endParaRPr lang="en-US" b="1" dirty="0"/>
+          </a:p>
+        </p:txBody>
+      </p:sp>
+      <p:sp>
+        <p:nvSpPr>
+          <p:cNvPr id="4" name="Slide Number Placeholder 3"/>
+          <p:cNvSpPr>
+            <a:spLocks noGrp="1"/>
+          </p:cNvSpPr>
+          <p:nvPr>
+            <p:ph type="sldNum" sz="quarter" idx="5"/>
+          </p:nvPr>
+        </p:nvSpPr>
+        <p:spPr/>
+        <p:txBody>
+          <a:bodyPr/>
+          <a:lstStyle/>
+          <a:p>
+            <a:fld id="{ACF3BCFD-7B6C-4801-A9A9-4E2203FAF5A7}" type="slidenum">
+              <a:rPr lang="en-US" smtClean="0"/>
+              <a:t>7</a:t>
+            </a:fld>
+            <a:endParaRPr lang="en-US"/>
+          </a:p>
+        </p:txBody>
+      </p:sp>
+    </p:spTree>
+    <p:extLst>
+      <p:ext uri="{BB962C8B-B14F-4D97-AF65-F5344CB8AC3E}">
+        <p14:creationId xmlns:p14="http://schemas.microsoft.com/office/powerpoint/2010/main" val="22863810"/>
+      </p:ext>
+    </p:extLst>
+  </p:cSld>
+  <p:clrMapOvr>
+    <a:masterClrMapping/>
+  </p:clrMapOvr>
+</p:notes>
+</file>
+
+<file path=ppt/notesSlides/notesSlide7.xml><?xml version="1.0" encoding="utf-8"?>
+<p:notes xmlns:a="http://schemas.openxmlformats.org/drawingml/2006/main" xmlns:r="http://schemas.openxmlformats.org/officeDocument/2006/relationships" xmlns:p="http://schemas.openxmlformats.org/presentationml/2006/main">
+  <p:cSld>
+    <p:spTree>
+      <p:nvGrpSpPr>
+        <p:cNvPr id="1" name=""/>
+        <p:cNvGrpSpPr/>
+        <p:nvPr/>
+      </p:nvGrpSpPr>
+      <p:grpSpPr>
+        <a:xfrm>
+          <a:off x="0" y="0"/>
+          <a:ext cx="0" cy="0"/>
+          <a:chOff x="0" y="0"/>
+          <a:chExt cx="0" cy="0"/>
+        </a:xfrm>
+      </p:grpSpPr>
+      <p:sp>
+        <p:nvSpPr>
+          <p:cNvPr id="2" name="Slide Image Placeholder 1"/>
+          <p:cNvSpPr>
+            <a:spLocks noGrp="1" noRot="1" noChangeAspect="1"/>
+          </p:cNvSpPr>
+          <p:nvPr>
+            <p:ph type="sldImg"/>
+          </p:nvPr>
+        </p:nvSpPr>
+        <p:spPr/>
+      </p:sp>
+      <p:sp>
+        <p:nvSpPr>
+          <p:cNvPr id="3" name="Notes Placeholder 2"/>
+          <p:cNvSpPr>
+            <a:spLocks noGrp="1"/>
+          </p:cNvSpPr>
+          <p:nvPr>
+            <p:ph type="body" idx="1"/>
+          </p:nvPr>
+        </p:nvSpPr>
+        <p:spPr/>
+        <p:txBody>
+          <a:bodyPr/>
+          <a:lstStyle/>
+          <a:p>
+            <a:r>
+              <a:rPr lang="en-US" b="1" dirty="0"/>
+              <a:t>LENN</a:t>
+            </a:r>
+          </a:p>
+          <a:p>
+            <a:endParaRPr lang="en-US" dirty="0"/>
+          </a:p>
+          <a:p>
+            <a:r>
+              <a:rPr lang="en-US" dirty="0"/>
+              <a:t>REVIEW HOME PAGE</a:t>
+            </a:r>
+          </a:p>
+          <a:p>
+            <a:r>
+              <a:rPr lang="en-US" dirty="0"/>
+              <a:t>DISCUSS JAVASCRIPT LIBRARY</a:t>
+            </a:r>
+          </a:p>
+          <a:p>
+            <a:r>
+              <a:rPr lang="en-US" dirty="0"/>
+              <a:t>WALK THROUGH “APP” PAGES</a:t>
+            </a:r>
+          </a:p>
+          <a:p>
+            <a:endParaRPr lang="en-US" dirty="0"/>
+          </a:p>
+          <a:p>
+            <a:r>
+              <a:rPr lang="en-US" b="1" dirty="0"/>
+              <a:t>JENI</a:t>
+            </a:r>
+          </a:p>
+          <a:p>
+            <a:endParaRPr lang="en-US" dirty="0"/>
+          </a:p>
+          <a:p>
+            <a:r>
+              <a:rPr lang="en-US" dirty="0"/>
+              <a:t>SPEAK TO CHARTS</a:t>
+            </a:r>
+          </a:p>
+          <a:p>
+            <a:r>
+              <a:rPr lang="en-US" dirty="0"/>
+              <a:t>WHAT CONCLUSIONS WERE DRAWN?</a:t>
+            </a:r>
+          </a:p>
+          <a:p>
+            <a:r>
+              <a:rPr lang="en-US" dirty="0"/>
+              <a:t>WHAT QUESTIONS DO WE STILL HAVE?</a:t>
+            </a:r>
+          </a:p>
+          <a:p>
+            <a:endParaRPr lang="en-US" dirty="0"/>
+          </a:p>
+          <a:p>
+            <a:r>
+              <a:rPr lang="en-US" b="1" dirty="0"/>
+              <a:t>ALLISON</a:t>
+            </a:r>
+          </a:p>
+          <a:p>
+            <a:endParaRPr lang="en-US" dirty="0"/>
+          </a:p>
+          <a:p>
+            <a:r>
+              <a:rPr lang="en-US" dirty="0"/>
+              <a:t>IN ADDITION TO OUR CHARTS, WE WANTED TO ATTACH A TABLE WITH THE PLAYLIST DATA SO THE USER CAN INTERACT THROUGH FILTERING AND SEARCHING SELCT PROPERTIES. WE DID OPT TO MAKE THIS TABLE A LITTLE MORE USER FRIENDLY BY ELMINATING SOME OF THE PROPERTIES THAT WEREN’T EASILY UNDERSTOOD, SUCH AS SPECHINESS. </a:t>
+            </a:r>
+          </a:p>
+          <a:p>
+            <a:endParaRPr lang="en-US" dirty="0"/>
+          </a:p>
+          <a:p>
+            <a:r>
+              <a:rPr lang="en-US" dirty="0"/>
+              <a:t>THIS WAS DEFINITELY AN AREA THAT WE WOULD HAVE LOVED TO SPEND MORE TIME ON. THE IDEA BEING THAT WE COULD DEVELOP THIS FURTHER WHERE ANY SPOTIFY PLAYLIST COULD BE ADDED TO THIS TABLE AND COMPARED—CONTINUOUSLY COLLECTING DATA. </a:t>
+            </a:r>
+          </a:p>
+        </p:txBody>
+      </p:sp>
+      <p:sp>
+        <p:nvSpPr>
+          <p:cNvPr id="4" name="Slide Number Placeholder 3"/>
+          <p:cNvSpPr>
+            <a:spLocks noGrp="1"/>
+          </p:cNvSpPr>
+          <p:nvPr>
+            <p:ph type="sldNum" sz="quarter" idx="5"/>
+          </p:nvPr>
+        </p:nvSpPr>
+        <p:spPr/>
+        <p:txBody>
+          <a:bodyPr/>
+          <a:lstStyle/>
+          <a:p>
+            <a:fld id="{ACF3BCFD-7B6C-4801-A9A9-4E2203FAF5A7}" type="slidenum">
+              <a:rPr lang="en-US" smtClean="0"/>
               <a:t>8</a:t>
+            </a:fld>
+            <a:endParaRPr lang="en-US"/>
+          </a:p>
+        </p:txBody>
+      </p:sp>
+    </p:spTree>
+    <p:extLst>
+      <p:ext uri="{BB962C8B-B14F-4D97-AF65-F5344CB8AC3E}">
+        <p14:creationId xmlns:p14="http://schemas.microsoft.com/office/powerpoint/2010/main" val="1668896002"/>
+      </p:ext>
+    </p:extLst>
+  </p:cSld>
+  <p:clrMapOvr>
+    <a:masterClrMapping/>
+  </p:clrMapOvr>
+</p:notes>
+</file>
+
+<file path=ppt/notesSlides/notesSlide8.xml><?xml version="1.0" encoding="utf-8"?>
+<p:notes xmlns:a="http://schemas.openxmlformats.org/drawingml/2006/main" xmlns:r="http://schemas.openxmlformats.org/officeDocument/2006/relationships" xmlns:p="http://schemas.openxmlformats.org/presentationml/2006/main">
+  <p:cSld>
+    <p:spTree>
+      <p:nvGrpSpPr>
+        <p:cNvPr id="1" name=""/>
+        <p:cNvGrpSpPr/>
+        <p:nvPr/>
+      </p:nvGrpSpPr>
+      <p:grpSpPr>
+        <a:xfrm>
+          <a:off x="0" y="0"/>
+          <a:ext cx="0" cy="0"/>
+          <a:chOff x="0" y="0"/>
+          <a:chExt cx="0" cy="0"/>
+        </a:xfrm>
+      </p:grpSpPr>
+      <p:sp>
+        <p:nvSpPr>
+          <p:cNvPr id="2" name="Slide Image Placeholder 1"/>
+          <p:cNvSpPr>
+            <a:spLocks noGrp="1" noRot="1" noChangeAspect="1"/>
+          </p:cNvSpPr>
+          <p:nvPr>
+            <p:ph type="sldImg"/>
+          </p:nvPr>
+        </p:nvSpPr>
+        <p:spPr/>
+      </p:sp>
+      <p:sp>
+        <p:nvSpPr>
+          <p:cNvPr id="3" name="Notes Placeholder 2"/>
+          <p:cNvSpPr>
+            <a:spLocks noGrp="1"/>
+          </p:cNvSpPr>
+          <p:nvPr>
+            <p:ph type="body" idx="1"/>
+          </p:nvPr>
+        </p:nvSpPr>
+        <p:spPr/>
+        <p:txBody>
+          <a:bodyPr/>
+          <a:lstStyle/>
+          <a:p>
+            <a:endParaRPr lang="en-US" dirty="0"/>
+          </a:p>
+        </p:txBody>
+      </p:sp>
+      <p:sp>
+        <p:nvSpPr>
+          <p:cNvPr id="4" name="Slide Number Placeholder 3"/>
+          <p:cNvSpPr>
+            <a:spLocks noGrp="1"/>
+          </p:cNvSpPr>
+          <p:nvPr>
+            <p:ph type="sldNum" sz="quarter" idx="5"/>
+          </p:nvPr>
+        </p:nvSpPr>
+        <p:spPr/>
+        <p:txBody>
+          <a:bodyPr/>
+          <a:lstStyle/>
+          <a:p>
+            <a:fld id="{ACF3BCFD-7B6C-4801-A9A9-4E2203FAF5A7}" type="slidenum">
+              <a:rPr lang="en-US" smtClean="0"/>
+              <a:t>9</a:t>
             </a:fld>
             <a:endParaRPr lang="en-US"/>
           </a:p>
@@ -6973,6 +7367,90 @@
     <p:extLst>
       <p:ext uri="{BB962C8B-B14F-4D97-AF65-F5344CB8AC3E}">
         <p14:creationId xmlns:p14="http://schemas.microsoft.com/office/powerpoint/2010/main" val="939907632"/>
+      </p:ext>
+    </p:extLst>
+  </p:cSld>
+  <p:clrMapOvr>
+    <a:masterClrMapping/>
+  </p:clrMapOvr>
+</p:notes>
+</file>
+
+<file path=ppt/notesSlides/notesSlide9.xml><?xml version="1.0" encoding="utf-8"?>
+<p:notes xmlns:a="http://schemas.openxmlformats.org/drawingml/2006/main" xmlns:r="http://schemas.openxmlformats.org/officeDocument/2006/relationships" xmlns:p="http://schemas.openxmlformats.org/presentationml/2006/main">
+  <p:cSld>
+    <p:spTree>
+      <p:nvGrpSpPr>
+        <p:cNvPr id="1" name=""/>
+        <p:cNvGrpSpPr/>
+        <p:nvPr/>
+      </p:nvGrpSpPr>
+      <p:grpSpPr>
+        <a:xfrm>
+          <a:off x="0" y="0"/>
+          <a:ext cx="0" cy="0"/>
+          <a:chOff x="0" y="0"/>
+          <a:chExt cx="0" cy="0"/>
+        </a:xfrm>
+      </p:grpSpPr>
+      <p:sp>
+        <p:nvSpPr>
+          <p:cNvPr id="2" name="Slide Image Placeholder 1"/>
+          <p:cNvSpPr>
+            <a:spLocks noGrp="1" noRot="1" noChangeAspect="1"/>
+          </p:cNvSpPr>
+          <p:nvPr>
+            <p:ph type="sldImg"/>
+          </p:nvPr>
+        </p:nvSpPr>
+        <p:spPr/>
+      </p:sp>
+      <p:sp>
+        <p:nvSpPr>
+          <p:cNvPr id="3" name="Notes Placeholder 2"/>
+          <p:cNvSpPr>
+            <a:spLocks noGrp="1"/>
+          </p:cNvSpPr>
+          <p:nvPr>
+            <p:ph type="body" idx="1"/>
+          </p:nvPr>
+        </p:nvSpPr>
+        <p:spPr/>
+        <p:txBody>
+          <a:bodyPr/>
+          <a:lstStyle/>
+          <a:p>
+            <a:endParaRPr lang="en-US" dirty="0"/>
+          </a:p>
+        </p:txBody>
+      </p:sp>
+      <p:sp>
+        <p:nvSpPr>
+          <p:cNvPr id="4" name="Slide Number Placeholder 3"/>
+          <p:cNvSpPr>
+            <a:spLocks noGrp="1"/>
+          </p:cNvSpPr>
+          <p:nvPr>
+            <p:ph type="sldNum" sz="quarter" idx="5"/>
+          </p:nvPr>
+        </p:nvSpPr>
+        <p:spPr/>
+        <p:txBody>
+          <a:bodyPr/>
+          <a:lstStyle/>
+          <a:p>
+            <a:fld id="{ACF3BCFD-7B6C-4801-A9A9-4E2203FAF5A7}" type="slidenum">
+              <a:rPr lang="en-US" smtClean="0"/>
+              <a:t>10</a:t>
+            </a:fld>
+            <a:endParaRPr lang="en-US"/>
+          </a:p>
+        </p:txBody>
+      </p:sp>
+    </p:spTree>
+    <p:extLst>
+      <p:ext uri="{BB962C8B-B14F-4D97-AF65-F5344CB8AC3E}">
+        <p14:creationId xmlns:p14="http://schemas.microsoft.com/office/powerpoint/2010/main" val="4262753012"/>
       </p:ext>
     </p:extLst>
   </p:cSld>
@@ -7451,7 +7929,7 @@
           <a:p>
             <a:fld id="{EA0C0817-A112-4847-8014-A94B7D2A4EA3}" type="datetime1">
               <a:rPr lang="en-US" smtClean="0"/>
-              <a:t>1/20/2021</a:t>
+              <a:t>1/21/2021</a:t>
             </a:fld>
             <a:endParaRPr lang="en-US" dirty="0"/>
           </a:p>
@@ -7653,7 +8131,7 @@
           <a:p>
             <a:fld id="{7332B432-ACDA-4023-A761-2BAB76577B62}" type="datetime1">
               <a:rPr lang="en-US" smtClean="0"/>
-              <a:t>1/20/2021</a:t>
+              <a:t>1/21/2021</a:t>
             </a:fld>
             <a:endParaRPr lang="en-US" dirty="0"/>
           </a:p>
@@ -8252,7 +8730,7 @@
           <a:p>
             <a:fld id="{D9C646AA-F36E-4540-911D-FFFC0A0EF24A}" type="datetime1">
               <a:rPr lang="en-US" smtClean="0"/>
-              <a:t>1/20/2021</a:t>
+              <a:t>1/21/2021</a:t>
             </a:fld>
             <a:endParaRPr lang="en-US" dirty="0"/>
           </a:p>
@@ -8572,7 +9050,7 @@
           <a:p>
             <a:fld id="{69186D26-FA5F-4637-B602-B7C2DC34CFD4}" type="datetime1">
               <a:rPr lang="en-US" smtClean="0"/>
-              <a:t>1/20/2021</a:t>
+              <a:t>1/21/2021</a:t>
             </a:fld>
             <a:endParaRPr lang="en-US" dirty="0"/>
           </a:p>
@@ -9009,7 +9487,7 @@
           <a:p>
             <a:fld id="{8A7F15D8-96D1-4781-BC50-CA8A088B2FE4}" type="datetime1">
               <a:rPr lang="en-US" smtClean="0"/>
-              <a:t>1/20/2021</a:t>
+              <a:t>1/21/2021</a:t>
             </a:fld>
             <a:endParaRPr lang="en-US" dirty="0"/>
           </a:p>
@@ -9127,7 +9605,7 @@
           <a:p>
             <a:fld id="{F9A96C99-B8F8-4528-BD05-0E16E943DC09}" type="datetime1">
               <a:rPr lang="en-US" smtClean="0"/>
-              <a:t>1/20/2021</a:t>
+              <a:t>1/21/2021</a:t>
             </a:fld>
             <a:endParaRPr lang="en-US" dirty="0"/>
           </a:p>
@@ -9222,7 +9700,7 @@
           <a:p>
             <a:fld id="{03636942-C211-4B28-8DBD-C953E00AF71B}" type="datetime1">
               <a:rPr lang="en-US" smtClean="0"/>
-              <a:t>1/20/2021</a:t>
+              <a:t>1/21/2021</a:t>
             </a:fld>
             <a:endParaRPr lang="en-US" dirty="0"/>
           </a:p>
@@ -9639,7 +10117,7 @@
           <a:p>
             <a:fld id="{7E8D12A6-918A-48BD-8CB9-CA713993B0EA}" type="datetime1">
               <a:rPr lang="en-US" smtClean="0"/>
-              <a:t>1/20/2021</a:t>
+              <a:t>1/21/2021</a:t>
             </a:fld>
             <a:endParaRPr lang="en-US" dirty="0"/>
           </a:p>
@@ -9901,7 +10379,7 @@
             <a:fld id="{E778CE86-875F-4587-BCF6-FA054AFC0D53}" type="datetime1">
               <a:rPr lang="en-US" smtClean="0"/>
               <a:pPr/>
-              <a:t>1/20/2021</a:t>
+              <a:t>1/21/2021</a:t>
             </a:fld>
             <a:endParaRPr lang="en-US" dirty="0"/>
           </a:p>
@@ -10417,7 +10895,7 @@
           <a:p>
             <a:fld id="{F6FA2B21-3FCD-4721-B95C-427943F61125}" type="datetime1">
               <a:rPr lang="en-US" smtClean="0"/>
-              <a:t>1/20/2021</a:t>
+              <a:t>1/21/2021</a:t>
             </a:fld>
             <a:endParaRPr lang="en-US" dirty="0"/>
           </a:p>
@@ -10907,7 +11385,7 @@
           <p:nvPr/>
         </p:nvPicPr>
         <p:blipFill rotWithShape="1">
-          <a:blip r:embed="rId2">
+          <a:blip r:embed="rId3">
             <a:extLst>
               <a:ext uri="{28A0092B-C50C-407E-A947-70E740481C1C}">
                 <a14:useLocalDpi xmlns:a14="http://schemas.microsoft.com/office/drawing/2010/main" val="0"/>
@@ -11044,8 +11522,13 @@
           </a:bodyPr>
           <a:lstStyle/>
           <a:p>
+            <a:pPr>
+              <a:lnSpc>
+                <a:spcPct val="100000"/>
+              </a:lnSpc>
+            </a:pPr>
             <a:r>
-              <a:rPr lang="en-US" sz="4400" dirty="0" err="1">
+              <a:rPr lang="en-US" sz="4400" dirty="0">
                 <a:solidFill>
                   <a:schemeClr val="tx1"/>
                 </a:solidFill>
@@ -11109,53 +11592,8 @@
                   <a:schemeClr val="tx1"/>
                 </a:solidFill>
               </a:rPr>
-              <a:t>By: Jeni Lamoureux, </a:t>
+              <a:t>By: Jeni Lamoureux, Lenn Grayes, and Allison Palka</a:t>
             </a:r>
-            <a:r>
-              <a:rPr lang="en-US" dirty="0" err="1">
-                <a:solidFill>
-                  <a:schemeClr val="tx1"/>
-                </a:solidFill>
-              </a:rPr>
-              <a:t>Lenn</a:t>
-            </a:r>
-            <a:r>
-              <a:rPr lang="en-US" dirty="0">
-                <a:solidFill>
-                  <a:schemeClr val="tx1"/>
-                </a:solidFill>
-              </a:rPr>
-              <a:t> </a:t>
-            </a:r>
-            <a:r>
-              <a:rPr lang="en-US" dirty="0" err="1">
-                <a:solidFill>
-                  <a:schemeClr val="tx1"/>
-                </a:solidFill>
-              </a:rPr>
-              <a:t>Grayes</a:t>
-            </a:r>
-            <a:r>
-              <a:rPr lang="en-US" dirty="0">
-                <a:solidFill>
-                  <a:schemeClr val="tx1"/>
-                </a:solidFill>
-              </a:rPr>
-              <a:t>, and Allison </a:t>
-            </a:r>
-            <a:r>
-              <a:rPr lang="en-US" dirty="0" err="1">
-                <a:solidFill>
-                  <a:schemeClr val="tx1"/>
-                </a:solidFill>
-              </a:rPr>
-              <a:t>Palka</a:t>
-            </a:r>
-            <a:endParaRPr lang="en-US" dirty="0">
-              <a:solidFill>
-                <a:schemeClr val="tx1"/>
-              </a:solidFill>
-            </a:endParaRPr>
           </a:p>
         </p:txBody>
       </p:sp>
@@ -11168,6 +11606,204 @@
   </p:cSld>
   <p:clrMapOvr>
     <a:overrideClrMapping bg1="dk1" tx1="lt1" bg2="dk2" tx2="lt2" accent1="accent1" accent2="accent2" accent3="accent3" accent4="accent4" accent5="accent5" accent6="accent6" hlink="hlink" folHlink="folHlink"/>
+  </p:clrMapOvr>
+</p:sld>
+</file>
+
+<file path=ppt/slides/slide10.xml><?xml version="1.0" encoding="utf-8"?>
+<p:sld xmlns:a="http://schemas.openxmlformats.org/drawingml/2006/main" xmlns:r="http://schemas.openxmlformats.org/officeDocument/2006/relationships" xmlns:p="http://schemas.openxmlformats.org/presentationml/2006/main">
+  <p:cSld>
+    <p:spTree>
+      <p:nvGrpSpPr>
+        <p:cNvPr id="1" name=""/>
+        <p:cNvGrpSpPr/>
+        <p:nvPr/>
+      </p:nvGrpSpPr>
+      <p:grpSpPr>
+        <a:xfrm>
+          <a:off x="0" y="0"/>
+          <a:ext cx="0" cy="0"/>
+          <a:chOff x="0" y="0"/>
+          <a:chExt cx="0" cy="0"/>
+        </a:xfrm>
+      </p:grpSpPr>
+      <p:sp>
+        <p:nvSpPr>
+          <p:cNvPr id="2" name="Title 1">
+            <a:extLst>
+              <a:ext uri="{FF2B5EF4-FFF2-40B4-BE49-F238E27FC236}">
+                <a16:creationId xmlns:a16="http://schemas.microsoft.com/office/drawing/2014/main" id="{DD9C8772-D6EA-43E3-97D8-89CD26C8676B}"/>
+              </a:ext>
+            </a:extLst>
+          </p:cNvPr>
+          <p:cNvSpPr>
+            <a:spLocks noGrp="1"/>
+          </p:cNvSpPr>
+          <p:nvPr>
+            <p:ph type="title"/>
+          </p:nvPr>
+        </p:nvSpPr>
+        <p:spPr>
+          <a:xfrm>
+            <a:off x="1629156" y="2275165"/>
+            <a:ext cx="8933688" cy="2406895"/>
+          </a:xfrm>
+        </p:spPr>
+        <p:txBody>
+          <a:bodyPr anchor="ctr">
+            <a:normAutofit/>
+          </a:bodyPr>
+          <a:lstStyle/>
+          <a:p>
+            <a:r>
+              <a:rPr lang="en-US" sz="4800" dirty="0"/>
+              <a:t>“getting information off the internet is like taking a drink from a firehose.”</a:t>
+            </a:r>
+          </a:p>
+        </p:txBody>
+      </p:sp>
+      <p:sp>
+        <p:nvSpPr>
+          <p:cNvPr id="3" name="Subtitle 2">
+            <a:extLst>
+              <a:ext uri="{FF2B5EF4-FFF2-40B4-BE49-F238E27FC236}">
+                <a16:creationId xmlns:a16="http://schemas.microsoft.com/office/drawing/2014/main" id="{4EE63818-4215-47C1-B59C-052C3EFEFF3C}"/>
+              </a:ext>
+            </a:extLst>
+          </p:cNvPr>
+          <p:cNvSpPr>
+            <a:spLocks noGrp="1"/>
+          </p:cNvSpPr>
+          <p:nvPr>
+            <p:ph type="body" idx="1"/>
+          </p:nvPr>
+        </p:nvSpPr>
+        <p:spPr>
+          <a:xfrm>
+            <a:off x="1629156" y="4682062"/>
+            <a:ext cx="8939784" cy="457200"/>
+          </a:xfrm>
+        </p:spPr>
+        <p:txBody>
+          <a:bodyPr anchor="t">
+            <a:normAutofit/>
+          </a:bodyPr>
+          <a:lstStyle/>
+          <a:p>
+            <a:r>
+              <a:rPr lang="en-US"/>
+              <a:t>MITCHELL KAPOR, CO-FOUNDER OF ELECTRONIC FRONTIER FOUNDATION</a:t>
+            </a:r>
+          </a:p>
+        </p:txBody>
+      </p:sp>
+    </p:spTree>
+    <p:extLst>
+      <p:ext uri="{BB962C8B-B14F-4D97-AF65-F5344CB8AC3E}">
+        <p14:creationId xmlns:p14="http://schemas.microsoft.com/office/powerpoint/2010/main" val="1671443526"/>
+      </p:ext>
+    </p:extLst>
+  </p:cSld>
+  <p:clrMapOvr>
+    <a:masterClrMapping/>
+  </p:clrMapOvr>
+</p:sld>
+</file>
+
+<file path=ppt/slides/slide11.xml><?xml version="1.0" encoding="utf-8"?>
+<p:sld xmlns:a="http://schemas.openxmlformats.org/drawingml/2006/main" xmlns:r="http://schemas.openxmlformats.org/officeDocument/2006/relationships" xmlns:p="http://schemas.openxmlformats.org/presentationml/2006/main">
+  <p:cSld>
+    <p:spTree>
+      <p:nvGrpSpPr>
+        <p:cNvPr id="1" name=""/>
+        <p:cNvGrpSpPr/>
+        <p:nvPr/>
+      </p:nvGrpSpPr>
+      <p:grpSpPr>
+        <a:xfrm>
+          <a:off x="0" y="0"/>
+          <a:ext cx="0" cy="0"/>
+          <a:chOff x="0" y="0"/>
+          <a:chExt cx="0" cy="0"/>
+        </a:xfrm>
+      </p:grpSpPr>
+      <p:sp>
+        <p:nvSpPr>
+          <p:cNvPr id="3" name="Content Placeholder 2">
+            <a:extLst>
+              <a:ext uri="{FF2B5EF4-FFF2-40B4-BE49-F238E27FC236}">
+                <a16:creationId xmlns:a16="http://schemas.microsoft.com/office/drawing/2014/main" id="{BDD8104A-71DC-4F1F-AD4A-24A7547F0421}"/>
+              </a:ext>
+            </a:extLst>
+          </p:cNvPr>
+          <p:cNvSpPr>
+            <a:spLocks noGrp="1"/>
+          </p:cNvSpPr>
+          <p:nvPr>
+            <p:ph type="title"/>
+          </p:nvPr>
+        </p:nvSpPr>
+        <p:spPr>
+          <a:xfrm>
+            <a:off x="1066800" y="642594"/>
+            <a:ext cx="10058400" cy="1371600"/>
+          </a:xfrm>
+        </p:spPr>
+        <p:txBody>
+          <a:bodyPr anchor="ctr">
+            <a:normAutofit/>
+          </a:bodyPr>
+          <a:lstStyle/>
+          <a:p>
+            <a:pPr marL="0" indent="0" algn="ctr">
+              <a:buNone/>
+            </a:pPr>
+            <a:r>
+              <a:rPr lang="en-US" dirty="0"/>
+              <a:t>Thank you</a:t>
+            </a:r>
+          </a:p>
+        </p:txBody>
+      </p:sp>
+      <p:pic>
+        <p:nvPicPr>
+          <p:cNvPr id="4" name="Picture 3" descr="A group of women in red&#10;&#10;Description automatically generated with low confidence">
+            <a:extLst>
+              <a:ext uri="{FF2B5EF4-FFF2-40B4-BE49-F238E27FC236}">
+                <a16:creationId xmlns:a16="http://schemas.microsoft.com/office/drawing/2014/main" id="{189975E6-B1B4-4FDA-BCAD-76DDFD4680BD}"/>
+              </a:ext>
+            </a:extLst>
+          </p:cNvPr>
+          <p:cNvPicPr>
+            <a:picLocks noChangeAspect="1"/>
+          </p:cNvPicPr>
+          <p:nvPr/>
+        </p:nvPicPr>
+        <p:blipFill rotWithShape="1">
+          <a:blip r:embed="rId2"/>
+          <a:srcRect b="54164"/>
+          <a:stretch/>
+        </p:blipFill>
+        <p:spPr>
+          <a:xfrm>
+            <a:off x="1066800" y="2103120"/>
+            <a:ext cx="10058400" cy="3849624"/>
+          </a:xfrm>
+          <a:prstGeom prst="rect">
+            <a:avLst/>
+          </a:prstGeom>
+          <a:noFill/>
+        </p:spPr>
+      </p:pic>
+    </p:spTree>
+    <p:extLst>
+      <p:ext uri="{BB962C8B-B14F-4D97-AF65-F5344CB8AC3E}">
+        <p14:creationId xmlns:p14="http://schemas.microsoft.com/office/powerpoint/2010/main" val="2104656030"/>
+      </p:ext>
+    </p:extLst>
+  </p:cSld>
+  <p:clrMapOvr>
+    <a:masterClrMapping/>
   </p:clrMapOvr>
 </p:sld>
 </file>
@@ -11252,7 +11888,7 @@
           <a:p>
             <a:r>
               <a:rPr lang="en-US" dirty="0"/>
-              <a:t>HOPEFULLY…</a:t>
+              <a:t>Well one of them…</a:t>
             </a:r>
           </a:p>
         </p:txBody>
@@ -11347,7 +11983,7 @@
             <p:ph idx="1"/>
             <p:extLst>
               <p:ext uri="{D42A27DB-BD31-4B8C-83A1-F6EECF244321}">
-                <p14:modId xmlns:p14="http://schemas.microsoft.com/office/powerpoint/2010/main" val="1528477218"/>
+                <p14:modId xmlns:p14="http://schemas.microsoft.com/office/powerpoint/2010/main" val="2763996062"/>
               </p:ext>
             </p:extLst>
           </p:nvPr>
@@ -11392,6 +12028,92 @@
           <a:chExt cx="0" cy="0"/>
         </a:xfrm>
       </p:grpSpPr>
+      <p:sp>
+        <p:nvSpPr>
+          <p:cNvPr id="2" name="Title 1">
+            <a:extLst>
+              <a:ext uri="{FF2B5EF4-FFF2-40B4-BE49-F238E27FC236}">
+                <a16:creationId xmlns:a16="http://schemas.microsoft.com/office/drawing/2014/main" id="{9AB80430-2CE9-4E8A-9337-1332791EF73E}"/>
+              </a:ext>
+            </a:extLst>
+          </p:cNvPr>
+          <p:cNvSpPr>
+            <a:spLocks noGrp="1"/>
+          </p:cNvSpPr>
+          <p:nvPr>
+            <p:ph type="title"/>
+          </p:nvPr>
+        </p:nvSpPr>
+        <p:spPr/>
+        <p:txBody>
+          <a:bodyPr/>
+          <a:lstStyle/>
+          <a:p>
+            <a:r>
+              <a:rPr lang="en-US" dirty="0"/>
+              <a:t>“Data that is loved tends to survive.”</a:t>
+            </a:r>
+          </a:p>
+        </p:txBody>
+      </p:sp>
+      <p:sp>
+        <p:nvSpPr>
+          <p:cNvPr id="3" name="Text Placeholder 2">
+            <a:extLst>
+              <a:ext uri="{FF2B5EF4-FFF2-40B4-BE49-F238E27FC236}">
+                <a16:creationId xmlns:a16="http://schemas.microsoft.com/office/drawing/2014/main" id="{A9D339AB-2C84-4709-9148-9F651CA415C0}"/>
+              </a:ext>
+            </a:extLst>
+          </p:cNvPr>
+          <p:cNvSpPr>
+            <a:spLocks noGrp="1"/>
+          </p:cNvSpPr>
+          <p:nvPr>
+            <p:ph type="body" idx="1"/>
+          </p:nvPr>
+        </p:nvSpPr>
+        <p:spPr/>
+        <p:txBody>
+          <a:bodyPr/>
+          <a:lstStyle/>
+          <a:p>
+            <a:r>
+              <a:rPr lang="en-US" dirty="0"/>
+              <a:t>KURT BOLLACKER, COMPUTER SCIENTIST</a:t>
+            </a:r>
+          </a:p>
+        </p:txBody>
+      </p:sp>
+    </p:spTree>
+    <p:extLst>
+      <p:ext uri="{BB962C8B-B14F-4D97-AF65-F5344CB8AC3E}">
+        <p14:creationId xmlns:p14="http://schemas.microsoft.com/office/powerpoint/2010/main" val="2712337901"/>
+      </p:ext>
+    </p:extLst>
+  </p:cSld>
+  <p:clrMapOvr>
+    <a:masterClrMapping/>
+  </p:clrMapOvr>
+</p:sld>
+</file>
+
+<file path=ppt/slides/slide5.xml><?xml version="1.0" encoding="utf-8"?>
+<p:sld xmlns:a="http://schemas.openxmlformats.org/drawingml/2006/main" xmlns:r="http://schemas.openxmlformats.org/officeDocument/2006/relationships" xmlns:p="http://schemas.openxmlformats.org/presentationml/2006/main">
+  <p:cSld>
+    <p:spTree>
+      <p:nvGrpSpPr>
+        <p:cNvPr id="1" name=""/>
+        <p:cNvGrpSpPr/>
+        <p:nvPr/>
+      </p:nvGrpSpPr>
+      <p:grpSpPr>
+        <a:xfrm>
+          <a:off x="0" y="0"/>
+          <a:ext cx="0" cy="0"/>
+          <a:chOff x="0" y="0"/>
+          <a:chExt cx="0" cy="0"/>
+        </a:xfrm>
+      </p:grpSpPr>
       <p:pic>
         <p:nvPicPr>
           <p:cNvPr id="5" name="Picture 4">
@@ -11407,7 +12129,7 @@
           <p:nvPr/>
         </p:nvPicPr>
         <p:blipFill rotWithShape="1">
-          <a:blip r:embed="rId2"/>
+          <a:blip r:embed="rId3"/>
           <a:srcRect l="9770" r="9743" b="2"/>
           <a:stretch/>
         </p:blipFill>
@@ -11444,7 +12166,7 @@
         <p:spPr>
           <a:xfrm>
             <a:off x="8477250" y="765313"/>
-            <a:ext cx="3144774" cy="805070"/>
+            <a:ext cx="3144774" cy="922636"/>
           </a:xfrm>
         </p:spPr>
         <p:txBody>
@@ -11455,7 +12177,7 @@
           <a:p>
             <a:pPr algn="ctr"/>
             <a:r>
-              <a:rPr lang="en-US" sz="4000" dirty="0"/>
+              <a:rPr lang="en-US" sz="4400" dirty="0"/>
               <a:t>The Idea</a:t>
             </a:r>
           </a:p>
@@ -11479,7 +12201,7 @@
         </p:nvSpPr>
         <p:spPr>
           <a:xfrm>
-            <a:off x="8477250" y="1858617"/>
+            <a:off x="8477250" y="2053424"/>
             <a:ext cx="3144774" cy="4039263"/>
           </a:xfrm>
         </p:spPr>
@@ -11487,17 +12209,47 @@
           <a:bodyPr/>
           <a:lstStyle/>
           <a:p>
-            <a:pPr>
-              <a:lnSpc>
-                <a:spcPct val="150000"/>
-              </a:lnSpc>
+            <a:pPr marL="285750" indent="-285750">
+              <a:buFont typeface="Arial" panose="020B0604020202020204" pitchFamily="34" charset="0"/>
+              <a:buChar char="•"/>
             </a:pPr>
             <a:r>
               <a:rPr lang="en-US" dirty="0"/>
-              <a:t>We wanted to give music lovers deeper insight into their different playlists based on multiple musical attributes. </a:t>
+              <a:t>WHAT SORT OF DATA CAN BE CAPTURED WITHIN A MUSIC PLAYLIST?</a:t>
             </a:r>
           </a:p>
           <a:p>
+            <a:pPr marL="285750" indent="-285750">
+              <a:buFont typeface="Arial" panose="020B0604020202020204" pitchFamily="34" charset="0"/>
+              <a:buChar char="•"/>
+            </a:pPr>
+            <a:r>
+              <a:rPr lang="en-US" dirty="0"/>
+              <a:t>HOW CAN THE DATA BE USED? </a:t>
+            </a:r>
+          </a:p>
+          <a:p>
+            <a:pPr marL="285750" indent="-285750">
+              <a:buFont typeface="Arial" panose="020B0604020202020204" pitchFamily="34" charset="0"/>
+              <a:buChar char="•"/>
+            </a:pPr>
+            <a:r>
+              <a:rPr lang="en-US" dirty="0"/>
+              <a:t>HOW CAN WE IMPLEMENT A PIE CHART FOR MO?</a:t>
+            </a:r>
+          </a:p>
+          <a:p>
+            <a:pPr marL="285750" indent="-285750">
+              <a:buFont typeface="Arial" panose="020B0604020202020204" pitchFamily="34" charset="0"/>
+              <a:buChar char="•"/>
+            </a:pPr>
+            <a:endParaRPr lang="en-US" dirty="0"/>
+          </a:p>
+          <a:p>
+            <a:pPr marL="285750" indent="-285750">
+              <a:buFont typeface="Arial" panose="020B0604020202020204" pitchFamily="34" charset="0"/>
+              <a:buChar char="•"/>
+            </a:pPr>
             <a:endParaRPr lang="en-US" dirty="0"/>
           </a:p>
         </p:txBody>
@@ -11506,102 +12258,6 @@
     <p:extLst>
       <p:ext uri="{BB962C8B-B14F-4D97-AF65-F5344CB8AC3E}">
         <p14:creationId xmlns:p14="http://schemas.microsoft.com/office/powerpoint/2010/main" val="1420168553"/>
-      </p:ext>
-    </p:extLst>
-  </p:cSld>
-  <p:clrMapOvr>
-    <a:masterClrMapping/>
-  </p:clrMapOvr>
-</p:sld>
-</file>
-
-<file path=ppt/slides/slide5.xml><?xml version="1.0" encoding="utf-8"?>
-<p:sld xmlns:a="http://schemas.openxmlformats.org/drawingml/2006/main" xmlns:r="http://schemas.openxmlformats.org/officeDocument/2006/relationships" xmlns:p="http://schemas.openxmlformats.org/presentationml/2006/main">
-  <p:cSld>
-    <p:spTree>
-      <p:nvGrpSpPr>
-        <p:cNvPr id="1" name=""/>
-        <p:cNvGrpSpPr/>
-        <p:nvPr/>
-      </p:nvGrpSpPr>
-      <p:grpSpPr>
-        <a:xfrm>
-          <a:off x="0" y="0"/>
-          <a:ext cx="0" cy="0"/>
-          <a:chOff x="0" y="0"/>
-          <a:chExt cx="0" cy="0"/>
-        </a:xfrm>
-      </p:grpSpPr>
-      <p:sp>
-        <p:nvSpPr>
-          <p:cNvPr id="2" name="Title 1">
-            <a:extLst>
-              <a:ext uri="{FF2B5EF4-FFF2-40B4-BE49-F238E27FC236}">
-                <a16:creationId xmlns:a16="http://schemas.microsoft.com/office/drawing/2014/main" id="{B6CEC1DE-9809-4948-A4A2-ACD3A41B2D4F}"/>
-              </a:ext>
-            </a:extLst>
-          </p:cNvPr>
-          <p:cNvSpPr>
-            <a:spLocks noGrp="1"/>
-          </p:cNvSpPr>
-          <p:nvPr>
-            <p:ph type="title"/>
-          </p:nvPr>
-        </p:nvSpPr>
-        <p:spPr>
-          <a:xfrm>
-            <a:off x="622917" y="527185"/>
-            <a:ext cx="10058400" cy="1371600"/>
-          </a:xfrm>
-        </p:spPr>
-        <p:txBody>
-          <a:bodyPr anchor="ctr">
-            <a:normAutofit/>
-          </a:bodyPr>
-          <a:lstStyle/>
-          <a:p>
-            <a:r>
-              <a:rPr lang="en-US" dirty="0"/>
-              <a:t>The Set Up</a:t>
-            </a:r>
-          </a:p>
-        </p:txBody>
-      </p:sp>
-      <p:graphicFrame>
-        <p:nvGraphicFramePr>
-          <p:cNvPr id="5" name="Content Placeholder 2">
-            <a:extLst>
-              <a:ext uri="{FF2B5EF4-FFF2-40B4-BE49-F238E27FC236}">
-                <a16:creationId xmlns:a16="http://schemas.microsoft.com/office/drawing/2014/main" id="{9EA56183-0DEC-460F-8930-E03E01E65631}"/>
-              </a:ext>
-            </a:extLst>
-          </p:cNvPr>
-          <p:cNvGraphicFramePr>
-            <a:graphicFrameLocks noGrp="1"/>
-          </p:cNvGraphicFramePr>
-          <p:nvPr>
-            <p:ph idx="1"/>
-            <p:extLst>
-              <p:ext uri="{D42A27DB-BD31-4B8C-83A1-F6EECF244321}">
-                <p14:modId xmlns:p14="http://schemas.microsoft.com/office/powerpoint/2010/main" val="1270787391"/>
-              </p:ext>
-            </p:extLst>
-          </p:nvPr>
-        </p:nvGraphicFramePr>
-        <p:xfrm>
-          <a:off x="1066800" y="2103120"/>
-          <a:ext cx="10412896" cy="3849624"/>
-        </p:xfrm>
-        <a:graphic>
-          <a:graphicData uri="http://schemas.openxmlformats.org/drawingml/2006/diagram">
-            <dgm:relIds xmlns:dgm="http://schemas.openxmlformats.org/drawingml/2006/diagram" xmlns:r="http://schemas.openxmlformats.org/officeDocument/2006/relationships" r:dm="rId2" r:lo="rId3" r:qs="rId4" r:cs="rId5"/>
-          </a:graphicData>
-        </a:graphic>
-      </p:graphicFrame>
-    </p:spTree>
-    <p:extLst>
-      <p:ext uri="{BB962C8B-B14F-4D97-AF65-F5344CB8AC3E}">
-        <p14:creationId xmlns:p14="http://schemas.microsoft.com/office/powerpoint/2010/main" val="73361151"/>
       </p:ext>
     </p:extLst>
   </p:cSld>
@@ -11643,7 +12299,7 @@
           <p:nvPr/>
         </p:nvPicPr>
         <p:blipFill rotWithShape="1">
-          <a:blip r:embed="rId2"/>
+          <a:blip r:embed="rId3"/>
           <a:srcRect l="6685" r="17951"/>
           <a:stretch/>
         </p:blipFill>
@@ -11720,9 +12376,7 @@
           </a:xfrm>
         </p:spPr>
         <p:txBody>
-          <a:bodyPr>
-            <a:normAutofit lnSpcReduction="10000"/>
-          </a:bodyPr>
+          <a:bodyPr/>
           <a:lstStyle/>
           <a:p>
             <a:pPr marL="285750" indent="-285750">
@@ -11731,28 +12385,15 @@
             </a:pPr>
             <a:r>
               <a:rPr lang="en-US" dirty="0"/>
-              <a:t>Kaggle</a:t>
+              <a:t>USER SPOTIFY PLAYLIST FOUND ON KAGGLE</a:t>
             </a:r>
           </a:p>
           <a:p>
-            <a:pPr marL="742950" lvl="1" indent="-285750">
+            <a:pPr marL="285750" indent="-285750">
               <a:buFont typeface="Arial" panose="020B0604020202020204" pitchFamily="34" charset="0"/>
               <a:buChar char="•"/>
             </a:pPr>
-            <a:r>
-              <a:rPr lang="en-US" sz="1600" dirty="0"/>
-              <a:t>Clean</a:t>
-            </a:r>
-          </a:p>
-          <a:p>
-            <a:pPr marL="742950" lvl="1" indent="-285750">
-              <a:buFont typeface="Arial" panose="020B0604020202020204" pitchFamily="34" charset="0"/>
-              <a:buChar char="•"/>
-            </a:pPr>
-            <a:r>
-              <a:rPr lang="en-US" sz="1600" dirty="0"/>
-              <a:t>Sufficient Records</a:t>
-            </a:r>
+            <a:endParaRPr lang="en-US" dirty="0"/>
           </a:p>
           <a:p>
             <a:pPr marL="285750" indent="-285750">
@@ -11761,36 +12402,48 @@
             </a:pPr>
             <a:r>
               <a:rPr lang="en-US" dirty="0"/>
-              <a:t>Reviewed several other Spotify datasets on Kaggle, but they were not as concise as the dataset we landed on</a:t>
+              <a:t>TRACK PROPERTIES FALL UNDER BINS:</a:t>
             </a:r>
           </a:p>
           <a:p>
-            <a:pPr marL="285750" indent="-285750">
+            <a:pPr marL="742950" lvl="1" indent="-285750">
               <a:buFont typeface="Arial" panose="020B0604020202020204" pitchFamily="34" charset="0"/>
               <a:buChar char="•"/>
             </a:pPr>
             <a:r>
               <a:rPr lang="en-US" dirty="0"/>
-              <a:t>The additional information behind </a:t>
+              <a:t>MOOD</a:t>
             </a:r>
-            <a:r>
-              <a:rPr lang="en-US"/>
-              <a:t>our data </a:t>
-            </a:r>
-            <a:r>
-              <a:rPr lang="en-US" dirty="0"/>
-              <a:t>assisted with definitions of all columns</a:t>
-            </a:r>
-          </a:p>
-          <a:p>
-            <a:endParaRPr lang="en-US" sz="1600" dirty="0"/>
-          </a:p>
-          <a:p>
-            <a:pPr marL="285750" indent="-285750">
+          </a:p>
+          <a:p>
+            <a:pPr marL="742950" lvl="1" indent="-285750">
               <a:buFont typeface="Arial" panose="020B0604020202020204" pitchFamily="34" charset="0"/>
               <a:buChar char="•"/>
             </a:pPr>
-            <a:endParaRPr lang="en-US" dirty="0"/>
+            <a:r>
+              <a:rPr lang="en-US" dirty="0"/>
+              <a:t>AUDITORY PROPERTIES</a:t>
+            </a:r>
+          </a:p>
+          <a:p>
+            <a:pPr marL="742950" lvl="1" indent="-285750">
+              <a:buFont typeface="Arial" panose="020B0604020202020204" pitchFamily="34" charset="0"/>
+              <a:buChar char="•"/>
+            </a:pPr>
+            <a:r>
+              <a:rPr lang="en-US" dirty="0"/>
+              <a:t>CONTEXT</a:t>
+            </a:r>
+          </a:p>
+          <a:p>
+            <a:pPr marL="742950" lvl="1" indent="-285750">
+              <a:buFont typeface="Arial" panose="020B0604020202020204" pitchFamily="34" charset="0"/>
+              <a:buChar char="•"/>
+            </a:pPr>
+            <a:r>
+              <a:rPr lang="en-US" dirty="0"/>
+              <a:t>SEGMENT</a:t>
+            </a:r>
           </a:p>
         </p:txBody>
       </p:sp>
@@ -11809,7 +12462,7 @@
           <p:nvPr/>
         </p:nvPicPr>
         <p:blipFill>
-          <a:blip r:embed="rId3"/>
+          <a:blip r:embed="rId4"/>
           <a:stretch>
             <a:fillRect/>
           </a:stretch>
@@ -11859,6 +12512,102 @@
           <p:cNvPr id="2" name="Title 1">
             <a:extLst>
               <a:ext uri="{FF2B5EF4-FFF2-40B4-BE49-F238E27FC236}">
+                <a16:creationId xmlns:a16="http://schemas.microsoft.com/office/drawing/2014/main" id="{B6CEC1DE-9809-4948-A4A2-ACD3A41B2D4F}"/>
+              </a:ext>
+            </a:extLst>
+          </p:cNvPr>
+          <p:cNvSpPr>
+            <a:spLocks noGrp="1"/>
+          </p:cNvSpPr>
+          <p:nvPr>
+            <p:ph type="title"/>
+          </p:nvPr>
+        </p:nvSpPr>
+        <p:spPr>
+          <a:xfrm>
+            <a:off x="1066800" y="642594"/>
+            <a:ext cx="10058400" cy="1371600"/>
+          </a:xfrm>
+        </p:spPr>
+        <p:txBody>
+          <a:bodyPr anchor="ctr">
+            <a:normAutofit/>
+          </a:bodyPr>
+          <a:lstStyle/>
+          <a:p>
+            <a:r>
+              <a:rPr lang="en-US" dirty="0"/>
+              <a:t>The Set Up</a:t>
+            </a:r>
+          </a:p>
+        </p:txBody>
+      </p:sp>
+      <p:graphicFrame>
+        <p:nvGraphicFramePr>
+          <p:cNvPr id="5" name="Content Placeholder 2">
+            <a:extLst>
+              <a:ext uri="{FF2B5EF4-FFF2-40B4-BE49-F238E27FC236}">
+                <a16:creationId xmlns:a16="http://schemas.microsoft.com/office/drawing/2014/main" id="{9EA56183-0DEC-460F-8930-E03E01E65631}"/>
+              </a:ext>
+            </a:extLst>
+          </p:cNvPr>
+          <p:cNvGraphicFramePr>
+            <a:graphicFrameLocks noGrp="1"/>
+          </p:cNvGraphicFramePr>
+          <p:nvPr>
+            <p:ph idx="1"/>
+            <p:extLst>
+              <p:ext uri="{D42A27DB-BD31-4B8C-83A1-F6EECF244321}">
+                <p14:modId xmlns:p14="http://schemas.microsoft.com/office/powerpoint/2010/main" val="242761082"/>
+              </p:ext>
+            </p:extLst>
+          </p:nvPr>
+        </p:nvGraphicFramePr>
+        <p:xfrm>
+          <a:off x="1066800" y="2103120"/>
+          <a:ext cx="10412896" cy="3849624"/>
+        </p:xfrm>
+        <a:graphic>
+          <a:graphicData uri="http://schemas.openxmlformats.org/drawingml/2006/diagram">
+            <dgm:relIds xmlns:dgm="http://schemas.openxmlformats.org/drawingml/2006/diagram" xmlns:r="http://schemas.openxmlformats.org/officeDocument/2006/relationships" r:dm="rId3" r:lo="rId4" r:qs="rId5" r:cs="rId6"/>
+          </a:graphicData>
+        </a:graphic>
+      </p:graphicFrame>
+    </p:spTree>
+    <p:extLst>
+      <p:ext uri="{BB962C8B-B14F-4D97-AF65-F5344CB8AC3E}">
+        <p14:creationId xmlns:p14="http://schemas.microsoft.com/office/powerpoint/2010/main" val="73361151"/>
+      </p:ext>
+    </p:extLst>
+  </p:cSld>
+  <p:clrMapOvr>
+    <a:masterClrMapping/>
+  </p:clrMapOvr>
+</p:sld>
+</file>
+
+<file path=ppt/slides/slide8.xml><?xml version="1.0" encoding="utf-8"?>
+<p:sld xmlns:a="http://schemas.openxmlformats.org/drawingml/2006/main" xmlns:r="http://schemas.openxmlformats.org/officeDocument/2006/relationships" xmlns:p="http://schemas.openxmlformats.org/presentationml/2006/main">
+  <p:cSld>
+    <p:spTree>
+      <p:nvGrpSpPr>
+        <p:cNvPr id="1" name=""/>
+        <p:cNvGrpSpPr/>
+        <p:nvPr/>
+      </p:nvGrpSpPr>
+      <p:grpSpPr>
+        <a:xfrm>
+          <a:off x="0" y="0"/>
+          <a:ext cx="0" cy="0"/>
+          <a:chOff x="0" y="0"/>
+          <a:chExt cx="0" cy="0"/>
+        </a:xfrm>
+      </p:grpSpPr>
+      <p:sp>
+        <p:nvSpPr>
+          <p:cNvPr id="2" name="Title 1">
+            <a:extLst>
+              <a:ext uri="{FF2B5EF4-FFF2-40B4-BE49-F238E27FC236}">
                 <a16:creationId xmlns:a16="http://schemas.microsoft.com/office/drawing/2014/main" id="{5F484F91-D050-4B1E-BC62-3AD56D875FB7}"/>
               </a:ext>
             </a:extLst>
@@ -11867,13 +12616,13 @@
             <a:spLocks noGrp="1"/>
           </p:cNvSpPr>
           <p:nvPr>
-            <p:ph type="ctrTitle"/>
+            <p:ph type="title"/>
           </p:nvPr>
         </p:nvSpPr>
         <p:spPr>
           <a:xfrm>
-            <a:off x="1629103" y="2244830"/>
-            <a:ext cx="8933796" cy="2437232"/>
+            <a:off x="1629156" y="2275165"/>
+            <a:ext cx="8933688" cy="2406895"/>
           </a:xfrm>
         </p:spPr>
         <p:txBody>
@@ -11902,7 +12651,7 @@
 </p:sld>
 </file>
 
-<file path=ppt/slides/slide8.xml><?xml version="1.0" encoding="utf-8"?>
+<file path=ppt/slides/slide9.xml><?xml version="1.0" encoding="utf-8"?>
 <p:sld xmlns:a="http://schemas.openxmlformats.org/drawingml/2006/main" xmlns:r="http://schemas.openxmlformats.org/officeDocument/2006/relationships" xmlns:p="http://schemas.openxmlformats.org/presentationml/2006/main">
   <p:cSld>
     <p:spTree>
@@ -11971,13 +12720,13 @@
         </p:spPr>
         <p:txBody>
           <a:bodyPr>
-            <a:normAutofit lnSpcReduction="10000"/>
+            <a:normAutofit fontScale="92500"/>
           </a:bodyPr>
           <a:lstStyle/>
           <a:p>
             <a:r>
               <a:rPr lang="en-US" dirty="0"/>
-              <a:t>API pull to get a more rounded data set</a:t>
+              <a:t>Spotify API pull to get a more rounded data set</a:t>
             </a:r>
           </a:p>
           <a:p>
@@ -11995,12 +12744,6 @@
           <a:p>
             <a:r>
               <a:rPr lang="en-US" dirty="0"/>
-              <a:t>Make the charts more interactive</a:t>
-            </a:r>
-          </a:p>
-          <a:p>
-            <a:r>
-              <a:rPr lang="en-US" dirty="0"/>
               <a:t>Link tracks to YouTube</a:t>
             </a:r>
           </a:p>
@@ -12008,6 +12751,18 @@
             <a:r>
               <a:rPr lang="en-US" dirty="0"/>
               <a:t>Web-scrape the album cover connected to each song </a:t>
+            </a:r>
+          </a:p>
+          <a:p>
+            <a:r>
+              <a:rPr lang="en-US" dirty="0"/>
+              <a:t>Give all charts the ability to be filtered and interactive</a:t>
+            </a:r>
+          </a:p>
+          <a:p>
+            <a:r>
+              <a:rPr lang="en-US" dirty="0"/>
+              <a:t>Additional Styling</a:t>
             </a:r>
           </a:p>
           <a:p>
@@ -12016,23 +12771,14 @@
             </a:pPr>
             <a:r>
               <a:rPr lang="en-US" sz="3200" dirty="0"/>
-              <a:t> </a:t>
-            </a:r>
-          </a:p>
-          <a:p>
-            <a:pPr marL="0" indent="0">
-              <a:buNone/>
-            </a:pPr>
-            <a:r>
-              <a:rPr lang="en-US" sz="3200" dirty="0"/>
-              <a:t>Questions?</a:t>
+              <a:t> Questions?</a:t>
             </a:r>
           </a:p>
           <a:p>
             <a:pPr lvl="1"/>
             <a:r>
               <a:rPr lang="en-US" sz="3000" dirty="0"/>
-              <a:t>Remember our brains are fried right now</a:t>
+              <a:t>Remember our brains are fried right now…throw us a few softballs </a:t>
             </a:r>
           </a:p>
           <a:p>
@@ -12045,104 +12791,6 @@
     <p:extLst>
       <p:ext uri="{BB962C8B-B14F-4D97-AF65-F5344CB8AC3E}">
         <p14:creationId xmlns:p14="http://schemas.microsoft.com/office/powerpoint/2010/main" val="3169973273"/>
-      </p:ext>
-    </p:extLst>
-  </p:cSld>
-  <p:clrMapOvr>
-    <a:masterClrMapping/>
-  </p:clrMapOvr>
-</p:sld>
-</file>
-
-<file path=ppt/slides/slide9.xml><?xml version="1.0" encoding="utf-8"?>
-<p:sld xmlns:a="http://schemas.openxmlformats.org/drawingml/2006/main" xmlns:r="http://schemas.openxmlformats.org/officeDocument/2006/relationships" xmlns:p="http://schemas.openxmlformats.org/presentationml/2006/main">
-  <p:cSld>
-    <p:spTree>
-      <p:nvGrpSpPr>
-        <p:cNvPr id="1" name=""/>
-        <p:cNvGrpSpPr/>
-        <p:nvPr/>
-      </p:nvGrpSpPr>
-      <p:grpSpPr>
-        <a:xfrm>
-          <a:off x="0" y="0"/>
-          <a:ext cx="0" cy="0"/>
-          <a:chOff x="0" y="0"/>
-          <a:chExt cx="0" cy="0"/>
-        </a:xfrm>
-      </p:grpSpPr>
-      <p:sp>
-        <p:nvSpPr>
-          <p:cNvPr id="3" name="Content Placeholder 2">
-            <a:extLst>
-              <a:ext uri="{FF2B5EF4-FFF2-40B4-BE49-F238E27FC236}">
-                <a16:creationId xmlns:a16="http://schemas.microsoft.com/office/drawing/2014/main" id="{BDD8104A-71DC-4F1F-AD4A-24A7547F0421}"/>
-              </a:ext>
-            </a:extLst>
-          </p:cNvPr>
-          <p:cNvSpPr>
-            <a:spLocks noGrp="1"/>
-          </p:cNvSpPr>
-          <p:nvPr>
-            <p:ph type="title"/>
-          </p:nvPr>
-        </p:nvSpPr>
-        <p:spPr>
-          <a:xfrm>
-            <a:off x="1066800" y="642594"/>
-            <a:ext cx="10058400" cy="1371600"/>
-          </a:xfrm>
-        </p:spPr>
-        <p:txBody>
-          <a:bodyPr anchor="ctr">
-            <a:normAutofit/>
-          </a:bodyPr>
-          <a:lstStyle/>
-          <a:p>
-            <a:pPr marL="0" indent="0" algn="ctr">
-              <a:buNone/>
-            </a:pPr>
-            <a:r>
-              <a:rPr lang="en-US" dirty="0"/>
-              <a:t>Thank you</a:t>
-            </a:r>
-          </a:p>
-        </p:txBody>
-      </p:sp>
-      <p:pic>
-        <p:nvPicPr>
-          <p:cNvPr id="4" name="Picture 3" descr="A group of women in red&#10;&#10;Description automatically generated with low confidence">
-            <a:extLst>
-              <a:ext uri="{FF2B5EF4-FFF2-40B4-BE49-F238E27FC236}">
-                <a16:creationId xmlns:a16="http://schemas.microsoft.com/office/drawing/2014/main" id="{189975E6-B1B4-4FDA-BCAD-76DDFD4680BD}"/>
-              </a:ext>
-            </a:extLst>
-          </p:cNvPr>
-          <p:cNvPicPr>
-            <a:picLocks noChangeAspect="1"/>
-          </p:cNvPicPr>
-          <p:nvPr/>
-        </p:nvPicPr>
-        <p:blipFill rotWithShape="1">
-          <a:blip r:embed="rId2"/>
-          <a:srcRect b="54164"/>
-          <a:stretch/>
-        </p:blipFill>
-        <p:spPr>
-          <a:xfrm>
-            <a:off x="1066800" y="2103120"/>
-            <a:ext cx="10058400" cy="3849624"/>
-          </a:xfrm>
-          <a:prstGeom prst="rect">
-            <a:avLst/>
-          </a:prstGeom>
-          <a:noFill/>
-        </p:spPr>
-      </p:pic>
-    </p:spTree>
-    <p:extLst>
-      <p:ext uri="{BB962C8B-B14F-4D97-AF65-F5344CB8AC3E}">
-        <p14:creationId xmlns:p14="http://schemas.microsoft.com/office/powerpoint/2010/main" val="2104656030"/>
       </p:ext>
     </p:extLst>
   </p:cSld>
@@ -12724,6 +13372,15 @@
 </file>
 
 <file path=customXml/item1.xml><?xml version="1.0" encoding="utf-8"?>
+<p:properties xmlns:p="http://schemas.microsoft.com/office/2006/metadata/properties" xmlns:xsi="http://www.w3.org/2001/XMLSchema-instance" xmlns:pc="http://schemas.microsoft.com/office/infopath/2007/PartnerControls">
+  <documentManagement>
+    <Status xmlns="71af3243-3dd4-4a8d-8c0d-dd76da1f02a5">Not started</Status>
+    <MediaServiceKeyPoints xmlns="71af3243-3dd4-4a8d-8c0d-dd76da1f02a5" xsi:nil="true"/>
+  </documentManagement>
+</p:properties>
+</file>
+
+<file path=customXml/item2.xml><?xml version="1.0" encoding="utf-8"?>
 <?mso-contentType ?>
 <FormTemplates xmlns="http://schemas.microsoft.com/sharepoint/v3/contenttype/forms">
   <Display>DocumentLibraryForm</Display>
@@ -12732,7 +13389,7 @@
 </FormTemplates>
 </file>
 
-<file path=customXml/item2.xml><?xml version="1.0" encoding="utf-8"?>
+<file path=customXml/item3.xml><?xml version="1.0" encoding="utf-8"?>
 <ct:contentTypeSchema xmlns:ct="http://schemas.microsoft.com/office/2006/metadata/contentType" xmlns:ma="http://schemas.microsoft.com/office/2006/metadata/properties/metaAttributes" ct:_="" ma:_="" ma:contentTypeName="Document" ma:contentTypeID="0x01010079F111ED35F8CC479449609E8A0923A6" ma:contentTypeVersion="12" ma:contentTypeDescription="Create a new document." ma:contentTypeScope="" ma:versionID="a410dd7f93c95333ffa1b60ed6adedd1">
   <xsd:schema xmlns:xsd="http://www.w3.org/2001/XMLSchema" xmlns:xs="http://www.w3.org/2001/XMLSchema" xmlns:p="http://schemas.microsoft.com/office/2006/metadata/properties" xmlns:ns2="71af3243-3dd4-4a8d-8c0d-dd76da1f02a5" xmlns:ns3="16c05727-aa75-4e4a-9b5f-8a80a1165891" targetNamespace="http://schemas.microsoft.com/office/2006/metadata/properties" ma:root="true" ma:fieldsID="a936d9baba76aa3866493feff160faab" ns2:_="" ns3:_="">
     <xsd:import namespace="71af3243-3dd4-4a8d-8c0d-dd76da1f02a5"/>
@@ -12953,16 +13610,17 @@
 </ct:contentTypeSchema>
 </file>
 
-<file path=customXml/item3.xml><?xml version="1.0" encoding="utf-8"?>
-<p:properties xmlns:p="http://schemas.microsoft.com/office/2006/metadata/properties" xmlns:xsi="http://www.w3.org/2001/XMLSchema-instance" xmlns:pc="http://schemas.microsoft.com/office/infopath/2007/PartnerControls">
-  <documentManagement>
-    <Status xmlns="71af3243-3dd4-4a8d-8c0d-dd76da1f02a5">Not started</Status>
-    <MediaServiceKeyPoints xmlns="71af3243-3dd4-4a8d-8c0d-dd76da1f02a5" xsi:nil="true"/>
-  </documentManagement>
-</p:properties>
+<file path=customXml/itemProps1.xml><?xml version="1.0" encoding="utf-8"?>
+<ds:datastoreItem xmlns:ds="http://schemas.openxmlformats.org/officeDocument/2006/customXml" ds:itemID="{137651BA-F45C-4845-9AB3-E0A65B39F5E1}">
+  <ds:schemaRefs>
+    <ds:schemaRef ds:uri="http://schemas.microsoft.com/office/2006/metadata/properties"/>
+    <ds:schemaRef ds:uri="http://schemas.microsoft.com/office/infopath/2007/PartnerControls"/>
+    <ds:schemaRef ds:uri="71af3243-3dd4-4a8d-8c0d-dd76da1f02a5"/>
+  </ds:schemaRefs>
+</ds:datastoreItem>
 </file>
 
-<file path=customXml/itemProps1.xml><?xml version="1.0" encoding="utf-8"?>
+<file path=customXml/itemProps2.xml><?xml version="1.0" encoding="utf-8"?>
 <ds:datastoreItem xmlns:ds="http://schemas.openxmlformats.org/officeDocument/2006/customXml" ds:itemID="{CDB58277-F8DF-46FF-84EC-EF41B835E69F}">
   <ds:schemaRefs>
     <ds:schemaRef ds:uri="http://schemas.microsoft.com/sharepoint/v3/contenttype/forms"/>
@@ -12970,7 +13628,7 @@
 </ds:datastoreItem>
 </file>
 
-<file path=customXml/itemProps2.xml><?xml version="1.0" encoding="utf-8"?>
+<file path=customXml/itemProps3.xml><?xml version="1.0" encoding="utf-8"?>
 <ds:datastoreItem xmlns:ds="http://schemas.openxmlformats.org/officeDocument/2006/customXml" ds:itemID="{2D276E62-80A3-44DD-9BCC-97ED2B99B57F}">
   <ds:schemaRefs>
     <ds:schemaRef ds:uri="http://schemas.microsoft.com/office/2006/metadata/contentType"/>
@@ -12987,14 +13645,4 @@
     <ds:schemaRef ds:uri="http://schemas.microsoft.com/internal/obd"/>
   </ds:schemaRefs>
 </ds:datastoreItem>
-</file>
-
-<file path=customXml/itemProps3.xml><?xml version="1.0" encoding="utf-8"?>
-<ds:datastoreItem xmlns:ds="http://schemas.openxmlformats.org/officeDocument/2006/customXml" ds:itemID="{137651BA-F45C-4845-9AB3-E0A65B39F5E1}">
-  <ds:schemaRefs>
-    <ds:schemaRef ds:uri="http://schemas.microsoft.com/office/2006/metadata/properties"/>
-    <ds:schemaRef ds:uri="http://schemas.microsoft.com/office/infopath/2007/PartnerControls"/>
-    <ds:schemaRef ds:uri="71af3243-3dd4-4a8d-8c0d-dd76da1f02a5"/>
-  </ds:schemaRefs>
-</ds:datastoreItem>
 </file>